--- a/Logistic_Lead_Scoring_Case_Study/Lead Scoring Case Study.pptx
+++ b/Logistic_Lead_Scoring_Case_Study/Lead Scoring Case Study.pptx
@@ -1,49 +1,52 @@
 
 <file path=ppt/presentation.xml><?xml version="1.0" encoding="utf-8"?>
-<p:presentation xmlns:a="http://schemas.openxmlformats.org/drawingml/2006/main" xmlns:r="http://schemas.openxmlformats.org/officeDocument/2006/relationships" xmlns:mc="http://schemas.openxmlformats.org/markup-compatibility/2006" xmlns:mv="urn:schemas-microsoft-com:mac:vml" xmlns:p="http://schemas.openxmlformats.org/presentationml/2006/main" xmlns:c="http://schemas.openxmlformats.org/drawingml/2006/chart" xmlns:dgm="http://schemas.openxmlformats.org/drawingml/2006/diagram" xmlns:o="urn:schemas-microsoft-com:office:office" xmlns:v="urn:schemas-microsoft-com:vml" xmlns:pvml="urn:schemas-microsoft-com:office:powerpoint" xmlns:com="http://schemas.openxmlformats.org/drawingml/2006/compatibility" xmlns:p14="http://schemas.microsoft.com/office/powerpoint/2010/main" xmlns:p15="http://schemas.microsoft.com/office/powerpoint/2012/main" autoCompressPictures="0" embedTrueTypeFonts="1" strictFirstAndLastChars="0" saveSubsetFonts="1">
+<p:presentation xmlns:a="http://schemas.openxmlformats.org/drawingml/2006/main" xmlns:r="http://schemas.openxmlformats.org/officeDocument/2006/relationships" xmlns:p="http://schemas.openxmlformats.org/presentationml/2006/main" strictFirstAndLastChars="0" embedTrueTypeFonts="1" saveSubsetFonts="1" autoCompressPictures="0">
   <p:sldMasterIdLst>
-    <p:sldMasterId id="2147483659" r:id="rId4"/>
+    <p:sldMasterId id="2147483659" r:id="rId1"/>
   </p:sldMasterIdLst>
   <p:notesMasterIdLst>
-    <p:notesMasterId r:id="rId5"/>
+    <p:notesMasterId r:id="rId19"/>
   </p:notesMasterIdLst>
   <p:sldIdLst>
-    <p:sldId id="256" r:id="rId6"/>
-    <p:sldId id="257" r:id="rId7"/>
-    <p:sldId id="258" r:id="rId8"/>
-    <p:sldId id="259" r:id="rId9"/>
-    <p:sldId id="260" r:id="rId10"/>
-    <p:sldId id="261" r:id="rId11"/>
-    <p:sldId id="262" r:id="rId12"/>
-    <p:sldId id="263" r:id="rId13"/>
-    <p:sldId id="264" r:id="rId14"/>
-    <p:sldId id="265" r:id="rId15"/>
-    <p:sldId id="266" r:id="rId16"/>
-    <p:sldId id="267" r:id="rId17"/>
-    <p:sldId id="268" r:id="rId18"/>
-    <p:sldId id="269" r:id="rId19"/>
-    <p:sldId id="270" r:id="rId20"/>
-    <p:sldId id="271" r:id="rId21"/>
-    <p:sldId id="272" r:id="rId22"/>
-    <p:sldId id="273" r:id="rId23"/>
+    <p:sldId id="256" r:id="rId2"/>
+    <p:sldId id="257" r:id="rId3"/>
+    <p:sldId id="258" r:id="rId4"/>
+    <p:sldId id="259" r:id="rId5"/>
+    <p:sldId id="260" r:id="rId6"/>
+    <p:sldId id="261" r:id="rId7"/>
+    <p:sldId id="262" r:id="rId8"/>
+    <p:sldId id="263" r:id="rId9"/>
+    <p:sldId id="264" r:id="rId10"/>
+    <p:sldId id="266" r:id="rId11"/>
+    <p:sldId id="267" r:id="rId12"/>
+    <p:sldId id="268" r:id="rId13"/>
+    <p:sldId id="269" r:id="rId14"/>
+    <p:sldId id="270" r:id="rId15"/>
+    <p:sldId id="271" r:id="rId16"/>
+    <p:sldId id="272" r:id="rId17"/>
+    <p:sldId id="273" r:id="rId18"/>
   </p:sldIdLst>
-  <p:sldSz cy="5143500" cx="9144000"/>
+  <p:sldSz cx="9144000" cy="5143500" type="screen16x9"/>
   <p:notesSz cx="6858000" cy="9144000"/>
   <p:embeddedFontLst>
     <p:embeddedFont>
-      <p:font typeface="Proxima Nova"/>
-      <p:regular r:id="rId24"/>
-      <p:bold r:id="rId25"/>
-      <p:italic r:id="rId26"/>
-      <p:boldItalic r:id="rId27"/>
+      <p:font typeface="Impact" panose="020B0806030902050204" pitchFamily="34" charset="0"/>
+      <p:regular r:id="rId20"/>
     </p:embeddedFont>
     <p:embeddedFont>
-      <p:font typeface="Alfa Slab One"/>
-      <p:regular r:id="rId28"/>
+      <p:font typeface="Alfa Slab One" panose="020B0604020202020204" charset="0"/>
+      <p:regular r:id="rId21"/>
+    </p:embeddedFont>
+    <p:embeddedFont>
+      <p:font typeface="Proxima Nova" panose="020B0604020202020204" charset="0"/>
+      <p:regular r:id="rId22"/>
+      <p:bold r:id="rId23"/>
+      <p:italic r:id="rId24"/>
+      <p:boldItalic r:id="rId25"/>
     </p:embeddedFont>
   </p:embeddedFontLst>
   <p:defaultTextStyle>
-    <a:defPPr lvl="0" marR="0" rtl="0" algn="l">
+    <a:defPPr marR="0" lvl="0" algn="l" rtl="0">
       <a:lnSpc>
         <a:spcPct val="100000"/>
       </a:lnSpc>
@@ -54,7 +57,7 @@
         <a:spcPts val="0"/>
       </a:spcAft>
     </a:defPPr>
-    <a:lvl1pPr lvl="0" marR="0" rtl="0" algn="l">
+    <a:lvl1pPr marR="0" lvl="0" algn="l" rtl="0">
       <a:lnSpc>
         <a:spcPct val="100000"/>
       </a:lnSpc>
@@ -68,7 +71,7 @@
         <a:srgbClr val="000000"/>
       </a:buClr>
       <a:buFont typeface="Arial"/>
-      <a:defRPr b="0" i="0" sz="1400" u="none" cap="none" strike="noStrike">
+      <a:defRPr sz="1400" b="0" i="0" u="none" strike="noStrike" cap="none">
         <a:solidFill>
           <a:srgbClr val="000000"/>
         </a:solidFill>
@@ -78,7 +81,7 @@
         <a:sym typeface="Arial"/>
       </a:defRPr>
     </a:lvl1pPr>
-    <a:lvl2pPr lvl="1" marR="0" rtl="0" algn="l">
+    <a:lvl2pPr marR="0" lvl="1" algn="l" rtl="0">
       <a:lnSpc>
         <a:spcPct val="100000"/>
       </a:lnSpc>
@@ -92,7 +95,7 @@
         <a:srgbClr val="000000"/>
       </a:buClr>
       <a:buFont typeface="Arial"/>
-      <a:defRPr b="0" i="0" sz="1400" u="none" cap="none" strike="noStrike">
+      <a:defRPr sz="1400" b="0" i="0" u="none" strike="noStrike" cap="none">
         <a:solidFill>
           <a:srgbClr val="000000"/>
         </a:solidFill>
@@ -102,7 +105,7 @@
         <a:sym typeface="Arial"/>
       </a:defRPr>
     </a:lvl2pPr>
-    <a:lvl3pPr lvl="2" marR="0" rtl="0" algn="l">
+    <a:lvl3pPr marR="0" lvl="2" algn="l" rtl="0">
       <a:lnSpc>
         <a:spcPct val="100000"/>
       </a:lnSpc>
@@ -116,7 +119,7 @@
         <a:srgbClr val="000000"/>
       </a:buClr>
       <a:buFont typeface="Arial"/>
-      <a:defRPr b="0" i="0" sz="1400" u="none" cap="none" strike="noStrike">
+      <a:defRPr sz="1400" b="0" i="0" u="none" strike="noStrike" cap="none">
         <a:solidFill>
           <a:srgbClr val="000000"/>
         </a:solidFill>
@@ -126,7 +129,7 @@
         <a:sym typeface="Arial"/>
       </a:defRPr>
     </a:lvl3pPr>
-    <a:lvl4pPr lvl="3" marR="0" rtl="0" algn="l">
+    <a:lvl4pPr marR="0" lvl="3" algn="l" rtl="0">
       <a:lnSpc>
         <a:spcPct val="100000"/>
       </a:lnSpc>
@@ -140,7 +143,7 @@
         <a:srgbClr val="000000"/>
       </a:buClr>
       <a:buFont typeface="Arial"/>
-      <a:defRPr b="0" i="0" sz="1400" u="none" cap="none" strike="noStrike">
+      <a:defRPr sz="1400" b="0" i="0" u="none" strike="noStrike" cap="none">
         <a:solidFill>
           <a:srgbClr val="000000"/>
         </a:solidFill>
@@ -150,7 +153,7 @@
         <a:sym typeface="Arial"/>
       </a:defRPr>
     </a:lvl4pPr>
-    <a:lvl5pPr lvl="4" marR="0" rtl="0" algn="l">
+    <a:lvl5pPr marR="0" lvl="4" algn="l" rtl="0">
       <a:lnSpc>
         <a:spcPct val="100000"/>
       </a:lnSpc>
@@ -164,7 +167,7 @@
         <a:srgbClr val="000000"/>
       </a:buClr>
       <a:buFont typeface="Arial"/>
-      <a:defRPr b="0" i="0" sz="1400" u="none" cap="none" strike="noStrike">
+      <a:defRPr sz="1400" b="0" i="0" u="none" strike="noStrike" cap="none">
         <a:solidFill>
           <a:srgbClr val="000000"/>
         </a:solidFill>
@@ -174,7 +177,7 @@
         <a:sym typeface="Arial"/>
       </a:defRPr>
     </a:lvl5pPr>
-    <a:lvl6pPr lvl="5" marR="0" rtl="0" algn="l">
+    <a:lvl6pPr marR="0" lvl="5" algn="l" rtl="0">
       <a:lnSpc>
         <a:spcPct val="100000"/>
       </a:lnSpc>
@@ -188,7 +191,7 @@
         <a:srgbClr val="000000"/>
       </a:buClr>
       <a:buFont typeface="Arial"/>
-      <a:defRPr b="0" i="0" sz="1400" u="none" cap="none" strike="noStrike">
+      <a:defRPr sz="1400" b="0" i="0" u="none" strike="noStrike" cap="none">
         <a:solidFill>
           <a:srgbClr val="000000"/>
         </a:solidFill>
@@ -198,7 +201,7 @@
         <a:sym typeface="Arial"/>
       </a:defRPr>
     </a:lvl6pPr>
-    <a:lvl7pPr lvl="6" marR="0" rtl="0" algn="l">
+    <a:lvl7pPr marR="0" lvl="6" algn="l" rtl="0">
       <a:lnSpc>
         <a:spcPct val="100000"/>
       </a:lnSpc>
@@ -212,7 +215,7 @@
         <a:srgbClr val="000000"/>
       </a:buClr>
       <a:buFont typeface="Arial"/>
-      <a:defRPr b="0" i="0" sz="1400" u="none" cap="none" strike="noStrike">
+      <a:defRPr sz="1400" b="0" i="0" u="none" strike="noStrike" cap="none">
         <a:solidFill>
           <a:srgbClr val="000000"/>
         </a:solidFill>
@@ -222,7 +225,7 @@
         <a:sym typeface="Arial"/>
       </a:defRPr>
     </a:lvl7pPr>
-    <a:lvl8pPr lvl="7" marR="0" rtl="0" algn="l">
+    <a:lvl8pPr marR="0" lvl="7" algn="l" rtl="0">
       <a:lnSpc>
         <a:spcPct val="100000"/>
       </a:lnSpc>
@@ -236,7 +239,7 @@
         <a:srgbClr val="000000"/>
       </a:buClr>
       <a:buFont typeface="Arial"/>
-      <a:defRPr b="0" i="0" sz="1400" u="none" cap="none" strike="noStrike">
+      <a:defRPr sz="1400" b="0" i="0" u="none" strike="noStrike" cap="none">
         <a:solidFill>
           <a:srgbClr val="000000"/>
         </a:solidFill>
@@ -246,7 +249,7 @@
         <a:sym typeface="Arial"/>
       </a:defRPr>
     </a:lvl8pPr>
-    <a:lvl9pPr lvl="8" marR="0" rtl="0" algn="l">
+    <a:lvl9pPr marR="0" lvl="8" algn="l" rtl="0">
       <a:lnSpc>
         <a:spcPct val="100000"/>
       </a:lnSpc>
@@ -260,7 +263,7 @@
         <a:srgbClr val="000000"/>
       </a:buClr>
       <a:buFont typeface="Arial"/>
-      <a:defRPr b="0" i="0" sz="1400" u="none" cap="none" strike="noStrike">
+      <a:defRPr sz="1400" b="0" i="0" u="none" strike="noStrike" cap="none">
         <a:solidFill>
           <a:srgbClr val="000000"/>
         </a:solidFill>
@@ -273,7 +276,7 @@
   </p:defaultTextStyle>
   <p:extLst>
     <p:ext uri="{EFAFB233-063F-42B5-8137-9DF3F51BA10A}">
-      <p15:sldGuideLst>
+      <p15:sldGuideLst xmlns:p15="http://schemas.microsoft.com/office/powerpoint/2012/main">
         <p15:guide id="1" orient="horz" pos="1620">
           <p15:clr>
             <a:srgbClr val="A4A3A4"/>
@@ -291,11 +294,16 @@
 </file>
 
 <file path=ppt/notesMasters/notesMaster1.xml><?xml version="1.0" encoding="utf-8"?>
-<p:notesMaster xmlns:a="http://schemas.openxmlformats.org/drawingml/2006/main" xmlns:r="http://schemas.openxmlformats.org/officeDocument/2006/relationships" xmlns:mc="http://schemas.openxmlformats.org/markup-compatibility/2006" xmlns:mv="urn:schemas-microsoft-com:mac:vml" xmlns:p="http://schemas.openxmlformats.org/presentationml/2006/main" xmlns:c="http://schemas.openxmlformats.org/drawingml/2006/chart" xmlns:dgm="http://schemas.openxmlformats.org/drawingml/2006/diagram" xmlns:o="urn:schemas-microsoft-com:office:office" xmlns:v="urn:schemas-microsoft-com:vml" xmlns:pvml="urn:schemas-microsoft-com:office:powerpoint" xmlns:com="http://schemas.openxmlformats.org/drawingml/2006/compatibility" xmlns:p14="http://schemas.microsoft.com/office/powerpoint/2010/main" xmlns:p15="http://schemas.microsoft.com/office/powerpoint/2012/main">
+<p:notesMaster xmlns:a="http://schemas.openxmlformats.org/drawingml/2006/main" xmlns:r="http://schemas.openxmlformats.org/officeDocument/2006/relationships" xmlns:p="http://schemas.openxmlformats.org/presentationml/2006/main">
   <p:cSld>
+    <p:bg>
+      <p:bgRef idx="1001">
+        <a:schemeClr val="bg1"/>
+      </p:bgRef>
+    </p:bg>
     <p:spTree>
       <p:nvGrpSpPr>
-        <p:cNvPr id="2" name="Shape 2"/>
+        <p:cNvPr id="1" name="Shape 2"/>
         <p:cNvGrpSpPr/>
         <p:nvPr/>
       </p:nvGrpSpPr>
@@ -310,9 +318,11 @@
       <p:sp>
         <p:nvSpPr>
           <p:cNvPr id="3" name="Google Shape;3;n"/>
-          <p:cNvSpPr/>
+          <p:cNvSpPr>
+            <a:spLocks noGrp="1" noRot="1" noChangeAspect="1"/>
+          </p:cNvSpPr>
           <p:nvPr>
-            <p:ph idx="2" type="sldImg"/>
+            <p:ph type="sldImg" idx="2"/>
           </p:nvPr>
         </p:nvSpPr>
         <p:spPr>
@@ -321,9 +331,13 @@
             <a:ext cx="6096075" cy="3429000"/>
           </a:xfrm>
           <a:custGeom>
-            <a:rect b="b" l="l" r="r" t="t"/>
+            <a:avLst/>
+            <a:gdLst/>
+            <a:ahLst/>
+            <a:cxnLst/>
+            <a:rect l="l" t="t" r="r" b="b"/>
             <a:pathLst>
-              <a:path extrusionOk="0" h="120000" w="120000">
+              <a:path w="120000" h="120000" extrusionOk="0">
                 <a:moveTo>
                   <a:pt x="0" y="0"/>
                 </a:moveTo>
@@ -341,23 +355,25 @@
             </a:pathLst>
           </a:custGeom>
           <a:noFill/>
-          <a:ln cap="flat" cmpd="sng" w="9525">
+          <a:ln w="9525" cap="flat" cmpd="sng">
             <a:solidFill>
               <a:srgbClr val="000000"/>
             </a:solidFill>
             <a:prstDash val="solid"/>
             <a:round/>
-            <a:headEnd len="sm" w="sm" type="none"/>
-            <a:tailEnd len="sm" w="sm" type="none"/>
+            <a:headEnd type="none" w="sm" len="sm"/>
+            <a:tailEnd type="none" w="sm" len="sm"/>
           </a:ln>
         </p:spPr>
       </p:sp>
       <p:sp>
         <p:nvSpPr>
           <p:cNvPr id="4" name="Google Shape;4;n"/>
-          <p:cNvSpPr txBox="1"/>
+          <p:cNvSpPr txBox="1">
+            <a:spLocks noGrp="1"/>
+          </p:cNvSpPr>
           <p:nvPr>
-            <p:ph idx="1" type="body"/>
+            <p:ph type="body" idx="1"/>
           </p:nvPr>
         </p:nvSpPr>
         <p:spPr>
@@ -374,11 +390,11 @@
           </a:ln>
         </p:spPr>
         <p:txBody>
-          <a:bodyPr anchorCtr="0" anchor="t" bIns="91425" lIns="91425" spcFirstLastPara="1" rIns="91425" wrap="square" tIns="91425">
+          <a:bodyPr spcFirstLastPara="1" wrap="square" lIns="91425" tIns="91425" rIns="91425" bIns="91425" anchor="t" anchorCtr="0">
             <a:noAutofit/>
           </a:bodyPr>
           <a:lstStyle>
-            <a:lvl1pPr indent="-298450" lvl="0" marL="457200">
+            <a:lvl1pPr marL="457200" lvl="0" indent="-298450">
               <a:spcBef>
                 <a:spcPts val="0"/>
               </a:spcBef>
@@ -389,7 +405,7 @@
               <a:buChar char="●"/>
               <a:defRPr sz="1100"/>
             </a:lvl1pPr>
-            <a:lvl2pPr indent="-298450" lvl="1" marL="914400">
+            <a:lvl2pPr marL="914400" lvl="1" indent="-298450">
               <a:spcBef>
                 <a:spcPts val="0"/>
               </a:spcBef>
@@ -400,7 +416,7 @@
               <a:buChar char="○"/>
               <a:defRPr sz="1100"/>
             </a:lvl2pPr>
-            <a:lvl3pPr indent="-298450" lvl="2" marL="1371600">
+            <a:lvl3pPr marL="1371600" lvl="2" indent="-298450">
               <a:spcBef>
                 <a:spcPts val="0"/>
               </a:spcBef>
@@ -411,7 +427,7 @@
               <a:buChar char="■"/>
               <a:defRPr sz="1100"/>
             </a:lvl3pPr>
-            <a:lvl4pPr indent="-298450" lvl="3" marL="1828800">
+            <a:lvl4pPr marL="1828800" lvl="3" indent="-298450">
               <a:spcBef>
                 <a:spcPts val="0"/>
               </a:spcBef>
@@ -422,7 +438,7 @@
               <a:buChar char="●"/>
               <a:defRPr sz="1100"/>
             </a:lvl4pPr>
-            <a:lvl5pPr indent="-298450" lvl="4" marL="2286000">
+            <a:lvl5pPr marL="2286000" lvl="4" indent="-298450">
               <a:spcBef>
                 <a:spcPts val="0"/>
               </a:spcBef>
@@ -433,7 +449,7 @@
               <a:buChar char="○"/>
               <a:defRPr sz="1100"/>
             </a:lvl5pPr>
-            <a:lvl6pPr indent="-298450" lvl="5" marL="2743200">
+            <a:lvl6pPr marL="2743200" lvl="5" indent="-298450">
               <a:spcBef>
                 <a:spcPts val="0"/>
               </a:spcBef>
@@ -444,7 +460,7 @@
               <a:buChar char="■"/>
               <a:defRPr sz="1100"/>
             </a:lvl6pPr>
-            <a:lvl7pPr indent="-298450" lvl="6" marL="3200400">
+            <a:lvl7pPr marL="3200400" lvl="6" indent="-298450">
               <a:spcBef>
                 <a:spcPts val="0"/>
               </a:spcBef>
@@ -455,7 +471,7 @@
               <a:buChar char="●"/>
               <a:defRPr sz="1100"/>
             </a:lvl7pPr>
-            <a:lvl8pPr indent="-298450" lvl="7" marL="3657600">
+            <a:lvl8pPr marL="3657600" lvl="7" indent="-298450">
               <a:spcBef>
                 <a:spcPts val="0"/>
               </a:spcBef>
@@ -466,7 +482,7 @@
               <a:buChar char="○"/>
               <a:defRPr sz="1100"/>
             </a:lvl8pPr>
-            <a:lvl9pPr indent="-298450" lvl="8" marL="4114800">
+            <a:lvl9pPr marL="4114800" lvl="8" indent="-298450">
               <a:spcBef>
                 <a:spcPts val="0"/>
               </a:spcBef>
@@ -478,14 +494,21 @@
               <a:defRPr sz="1100"/>
             </a:lvl9pPr>
           </a:lstStyle>
-          <a:p/>
+          <a:p>
+            <a:endParaRPr/>
+          </a:p>
         </p:txBody>
       </p:sp>
     </p:spTree>
+    <p:extLst>
+      <p:ext uri="{BB962C8B-B14F-4D97-AF65-F5344CB8AC3E}">
+        <p14:creationId xmlns:p14="http://schemas.microsoft.com/office/powerpoint/2010/main" val="2659193484"/>
+      </p:ext>
+    </p:extLst>
   </p:cSld>
-  <p:clrMap accent1="accent1" accent2="accent2" accent3="accent3" accent4="accent4" accent5="accent5" accent6="accent6" bg1="lt1" bg2="dk2" tx1="dk1" tx2="lt2" folHlink="folHlink" hlink="hlink"/>
+  <p:clrMap bg1="lt1" tx1="dk1" bg2="dk2" tx2="lt2" accent1="accent1" accent2="accent2" accent3="accent3" accent4="accent4" accent5="accent5" accent6="accent6" hlink="hlink" folHlink="folHlink"/>
   <p:notesStyle>
-    <a:defPPr lvl="0" marR="0" rtl="0" algn="l">
+    <a:defPPr marR="0" lvl="0" algn="l" rtl="0">
       <a:lnSpc>
         <a:spcPct val="100000"/>
       </a:lnSpc>
@@ -496,7 +519,7 @@
         <a:spcPts val="0"/>
       </a:spcAft>
     </a:defPPr>
-    <a:lvl1pPr lvl="0" marR="0" rtl="0" algn="l">
+    <a:lvl1pPr marR="0" lvl="0" algn="l" rtl="0">
       <a:lnSpc>
         <a:spcPct val="100000"/>
       </a:lnSpc>
@@ -510,7 +533,7 @@
         <a:srgbClr val="000000"/>
       </a:buClr>
       <a:buFont typeface="Arial"/>
-      <a:defRPr b="0" i="0" sz="1400" u="none" cap="none" strike="noStrike">
+      <a:defRPr sz="1400" b="0" i="0" u="none" strike="noStrike" cap="none">
         <a:solidFill>
           <a:srgbClr val="000000"/>
         </a:solidFill>
@@ -520,7 +543,7 @@
         <a:sym typeface="Arial"/>
       </a:defRPr>
     </a:lvl1pPr>
-    <a:lvl2pPr lvl="1" marR="0" rtl="0" algn="l">
+    <a:lvl2pPr marR="0" lvl="1" algn="l" rtl="0">
       <a:lnSpc>
         <a:spcPct val="100000"/>
       </a:lnSpc>
@@ -534,7 +557,7 @@
         <a:srgbClr val="000000"/>
       </a:buClr>
       <a:buFont typeface="Arial"/>
-      <a:defRPr b="0" i="0" sz="1400" u="none" cap="none" strike="noStrike">
+      <a:defRPr sz="1400" b="0" i="0" u="none" strike="noStrike" cap="none">
         <a:solidFill>
           <a:srgbClr val="000000"/>
         </a:solidFill>
@@ -544,7 +567,7 @@
         <a:sym typeface="Arial"/>
       </a:defRPr>
     </a:lvl2pPr>
-    <a:lvl3pPr lvl="2" marR="0" rtl="0" algn="l">
+    <a:lvl3pPr marR="0" lvl="2" algn="l" rtl="0">
       <a:lnSpc>
         <a:spcPct val="100000"/>
       </a:lnSpc>
@@ -558,7 +581,7 @@
         <a:srgbClr val="000000"/>
       </a:buClr>
       <a:buFont typeface="Arial"/>
-      <a:defRPr b="0" i="0" sz="1400" u="none" cap="none" strike="noStrike">
+      <a:defRPr sz="1400" b="0" i="0" u="none" strike="noStrike" cap="none">
         <a:solidFill>
           <a:srgbClr val="000000"/>
         </a:solidFill>
@@ -568,7 +591,7 @@
         <a:sym typeface="Arial"/>
       </a:defRPr>
     </a:lvl3pPr>
-    <a:lvl4pPr lvl="3" marR="0" rtl="0" algn="l">
+    <a:lvl4pPr marR="0" lvl="3" algn="l" rtl="0">
       <a:lnSpc>
         <a:spcPct val="100000"/>
       </a:lnSpc>
@@ -582,7 +605,7 @@
         <a:srgbClr val="000000"/>
       </a:buClr>
       <a:buFont typeface="Arial"/>
-      <a:defRPr b="0" i="0" sz="1400" u="none" cap="none" strike="noStrike">
+      <a:defRPr sz="1400" b="0" i="0" u="none" strike="noStrike" cap="none">
         <a:solidFill>
           <a:srgbClr val="000000"/>
         </a:solidFill>
@@ -592,7 +615,7 @@
         <a:sym typeface="Arial"/>
       </a:defRPr>
     </a:lvl4pPr>
-    <a:lvl5pPr lvl="4" marR="0" rtl="0" algn="l">
+    <a:lvl5pPr marR="0" lvl="4" algn="l" rtl="0">
       <a:lnSpc>
         <a:spcPct val="100000"/>
       </a:lnSpc>
@@ -606,7 +629,7 @@
         <a:srgbClr val="000000"/>
       </a:buClr>
       <a:buFont typeface="Arial"/>
-      <a:defRPr b="0" i="0" sz="1400" u="none" cap="none" strike="noStrike">
+      <a:defRPr sz="1400" b="0" i="0" u="none" strike="noStrike" cap="none">
         <a:solidFill>
           <a:srgbClr val="000000"/>
         </a:solidFill>
@@ -616,7 +639,7 @@
         <a:sym typeface="Arial"/>
       </a:defRPr>
     </a:lvl5pPr>
-    <a:lvl6pPr lvl="5" marR="0" rtl="0" algn="l">
+    <a:lvl6pPr marR="0" lvl="5" algn="l" rtl="0">
       <a:lnSpc>
         <a:spcPct val="100000"/>
       </a:lnSpc>
@@ -630,7 +653,7 @@
         <a:srgbClr val="000000"/>
       </a:buClr>
       <a:buFont typeface="Arial"/>
-      <a:defRPr b="0" i="0" sz="1400" u="none" cap="none" strike="noStrike">
+      <a:defRPr sz="1400" b="0" i="0" u="none" strike="noStrike" cap="none">
         <a:solidFill>
           <a:srgbClr val="000000"/>
         </a:solidFill>
@@ -640,7 +663,7 @@
         <a:sym typeface="Arial"/>
       </a:defRPr>
     </a:lvl6pPr>
-    <a:lvl7pPr lvl="6" marR="0" rtl="0" algn="l">
+    <a:lvl7pPr marR="0" lvl="6" algn="l" rtl="0">
       <a:lnSpc>
         <a:spcPct val="100000"/>
       </a:lnSpc>
@@ -654,7 +677,7 @@
         <a:srgbClr val="000000"/>
       </a:buClr>
       <a:buFont typeface="Arial"/>
-      <a:defRPr b="0" i="0" sz="1400" u="none" cap="none" strike="noStrike">
+      <a:defRPr sz="1400" b="0" i="0" u="none" strike="noStrike" cap="none">
         <a:solidFill>
           <a:srgbClr val="000000"/>
         </a:solidFill>
@@ -664,7 +687,7 @@
         <a:sym typeface="Arial"/>
       </a:defRPr>
     </a:lvl7pPr>
-    <a:lvl8pPr lvl="7" marR="0" rtl="0" algn="l">
+    <a:lvl8pPr marR="0" lvl="7" algn="l" rtl="0">
       <a:lnSpc>
         <a:spcPct val="100000"/>
       </a:lnSpc>
@@ -678,7 +701,7 @@
         <a:srgbClr val="000000"/>
       </a:buClr>
       <a:buFont typeface="Arial"/>
-      <a:defRPr b="0" i="0" sz="1400" u="none" cap="none" strike="noStrike">
+      <a:defRPr sz="1400" b="0" i="0" u="none" strike="noStrike" cap="none">
         <a:solidFill>
           <a:srgbClr val="000000"/>
         </a:solidFill>
@@ -688,7 +711,7 @@
         <a:sym typeface="Arial"/>
       </a:defRPr>
     </a:lvl8pPr>
-    <a:lvl9pPr lvl="8" marR="0" rtl="0" algn="l">
+    <a:lvl9pPr marR="0" lvl="8" algn="l" rtl="0">
       <a:lnSpc>
         <a:spcPct val="100000"/>
       </a:lnSpc>
@@ -702,7 +725,7 @@
         <a:srgbClr val="000000"/>
       </a:buClr>
       <a:buFont typeface="Arial"/>
-      <a:defRPr b="0" i="0" sz="1400" u="none" cap="none" strike="noStrike">
+      <a:defRPr sz="1400" b="0" i="0" u="none" strike="noStrike" cap="none">
         <a:solidFill>
           <a:srgbClr val="000000"/>
         </a:solidFill>
@@ -717,11 +740,11 @@
 </file>
 
 <file path=ppt/notesSlides/notesSlide1.xml><?xml version="1.0" encoding="utf-8"?>
-<p:notes xmlns:a="http://schemas.openxmlformats.org/drawingml/2006/main" xmlns:r="http://schemas.openxmlformats.org/officeDocument/2006/relationships" xmlns:mc="http://schemas.openxmlformats.org/markup-compatibility/2006" xmlns:mv="urn:schemas-microsoft-com:mac:vml" xmlns:p="http://schemas.openxmlformats.org/presentationml/2006/main" xmlns:c="http://schemas.openxmlformats.org/drawingml/2006/chart" xmlns:dgm="http://schemas.openxmlformats.org/drawingml/2006/diagram" xmlns:o="urn:schemas-microsoft-com:office:office" xmlns:v="urn:schemas-microsoft-com:vml" xmlns:pvml="urn:schemas-microsoft-com:office:powerpoint" xmlns:com="http://schemas.openxmlformats.org/drawingml/2006/compatibility" xmlns:p14="http://schemas.microsoft.com/office/powerpoint/2010/main" xmlns:p15="http://schemas.microsoft.com/office/powerpoint/2012/main" showMasterPhAnim="0" showMasterSp="0">
+<p:notes xmlns:a="http://schemas.openxmlformats.org/drawingml/2006/main" xmlns:r="http://schemas.openxmlformats.org/officeDocument/2006/relationships" xmlns:p="http://schemas.openxmlformats.org/presentationml/2006/main" showMasterSp="0" showMasterPhAnim="0">
   <p:cSld>
     <p:spTree>
       <p:nvGrpSpPr>
-        <p:cNvPr id="52" name="Shape 52"/>
+        <p:cNvPr id="1" name="Shape 52"/>
         <p:cNvGrpSpPr/>
         <p:nvPr/>
       </p:nvGrpSpPr>
@@ -736,9 +759,11 @@
       <p:sp>
         <p:nvSpPr>
           <p:cNvPr id="53" name="Google Shape;53;g74635101af_0_233:notes"/>
-          <p:cNvSpPr/>
+          <p:cNvSpPr>
+            <a:spLocks noGrp="1" noRot="1" noChangeAspect="1"/>
+          </p:cNvSpPr>
           <p:nvPr>
-            <p:ph idx="2" type="sldImg"/>
+            <p:ph type="sldImg" idx="2"/>
           </p:nvPr>
         </p:nvSpPr>
         <p:spPr>
@@ -747,9 +772,13 @@
             <a:ext cx="6096000" cy="3429000"/>
           </a:xfrm>
           <a:custGeom>
-            <a:rect b="b" l="l" r="r" t="t"/>
+            <a:avLst/>
+            <a:gdLst/>
+            <a:ahLst/>
+            <a:cxnLst/>
+            <a:rect l="l" t="t" r="r" b="b"/>
             <a:pathLst>
-              <a:path extrusionOk="0" h="120000" w="120000">
+              <a:path w="120000" h="120000" extrusionOk="0">
                 <a:moveTo>
                   <a:pt x="0" y="0"/>
                 </a:moveTo>
@@ -771,9 +800,11 @@
       <p:sp>
         <p:nvSpPr>
           <p:cNvPr id="54" name="Google Shape;54;g74635101af_0_233:notes"/>
-          <p:cNvSpPr txBox="1"/>
+          <p:cNvSpPr txBox="1">
+            <a:spLocks noGrp="1"/>
+          </p:cNvSpPr>
           <p:nvPr>
-            <p:ph idx="1" type="body"/>
+            <p:ph type="body" idx="1"/>
           </p:nvPr>
         </p:nvSpPr>
         <p:spPr>
@@ -786,28 +817,30 @@
           </a:prstGeom>
         </p:spPr>
         <p:txBody>
-          <a:bodyPr anchorCtr="0" anchor="t" bIns="91425" lIns="91425" spcFirstLastPara="1" rIns="91425" wrap="square" tIns="91425">
+          <a:bodyPr spcFirstLastPara="1" wrap="square" lIns="91425" tIns="91425" rIns="91425" bIns="91425" anchor="t" anchorCtr="0">
             <a:noAutofit/>
           </a:bodyPr>
           <a:lstStyle/>
           <a:p>
-            <a:pPr indent="0" lvl="0" marL="0" rtl="0" algn="l">
-              <a:spcBef>
-                <a:spcPts val="0"/>
-              </a:spcBef>
-              <a:spcAft>
-                <a:spcPts val="0"/>
-              </a:spcAft>
-              <a:buNone/>
-            </a:pPr>
-            <a:r>
-              <a:t/>
-            </a:r>
+            <a:pPr marL="0" lvl="0" indent="0" algn="l" rtl="0">
+              <a:spcBef>
+                <a:spcPts val="0"/>
+              </a:spcBef>
+              <a:spcAft>
+                <a:spcPts val="0"/>
+              </a:spcAft>
+              <a:buNone/>
+            </a:pPr>
             <a:endParaRPr/>
           </a:p>
         </p:txBody>
       </p:sp>
     </p:spTree>
+    <p:extLst>
+      <p:ext uri="{BB962C8B-B14F-4D97-AF65-F5344CB8AC3E}">
+        <p14:creationId xmlns:p14="http://schemas.microsoft.com/office/powerpoint/2010/main" val="1458818271"/>
+      </p:ext>
+    </p:extLst>
   </p:cSld>
   <p:clrMapOvr>
     <a:masterClrMapping/>
@@ -816,110 +849,11 @@
 </file>
 
 <file path=ppt/notesSlides/notesSlide10.xml><?xml version="1.0" encoding="utf-8"?>
-<p:notes xmlns:a="http://schemas.openxmlformats.org/drawingml/2006/main" xmlns:r="http://schemas.openxmlformats.org/officeDocument/2006/relationships" xmlns:mc="http://schemas.openxmlformats.org/markup-compatibility/2006" xmlns:mv="urn:schemas-microsoft-com:mac:vml" xmlns:p="http://schemas.openxmlformats.org/presentationml/2006/main" xmlns:c="http://schemas.openxmlformats.org/drawingml/2006/chart" xmlns:dgm="http://schemas.openxmlformats.org/drawingml/2006/diagram" xmlns:o="urn:schemas-microsoft-com:office:office" xmlns:v="urn:schemas-microsoft-com:vml" xmlns:pvml="urn:schemas-microsoft-com:office:powerpoint" xmlns:com="http://schemas.openxmlformats.org/drawingml/2006/compatibility" xmlns:p14="http://schemas.microsoft.com/office/powerpoint/2010/main" xmlns:p15="http://schemas.microsoft.com/office/powerpoint/2012/main" showMasterPhAnim="0" showMasterSp="0">
+<p:notes xmlns:a="http://schemas.openxmlformats.org/drawingml/2006/main" xmlns:r="http://schemas.openxmlformats.org/officeDocument/2006/relationships" xmlns:p="http://schemas.openxmlformats.org/presentationml/2006/main" showMasterSp="0" showMasterPhAnim="0">
   <p:cSld>
     <p:spTree>
       <p:nvGrpSpPr>
-        <p:cNvPr id="122" name="Shape 122"/>
-        <p:cNvGrpSpPr/>
-        <p:nvPr/>
-      </p:nvGrpSpPr>
-      <p:grpSpPr>
-        <a:xfrm>
-          <a:off x="0" y="0"/>
-          <a:ext cx="0" cy="0"/>
-          <a:chOff x="0" y="0"/>
-          <a:chExt cx="0" cy="0"/>
-        </a:xfrm>
-      </p:grpSpPr>
-      <p:sp>
-        <p:nvSpPr>
-          <p:cNvPr id="123" name="Google Shape;123;g74635101af_0_294:notes"/>
-          <p:cNvSpPr/>
-          <p:nvPr>
-            <p:ph idx="2" type="sldImg"/>
-          </p:nvPr>
-        </p:nvSpPr>
-        <p:spPr>
-          <a:xfrm>
-            <a:off x="381300" y="685800"/>
-            <a:ext cx="6096000" cy="3429000"/>
-          </a:xfrm>
-          <a:custGeom>
-            <a:rect b="b" l="l" r="r" t="t"/>
-            <a:pathLst>
-              <a:path extrusionOk="0" h="120000" w="120000">
-                <a:moveTo>
-                  <a:pt x="0" y="0"/>
-                </a:moveTo>
-                <a:lnTo>
-                  <a:pt x="120000" y="0"/>
-                </a:lnTo>
-                <a:lnTo>
-                  <a:pt x="120000" y="120000"/>
-                </a:lnTo>
-                <a:lnTo>
-                  <a:pt x="0" y="120000"/>
-                </a:lnTo>
-                <a:close/>
-              </a:path>
-            </a:pathLst>
-          </a:custGeom>
-        </p:spPr>
-      </p:sp>
-      <p:sp>
-        <p:nvSpPr>
-          <p:cNvPr id="124" name="Google Shape;124;g74635101af_0_294:notes"/>
-          <p:cNvSpPr txBox="1"/>
-          <p:nvPr>
-            <p:ph idx="1" type="body"/>
-          </p:nvPr>
-        </p:nvSpPr>
-        <p:spPr>
-          <a:xfrm>
-            <a:off x="685800" y="4343400"/>
-            <a:ext cx="5486400" cy="4114800"/>
-          </a:xfrm>
-          <a:prstGeom prst="rect">
-            <a:avLst/>
-          </a:prstGeom>
-        </p:spPr>
-        <p:txBody>
-          <a:bodyPr anchorCtr="0" anchor="t" bIns="91425" lIns="91425" spcFirstLastPara="1" rIns="91425" wrap="square" tIns="91425">
-            <a:noAutofit/>
-          </a:bodyPr>
-          <a:lstStyle/>
-          <a:p>
-            <a:pPr indent="0" lvl="0" marL="0" rtl="0" algn="l">
-              <a:spcBef>
-                <a:spcPts val="0"/>
-              </a:spcBef>
-              <a:spcAft>
-                <a:spcPts val="0"/>
-              </a:spcAft>
-              <a:buNone/>
-            </a:pPr>
-            <a:r>
-              <a:t/>
-            </a:r>
-            <a:endParaRPr/>
-          </a:p>
-        </p:txBody>
-      </p:sp>
-    </p:spTree>
-  </p:cSld>
-  <p:clrMapOvr>
-    <a:masterClrMapping/>
-  </p:clrMapOvr>
-</p:notes>
-</file>
-
-<file path=ppt/notesSlides/notesSlide11.xml><?xml version="1.0" encoding="utf-8"?>
-<p:notes xmlns:a="http://schemas.openxmlformats.org/drawingml/2006/main" xmlns:r="http://schemas.openxmlformats.org/officeDocument/2006/relationships" xmlns:mc="http://schemas.openxmlformats.org/markup-compatibility/2006" xmlns:mv="urn:schemas-microsoft-com:mac:vml" xmlns:p="http://schemas.openxmlformats.org/presentationml/2006/main" xmlns:c="http://schemas.openxmlformats.org/drawingml/2006/chart" xmlns:dgm="http://schemas.openxmlformats.org/drawingml/2006/diagram" xmlns:o="urn:schemas-microsoft-com:office:office" xmlns:v="urn:schemas-microsoft-com:vml" xmlns:pvml="urn:schemas-microsoft-com:office:powerpoint" xmlns:com="http://schemas.openxmlformats.org/drawingml/2006/compatibility" xmlns:p14="http://schemas.microsoft.com/office/powerpoint/2010/main" xmlns:p15="http://schemas.microsoft.com/office/powerpoint/2012/main" showMasterPhAnim="0" showMasterSp="0">
-  <p:cSld>
-    <p:spTree>
-      <p:nvGrpSpPr>
-        <p:cNvPr id="130" name="Shape 130"/>
+        <p:cNvPr id="1" name="Shape 130"/>
         <p:cNvGrpSpPr/>
         <p:nvPr/>
       </p:nvGrpSpPr>
@@ -934,9 +868,11 @@
       <p:sp>
         <p:nvSpPr>
           <p:cNvPr id="131" name="Google Shape;131;g74635101af_0_476:notes"/>
-          <p:cNvSpPr/>
+          <p:cNvSpPr>
+            <a:spLocks noGrp="1" noRot="1" noChangeAspect="1"/>
+          </p:cNvSpPr>
           <p:nvPr>
-            <p:ph idx="2" type="sldImg"/>
+            <p:ph type="sldImg" idx="2"/>
           </p:nvPr>
         </p:nvSpPr>
         <p:spPr>
@@ -945,9 +881,13 @@
             <a:ext cx="6096000" cy="3429000"/>
           </a:xfrm>
           <a:custGeom>
-            <a:rect b="b" l="l" r="r" t="t"/>
+            <a:avLst/>
+            <a:gdLst/>
+            <a:ahLst/>
+            <a:cxnLst/>
+            <a:rect l="l" t="t" r="r" b="b"/>
             <a:pathLst>
-              <a:path extrusionOk="0" h="120000" w="120000">
+              <a:path w="120000" h="120000" extrusionOk="0">
                 <a:moveTo>
                   <a:pt x="0" y="0"/>
                 </a:moveTo>
@@ -969,9 +909,11 @@
       <p:sp>
         <p:nvSpPr>
           <p:cNvPr id="132" name="Google Shape;132;g74635101af_0_476:notes"/>
-          <p:cNvSpPr txBox="1"/>
+          <p:cNvSpPr txBox="1">
+            <a:spLocks noGrp="1"/>
+          </p:cNvSpPr>
           <p:nvPr>
-            <p:ph idx="1" type="body"/>
+            <p:ph type="body" idx="1"/>
           </p:nvPr>
         </p:nvSpPr>
         <p:spPr>
@@ -984,28 +926,30 @@
           </a:prstGeom>
         </p:spPr>
         <p:txBody>
-          <a:bodyPr anchorCtr="0" anchor="t" bIns="91425" lIns="91425" spcFirstLastPara="1" rIns="91425" wrap="square" tIns="91425">
+          <a:bodyPr spcFirstLastPara="1" wrap="square" lIns="91425" tIns="91425" rIns="91425" bIns="91425" anchor="t" anchorCtr="0">
             <a:noAutofit/>
           </a:bodyPr>
           <a:lstStyle/>
           <a:p>
-            <a:pPr indent="0" lvl="0" marL="0" rtl="0" algn="l">
-              <a:spcBef>
-                <a:spcPts val="0"/>
-              </a:spcBef>
-              <a:spcAft>
-                <a:spcPts val="0"/>
-              </a:spcAft>
-              <a:buNone/>
-            </a:pPr>
-            <a:r>
-              <a:t/>
-            </a:r>
+            <a:pPr marL="0" lvl="0" indent="0" algn="l" rtl="0">
+              <a:spcBef>
+                <a:spcPts val="0"/>
+              </a:spcBef>
+              <a:spcAft>
+                <a:spcPts val="0"/>
+              </a:spcAft>
+              <a:buNone/>
+            </a:pPr>
             <a:endParaRPr/>
           </a:p>
         </p:txBody>
       </p:sp>
     </p:spTree>
+    <p:extLst>
+      <p:ext uri="{BB962C8B-B14F-4D97-AF65-F5344CB8AC3E}">
+        <p14:creationId xmlns:p14="http://schemas.microsoft.com/office/powerpoint/2010/main" val="3624375027"/>
+      </p:ext>
+    </p:extLst>
   </p:cSld>
   <p:clrMapOvr>
     <a:masterClrMapping/>
@@ -1013,12 +957,12 @@
 </p:notes>
 </file>
 
-<file path=ppt/notesSlides/notesSlide12.xml><?xml version="1.0" encoding="utf-8"?>
-<p:notes xmlns:a="http://schemas.openxmlformats.org/drawingml/2006/main" xmlns:r="http://schemas.openxmlformats.org/officeDocument/2006/relationships" xmlns:mc="http://schemas.openxmlformats.org/markup-compatibility/2006" xmlns:mv="urn:schemas-microsoft-com:mac:vml" xmlns:p="http://schemas.openxmlformats.org/presentationml/2006/main" xmlns:c="http://schemas.openxmlformats.org/drawingml/2006/chart" xmlns:dgm="http://schemas.openxmlformats.org/drawingml/2006/diagram" xmlns:o="urn:schemas-microsoft-com:office:office" xmlns:v="urn:schemas-microsoft-com:vml" xmlns:pvml="urn:schemas-microsoft-com:office:powerpoint" xmlns:com="http://schemas.openxmlformats.org/drawingml/2006/compatibility" xmlns:p14="http://schemas.microsoft.com/office/powerpoint/2010/main" xmlns:p15="http://schemas.microsoft.com/office/powerpoint/2012/main" showMasterPhAnim="0" showMasterSp="0">
+<file path=ppt/notesSlides/notesSlide11.xml><?xml version="1.0" encoding="utf-8"?>
+<p:notes xmlns:a="http://schemas.openxmlformats.org/drawingml/2006/main" xmlns:r="http://schemas.openxmlformats.org/officeDocument/2006/relationships" xmlns:p="http://schemas.openxmlformats.org/presentationml/2006/main" showMasterSp="0" showMasterPhAnim="0">
   <p:cSld>
     <p:spTree>
       <p:nvGrpSpPr>
-        <p:cNvPr id="137" name="Shape 137"/>
+        <p:cNvPr id="1" name="Shape 137"/>
         <p:cNvGrpSpPr/>
         <p:nvPr/>
       </p:nvGrpSpPr>
@@ -1033,9 +977,11 @@
       <p:sp>
         <p:nvSpPr>
           <p:cNvPr id="138" name="Google Shape;138;g74635101af_0_471:notes"/>
-          <p:cNvSpPr/>
+          <p:cNvSpPr>
+            <a:spLocks noGrp="1" noRot="1" noChangeAspect="1"/>
+          </p:cNvSpPr>
           <p:nvPr>
-            <p:ph idx="2" type="sldImg"/>
+            <p:ph type="sldImg" idx="2"/>
           </p:nvPr>
         </p:nvSpPr>
         <p:spPr>
@@ -1044,9 +990,13 @@
             <a:ext cx="6096000" cy="3429000"/>
           </a:xfrm>
           <a:custGeom>
-            <a:rect b="b" l="l" r="r" t="t"/>
+            <a:avLst/>
+            <a:gdLst/>
+            <a:ahLst/>
+            <a:cxnLst/>
+            <a:rect l="l" t="t" r="r" b="b"/>
             <a:pathLst>
-              <a:path extrusionOk="0" h="120000" w="120000">
+              <a:path w="120000" h="120000" extrusionOk="0">
                 <a:moveTo>
                   <a:pt x="0" y="0"/>
                 </a:moveTo>
@@ -1068,9 +1018,11 @@
       <p:sp>
         <p:nvSpPr>
           <p:cNvPr id="139" name="Google Shape;139;g74635101af_0_471:notes"/>
-          <p:cNvSpPr txBox="1"/>
+          <p:cNvSpPr txBox="1">
+            <a:spLocks noGrp="1"/>
+          </p:cNvSpPr>
           <p:nvPr>
-            <p:ph idx="1" type="body"/>
+            <p:ph type="body" idx="1"/>
           </p:nvPr>
         </p:nvSpPr>
         <p:spPr>
@@ -1083,28 +1035,30 @@
           </a:prstGeom>
         </p:spPr>
         <p:txBody>
-          <a:bodyPr anchorCtr="0" anchor="t" bIns="91425" lIns="91425" spcFirstLastPara="1" rIns="91425" wrap="square" tIns="91425">
+          <a:bodyPr spcFirstLastPara="1" wrap="square" lIns="91425" tIns="91425" rIns="91425" bIns="91425" anchor="t" anchorCtr="0">
             <a:noAutofit/>
           </a:bodyPr>
           <a:lstStyle/>
           <a:p>
-            <a:pPr indent="0" lvl="0" marL="0" rtl="0" algn="l">
-              <a:spcBef>
-                <a:spcPts val="0"/>
-              </a:spcBef>
-              <a:spcAft>
-                <a:spcPts val="0"/>
-              </a:spcAft>
-              <a:buNone/>
-            </a:pPr>
-            <a:r>
-              <a:t/>
-            </a:r>
+            <a:pPr marL="0" lvl="0" indent="0" algn="l" rtl="0">
+              <a:spcBef>
+                <a:spcPts val="0"/>
+              </a:spcBef>
+              <a:spcAft>
+                <a:spcPts val="0"/>
+              </a:spcAft>
+              <a:buNone/>
+            </a:pPr>
             <a:endParaRPr/>
           </a:p>
         </p:txBody>
       </p:sp>
     </p:spTree>
+    <p:extLst>
+      <p:ext uri="{BB962C8B-B14F-4D97-AF65-F5344CB8AC3E}">
+        <p14:creationId xmlns:p14="http://schemas.microsoft.com/office/powerpoint/2010/main" val="2561339281"/>
+      </p:ext>
+    </p:extLst>
   </p:cSld>
   <p:clrMapOvr>
     <a:masterClrMapping/>
@@ -1112,12 +1066,12 @@
 </p:notes>
 </file>
 
-<file path=ppt/notesSlides/notesSlide13.xml><?xml version="1.0" encoding="utf-8"?>
-<p:notes xmlns:a="http://schemas.openxmlformats.org/drawingml/2006/main" xmlns:r="http://schemas.openxmlformats.org/officeDocument/2006/relationships" xmlns:mc="http://schemas.openxmlformats.org/markup-compatibility/2006" xmlns:mv="urn:schemas-microsoft-com:mac:vml" xmlns:p="http://schemas.openxmlformats.org/presentationml/2006/main" xmlns:c="http://schemas.openxmlformats.org/drawingml/2006/chart" xmlns:dgm="http://schemas.openxmlformats.org/drawingml/2006/diagram" xmlns:o="urn:schemas-microsoft-com:office:office" xmlns:v="urn:schemas-microsoft-com:vml" xmlns:pvml="urn:schemas-microsoft-com:office:powerpoint" xmlns:com="http://schemas.openxmlformats.org/drawingml/2006/compatibility" xmlns:p14="http://schemas.microsoft.com/office/powerpoint/2010/main" xmlns:p15="http://schemas.microsoft.com/office/powerpoint/2012/main" showMasterPhAnim="0" showMasterSp="0">
+<file path=ppt/notesSlides/notesSlide12.xml><?xml version="1.0" encoding="utf-8"?>
+<p:notes xmlns:a="http://schemas.openxmlformats.org/drawingml/2006/main" xmlns:r="http://schemas.openxmlformats.org/officeDocument/2006/relationships" xmlns:p="http://schemas.openxmlformats.org/presentationml/2006/main" showMasterSp="0" showMasterPhAnim="0">
   <p:cSld>
     <p:spTree>
       <p:nvGrpSpPr>
-        <p:cNvPr id="145" name="Shape 145"/>
+        <p:cNvPr id="1" name="Shape 145"/>
         <p:cNvGrpSpPr/>
         <p:nvPr/>
       </p:nvGrpSpPr>
@@ -1132,9 +1086,11 @@
       <p:sp>
         <p:nvSpPr>
           <p:cNvPr id="146" name="Google Shape;146;g74635101af_0_448:notes"/>
-          <p:cNvSpPr/>
+          <p:cNvSpPr>
+            <a:spLocks noGrp="1" noRot="1" noChangeAspect="1"/>
+          </p:cNvSpPr>
           <p:nvPr>
-            <p:ph idx="2" type="sldImg"/>
+            <p:ph type="sldImg" idx="2"/>
           </p:nvPr>
         </p:nvSpPr>
         <p:spPr>
@@ -1143,9 +1099,13 @@
             <a:ext cx="6096000" cy="3429000"/>
           </a:xfrm>
           <a:custGeom>
-            <a:rect b="b" l="l" r="r" t="t"/>
+            <a:avLst/>
+            <a:gdLst/>
+            <a:ahLst/>
+            <a:cxnLst/>
+            <a:rect l="l" t="t" r="r" b="b"/>
             <a:pathLst>
-              <a:path extrusionOk="0" h="120000" w="120000">
+              <a:path w="120000" h="120000" extrusionOk="0">
                 <a:moveTo>
                   <a:pt x="0" y="0"/>
                 </a:moveTo>
@@ -1167,9 +1127,11 @@
       <p:sp>
         <p:nvSpPr>
           <p:cNvPr id="147" name="Google Shape;147;g74635101af_0_448:notes"/>
-          <p:cNvSpPr txBox="1"/>
+          <p:cNvSpPr txBox="1">
+            <a:spLocks noGrp="1"/>
+          </p:cNvSpPr>
           <p:nvPr>
-            <p:ph idx="1" type="body"/>
+            <p:ph type="body" idx="1"/>
           </p:nvPr>
         </p:nvSpPr>
         <p:spPr>
@@ -1182,28 +1144,30 @@
           </a:prstGeom>
         </p:spPr>
         <p:txBody>
-          <a:bodyPr anchorCtr="0" anchor="t" bIns="91425" lIns="91425" spcFirstLastPara="1" rIns="91425" wrap="square" tIns="91425">
+          <a:bodyPr spcFirstLastPara="1" wrap="square" lIns="91425" tIns="91425" rIns="91425" bIns="91425" anchor="t" anchorCtr="0">
             <a:noAutofit/>
           </a:bodyPr>
           <a:lstStyle/>
           <a:p>
-            <a:pPr indent="0" lvl="0" marL="0" rtl="0" algn="l">
-              <a:spcBef>
-                <a:spcPts val="0"/>
-              </a:spcBef>
-              <a:spcAft>
-                <a:spcPts val="0"/>
-              </a:spcAft>
-              <a:buNone/>
-            </a:pPr>
-            <a:r>
-              <a:t/>
-            </a:r>
+            <a:pPr marL="0" lvl="0" indent="0" algn="l" rtl="0">
+              <a:spcBef>
+                <a:spcPts val="0"/>
+              </a:spcBef>
+              <a:spcAft>
+                <a:spcPts val="0"/>
+              </a:spcAft>
+              <a:buNone/>
+            </a:pPr>
             <a:endParaRPr/>
           </a:p>
         </p:txBody>
       </p:sp>
     </p:spTree>
+    <p:extLst>
+      <p:ext uri="{BB962C8B-B14F-4D97-AF65-F5344CB8AC3E}">
+        <p14:creationId xmlns:p14="http://schemas.microsoft.com/office/powerpoint/2010/main" val="880460250"/>
+      </p:ext>
+    </p:extLst>
   </p:cSld>
   <p:clrMapOvr>
     <a:masterClrMapping/>
@@ -1211,12 +1175,12 @@
 </p:notes>
 </file>
 
-<file path=ppt/notesSlides/notesSlide14.xml><?xml version="1.0" encoding="utf-8"?>
-<p:notes xmlns:a="http://schemas.openxmlformats.org/drawingml/2006/main" xmlns:r="http://schemas.openxmlformats.org/officeDocument/2006/relationships" xmlns:mc="http://schemas.openxmlformats.org/markup-compatibility/2006" xmlns:mv="urn:schemas-microsoft-com:mac:vml" xmlns:p="http://schemas.openxmlformats.org/presentationml/2006/main" xmlns:c="http://schemas.openxmlformats.org/drawingml/2006/chart" xmlns:dgm="http://schemas.openxmlformats.org/drawingml/2006/diagram" xmlns:o="urn:schemas-microsoft-com:office:office" xmlns:v="urn:schemas-microsoft-com:vml" xmlns:pvml="urn:schemas-microsoft-com:office:powerpoint" xmlns:com="http://schemas.openxmlformats.org/drawingml/2006/compatibility" xmlns:p14="http://schemas.microsoft.com/office/powerpoint/2010/main" xmlns:p15="http://schemas.microsoft.com/office/powerpoint/2012/main" showMasterPhAnim="0" showMasterSp="0">
+<file path=ppt/notesSlides/notesSlide13.xml><?xml version="1.0" encoding="utf-8"?>
+<p:notes xmlns:a="http://schemas.openxmlformats.org/drawingml/2006/main" xmlns:r="http://schemas.openxmlformats.org/officeDocument/2006/relationships" xmlns:p="http://schemas.openxmlformats.org/presentationml/2006/main" showMasterSp="0" showMasterPhAnim="0">
   <p:cSld>
     <p:spTree>
       <p:nvGrpSpPr>
-        <p:cNvPr id="154" name="Shape 154"/>
+        <p:cNvPr id="1" name="Shape 154"/>
         <p:cNvGrpSpPr/>
         <p:nvPr/>
       </p:nvGrpSpPr>
@@ -1231,9 +1195,11 @@
       <p:sp>
         <p:nvSpPr>
           <p:cNvPr id="155" name="Google Shape;155;g74635101af_0_457:notes"/>
-          <p:cNvSpPr/>
+          <p:cNvSpPr>
+            <a:spLocks noGrp="1" noRot="1" noChangeAspect="1"/>
+          </p:cNvSpPr>
           <p:nvPr>
-            <p:ph idx="2" type="sldImg"/>
+            <p:ph type="sldImg" idx="2"/>
           </p:nvPr>
         </p:nvSpPr>
         <p:spPr>
@@ -1242,9 +1208,13 @@
             <a:ext cx="6096000" cy="3429000"/>
           </a:xfrm>
           <a:custGeom>
-            <a:rect b="b" l="l" r="r" t="t"/>
+            <a:avLst/>
+            <a:gdLst/>
+            <a:ahLst/>
+            <a:cxnLst/>
+            <a:rect l="l" t="t" r="r" b="b"/>
             <a:pathLst>
-              <a:path extrusionOk="0" h="120000" w="120000">
+              <a:path w="120000" h="120000" extrusionOk="0">
                 <a:moveTo>
                   <a:pt x="0" y="0"/>
                 </a:moveTo>
@@ -1266,9 +1236,11 @@
       <p:sp>
         <p:nvSpPr>
           <p:cNvPr id="156" name="Google Shape;156;g74635101af_0_457:notes"/>
-          <p:cNvSpPr txBox="1"/>
+          <p:cNvSpPr txBox="1">
+            <a:spLocks noGrp="1"/>
+          </p:cNvSpPr>
           <p:nvPr>
-            <p:ph idx="1" type="body"/>
+            <p:ph type="body" idx="1"/>
           </p:nvPr>
         </p:nvSpPr>
         <p:spPr>
@@ -1281,28 +1253,30 @@
           </a:prstGeom>
         </p:spPr>
         <p:txBody>
-          <a:bodyPr anchorCtr="0" anchor="t" bIns="91425" lIns="91425" spcFirstLastPara="1" rIns="91425" wrap="square" tIns="91425">
+          <a:bodyPr spcFirstLastPara="1" wrap="square" lIns="91425" tIns="91425" rIns="91425" bIns="91425" anchor="t" anchorCtr="0">
             <a:noAutofit/>
           </a:bodyPr>
           <a:lstStyle/>
           <a:p>
-            <a:pPr indent="0" lvl="0" marL="0" rtl="0" algn="l">
-              <a:spcBef>
-                <a:spcPts val="0"/>
-              </a:spcBef>
-              <a:spcAft>
-                <a:spcPts val="0"/>
-              </a:spcAft>
-              <a:buNone/>
-            </a:pPr>
-            <a:r>
-              <a:t/>
-            </a:r>
+            <a:pPr marL="0" lvl="0" indent="0" algn="l" rtl="0">
+              <a:spcBef>
+                <a:spcPts val="0"/>
+              </a:spcBef>
+              <a:spcAft>
+                <a:spcPts val="0"/>
+              </a:spcAft>
+              <a:buNone/>
+            </a:pPr>
             <a:endParaRPr/>
           </a:p>
         </p:txBody>
       </p:sp>
     </p:spTree>
+    <p:extLst>
+      <p:ext uri="{BB962C8B-B14F-4D97-AF65-F5344CB8AC3E}">
+        <p14:creationId xmlns:p14="http://schemas.microsoft.com/office/powerpoint/2010/main" val="3836415017"/>
+      </p:ext>
+    </p:extLst>
   </p:cSld>
   <p:clrMapOvr>
     <a:masterClrMapping/>
@@ -1310,12 +1284,12 @@
 </p:notes>
 </file>
 
-<file path=ppt/notesSlides/notesSlide15.xml><?xml version="1.0" encoding="utf-8"?>
-<p:notes xmlns:a="http://schemas.openxmlformats.org/drawingml/2006/main" xmlns:r="http://schemas.openxmlformats.org/officeDocument/2006/relationships" xmlns:mc="http://schemas.openxmlformats.org/markup-compatibility/2006" xmlns:mv="urn:schemas-microsoft-com:mac:vml" xmlns:p="http://schemas.openxmlformats.org/presentationml/2006/main" xmlns:c="http://schemas.openxmlformats.org/drawingml/2006/chart" xmlns:dgm="http://schemas.openxmlformats.org/drawingml/2006/diagram" xmlns:o="urn:schemas-microsoft-com:office:office" xmlns:v="urn:schemas-microsoft-com:vml" xmlns:pvml="urn:schemas-microsoft-com:office:powerpoint" xmlns:com="http://schemas.openxmlformats.org/drawingml/2006/compatibility" xmlns:p14="http://schemas.microsoft.com/office/powerpoint/2010/main" xmlns:p15="http://schemas.microsoft.com/office/powerpoint/2012/main" showMasterPhAnim="0" showMasterSp="0">
+<file path=ppt/notesSlides/notesSlide14.xml><?xml version="1.0" encoding="utf-8"?>
+<p:notes xmlns:a="http://schemas.openxmlformats.org/drawingml/2006/main" xmlns:r="http://schemas.openxmlformats.org/officeDocument/2006/relationships" xmlns:p="http://schemas.openxmlformats.org/presentationml/2006/main" showMasterSp="0" showMasterPhAnim="0">
   <p:cSld>
     <p:spTree>
       <p:nvGrpSpPr>
-        <p:cNvPr id="162" name="Shape 162"/>
+        <p:cNvPr id="1" name="Shape 162"/>
         <p:cNvGrpSpPr/>
         <p:nvPr/>
       </p:nvGrpSpPr>
@@ -1330,9 +1304,11 @@
       <p:sp>
         <p:nvSpPr>
           <p:cNvPr id="163" name="Google Shape;163;g74635101af_0_481:notes"/>
-          <p:cNvSpPr/>
+          <p:cNvSpPr>
+            <a:spLocks noGrp="1" noRot="1" noChangeAspect="1"/>
+          </p:cNvSpPr>
           <p:nvPr>
-            <p:ph idx="2" type="sldImg"/>
+            <p:ph type="sldImg" idx="2"/>
           </p:nvPr>
         </p:nvSpPr>
         <p:spPr>
@@ -1341,9 +1317,13 @@
             <a:ext cx="6096000" cy="3429000"/>
           </a:xfrm>
           <a:custGeom>
-            <a:rect b="b" l="l" r="r" t="t"/>
+            <a:avLst/>
+            <a:gdLst/>
+            <a:ahLst/>
+            <a:cxnLst/>
+            <a:rect l="l" t="t" r="r" b="b"/>
             <a:pathLst>
-              <a:path extrusionOk="0" h="120000" w="120000">
+              <a:path w="120000" h="120000" extrusionOk="0">
                 <a:moveTo>
                   <a:pt x="0" y="0"/>
                 </a:moveTo>
@@ -1365,9 +1345,11 @@
       <p:sp>
         <p:nvSpPr>
           <p:cNvPr id="164" name="Google Shape;164;g74635101af_0_481:notes"/>
-          <p:cNvSpPr txBox="1"/>
+          <p:cNvSpPr txBox="1">
+            <a:spLocks noGrp="1"/>
+          </p:cNvSpPr>
           <p:nvPr>
-            <p:ph idx="1" type="body"/>
+            <p:ph type="body" idx="1"/>
           </p:nvPr>
         </p:nvSpPr>
         <p:spPr>
@@ -1380,28 +1362,30 @@
           </a:prstGeom>
         </p:spPr>
         <p:txBody>
-          <a:bodyPr anchorCtr="0" anchor="t" bIns="91425" lIns="91425" spcFirstLastPara="1" rIns="91425" wrap="square" tIns="91425">
+          <a:bodyPr spcFirstLastPara="1" wrap="square" lIns="91425" tIns="91425" rIns="91425" bIns="91425" anchor="t" anchorCtr="0">
             <a:noAutofit/>
           </a:bodyPr>
           <a:lstStyle/>
           <a:p>
-            <a:pPr indent="0" lvl="0" marL="0" rtl="0" algn="l">
-              <a:spcBef>
-                <a:spcPts val="0"/>
-              </a:spcBef>
-              <a:spcAft>
-                <a:spcPts val="0"/>
-              </a:spcAft>
-              <a:buNone/>
-            </a:pPr>
-            <a:r>
-              <a:t/>
-            </a:r>
+            <a:pPr marL="0" lvl="0" indent="0" algn="l" rtl="0">
+              <a:spcBef>
+                <a:spcPts val="0"/>
+              </a:spcBef>
+              <a:spcAft>
+                <a:spcPts val="0"/>
+              </a:spcAft>
+              <a:buNone/>
+            </a:pPr>
             <a:endParaRPr/>
           </a:p>
         </p:txBody>
       </p:sp>
     </p:spTree>
+    <p:extLst>
+      <p:ext uri="{BB962C8B-B14F-4D97-AF65-F5344CB8AC3E}">
+        <p14:creationId xmlns:p14="http://schemas.microsoft.com/office/powerpoint/2010/main" val="106356722"/>
+      </p:ext>
+    </p:extLst>
   </p:cSld>
   <p:clrMapOvr>
     <a:masterClrMapping/>
@@ -1409,12 +1393,12 @@
 </p:notes>
 </file>
 
-<file path=ppt/notesSlides/notesSlide16.xml><?xml version="1.0" encoding="utf-8"?>
-<p:notes xmlns:a="http://schemas.openxmlformats.org/drawingml/2006/main" xmlns:r="http://schemas.openxmlformats.org/officeDocument/2006/relationships" xmlns:mc="http://schemas.openxmlformats.org/markup-compatibility/2006" xmlns:mv="urn:schemas-microsoft-com:mac:vml" xmlns:p="http://schemas.openxmlformats.org/presentationml/2006/main" xmlns:c="http://schemas.openxmlformats.org/drawingml/2006/chart" xmlns:dgm="http://schemas.openxmlformats.org/drawingml/2006/diagram" xmlns:o="urn:schemas-microsoft-com:office:office" xmlns:v="urn:schemas-microsoft-com:vml" xmlns:pvml="urn:schemas-microsoft-com:office:powerpoint" xmlns:com="http://schemas.openxmlformats.org/drawingml/2006/compatibility" xmlns:p14="http://schemas.microsoft.com/office/powerpoint/2010/main" xmlns:p15="http://schemas.microsoft.com/office/powerpoint/2012/main" showMasterPhAnim="0" showMasterSp="0">
+<file path=ppt/notesSlides/notesSlide15.xml><?xml version="1.0" encoding="utf-8"?>
+<p:notes xmlns:a="http://schemas.openxmlformats.org/drawingml/2006/main" xmlns:r="http://schemas.openxmlformats.org/officeDocument/2006/relationships" xmlns:p="http://schemas.openxmlformats.org/presentationml/2006/main" showMasterSp="0" showMasterPhAnim="0">
   <p:cSld>
     <p:spTree>
       <p:nvGrpSpPr>
-        <p:cNvPr id="169" name="Shape 169"/>
+        <p:cNvPr id="1" name="Shape 169"/>
         <p:cNvGrpSpPr/>
         <p:nvPr/>
       </p:nvGrpSpPr>
@@ -1429,20 +1413,26 @@
       <p:sp>
         <p:nvSpPr>
           <p:cNvPr id="170" name="Google Shape;170;g74635101af_0_466:notes"/>
-          <p:cNvSpPr/>
+          <p:cNvSpPr>
+            <a:spLocks noGrp="1" noRot="1" noChangeAspect="1"/>
+          </p:cNvSpPr>
           <p:nvPr>
-            <p:ph idx="2" type="sldImg"/>
+            <p:ph type="sldImg" idx="2"/>
           </p:nvPr>
         </p:nvSpPr>
         <p:spPr>
           <a:xfrm>
-            <a:off x="381300" y="685800"/>
+            <a:off x="381000" y="685800"/>
             <a:ext cx="6096000" cy="3429000"/>
           </a:xfrm>
           <a:custGeom>
-            <a:rect b="b" l="l" r="r" t="t"/>
+            <a:avLst/>
+            <a:gdLst/>
+            <a:ahLst/>
+            <a:cxnLst/>
+            <a:rect l="l" t="t" r="r" b="b"/>
             <a:pathLst>
-              <a:path extrusionOk="0" h="120000" w="120000">
+              <a:path w="120000" h="120000" extrusionOk="0">
                 <a:moveTo>
                   <a:pt x="0" y="0"/>
                 </a:moveTo>
@@ -1464,9 +1454,11 @@
       <p:sp>
         <p:nvSpPr>
           <p:cNvPr id="171" name="Google Shape;171;g74635101af_0_466:notes"/>
-          <p:cNvSpPr txBox="1"/>
+          <p:cNvSpPr txBox="1">
+            <a:spLocks noGrp="1"/>
+          </p:cNvSpPr>
           <p:nvPr>
-            <p:ph idx="1" type="body"/>
+            <p:ph type="body" idx="1"/>
           </p:nvPr>
         </p:nvSpPr>
         <p:spPr>
@@ -1479,28 +1471,30 @@
           </a:prstGeom>
         </p:spPr>
         <p:txBody>
-          <a:bodyPr anchorCtr="0" anchor="t" bIns="91425" lIns="91425" spcFirstLastPara="1" rIns="91425" wrap="square" tIns="91425">
+          <a:bodyPr spcFirstLastPara="1" wrap="square" lIns="91425" tIns="91425" rIns="91425" bIns="91425" anchor="t" anchorCtr="0">
             <a:noAutofit/>
           </a:bodyPr>
           <a:lstStyle/>
           <a:p>
-            <a:pPr indent="0" lvl="0" marL="0" rtl="0" algn="l">
-              <a:spcBef>
-                <a:spcPts val="0"/>
-              </a:spcBef>
-              <a:spcAft>
-                <a:spcPts val="0"/>
-              </a:spcAft>
-              <a:buNone/>
-            </a:pPr>
-            <a:r>
-              <a:t/>
-            </a:r>
+            <a:pPr marL="0" lvl="0" indent="0" algn="l" rtl="0">
+              <a:spcBef>
+                <a:spcPts val="0"/>
+              </a:spcBef>
+              <a:spcAft>
+                <a:spcPts val="0"/>
+              </a:spcAft>
+              <a:buNone/>
+            </a:pPr>
             <a:endParaRPr/>
           </a:p>
         </p:txBody>
       </p:sp>
     </p:spTree>
+    <p:extLst>
+      <p:ext uri="{BB962C8B-B14F-4D97-AF65-F5344CB8AC3E}">
+        <p14:creationId xmlns:p14="http://schemas.microsoft.com/office/powerpoint/2010/main" val="3112580718"/>
+      </p:ext>
+    </p:extLst>
   </p:cSld>
   <p:clrMapOvr>
     <a:masterClrMapping/>
@@ -1508,12 +1502,12 @@
 </p:notes>
 </file>
 
-<file path=ppt/notesSlides/notesSlide17.xml><?xml version="1.0" encoding="utf-8"?>
-<p:notes xmlns:a="http://schemas.openxmlformats.org/drawingml/2006/main" xmlns:r="http://schemas.openxmlformats.org/officeDocument/2006/relationships" xmlns:mc="http://schemas.openxmlformats.org/markup-compatibility/2006" xmlns:mv="urn:schemas-microsoft-com:mac:vml" xmlns:p="http://schemas.openxmlformats.org/presentationml/2006/main" xmlns:c="http://schemas.openxmlformats.org/drawingml/2006/chart" xmlns:dgm="http://schemas.openxmlformats.org/drawingml/2006/diagram" xmlns:o="urn:schemas-microsoft-com:office:office" xmlns:v="urn:schemas-microsoft-com:vml" xmlns:pvml="urn:schemas-microsoft-com:office:powerpoint" xmlns:com="http://schemas.openxmlformats.org/drawingml/2006/compatibility" xmlns:p14="http://schemas.microsoft.com/office/powerpoint/2010/main" xmlns:p15="http://schemas.microsoft.com/office/powerpoint/2012/main" showMasterPhAnim="0" showMasterSp="0">
+<file path=ppt/notesSlides/notesSlide16.xml><?xml version="1.0" encoding="utf-8"?>
+<p:notes xmlns:a="http://schemas.openxmlformats.org/drawingml/2006/main" xmlns:r="http://schemas.openxmlformats.org/officeDocument/2006/relationships" xmlns:p="http://schemas.openxmlformats.org/presentationml/2006/main" showMasterSp="0" showMasterPhAnim="0">
   <p:cSld>
     <p:spTree>
       <p:nvGrpSpPr>
-        <p:cNvPr id="176" name="Shape 176"/>
+        <p:cNvPr id="1" name="Shape 176"/>
         <p:cNvGrpSpPr/>
         <p:nvPr/>
       </p:nvGrpSpPr>
@@ -1528,9 +1522,11 @@
       <p:sp>
         <p:nvSpPr>
           <p:cNvPr id="177" name="Google Shape;177;g74635101af_0_490:notes"/>
-          <p:cNvSpPr/>
+          <p:cNvSpPr>
+            <a:spLocks noGrp="1" noRot="1" noChangeAspect="1"/>
+          </p:cNvSpPr>
           <p:nvPr>
-            <p:ph idx="2" type="sldImg"/>
+            <p:ph type="sldImg" idx="2"/>
           </p:nvPr>
         </p:nvSpPr>
         <p:spPr>
@@ -1539,9 +1535,13 @@
             <a:ext cx="6096000" cy="3429000"/>
           </a:xfrm>
           <a:custGeom>
-            <a:rect b="b" l="l" r="r" t="t"/>
+            <a:avLst/>
+            <a:gdLst/>
+            <a:ahLst/>
+            <a:cxnLst/>
+            <a:rect l="l" t="t" r="r" b="b"/>
             <a:pathLst>
-              <a:path extrusionOk="0" h="120000" w="120000">
+              <a:path w="120000" h="120000" extrusionOk="0">
                 <a:moveTo>
                   <a:pt x="0" y="0"/>
                 </a:moveTo>
@@ -1563,9 +1563,11 @@
       <p:sp>
         <p:nvSpPr>
           <p:cNvPr id="178" name="Google Shape;178;g74635101af_0_490:notes"/>
-          <p:cNvSpPr txBox="1"/>
+          <p:cNvSpPr txBox="1">
+            <a:spLocks noGrp="1"/>
+          </p:cNvSpPr>
           <p:nvPr>
-            <p:ph idx="1" type="body"/>
+            <p:ph type="body" idx="1"/>
           </p:nvPr>
         </p:nvSpPr>
         <p:spPr>
@@ -1578,28 +1580,30 @@
           </a:prstGeom>
         </p:spPr>
         <p:txBody>
-          <a:bodyPr anchorCtr="0" anchor="t" bIns="91425" lIns="91425" spcFirstLastPara="1" rIns="91425" wrap="square" tIns="91425">
+          <a:bodyPr spcFirstLastPara="1" wrap="square" lIns="91425" tIns="91425" rIns="91425" bIns="91425" anchor="t" anchorCtr="0">
             <a:noAutofit/>
           </a:bodyPr>
           <a:lstStyle/>
           <a:p>
-            <a:pPr indent="0" lvl="0" marL="0" rtl="0" algn="l">
-              <a:spcBef>
-                <a:spcPts val="0"/>
-              </a:spcBef>
-              <a:spcAft>
-                <a:spcPts val="0"/>
-              </a:spcAft>
-              <a:buNone/>
-            </a:pPr>
-            <a:r>
-              <a:t/>
-            </a:r>
+            <a:pPr marL="0" lvl="0" indent="0" algn="l" rtl="0">
+              <a:spcBef>
+                <a:spcPts val="0"/>
+              </a:spcBef>
+              <a:spcAft>
+                <a:spcPts val="0"/>
+              </a:spcAft>
+              <a:buNone/>
+            </a:pPr>
             <a:endParaRPr/>
           </a:p>
         </p:txBody>
       </p:sp>
     </p:spTree>
+    <p:extLst>
+      <p:ext uri="{BB962C8B-B14F-4D97-AF65-F5344CB8AC3E}">
+        <p14:creationId xmlns:p14="http://schemas.microsoft.com/office/powerpoint/2010/main" val="3081698891"/>
+      </p:ext>
+    </p:extLst>
   </p:cSld>
   <p:clrMapOvr>
     <a:masterClrMapping/>
@@ -1607,12 +1611,12 @@
 </p:notes>
 </file>
 
-<file path=ppt/notesSlides/notesSlide18.xml><?xml version="1.0" encoding="utf-8"?>
-<p:notes xmlns:a="http://schemas.openxmlformats.org/drawingml/2006/main" xmlns:r="http://schemas.openxmlformats.org/officeDocument/2006/relationships" xmlns:mc="http://schemas.openxmlformats.org/markup-compatibility/2006" xmlns:mv="urn:schemas-microsoft-com:mac:vml" xmlns:p="http://schemas.openxmlformats.org/presentationml/2006/main" xmlns:c="http://schemas.openxmlformats.org/drawingml/2006/chart" xmlns:dgm="http://schemas.openxmlformats.org/drawingml/2006/diagram" xmlns:o="urn:schemas-microsoft-com:office:office" xmlns:v="urn:schemas-microsoft-com:vml" xmlns:pvml="urn:schemas-microsoft-com:office:powerpoint" xmlns:com="http://schemas.openxmlformats.org/drawingml/2006/compatibility" xmlns:p14="http://schemas.microsoft.com/office/powerpoint/2010/main" xmlns:p15="http://schemas.microsoft.com/office/powerpoint/2012/main" showMasterPhAnim="0" showMasterSp="0">
+<file path=ppt/notesSlides/notesSlide17.xml><?xml version="1.0" encoding="utf-8"?>
+<p:notes xmlns:a="http://schemas.openxmlformats.org/drawingml/2006/main" xmlns:r="http://schemas.openxmlformats.org/officeDocument/2006/relationships" xmlns:p="http://schemas.openxmlformats.org/presentationml/2006/main" showMasterSp="0" showMasterPhAnim="0">
   <p:cSld>
     <p:spTree>
       <p:nvGrpSpPr>
-        <p:cNvPr id="184" name="Shape 184"/>
+        <p:cNvPr id="1" name="Shape 184"/>
         <p:cNvGrpSpPr/>
         <p:nvPr/>
       </p:nvGrpSpPr>
@@ -1627,20 +1631,26 @@
       <p:sp>
         <p:nvSpPr>
           <p:cNvPr id="185" name="Google Shape;185;g745647ec0d_0_14:notes"/>
-          <p:cNvSpPr/>
+          <p:cNvSpPr>
+            <a:spLocks noGrp="1" noRot="1" noChangeAspect="1"/>
+          </p:cNvSpPr>
           <p:nvPr>
-            <p:ph idx="2" type="sldImg"/>
+            <p:ph type="sldImg" idx="2"/>
           </p:nvPr>
         </p:nvSpPr>
         <p:spPr>
           <a:xfrm>
-            <a:off x="381300" y="685800"/>
+            <a:off x="381000" y="685800"/>
             <a:ext cx="6096000" cy="3429000"/>
           </a:xfrm>
           <a:custGeom>
-            <a:rect b="b" l="l" r="r" t="t"/>
+            <a:avLst/>
+            <a:gdLst/>
+            <a:ahLst/>
+            <a:cxnLst/>
+            <a:rect l="l" t="t" r="r" b="b"/>
             <a:pathLst>
-              <a:path extrusionOk="0" h="120000" w="120000">
+              <a:path w="120000" h="120000" extrusionOk="0">
                 <a:moveTo>
                   <a:pt x="0" y="0"/>
                 </a:moveTo>
@@ -1662,9 +1672,11 @@
       <p:sp>
         <p:nvSpPr>
           <p:cNvPr id="186" name="Google Shape;186;g745647ec0d_0_14:notes"/>
-          <p:cNvSpPr txBox="1"/>
+          <p:cNvSpPr txBox="1">
+            <a:spLocks noGrp="1"/>
+          </p:cNvSpPr>
           <p:nvPr>
-            <p:ph idx="1" type="body"/>
+            <p:ph type="body" idx="1"/>
           </p:nvPr>
         </p:nvSpPr>
         <p:spPr>
@@ -1677,28 +1689,30 @@
           </a:prstGeom>
         </p:spPr>
         <p:txBody>
-          <a:bodyPr anchorCtr="0" anchor="t" bIns="91425" lIns="91425" spcFirstLastPara="1" rIns="91425" wrap="square" tIns="91425">
+          <a:bodyPr spcFirstLastPara="1" wrap="square" lIns="91425" tIns="91425" rIns="91425" bIns="91425" anchor="t" anchorCtr="0">
             <a:noAutofit/>
           </a:bodyPr>
           <a:lstStyle/>
           <a:p>
-            <a:pPr indent="0" lvl="0" marL="0" rtl="0" algn="l">
-              <a:spcBef>
-                <a:spcPts val="0"/>
-              </a:spcBef>
-              <a:spcAft>
-                <a:spcPts val="0"/>
-              </a:spcAft>
-              <a:buNone/>
-            </a:pPr>
-            <a:r>
-              <a:t/>
-            </a:r>
+            <a:pPr marL="0" lvl="0" indent="0" algn="l" rtl="0">
+              <a:spcBef>
+                <a:spcPts val="0"/>
+              </a:spcBef>
+              <a:spcAft>
+                <a:spcPts val="0"/>
+              </a:spcAft>
+              <a:buNone/>
+            </a:pPr>
             <a:endParaRPr/>
           </a:p>
         </p:txBody>
       </p:sp>
     </p:spTree>
+    <p:extLst>
+      <p:ext uri="{BB962C8B-B14F-4D97-AF65-F5344CB8AC3E}">
+        <p14:creationId xmlns:p14="http://schemas.microsoft.com/office/powerpoint/2010/main" val="4222729189"/>
+      </p:ext>
+    </p:extLst>
   </p:cSld>
   <p:clrMapOvr>
     <a:masterClrMapping/>
@@ -1707,11 +1721,11 @@
 </file>
 
 <file path=ppt/notesSlides/notesSlide2.xml><?xml version="1.0" encoding="utf-8"?>
-<p:notes xmlns:a="http://schemas.openxmlformats.org/drawingml/2006/main" xmlns:r="http://schemas.openxmlformats.org/officeDocument/2006/relationships" xmlns:mc="http://schemas.openxmlformats.org/markup-compatibility/2006" xmlns:mv="urn:schemas-microsoft-com:mac:vml" xmlns:p="http://schemas.openxmlformats.org/presentationml/2006/main" xmlns:c="http://schemas.openxmlformats.org/drawingml/2006/chart" xmlns:dgm="http://schemas.openxmlformats.org/drawingml/2006/diagram" xmlns:o="urn:schemas-microsoft-com:office:office" xmlns:v="urn:schemas-microsoft-com:vml" xmlns:pvml="urn:schemas-microsoft-com:office:powerpoint" xmlns:com="http://schemas.openxmlformats.org/drawingml/2006/compatibility" xmlns:p14="http://schemas.microsoft.com/office/powerpoint/2010/main" xmlns:p15="http://schemas.microsoft.com/office/powerpoint/2012/main" showMasterPhAnim="0" showMasterSp="0">
+<p:notes xmlns:a="http://schemas.openxmlformats.org/drawingml/2006/main" xmlns:r="http://schemas.openxmlformats.org/officeDocument/2006/relationships" xmlns:p="http://schemas.openxmlformats.org/presentationml/2006/main" showMasterSp="0" showMasterPhAnim="0">
   <p:cSld>
     <p:spTree>
       <p:nvGrpSpPr>
-        <p:cNvPr id="59" name="Shape 59"/>
+        <p:cNvPr id="1" name="Shape 59"/>
         <p:cNvGrpSpPr/>
         <p:nvPr/>
       </p:nvGrpSpPr>
@@ -1726,9 +1740,11 @@
       <p:sp>
         <p:nvSpPr>
           <p:cNvPr id="60" name="Google Shape;60;g74635101af_0_239:notes"/>
-          <p:cNvSpPr/>
+          <p:cNvSpPr>
+            <a:spLocks noGrp="1" noRot="1" noChangeAspect="1"/>
+          </p:cNvSpPr>
           <p:nvPr>
-            <p:ph idx="2" type="sldImg"/>
+            <p:ph type="sldImg" idx="2"/>
           </p:nvPr>
         </p:nvSpPr>
         <p:spPr>
@@ -1737,9 +1753,13 @@
             <a:ext cx="6096000" cy="3429000"/>
           </a:xfrm>
           <a:custGeom>
-            <a:rect b="b" l="l" r="r" t="t"/>
+            <a:avLst/>
+            <a:gdLst/>
+            <a:ahLst/>
+            <a:cxnLst/>
+            <a:rect l="l" t="t" r="r" b="b"/>
             <a:pathLst>
-              <a:path extrusionOk="0" h="120000" w="120000">
+              <a:path w="120000" h="120000" extrusionOk="0">
                 <a:moveTo>
                   <a:pt x="0" y="0"/>
                 </a:moveTo>
@@ -1761,9 +1781,11 @@
       <p:sp>
         <p:nvSpPr>
           <p:cNvPr id="61" name="Google Shape;61;g74635101af_0_239:notes"/>
-          <p:cNvSpPr txBox="1"/>
+          <p:cNvSpPr txBox="1">
+            <a:spLocks noGrp="1"/>
+          </p:cNvSpPr>
           <p:nvPr>
-            <p:ph idx="1" type="body"/>
+            <p:ph type="body" idx="1"/>
           </p:nvPr>
         </p:nvSpPr>
         <p:spPr>
@@ -1776,28 +1798,30 @@
           </a:prstGeom>
         </p:spPr>
         <p:txBody>
-          <a:bodyPr anchorCtr="0" anchor="t" bIns="91425" lIns="91425" spcFirstLastPara="1" rIns="91425" wrap="square" tIns="91425">
+          <a:bodyPr spcFirstLastPara="1" wrap="square" lIns="91425" tIns="91425" rIns="91425" bIns="91425" anchor="t" anchorCtr="0">
             <a:noAutofit/>
           </a:bodyPr>
           <a:lstStyle/>
           <a:p>
-            <a:pPr indent="0" lvl="0" marL="0" rtl="0" algn="l">
-              <a:spcBef>
-                <a:spcPts val="0"/>
-              </a:spcBef>
-              <a:spcAft>
-                <a:spcPts val="0"/>
-              </a:spcAft>
-              <a:buNone/>
-            </a:pPr>
-            <a:r>
-              <a:t/>
-            </a:r>
+            <a:pPr marL="0" lvl="0" indent="0" algn="l" rtl="0">
+              <a:spcBef>
+                <a:spcPts val="0"/>
+              </a:spcBef>
+              <a:spcAft>
+                <a:spcPts val="0"/>
+              </a:spcAft>
+              <a:buNone/>
+            </a:pPr>
             <a:endParaRPr/>
           </a:p>
         </p:txBody>
       </p:sp>
     </p:spTree>
+    <p:extLst>
+      <p:ext uri="{BB962C8B-B14F-4D97-AF65-F5344CB8AC3E}">
+        <p14:creationId xmlns:p14="http://schemas.microsoft.com/office/powerpoint/2010/main" val="1923317608"/>
+      </p:ext>
+    </p:extLst>
   </p:cSld>
   <p:clrMapOvr>
     <a:masterClrMapping/>
@@ -1806,11 +1830,11 @@
 </file>
 
 <file path=ppt/notesSlides/notesSlide3.xml><?xml version="1.0" encoding="utf-8"?>
-<p:notes xmlns:a="http://schemas.openxmlformats.org/drawingml/2006/main" xmlns:r="http://schemas.openxmlformats.org/officeDocument/2006/relationships" xmlns:mc="http://schemas.openxmlformats.org/markup-compatibility/2006" xmlns:mv="urn:schemas-microsoft-com:mac:vml" xmlns:p="http://schemas.openxmlformats.org/presentationml/2006/main" xmlns:c="http://schemas.openxmlformats.org/drawingml/2006/chart" xmlns:dgm="http://schemas.openxmlformats.org/drawingml/2006/diagram" xmlns:o="urn:schemas-microsoft-com:office:office" xmlns:v="urn:schemas-microsoft-com:vml" xmlns:pvml="urn:schemas-microsoft-com:office:powerpoint" xmlns:com="http://schemas.openxmlformats.org/drawingml/2006/compatibility" xmlns:p14="http://schemas.microsoft.com/office/powerpoint/2010/main" xmlns:p15="http://schemas.microsoft.com/office/powerpoint/2012/main" showMasterPhAnim="0" showMasterSp="0">
+<p:notes xmlns:a="http://schemas.openxmlformats.org/drawingml/2006/main" xmlns:r="http://schemas.openxmlformats.org/officeDocument/2006/relationships" xmlns:p="http://schemas.openxmlformats.org/presentationml/2006/main" showMasterSp="0" showMasterPhAnim="0">
   <p:cSld>
     <p:spTree>
       <p:nvGrpSpPr>
-        <p:cNvPr id="66" name="Shape 66"/>
+        <p:cNvPr id="1" name="Shape 66"/>
         <p:cNvGrpSpPr/>
         <p:nvPr/>
       </p:nvGrpSpPr>
@@ -1825,9 +1849,11 @@
       <p:sp>
         <p:nvSpPr>
           <p:cNvPr id="67" name="Google Shape;67;g74635101af_0_245:notes"/>
-          <p:cNvSpPr/>
+          <p:cNvSpPr>
+            <a:spLocks noGrp="1" noRot="1" noChangeAspect="1"/>
+          </p:cNvSpPr>
           <p:nvPr>
-            <p:ph idx="2" type="sldImg"/>
+            <p:ph type="sldImg" idx="2"/>
           </p:nvPr>
         </p:nvSpPr>
         <p:spPr>
@@ -1836,9 +1862,13 @@
             <a:ext cx="6096000" cy="3429000"/>
           </a:xfrm>
           <a:custGeom>
-            <a:rect b="b" l="l" r="r" t="t"/>
+            <a:avLst/>
+            <a:gdLst/>
+            <a:ahLst/>
+            <a:cxnLst/>
+            <a:rect l="l" t="t" r="r" b="b"/>
             <a:pathLst>
-              <a:path extrusionOk="0" h="120000" w="120000">
+              <a:path w="120000" h="120000" extrusionOk="0">
                 <a:moveTo>
                   <a:pt x="0" y="0"/>
                 </a:moveTo>
@@ -1860,9 +1890,11 @@
       <p:sp>
         <p:nvSpPr>
           <p:cNvPr id="68" name="Google Shape;68;g74635101af_0_245:notes"/>
-          <p:cNvSpPr txBox="1"/>
+          <p:cNvSpPr txBox="1">
+            <a:spLocks noGrp="1"/>
+          </p:cNvSpPr>
           <p:nvPr>
-            <p:ph idx="1" type="body"/>
+            <p:ph type="body" idx="1"/>
           </p:nvPr>
         </p:nvSpPr>
         <p:spPr>
@@ -1875,28 +1907,30 @@
           </a:prstGeom>
         </p:spPr>
         <p:txBody>
-          <a:bodyPr anchorCtr="0" anchor="t" bIns="91425" lIns="91425" spcFirstLastPara="1" rIns="91425" wrap="square" tIns="91425">
+          <a:bodyPr spcFirstLastPara="1" wrap="square" lIns="91425" tIns="91425" rIns="91425" bIns="91425" anchor="t" anchorCtr="0">
             <a:noAutofit/>
           </a:bodyPr>
           <a:lstStyle/>
           <a:p>
-            <a:pPr indent="0" lvl="0" marL="0" rtl="0" algn="l">
-              <a:spcBef>
-                <a:spcPts val="0"/>
-              </a:spcBef>
-              <a:spcAft>
-                <a:spcPts val="0"/>
-              </a:spcAft>
-              <a:buNone/>
-            </a:pPr>
-            <a:r>
-              <a:t/>
-            </a:r>
+            <a:pPr marL="0" lvl="0" indent="0" algn="l" rtl="0">
+              <a:spcBef>
+                <a:spcPts val="0"/>
+              </a:spcBef>
+              <a:spcAft>
+                <a:spcPts val="0"/>
+              </a:spcAft>
+              <a:buNone/>
+            </a:pPr>
             <a:endParaRPr/>
           </a:p>
         </p:txBody>
       </p:sp>
     </p:spTree>
+    <p:extLst>
+      <p:ext uri="{BB962C8B-B14F-4D97-AF65-F5344CB8AC3E}">
+        <p14:creationId xmlns:p14="http://schemas.microsoft.com/office/powerpoint/2010/main" val="3981290443"/>
+      </p:ext>
+    </p:extLst>
   </p:cSld>
   <p:clrMapOvr>
     <a:masterClrMapping/>
@@ -1905,11 +1939,11 @@
 </file>
 
 <file path=ppt/notesSlides/notesSlide4.xml><?xml version="1.0" encoding="utf-8"?>
-<p:notes xmlns:a="http://schemas.openxmlformats.org/drawingml/2006/main" xmlns:r="http://schemas.openxmlformats.org/officeDocument/2006/relationships" xmlns:mc="http://schemas.openxmlformats.org/markup-compatibility/2006" xmlns:mv="urn:schemas-microsoft-com:mac:vml" xmlns:p="http://schemas.openxmlformats.org/presentationml/2006/main" xmlns:c="http://schemas.openxmlformats.org/drawingml/2006/chart" xmlns:dgm="http://schemas.openxmlformats.org/drawingml/2006/diagram" xmlns:o="urn:schemas-microsoft-com:office:office" xmlns:v="urn:schemas-microsoft-com:vml" xmlns:pvml="urn:schemas-microsoft-com:office:powerpoint" xmlns:com="http://schemas.openxmlformats.org/drawingml/2006/compatibility" xmlns:p14="http://schemas.microsoft.com/office/powerpoint/2010/main" xmlns:p15="http://schemas.microsoft.com/office/powerpoint/2012/main" showMasterPhAnim="0" showMasterSp="0">
+<p:notes xmlns:a="http://schemas.openxmlformats.org/drawingml/2006/main" xmlns:r="http://schemas.openxmlformats.org/officeDocument/2006/relationships" xmlns:p="http://schemas.openxmlformats.org/presentationml/2006/main" showMasterSp="0" showMasterPhAnim="0">
   <p:cSld>
     <p:spTree>
       <p:nvGrpSpPr>
-        <p:cNvPr id="73" name="Shape 73"/>
+        <p:cNvPr id="1" name="Shape 73"/>
         <p:cNvGrpSpPr/>
         <p:nvPr/>
       </p:nvGrpSpPr>
@@ -1924,9 +1958,11 @@
       <p:sp>
         <p:nvSpPr>
           <p:cNvPr id="74" name="Google Shape;74;g74635101af_0_251:notes"/>
-          <p:cNvSpPr/>
+          <p:cNvSpPr>
+            <a:spLocks noGrp="1" noRot="1" noChangeAspect="1"/>
+          </p:cNvSpPr>
           <p:nvPr>
-            <p:ph idx="2" type="sldImg"/>
+            <p:ph type="sldImg" idx="2"/>
           </p:nvPr>
         </p:nvSpPr>
         <p:spPr>
@@ -1935,9 +1971,13 @@
             <a:ext cx="6096000" cy="3429000"/>
           </a:xfrm>
           <a:custGeom>
-            <a:rect b="b" l="l" r="r" t="t"/>
+            <a:avLst/>
+            <a:gdLst/>
+            <a:ahLst/>
+            <a:cxnLst/>
+            <a:rect l="l" t="t" r="r" b="b"/>
             <a:pathLst>
-              <a:path extrusionOk="0" h="120000" w="120000">
+              <a:path w="120000" h="120000" extrusionOk="0">
                 <a:moveTo>
                   <a:pt x="0" y="0"/>
                 </a:moveTo>
@@ -1959,9 +1999,11 @@
       <p:sp>
         <p:nvSpPr>
           <p:cNvPr id="75" name="Google Shape;75;g74635101af_0_251:notes"/>
-          <p:cNvSpPr txBox="1"/>
+          <p:cNvSpPr txBox="1">
+            <a:spLocks noGrp="1"/>
+          </p:cNvSpPr>
           <p:nvPr>
-            <p:ph idx="1" type="body"/>
+            <p:ph type="body" idx="1"/>
           </p:nvPr>
         </p:nvSpPr>
         <p:spPr>
@@ -1974,28 +2016,30 @@
           </a:prstGeom>
         </p:spPr>
         <p:txBody>
-          <a:bodyPr anchorCtr="0" anchor="t" bIns="91425" lIns="91425" spcFirstLastPara="1" rIns="91425" wrap="square" tIns="91425">
+          <a:bodyPr spcFirstLastPara="1" wrap="square" lIns="91425" tIns="91425" rIns="91425" bIns="91425" anchor="t" anchorCtr="0">
             <a:noAutofit/>
           </a:bodyPr>
           <a:lstStyle/>
           <a:p>
-            <a:pPr indent="0" lvl="0" marL="0" rtl="0" algn="l">
-              <a:spcBef>
-                <a:spcPts val="0"/>
-              </a:spcBef>
-              <a:spcAft>
-                <a:spcPts val="0"/>
-              </a:spcAft>
-              <a:buNone/>
-            </a:pPr>
-            <a:r>
-              <a:t/>
-            </a:r>
+            <a:pPr marL="0" lvl="0" indent="0" algn="l" rtl="0">
+              <a:spcBef>
+                <a:spcPts val="0"/>
+              </a:spcBef>
+              <a:spcAft>
+                <a:spcPts val="0"/>
+              </a:spcAft>
+              <a:buNone/>
+            </a:pPr>
             <a:endParaRPr/>
           </a:p>
         </p:txBody>
       </p:sp>
     </p:spTree>
+    <p:extLst>
+      <p:ext uri="{BB962C8B-B14F-4D97-AF65-F5344CB8AC3E}">
+        <p14:creationId xmlns:p14="http://schemas.microsoft.com/office/powerpoint/2010/main" val="1580718635"/>
+      </p:ext>
+    </p:extLst>
   </p:cSld>
   <p:clrMapOvr>
     <a:masterClrMapping/>
@@ -2004,11 +2048,11 @@
 </file>
 
 <file path=ppt/notesSlides/notesSlide5.xml><?xml version="1.0" encoding="utf-8"?>
-<p:notes xmlns:a="http://schemas.openxmlformats.org/drawingml/2006/main" xmlns:r="http://schemas.openxmlformats.org/officeDocument/2006/relationships" xmlns:mc="http://schemas.openxmlformats.org/markup-compatibility/2006" xmlns:mv="urn:schemas-microsoft-com:mac:vml" xmlns:p="http://schemas.openxmlformats.org/presentationml/2006/main" xmlns:c="http://schemas.openxmlformats.org/drawingml/2006/chart" xmlns:dgm="http://schemas.openxmlformats.org/drawingml/2006/diagram" xmlns:o="urn:schemas-microsoft-com:office:office" xmlns:v="urn:schemas-microsoft-com:vml" xmlns:pvml="urn:schemas-microsoft-com:office:powerpoint" xmlns:com="http://schemas.openxmlformats.org/drawingml/2006/compatibility" xmlns:p14="http://schemas.microsoft.com/office/powerpoint/2010/main" xmlns:p15="http://schemas.microsoft.com/office/powerpoint/2012/main" showMasterPhAnim="0" showMasterSp="0">
+<p:notes xmlns:a="http://schemas.openxmlformats.org/drawingml/2006/main" xmlns:r="http://schemas.openxmlformats.org/officeDocument/2006/relationships" xmlns:p="http://schemas.openxmlformats.org/presentationml/2006/main" showMasterSp="0" showMasterPhAnim="0">
   <p:cSld>
     <p:spTree>
       <p:nvGrpSpPr>
-        <p:cNvPr id="80" name="Shape 80"/>
+        <p:cNvPr id="1" name="Shape 80"/>
         <p:cNvGrpSpPr/>
         <p:nvPr/>
       </p:nvGrpSpPr>
@@ -2023,9 +2067,11 @@
       <p:sp>
         <p:nvSpPr>
           <p:cNvPr id="81" name="Google Shape;81;g74635101af_0_257:notes"/>
-          <p:cNvSpPr/>
+          <p:cNvSpPr>
+            <a:spLocks noGrp="1" noRot="1" noChangeAspect="1"/>
+          </p:cNvSpPr>
           <p:nvPr>
-            <p:ph idx="2" type="sldImg"/>
+            <p:ph type="sldImg" idx="2"/>
           </p:nvPr>
         </p:nvSpPr>
         <p:spPr>
@@ -2034,9 +2080,13 @@
             <a:ext cx="6096000" cy="3429000"/>
           </a:xfrm>
           <a:custGeom>
-            <a:rect b="b" l="l" r="r" t="t"/>
+            <a:avLst/>
+            <a:gdLst/>
+            <a:ahLst/>
+            <a:cxnLst/>
+            <a:rect l="l" t="t" r="r" b="b"/>
             <a:pathLst>
-              <a:path extrusionOk="0" h="120000" w="120000">
+              <a:path w="120000" h="120000" extrusionOk="0">
                 <a:moveTo>
                   <a:pt x="0" y="0"/>
                 </a:moveTo>
@@ -2058,9 +2108,11 @@
       <p:sp>
         <p:nvSpPr>
           <p:cNvPr id="82" name="Google Shape;82;g74635101af_0_257:notes"/>
-          <p:cNvSpPr txBox="1"/>
+          <p:cNvSpPr txBox="1">
+            <a:spLocks noGrp="1"/>
+          </p:cNvSpPr>
           <p:nvPr>
-            <p:ph idx="1" type="body"/>
+            <p:ph type="body" idx="1"/>
           </p:nvPr>
         </p:nvSpPr>
         <p:spPr>
@@ -2073,28 +2125,30 @@
           </a:prstGeom>
         </p:spPr>
         <p:txBody>
-          <a:bodyPr anchorCtr="0" anchor="t" bIns="91425" lIns="91425" spcFirstLastPara="1" rIns="91425" wrap="square" tIns="91425">
+          <a:bodyPr spcFirstLastPara="1" wrap="square" lIns="91425" tIns="91425" rIns="91425" bIns="91425" anchor="t" anchorCtr="0">
             <a:noAutofit/>
           </a:bodyPr>
           <a:lstStyle/>
           <a:p>
-            <a:pPr indent="0" lvl="0" marL="0" rtl="0" algn="l">
-              <a:spcBef>
-                <a:spcPts val="0"/>
-              </a:spcBef>
-              <a:spcAft>
-                <a:spcPts val="0"/>
-              </a:spcAft>
-              <a:buNone/>
-            </a:pPr>
-            <a:r>
-              <a:t/>
-            </a:r>
+            <a:pPr marL="0" lvl="0" indent="0" algn="l" rtl="0">
+              <a:spcBef>
+                <a:spcPts val="0"/>
+              </a:spcBef>
+              <a:spcAft>
+                <a:spcPts val="0"/>
+              </a:spcAft>
+              <a:buNone/>
+            </a:pPr>
             <a:endParaRPr/>
           </a:p>
         </p:txBody>
       </p:sp>
     </p:spTree>
+    <p:extLst>
+      <p:ext uri="{BB962C8B-B14F-4D97-AF65-F5344CB8AC3E}">
+        <p14:creationId xmlns:p14="http://schemas.microsoft.com/office/powerpoint/2010/main" val="4245349576"/>
+      </p:ext>
+    </p:extLst>
   </p:cSld>
   <p:clrMapOvr>
     <a:masterClrMapping/>
@@ -2103,11 +2157,11 @@
 </file>
 
 <file path=ppt/notesSlides/notesSlide6.xml><?xml version="1.0" encoding="utf-8"?>
-<p:notes xmlns:a="http://schemas.openxmlformats.org/drawingml/2006/main" xmlns:r="http://schemas.openxmlformats.org/officeDocument/2006/relationships" xmlns:mc="http://schemas.openxmlformats.org/markup-compatibility/2006" xmlns:mv="urn:schemas-microsoft-com:mac:vml" xmlns:p="http://schemas.openxmlformats.org/presentationml/2006/main" xmlns:c="http://schemas.openxmlformats.org/drawingml/2006/chart" xmlns:dgm="http://schemas.openxmlformats.org/drawingml/2006/diagram" xmlns:o="urn:schemas-microsoft-com:office:office" xmlns:v="urn:schemas-microsoft-com:vml" xmlns:pvml="urn:schemas-microsoft-com:office:powerpoint" xmlns:com="http://schemas.openxmlformats.org/drawingml/2006/compatibility" xmlns:p14="http://schemas.microsoft.com/office/powerpoint/2010/main" xmlns:p15="http://schemas.microsoft.com/office/powerpoint/2012/main" showMasterPhAnim="0" showMasterSp="0">
+<p:notes xmlns:a="http://schemas.openxmlformats.org/drawingml/2006/main" xmlns:r="http://schemas.openxmlformats.org/officeDocument/2006/relationships" xmlns:p="http://schemas.openxmlformats.org/presentationml/2006/main" showMasterSp="0" showMasterPhAnim="0">
   <p:cSld>
     <p:spTree>
       <p:nvGrpSpPr>
-        <p:cNvPr id="88" name="Shape 88"/>
+        <p:cNvPr id="1" name="Shape 88"/>
         <p:cNvGrpSpPr/>
         <p:nvPr/>
       </p:nvGrpSpPr>
@@ -2122,9 +2176,11 @@
       <p:sp>
         <p:nvSpPr>
           <p:cNvPr id="89" name="Google Shape;89;g74635101af_0_263:notes"/>
-          <p:cNvSpPr/>
+          <p:cNvSpPr>
+            <a:spLocks noGrp="1" noRot="1" noChangeAspect="1"/>
+          </p:cNvSpPr>
           <p:nvPr>
-            <p:ph idx="2" type="sldImg"/>
+            <p:ph type="sldImg" idx="2"/>
           </p:nvPr>
         </p:nvSpPr>
         <p:spPr>
@@ -2133,9 +2189,13 @@
             <a:ext cx="6096000" cy="3429000"/>
           </a:xfrm>
           <a:custGeom>
-            <a:rect b="b" l="l" r="r" t="t"/>
+            <a:avLst/>
+            <a:gdLst/>
+            <a:ahLst/>
+            <a:cxnLst/>
+            <a:rect l="l" t="t" r="r" b="b"/>
             <a:pathLst>
-              <a:path extrusionOk="0" h="120000" w="120000">
+              <a:path w="120000" h="120000" extrusionOk="0">
                 <a:moveTo>
                   <a:pt x="0" y="0"/>
                 </a:moveTo>
@@ -2157,9 +2217,11 @@
       <p:sp>
         <p:nvSpPr>
           <p:cNvPr id="90" name="Google Shape;90;g74635101af_0_263:notes"/>
-          <p:cNvSpPr txBox="1"/>
+          <p:cNvSpPr txBox="1">
+            <a:spLocks noGrp="1"/>
+          </p:cNvSpPr>
           <p:nvPr>
-            <p:ph idx="1" type="body"/>
+            <p:ph type="body" idx="1"/>
           </p:nvPr>
         </p:nvSpPr>
         <p:spPr>
@@ -2172,28 +2234,30 @@
           </a:prstGeom>
         </p:spPr>
         <p:txBody>
-          <a:bodyPr anchorCtr="0" anchor="t" bIns="91425" lIns="91425" spcFirstLastPara="1" rIns="91425" wrap="square" tIns="91425">
+          <a:bodyPr spcFirstLastPara="1" wrap="square" lIns="91425" tIns="91425" rIns="91425" bIns="91425" anchor="t" anchorCtr="0">
             <a:noAutofit/>
           </a:bodyPr>
           <a:lstStyle/>
           <a:p>
-            <a:pPr indent="0" lvl="0" marL="0" rtl="0" algn="l">
-              <a:spcBef>
-                <a:spcPts val="0"/>
-              </a:spcBef>
-              <a:spcAft>
-                <a:spcPts val="0"/>
-              </a:spcAft>
-              <a:buNone/>
-            </a:pPr>
-            <a:r>
-              <a:t/>
-            </a:r>
+            <a:pPr marL="0" lvl="0" indent="0" algn="l" rtl="0">
+              <a:spcBef>
+                <a:spcPts val="0"/>
+              </a:spcBef>
+              <a:spcAft>
+                <a:spcPts val="0"/>
+              </a:spcAft>
+              <a:buNone/>
+            </a:pPr>
             <a:endParaRPr/>
           </a:p>
         </p:txBody>
       </p:sp>
     </p:spTree>
+    <p:extLst>
+      <p:ext uri="{BB962C8B-B14F-4D97-AF65-F5344CB8AC3E}">
+        <p14:creationId xmlns:p14="http://schemas.microsoft.com/office/powerpoint/2010/main" val="592791386"/>
+      </p:ext>
+    </p:extLst>
   </p:cSld>
   <p:clrMapOvr>
     <a:masterClrMapping/>
@@ -2202,11 +2266,11 @@
 </file>
 
 <file path=ppt/notesSlides/notesSlide7.xml><?xml version="1.0" encoding="utf-8"?>
-<p:notes xmlns:a="http://schemas.openxmlformats.org/drawingml/2006/main" xmlns:r="http://schemas.openxmlformats.org/officeDocument/2006/relationships" xmlns:mc="http://schemas.openxmlformats.org/markup-compatibility/2006" xmlns:mv="urn:schemas-microsoft-com:mac:vml" xmlns:p="http://schemas.openxmlformats.org/presentationml/2006/main" xmlns:c="http://schemas.openxmlformats.org/drawingml/2006/chart" xmlns:dgm="http://schemas.openxmlformats.org/drawingml/2006/diagram" xmlns:o="urn:schemas-microsoft-com:office:office" xmlns:v="urn:schemas-microsoft-com:vml" xmlns:pvml="urn:schemas-microsoft-com:office:powerpoint" xmlns:com="http://schemas.openxmlformats.org/drawingml/2006/compatibility" xmlns:p14="http://schemas.microsoft.com/office/powerpoint/2010/main" xmlns:p15="http://schemas.microsoft.com/office/powerpoint/2012/main" showMasterPhAnim="0" showMasterSp="0">
+<p:notes xmlns:a="http://schemas.openxmlformats.org/drawingml/2006/main" xmlns:r="http://schemas.openxmlformats.org/officeDocument/2006/relationships" xmlns:p="http://schemas.openxmlformats.org/presentationml/2006/main" showMasterSp="0" showMasterPhAnim="0">
   <p:cSld>
     <p:spTree>
       <p:nvGrpSpPr>
-        <p:cNvPr id="96" name="Shape 96"/>
+        <p:cNvPr id="1" name="Shape 96"/>
         <p:cNvGrpSpPr/>
         <p:nvPr/>
       </p:nvGrpSpPr>
@@ -2221,9 +2285,11 @@
       <p:sp>
         <p:nvSpPr>
           <p:cNvPr id="97" name="Google Shape;97;g74635101af_0_270:notes"/>
-          <p:cNvSpPr/>
+          <p:cNvSpPr>
+            <a:spLocks noGrp="1" noRot="1" noChangeAspect="1"/>
+          </p:cNvSpPr>
           <p:nvPr>
-            <p:ph idx="2" type="sldImg"/>
+            <p:ph type="sldImg" idx="2"/>
           </p:nvPr>
         </p:nvSpPr>
         <p:spPr>
@@ -2232,9 +2298,13 @@
             <a:ext cx="6096000" cy="3429000"/>
           </a:xfrm>
           <a:custGeom>
-            <a:rect b="b" l="l" r="r" t="t"/>
+            <a:avLst/>
+            <a:gdLst/>
+            <a:ahLst/>
+            <a:cxnLst/>
+            <a:rect l="l" t="t" r="r" b="b"/>
             <a:pathLst>
-              <a:path extrusionOk="0" h="120000" w="120000">
+              <a:path w="120000" h="120000" extrusionOk="0">
                 <a:moveTo>
                   <a:pt x="0" y="0"/>
                 </a:moveTo>
@@ -2256,9 +2326,11 @@
       <p:sp>
         <p:nvSpPr>
           <p:cNvPr id="98" name="Google Shape;98;g74635101af_0_270:notes"/>
-          <p:cNvSpPr txBox="1"/>
+          <p:cNvSpPr txBox="1">
+            <a:spLocks noGrp="1"/>
+          </p:cNvSpPr>
           <p:nvPr>
-            <p:ph idx="1" type="body"/>
+            <p:ph type="body" idx="1"/>
           </p:nvPr>
         </p:nvSpPr>
         <p:spPr>
@@ -2271,28 +2343,30 @@
           </a:prstGeom>
         </p:spPr>
         <p:txBody>
-          <a:bodyPr anchorCtr="0" anchor="t" bIns="91425" lIns="91425" spcFirstLastPara="1" rIns="91425" wrap="square" tIns="91425">
+          <a:bodyPr spcFirstLastPara="1" wrap="square" lIns="91425" tIns="91425" rIns="91425" bIns="91425" anchor="t" anchorCtr="0">
             <a:noAutofit/>
           </a:bodyPr>
           <a:lstStyle/>
           <a:p>
-            <a:pPr indent="0" lvl="0" marL="0" rtl="0" algn="l">
-              <a:spcBef>
-                <a:spcPts val="0"/>
-              </a:spcBef>
-              <a:spcAft>
-                <a:spcPts val="0"/>
-              </a:spcAft>
-              <a:buNone/>
-            </a:pPr>
-            <a:r>
-              <a:t/>
-            </a:r>
+            <a:pPr marL="0" lvl="0" indent="0" algn="l" rtl="0">
+              <a:spcBef>
+                <a:spcPts val="0"/>
+              </a:spcBef>
+              <a:spcAft>
+                <a:spcPts val="0"/>
+              </a:spcAft>
+              <a:buNone/>
+            </a:pPr>
             <a:endParaRPr/>
           </a:p>
         </p:txBody>
       </p:sp>
     </p:spTree>
+    <p:extLst>
+      <p:ext uri="{BB962C8B-B14F-4D97-AF65-F5344CB8AC3E}">
+        <p14:creationId xmlns:p14="http://schemas.microsoft.com/office/powerpoint/2010/main" val="3680124857"/>
+      </p:ext>
+    </p:extLst>
   </p:cSld>
   <p:clrMapOvr>
     <a:masterClrMapping/>
@@ -2301,11 +2375,11 @@
 </file>
 
 <file path=ppt/notesSlides/notesSlide8.xml><?xml version="1.0" encoding="utf-8"?>
-<p:notes xmlns:a="http://schemas.openxmlformats.org/drawingml/2006/main" xmlns:r="http://schemas.openxmlformats.org/officeDocument/2006/relationships" xmlns:mc="http://schemas.openxmlformats.org/markup-compatibility/2006" xmlns:mv="urn:schemas-microsoft-com:mac:vml" xmlns:p="http://schemas.openxmlformats.org/presentationml/2006/main" xmlns:c="http://schemas.openxmlformats.org/drawingml/2006/chart" xmlns:dgm="http://schemas.openxmlformats.org/drawingml/2006/diagram" xmlns:o="urn:schemas-microsoft-com:office:office" xmlns:v="urn:schemas-microsoft-com:vml" xmlns:pvml="urn:schemas-microsoft-com:office:powerpoint" xmlns:com="http://schemas.openxmlformats.org/drawingml/2006/compatibility" xmlns:p14="http://schemas.microsoft.com/office/powerpoint/2010/main" xmlns:p15="http://schemas.microsoft.com/office/powerpoint/2012/main" showMasterPhAnim="0" showMasterSp="0">
+<p:notes xmlns:a="http://schemas.openxmlformats.org/drawingml/2006/main" xmlns:r="http://schemas.openxmlformats.org/officeDocument/2006/relationships" xmlns:p="http://schemas.openxmlformats.org/presentationml/2006/main" showMasterSp="0" showMasterPhAnim="0">
   <p:cSld>
     <p:spTree>
       <p:nvGrpSpPr>
-        <p:cNvPr id="105" name="Shape 105"/>
+        <p:cNvPr id="1" name="Shape 105"/>
         <p:cNvGrpSpPr/>
         <p:nvPr/>
       </p:nvGrpSpPr>
@@ -2320,20 +2394,26 @@
       <p:sp>
         <p:nvSpPr>
           <p:cNvPr id="106" name="Google Shape;106;g74635101af_0_278:notes"/>
-          <p:cNvSpPr/>
+          <p:cNvSpPr>
+            <a:spLocks noGrp="1" noRot="1" noChangeAspect="1"/>
+          </p:cNvSpPr>
           <p:nvPr>
-            <p:ph idx="2" type="sldImg"/>
+            <p:ph type="sldImg" idx="2"/>
           </p:nvPr>
         </p:nvSpPr>
         <p:spPr>
           <a:xfrm>
-            <a:off x="381300" y="685800"/>
+            <a:off x="381000" y="685800"/>
             <a:ext cx="6096000" cy="3429000"/>
           </a:xfrm>
           <a:custGeom>
-            <a:rect b="b" l="l" r="r" t="t"/>
+            <a:avLst/>
+            <a:gdLst/>
+            <a:ahLst/>
+            <a:cxnLst/>
+            <a:rect l="l" t="t" r="r" b="b"/>
             <a:pathLst>
-              <a:path extrusionOk="0" h="120000" w="120000">
+              <a:path w="120000" h="120000" extrusionOk="0">
                 <a:moveTo>
                   <a:pt x="0" y="0"/>
                 </a:moveTo>
@@ -2355,9 +2435,11 @@
       <p:sp>
         <p:nvSpPr>
           <p:cNvPr id="107" name="Google Shape;107;g74635101af_0_278:notes"/>
-          <p:cNvSpPr txBox="1"/>
+          <p:cNvSpPr txBox="1">
+            <a:spLocks noGrp="1"/>
+          </p:cNvSpPr>
           <p:nvPr>
-            <p:ph idx="1" type="body"/>
+            <p:ph type="body" idx="1"/>
           </p:nvPr>
         </p:nvSpPr>
         <p:spPr>
@@ -2370,28 +2452,30 @@
           </a:prstGeom>
         </p:spPr>
         <p:txBody>
-          <a:bodyPr anchorCtr="0" anchor="t" bIns="91425" lIns="91425" spcFirstLastPara="1" rIns="91425" wrap="square" tIns="91425">
+          <a:bodyPr spcFirstLastPara="1" wrap="square" lIns="91425" tIns="91425" rIns="91425" bIns="91425" anchor="t" anchorCtr="0">
             <a:noAutofit/>
           </a:bodyPr>
           <a:lstStyle/>
           <a:p>
-            <a:pPr indent="0" lvl="0" marL="0" rtl="0" algn="l">
-              <a:spcBef>
-                <a:spcPts val="0"/>
-              </a:spcBef>
-              <a:spcAft>
-                <a:spcPts val="0"/>
-              </a:spcAft>
-              <a:buNone/>
-            </a:pPr>
-            <a:r>
-              <a:t/>
-            </a:r>
+            <a:pPr marL="0" lvl="0" indent="0" algn="l" rtl="0">
+              <a:spcBef>
+                <a:spcPts val="0"/>
+              </a:spcBef>
+              <a:spcAft>
+                <a:spcPts val="0"/>
+              </a:spcAft>
+              <a:buNone/>
+            </a:pPr>
             <a:endParaRPr/>
           </a:p>
         </p:txBody>
       </p:sp>
     </p:spTree>
+    <p:extLst>
+      <p:ext uri="{BB962C8B-B14F-4D97-AF65-F5344CB8AC3E}">
+        <p14:creationId xmlns:p14="http://schemas.microsoft.com/office/powerpoint/2010/main" val="1210575697"/>
+      </p:ext>
+    </p:extLst>
   </p:cSld>
   <p:clrMapOvr>
     <a:masterClrMapping/>
@@ -2400,11 +2484,11 @@
 </file>
 
 <file path=ppt/notesSlides/notesSlide9.xml><?xml version="1.0" encoding="utf-8"?>
-<p:notes xmlns:a="http://schemas.openxmlformats.org/drawingml/2006/main" xmlns:r="http://schemas.openxmlformats.org/officeDocument/2006/relationships" xmlns:mc="http://schemas.openxmlformats.org/markup-compatibility/2006" xmlns:mv="urn:schemas-microsoft-com:mac:vml" xmlns:p="http://schemas.openxmlformats.org/presentationml/2006/main" xmlns:c="http://schemas.openxmlformats.org/drawingml/2006/chart" xmlns:dgm="http://schemas.openxmlformats.org/drawingml/2006/diagram" xmlns:o="urn:schemas-microsoft-com:office:office" xmlns:v="urn:schemas-microsoft-com:vml" xmlns:pvml="urn:schemas-microsoft-com:office:powerpoint" xmlns:com="http://schemas.openxmlformats.org/drawingml/2006/compatibility" xmlns:p14="http://schemas.microsoft.com/office/powerpoint/2010/main" xmlns:p15="http://schemas.microsoft.com/office/powerpoint/2012/main" showMasterPhAnim="0" showMasterSp="0">
+<p:notes xmlns:a="http://schemas.openxmlformats.org/drawingml/2006/main" xmlns:r="http://schemas.openxmlformats.org/officeDocument/2006/relationships" xmlns:p="http://schemas.openxmlformats.org/presentationml/2006/main" showMasterSp="0" showMasterPhAnim="0">
   <p:cSld>
     <p:spTree>
       <p:nvGrpSpPr>
-        <p:cNvPr id="114" name="Shape 114"/>
+        <p:cNvPr id="1" name="Shape 114"/>
         <p:cNvGrpSpPr/>
         <p:nvPr/>
       </p:nvGrpSpPr>
@@ -2419,9 +2503,11 @@
       <p:sp>
         <p:nvSpPr>
           <p:cNvPr id="115" name="Google Shape;115;g74635101af_0_284:notes"/>
-          <p:cNvSpPr/>
+          <p:cNvSpPr>
+            <a:spLocks noGrp="1" noRot="1" noChangeAspect="1"/>
+          </p:cNvSpPr>
           <p:nvPr>
-            <p:ph idx="2" type="sldImg"/>
+            <p:ph type="sldImg" idx="2"/>
           </p:nvPr>
         </p:nvSpPr>
         <p:spPr>
@@ -2430,9 +2516,13 @@
             <a:ext cx="6096000" cy="3429000"/>
           </a:xfrm>
           <a:custGeom>
-            <a:rect b="b" l="l" r="r" t="t"/>
+            <a:avLst/>
+            <a:gdLst/>
+            <a:ahLst/>
+            <a:cxnLst/>
+            <a:rect l="l" t="t" r="r" b="b"/>
             <a:pathLst>
-              <a:path extrusionOk="0" h="120000" w="120000">
+              <a:path w="120000" h="120000" extrusionOk="0">
                 <a:moveTo>
                   <a:pt x="0" y="0"/>
                 </a:moveTo>
@@ -2454,9 +2544,11 @@
       <p:sp>
         <p:nvSpPr>
           <p:cNvPr id="116" name="Google Shape;116;g74635101af_0_284:notes"/>
-          <p:cNvSpPr txBox="1"/>
+          <p:cNvSpPr txBox="1">
+            <a:spLocks noGrp="1"/>
+          </p:cNvSpPr>
           <p:nvPr>
-            <p:ph idx="1" type="body"/>
+            <p:ph type="body" idx="1"/>
           </p:nvPr>
         </p:nvSpPr>
         <p:spPr>
@@ -2469,28 +2561,30 @@
           </a:prstGeom>
         </p:spPr>
         <p:txBody>
-          <a:bodyPr anchorCtr="0" anchor="t" bIns="91425" lIns="91425" spcFirstLastPara="1" rIns="91425" wrap="square" tIns="91425">
+          <a:bodyPr spcFirstLastPara="1" wrap="square" lIns="91425" tIns="91425" rIns="91425" bIns="91425" anchor="t" anchorCtr="0">
             <a:noAutofit/>
           </a:bodyPr>
           <a:lstStyle/>
           <a:p>
-            <a:pPr indent="0" lvl="0" marL="0" rtl="0" algn="l">
-              <a:spcBef>
-                <a:spcPts val="0"/>
-              </a:spcBef>
-              <a:spcAft>
-                <a:spcPts val="0"/>
-              </a:spcAft>
-              <a:buNone/>
-            </a:pPr>
-            <a:r>
-              <a:t/>
-            </a:r>
+            <a:pPr marL="0" lvl="0" indent="0" algn="l" rtl="0">
+              <a:spcBef>
+                <a:spcPts val="0"/>
+              </a:spcBef>
+              <a:spcAft>
+                <a:spcPts val="0"/>
+              </a:spcAft>
+              <a:buNone/>
+            </a:pPr>
             <a:endParaRPr/>
           </a:p>
         </p:txBody>
       </p:sp>
     </p:spTree>
+    <p:extLst>
+      <p:ext uri="{BB962C8B-B14F-4D97-AF65-F5344CB8AC3E}">
+        <p14:creationId xmlns:p14="http://schemas.microsoft.com/office/powerpoint/2010/main" val="2052795689"/>
+      </p:ext>
+    </p:extLst>
   </p:cSld>
   <p:clrMapOvr>
     <a:masterClrMapping/>
@@ -2499,11 +2593,11 @@
 </file>
 
 <file path=ppt/slideLayouts/slideLayout1.xml><?xml version="1.0" encoding="utf-8"?>
-<p:sldLayout xmlns:a="http://schemas.openxmlformats.org/drawingml/2006/main" xmlns:r="http://schemas.openxmlformats.org/officeDocument/2006/relationships" xmlns:mc="http://schemas.openxmlformats.org/markup-compatibility/2006" xmlns:mv="urn:schemas-microsoft-com:mac:vml" xmlns:p="http://schemas.openxmlformats.org/presentationml/2006/main" xmlns:c="http://schemas.openxmlformats.org/drawingml/2006/chart" xmlns:dgm="http://schemas.openxmlformats.org/drawingml/2006/diagram" xmlns:o="urn:schemas-microsoft-com:office:office" xmlns:v="urn:schemas-microsoft-com:vml" xmlns:pvml="urn:schemas-microsoft-com:office:powerpoint" xmlns:com="http://schemas.openxmlformats.org/drawingml/2006/compatibility" xmlns:p14="http://schemas.microsoft.com/office/powerpoint/2010/main" xmlns:p15="http://schemas.microsoft.com/office/powerpoint/2012/main" matchingName="Title slide" type="title">
+<p:sldLayout xmlns:a="http://schemas.openxmlformats.org/drawingml/2006/main" xmlns:r="http://schemas.openxmlformats.org/officeDocument/2006/relationships" xmlns:p="http://schemas.openxmlformats.org/presentationml/2006/main" matchingName="Title slide" type="title">
   <p:cSld name="TITLE">
     <p:spTree>
       <p:nvGrpSpPr>
-        <p:cNvPr id="9" name="Shape 9"/>
+        <p:cNvPr id="1" name="Shape 9"/>
         <p:cNvGrpSpPr/>
         <p:nvPr/>
       </p:nvGrpSpPr>
@@ -2530,21 +2624,23 @@
             <a:avLst/>
           </a:prstGeom>
           <a:noFill/>
-          <a:ln cap="flat" cmpd="sng" w="76200">
+          <a:ln w="76200" cap="flat" cmpd="sng">
             <a:solidFill>
               <a:schemeClr val="dk1"/>
             </a:solidFill>
             <a:prstDash val="solid"/>
             <a:round/>
-            <a:headEnd len="sm" w="sm" type="none"/>
-            <a:tailEnd len="sm" w="sm" type="none"/>
+            <a:headEnd type="none" w="sm" len="sm"/>
+            <a:tailEnd type="none" w="sm" len="sm"/>
           </a:ln>
         </p:spPr>
       </p:cxnSp>
       <p:sp>
         <p:nvSpPr>
           <p:cNvPr id="11" name="Google Shape;11;p2"/>
-          <p:cNvSpPr txBox="1"/>
+          <p:cNvSpPr txBox="1">
+            <a:spLocks noGrp="1"/>
+          </p:cNvSpPr>
           <p:nvPr>
             <p:ph type="ctrTitle"/>
           </p:nvPr>
@@ -2559,7 +2655,7 @@
           </a:prstGeom>
         </p:spPr>
         <p:txBody>
-          <a:bodyPr anchorCtr="0" anchor="b" bIns="91425" lIns="91425" spcFirstLastPara="1" rIns="91425" wrap="square" tIns="91425">
+          <a:bodyPr spcFirstLastPara="1" wrap="square" lIns="91425" tIns="91425" rIns="91425" bIns="91425" anchor="b" anchorCtr="0">
             <a:noAutofit/>
           </a:bodyPr>
           <a:lstStyle>
@@ -2663,15 +2759,19 @@
               <a:defRPr sz="5400"/>
             </a:lvl9pPr>
           </a:lstStyle>
-          <a:p/>
+          <a:p>
+            <a:endParaRPr/>
+          </a:p>
         </p:txBody>
       </p:sp>
       <p:sp>
         <p:nvSpPr>
           <p:cNvPr id="12" name="Google Shape;12;p2"/>
-          <p:cNvSpPr txBox="1"/>
+          <p:cNvSpPr txBox="1">
+            <a:spLocks noGrp="1"/>
+          </p:cNvSpPr>
           <p:nvPr>
-            <p:ph idx="1" type="subTitle"/>
+            <p:ph type="subTitle" idx="1"/>
           </p:nvPr>
         </p:nvSpPr>
         <p:spPr>
@@ -2684,7 +2784,7 @@
           </a:prstGeom>
         </p:spPr>
         <p:txBody>
-          <a:bodyPr anchorCtr="0" anchor="t" bIns="91425" lIns="91425" spcFirstLastPara="1" rIns="91425" wrap="square" tIns="91425">
+          <a:bodyPr spcFirstLastPara="1" wrap="square" lIns="91425" tIns="91425" rIns="91425" bIns="91425" anchor="t" anchorCtr="0">
             <a:noAutofit/>
           </a:bodyPr>
           <a:lstStyle>
@@ -2815,15 +2915,19 @@
               <a:defRPr sz="2400"/>
             </a:lvl9pPr>
           </a:lstStyle>
-          <a:p/>
+          <a:p>
+            <a:endParaRPr/>
+          </a:p>
         </p:txBody>
       </p:sp>
       <p:sp>
         <p:nvSpPr>
           <p:cNvPr id="13" name="Google Shape;13;p2"/>
-          <p:cNvSpPr txBox="1"/>
+          <p:cNvSpPr txBox="1">
+            <a:spLocks noGrp="1"/>
+          </p:cNvSpPr>
           <p:nvPr>
-            <p:ph idx="12" type="sldNum"/>
+            <p:ph type="sldNum" idx="12"/>
           </p:nvPr>
         </p:nvSpPr>
         <p:spPr>
@@ -2836,7 +2940,7 @@
           </a:prstGeom>
         </p:spPr>
         <p:txBody>
-          <a:bodyPr anchorCtr="0" anchor="ctr" bIns="91425" lIns="91425" spcFirstLastPara="1" rIns="91425" wrap="square" tIns="91425">
+          <a:bodyPr spcFirstLastPara="1" wrap="square" lIns="91425" tIns="91425" rIns="91425" bIns="91425" anchor="ctr" anchorCtr="0">
             <a:noAutofit/>
           </a:bodyPr>
           <a:lstStyle>
@@ -2878,7 +2982,7 @@
             </a:lvl9pPr>
           </a:lstStyle>
           <a:p>
-            <a:pPr indent="0" lvl="0" marL="0" rtl="0" algn="r">
+            <a:pPr marL="0" lvl="0" indent="0" algn="r" rtl="0">
               <a:spcBef>
                 <a:spcPts val="0"/>
               </a:spcBef>
@@ -2904,11 +3008,11 @@
 </file>
 
 <file path=ppt/slideLayouts/slideLayout10.xml><?xml version="1.0" encoding="utf-8"?>
-<p:sldLayout xmlns:a="http://schemas.openxmlformats.org/drawingml/2006/main" xmlns:r="http://schemas.openxmlformats.org/officeDocument/2006/relationships" xmlns:mc="http://schemas.openxmlformats.org/markup-compatibility/2006" xmlns:mv="urn:schemas-microsoft-com:mac:vml" xmlns:p="http://schemas.openxmlformats.org/presentationml/2006/main" xmlns:c="http://schemas.openxmlformats.org/drawingml/2006/chart" xmlns:dgm="http://schemas.openxmlformats.org/drawingml/2006/diagram" xmlns:o="urn:schemas-microsoft-com:office:office" xmlns:v="urn:schemas-microsoft-com:vml" xmlns:pvml="urn:schemas-microsoft-com:office:powerpoint" xmlns:com="http://schemas.openxmlformats.org/drawingml/2006/compatibility" xmlns:p14="http://schemas.microsoft.com/office/powerpoint/2010/main" xmlns:p15="http://schemas.microsoft.com/office/powerpoint/2012/main" matchingName="Big number">
+<p:sldLayout xmlns:a="http://schemas.openxmlformats.org/drawingml/2006/main" xmlns:r="http://schemas.openxmlformats.org/officeDocument/2006/relationships" xmlns:p="http://schemas.openxmlformats.org/presentationml/2006/main" matchingName="Big number">
   <p:cSld name="BIG_NUMBER">
     <p:spTree>
       <p:nvGrpSpPr>
-        <p:cNvPr id="46" name="Shape 46"/>
+        <p:cNvPr id="1" name="Shape 46"/>
         <p:cNvGrpSpPr/>
         <p:nvPr/>
       </p:nvGrpSpPr>
@@ -2923,9 +3027,11 @@
       <p:sp>
         <p:nvSpPr>
           <p:cNvPr id="47" name="Google Shape;47;p11"/>
-          <p:cNvSpPr txBox="1"/>
+          <p:cNvSpPr txBox="1">
+            <a:spLocks noGrp="1"/>
+          </p:cNvSpPr>
           <p:nvPr>
-            <p:ph hasCustomPrompt="1" type="title"/>
+            <p:ph type="title" hasCustomPrompt="1"/>
           </p:nvPr>
         </p:nvSpPr>
         <p:spPr>
@@ -2938,7 +3044,7 @@
           </a:prstGeom>
         </p:spPr>
         <p:txBody>
-          <a:bodyPr anchorCtr="0" anchor="ctr" bIns="91425" lIns="91425" spcFirstLastPara="1" rIns="91425" wrap="square" tIns="91425">
+          <a:bodyPr spcFirstLastPara="1" wrap="square" lIns="91425" tIns="91425" rIns="91425" bIns="91425" anchor="ctr" anchorCtr="0">
             <a:noAutofit/>
           </a:bodyPr>
           <a:lstStyle>
@@ -3115,9 +3221,11 @@
       <p:sp>
         <p:nvSpPr>
           <p:cNvPr id="48" name="Google Shape;48;p11"/>
-          <p:cNvSpPr txBox="1"/>
+          <p:cNvSpPr txBox="1">
+            <a:spLocks noGrp="1"/>
+          </p:cNvSpPr>
           <p:nvPr>
-            <p:ph idx="1" type="body"/>
+            <p:ph type="body" idx="1"/>
           </p:nvPr>
         </p:nvSpPr>
         <p:spPr>
@@ -3130,11 +3238,11 @@
           </a:prstGeom>
         </p:spPr>
         <p:txBody>
-          <a:bodyPr anchorCtr="0" anchor="t" bIns="91425" lIns="91425" spcFirstLastPara="1" rIns="91425" wrap="square" tIns="91425">
+          <a:bodyPr spcFirstLastPara="1" wrap="square" lIns="91425" tIns="91425" rIns="91425" bIns="91425" anchor="t" anchorCtr="0">
             <a:noAutofit/>
           </a:bodyPr>
           <a:lstStyle>
-            <a:lvl1pPr indent="-342900" lvl="0" marL="457200" algn="ctr">
+            <a:lvl1pPr marL="457200" lvl="0" indent="-342900" algn="ctr">
               <a:spcBef>
                 <a:spcPts val="0"/>
               </a:spcBef>
@@ -3145,7 +3253,7 @@
               <a:buChar char="●"/>
               <a:defRPr/>
             </a:lvl1pPr>
-            <a:lvl2pPr indent="-317500" lvl="1" marL="914400" algn="ctr">
+            <a:lvl2pPr marL="914400" lvl="1" indent="-317500" algn="ctr">
               <a:spcBef>
                 <a:spcPts val="1600"/>
               </a:spcBef>
@@ -3156,7 +3264,7 @@
               <a:buChar char="○"/>
               <a:defRPr/>
             </a:lvl2pPr>
-            <a:lvl3pPr indent="-317500" lvl="2" marL="1371600" algn="ctr">
+            <a:lvl3pPr marL="1371600" lvl="2" indent="-317500" algn="ctr">
               <a:spcBef>
                 <a:spcPts val="1600"/>
               </a:spcBef>
@@ -3167,7 +3275,7 @@
               <a:buChar char="■"/>
               <a:defRPr/>
             </a:lvl3pPr>
-            <a:lvl4pPr indent="-317500" lvl="3" marL="1828800" algn="ctr">
+            <a:lvl4pPr marL="1828800" lvl="3" indent="-317500" algn="ctr">
               <a:spcBef>
                 <a:spcPts val="1600"/>
               </a:spcBef>
@@ -3178,7 +3286,7 @@
               <a:buChar char="●"/>
               <a:defRPr/>
             </a:lvl4pPr>
-            <a:lvl5pPr indent="-317500" lvl="4" marL="2286000" algn="ctr">
+            <a:lvl5pPr marL="2286000" lvl="4" indent="-317500" algn="ctr">
               <a:spcBef>
                 <a:spcPts val="1600"/>
               </a:spcBef>
@@ -3189,7 +3297,7 @@
               <a:buChar char="○"/>
               <a:defRPr/>
             </a:lvl5pPr>
-            <a:lvl6pPr indent="-317500" lvl="5" marL="2743200" algn="ctr">
+            <a:lvl6pPr marL="2743200" lvl="5" indent="-317500" algn="ctr">
               <a:spcBef>
                 <a:spcPts val="1600"/>
               </a:spcBef>
@@ -3200,7 +3308,7 @@
               <a:buChar char="■"/>
               <a:defRPr/>
             </a:lvl6pPr>
-            <a:lvl7pPr indent="-317500" lvl="6" marL="3200400" algn="ctr">
+            <a:lvl7pPr marL="3200400" lvl="6" indent="-317500" algn="ctr">
               <a:spcBef>
                 <a:spcPts val="1600"/>
               </a:spcBef>
@@ -3211,7 +3319,7 @@
               <a:buChar char="●"/>
               <a:defRPr/>
             </a:lvl7pPr>
-            <a:lvl8pPr indent="-317500" lvl="7" marL="3657600" algn="ctr">
+            <a:lvl8pPr marL="3657600" lvl="7" indent="-317500" algn="ctr">
               <a:spcBef>
                 <a:spcPts val="1600"/>
               </a:spcBef>
@@ -3222,7 +3330,7 @@
               <a:buChar char="○"/>
               <a:defRPr/>
             </a:lvl8pPr>
-            <a:lvl9pPr indent="-317500" lvl="8" marL="4114800" algn="ctr">
+            <a:lvl9pPr marL="4114800" lvl="8" indent="-317500" algn="ctr">
               <a:spcBef>
                 <a:spcPts val="1600"/>
               </a:spcBef>
@@ -3234,15 +3342,19 @@
               <a:defRPr/>
             </a:lvl9pPr>
           </a:lstStyle>
-          <a:p/>
+          <a:p>
+            <a:endParaRPr/>
+          </a:p>
         </p:txBody>
       </p:sp>
       <p:sp>
         <p:nvSpPr>
           <p:cNvPr id="49" name="Google Shape;49;p11"/>
-          <p:cNvSpPr txBox="1"/>
+          <p:cNvSpPr txBox="1">
+            <a:spLocks noGrp="1"/>
+          </p:cNvSpPr>
           <p:nvPr>
-            <p:ph idx="12" type="sldNum"/>
+            <p:ph type="sldNum" idx="12"/>
           </p:nvPr>
         </p:nvSpPr>
         <p:spPr>
@@ -3255,7 +3367,7 @@
           </a:prstGeom>
         </p:spPr>
         <p:txBody>
-          <a:bodyPr anchorCtr="0" anchor="ctr" bIns="91425" lIns="91425" spcFirstLastPara="1" rIns="91425" wrap="square" tIns="91425">
+          <a:bodyPr spcFirstLastPara="1" wrap="square" lIns="91425" tIns="91425" rIns="91425" bIns="91425" anchor="ctr" anchorCtr="0">
             <a:noAutofit/>
           </a:bodyPr>
           <a:lstStyle>
@@ -3297,7 +3409,7 @@
             </a:lvl9pPr>
           </a:lstStyle>
           <a:p>
-            <a:pPr indent="0" lvl="0" marL="0" rtl="0" algn="r">
+            <a:pPr marL="0" lvl="0" indent="0" algn="r" rtl="0">
               <a:spcBef>
                 <a:spcPts val="0"/>
               </a:spcBef>
@@ -3323,11 +3435,11 @@
 </file>
 
 <file path=ppt/slideLayouts/slideLayout11.xml><?xml version="1.0" encoding="utf-8"?>
-<p:sldLayout xmlns:a="http://schemas.openxmlformats.org/drawingml/2006/main" xmlns:r="http://schemas.openxmlformats.org/officeDocument/2006/relationships" xmlns:mc="http://schemas.openxmlformats.org/markup-compatibility/2006" xmlns:mv="urn:schemas-microsoft-com:mac:vml" xmlns:p="http://schemas.openxmlformats.org/presentationml/2006/main" xmlns:c="http://schemas.openxmlformats.org/drawingml/2006/chart" xmlns:dgm="http://schemas.openxmlformats.org/drawingml/2006/diagram" xmlns:o="urn:schemas-microsoft-com:office:office" xmlns:v="urn:schemas-microsoft-com:vml" xmlns:pvml="urn:schemas-microsoft-com:office:powerpoint" xmlns:com="http://schemas.openxmlformats.org/drawingml/2006/compatibility" xmlns:p14="http://schemas.microsoft.com/office/powerpoint/2010/main" xmlns:p15="http://schemas.microsoft.com/office/powerpoint/2012/main" matchingName="Blank" type="blank">
+<p:sldLayout xmlns:a="http://schemas.openxmlformats.org/drawingml/2006/main" xmlns:r="http://schemas.openxmlformats.org/officeDocument/2006/relationships" xmlns:p="http://schemas.openxmlformats.org/presentationml/2006/main" matchingName="Blank" type="blank">
   <p:cSld name="BLANK">
     <p:spTree>
       <p:nvGrpSpPr>
-        <p:cNvPr id="50" name="Shape 50"/>
+        <p:cNvPr id="1" name="Shape 50"/>
         <p:cNvGrpSpPr/>
         <p:nvPr/>
       </p:nvGrpSpPr>
@@ -3342,9 +3454,11 @@
       <p:sp>
         <p:nvSpPr>
           <p:cNvPr id="51" name="Google Shape;51;p12"/>
-          <p:cNvSpPr txBox="1"/>
+          <p:cNvSpPr txBox="1">
+            <a:spLocks noGrp="1"/>
+          </p:cNvSpPr>
           <p:nvPr>
-            <p:ph idx="12" type="sldNum"/>
+            <p:ph type="sldNum" idx="12"/>
           </p:nvPr>
         </p:nvSpPr>
         <p:spPr>
@@ -3357,7 +3471,7 @@
           </a:prstGeom>
         </p:spPr>
         <p:txBody>
-          <a:bodyPr anchorCtr="0" anchor="ctr" bIns="91425" lIns="91425" spcFirstLastPara="1" rIns="91425" wrap="square" tIns="91425">
+          <a:bodyPr spcFirstLastPara="1" wrap="square" lIns="91425" tIns="91425" rIns="91425" bIns="91425" anchor="ctr" anchorCtr="0">
             <a:noAutofit/>
           </a:bodyPr>
           <a:lstStyle>
@@ -3399,7 +3513,7 @@
             </a:lvl9pPr>
           </a:lstStyle>
           <a:p>
-            <a:pPr indent="0" lvl="0" marL="0" rtl="0" algn="r">
+            <a:pPr marL="0" lvl="0" indent="0" algn="r" rtl="0">
               <a:spcBef>
                 <a:spcPts val="0"/>
               </a:spcBef>
@@ -3425,18 +3539,19 @@
 </file>
 
 <file path=ppt/slideLayouts/slideLayout2.xml><?xml version="1.0" encoding="utf-8"?>
-<p:sldLayout xmlns:a="http://schemas.openxmlformats.org/drawingml/2006/main" xmlns:r="http://schemas.openxmlformats.org/officeDocument/2006/relationships" xmlns:mc="http://schemas.openxmlformats.org/markup-compatibility/2006" xmlns:mv="urn:schemas-microsoft-com:mac:vml" xmlns:p="http://schemas.openxmlformats.org/presentationml/2006/main" xmlns:c="http://schemas.openxmlformats.org/drawingml/2006/chart" xmlns:dgm="http://schemas.openxmlformats.org/drawingml/2006/diagram" xmlns:o="urn:schemas-microsoft-com:office:office" xmlns:v="urn:schemas-microsoft-com:vml" xmlns:pvml="urn:schemas-microsoft-com:office:powerpoint" xmlns:com="http://schemas.openxmlformats.org/drawingml/2006/compatibility" xmlns:p14="http://schemas.microsoft.com/office/powerpoint/2010/main" xmlns:p15="http://schemas.microsoft.com/office/powerpoint/2012/main" matchingName="Section header" type="secHead">
+<p:sldLayout xmlns:a="http://schemas.openxmlformats.org/drawingml/2006/main" xmlns:r="http://schemas.openxmlformats.org/officeDocument/2006/relationships" xmlns:p="http://schemas.openxmlformats.org/presentationml/2006/main" matchingName="Section header" type="secHead">
   <p:cSld name="SECTION_HEADER">
     <p:bg>
       <p:bgPr>
         <a:solidFill>
           <a:schemeClr val="dk1"/>
         </a:solidFill>
+        <a:effectLst/>
       </p:bgPr>
     </p:bg>
     <p:spTree>
       <p:nvGrpSpPr>
-        <p:cNvPr id="14" name="Shape 14"/>
+        <p:cNvPr id="1" name="Shape 14"/>
         <p:cNvGrpSpPr/>
         <p:nvPr/>
       </p:nvGrpSpPr>
@@ -3451,7 +3566,9 @@
       <p:sp>
         <p:nvSpPr>
           <p:cNvPr id="15" name="Google Shape;15;p3"/>
-          <p:cNvSpPr txBox="1"/>
+          <p:cNvSpPr txBox="1">
+            <a:spLocks noGrp="1"/>
+          </p:cNvSpPr>
           <p:nvPr>
             <p:ph type="title"/>
           </p:nvPr>
@@ -3466,7 +3583,7 @@
           </a:prstGeom>
         </p:spPr>
         <p:txBody>
-          <a:bodyPr anchorCtr="0" anchor="b" bIns="91425" lIns="91425" spcFirstLastPara="1" rIns="91425" wrap="square" tIns="91425">
+          <a:bodyPr spcFirstLastPara="1" wrap="square" lIns="91425" tIns="91425" rIns="91425" bIns="91425" anchor="b" anchorCtr="0">
             <a:noAutofit/>
           </a:bodyPr>
           <a:lstStyle>
@@ -3633,15 +3750,19 @@
               </a:defRPr>
             </a:lvl9pPr>
           </a:lstStyle>
-          <a:p/>
+          <a:p>
+            <a:endParaRPr/>
+          </a:p>
         </p:txBody>
       </p:sp>
       <p:sp>
         <p:nvSpPr>
           <p:cNvPr id="16" name="Google Shape;16;p3"/>
-          <p:cNvSpPr txBox="1"/>
+          <p:cNvSpPr txBox="1">
+            <a:spLocks noGrp="1"/>
+          </p:cNvSpPr>
           <p:nvPr>
-            <p:ph idx="12" type="sldNum"/>
+            <p:ph type="sldNum" idx="12"/>
           </p:nvPr>
         </p:nvSpPr>
         <p:spPr>
@@ -3654,7 +3775,7 @@
           </a:prstGeom>
         </p:spPr>
         <p:txBody>
-          <a:bodyPr anchorCtr="0" anchor="ctr" bIns="91425" lIns="91425" spcFirstLastPara="1" rIns="91425" wrap="square" tIns="91425">
+          <a:bodyPr spcFirstLastPara="1" wrap="square" lIns="91425" tIns="91425" rIns="91425" bIns="91425" anchor="ctr" anchorCtr="0">
             <a:noAutofit/>
           </a:bodyPr>
           <a:lstStyle>
@@ -3732,7 +3853,7 @@
             </a:lvl9pPr>
           </a:lstStyle>
           <a:p>
-            <a:pPr indent="0" lvl="0" marL="0" rtl="0" algn="r">
+            <a:pPr marL="0" lvl="0" indent="0" algn="r" rtl="0">
               <a:spcBef>
                 <a:spcPts val="0"/>
               </a:spcBef>
@@ -3758,11 +3879,11 @@
 </file>
 
 <file path=ppt/slideLayouts/slideLayout3.xml><?xml version="1.0" encoding="utf-8"?>
-<p:sldLayout xmlns:a="http://schemas.openxmlformats.org/drawingml/2006/main" xmlns:r="http://schemas.openxmlformats.org/officeDocument/2006/relationships" xmlns:mc="http://schemas.openxmlformats.org/markup-compatibility/2006" xmlns:mv="urn:schemas-microsoft-com:mac:vml" xmlns:p="http://schemas.openxmlformats.org/presentationml/2006/main" xmlns:c="http://schemas.openxmlformats.org/drawingml/2006/chart" xmlns:dgm="http://schemas.openxmlformats.org/drawingml/2006/diagram" xmlns:o="urn:schemas-microsoft-com:office:office" xmlns:v="urn:schemas-microsoft-com:vml" xmlns:pvml="urn:schemas-microsoft-com:office:powerpoint" xmlns:com="http://schemas.openxmlformats.org/drawingml/2006/compatibility" xmlns:p14="http://schemas.microsoft.com/office/powerpoint/2010/main" xmlns:p15="http://schemas.microsoft.com/office/powerpoint/2012/main" matchingName="Title and body" type="tx">
+<p:sldLayout xmlns:a="http://schemas.openxmlformats.org/drawingml/2006/main" xmlns:r="http://schemas.openxmlformats.org/officeDocument/2006/relationships" xmlns:p="http://schemas.openxmlformats.org/presentationml/2006/main" matchingName="Title and body" type="tx">
   <p:cSld name="TITLE_AND_BODY">
     <p:spTree>
       <p:nvGrpSpPr>
-        <p:cNvPr id="17" name="Shape 17"/>
+        <p:cNvPr id="1" name="Shape 17"/>
         <p:cNvGrpSpPr/>
         <p:nvPr/>
       </p:nvGrpSpPr>
@@ -3777,7 +3898,9 @@
       <p:sp>
         <p:nvSpPr>
           <p:cNvPr id="18" name="Google Shape;18;p4"/>
-          <p:cNvSpPr txBox="1"/>
+          <p:cNvSpPr txBox="1">
+            <a:spLocks noGrp="1"/>
+          </p:cNvSpPr>
           <p:nvPr>
             <p:ph type="title"/>
           </p:nvPr>
@@ -3792,7 +3915,7 @@
           </a:prstGeom>
         </p:spPr>
         <p:txBody>
-          <a:bodyPr anchorCtr="0" anchor="t" bIns="91425" lIns="91425" spcFirstLastPara="1" rIns="91425" wrap="square" tIns="91425">
+          <a:bodyPr spcFirstLastPara="1" wrap="square" lIns="91425" tIns="91425" rIns="91425" bIns="91425" anchor="t" anchorCtr="0">
             <a:noAutofit/>
           </a:bodyPr>
           <a:lstStyle>
@@ -3896,15 +4019,19 @@
               <a:defRPr/>
             </a:lvl9pPr>
           </a:lstStyle>
-          <a:p/>
+          <a:p>
+            <a:endParaRPr/>
+          </a:p>
         </p:txBody>
       </p:sp>
       <p:sp>
         <p:nvSpPr>
           <p:cNvPr id="19" name="Google Shape;19;p4"/>
-          <p:cNvSpPr txBox="1"/>
+          <p:cNvSpPr txBox="1">
+            <a:spLocks noGrp="1"/>
+          </p:cNvSpPr>
           <p:nvPr>
-            <p:ph idx="1" type="body"/>
+            <p:ph type="body" idx="1"/>
           </p:nvPr>
         </p:nvSpPr>
         <p:spPr>
@@ -3917,11 +4044,11 @@
           </a:prstGeom>
         </p:spPr>
         <p:txBody>
-          <a:bodyPr anchorCtr="0" anchor="t" bIns="91425" lIns="91425" spcFirstLastPara="1" rIns="91425" wrap="square" tIns="91425">
+          <a:bodyPr spcFirstLastPara="1" wrap="square" lIns="91425" tIns="91425" rIns="91425" bIns="91425" anchor="t" anchorCtr="0">
             <a:noAutofit/>
           </a:bodyPr>
           <a:lstStyle>
-            <a:lvl1pPr indent="-342900" lvl="0" marL="457200">
+            <a:lvl1pPr marL="457200" lvl="0" indent="-342900">
               <a:spcBef>
                 <a:spcPts val="0"/>
               </a:spcBef>
@@ -3932,7 +4059,7 @@
               <a:buChar char="●"/>
               <a:defRPr/>
             </a:lvl1pPr>
-            <a:lvl2pPr indent="-317500" lvl="1" marL="914400">
+            <a:lvl2pPr marL="914400" lvl="1" indent="-317500">
               <a:spcBef>
                 <a:spcPts val="1600"/>
               </a:spcBef>
@@ -3943,7 +4070,7 @@
               <a:buChar char="○"/>
               <a:defRPr/>
             </a:lvl2pPr>
-            <a:lvl3pPr indent="-317500" lvl="2" marL="1371600">
+            <a:lvl3pPr marL="1371600" lvl="2" indent="-317500">
               <a:spcBef>
                 <a:spcPts val="1600"/>
               </a:spcBef>
@@ -3954,7 +4081,7 @@
               <a:buChar char="■"/>
               <a:defRPr/>
             </a:lvl3pPr>
-            <a:lvl4pPr indent="-317500" lvl="3" marL="1828800">
+            <a:lvl4pPr marL="1828800" lvl="3" indent="-317500">
               <a:spcBef>
                 <a:spcPts val="1600"/>
               </a:spcBef>
@@ -3965,7 +4092,7 @@
               <a:buChar char="●"/>
               <a:defRPr/>
             </a:lvl4pPr>
-            <a:lvl5pPr indent="-317500" lvl="4" marL="2286000">
+            <a:lvl5pPr marL="2286000" lvl="4" indent="-317500">
               <a:spcBef>
                 <a:spcPts val="1600"/>
               </a:spcBef>
@@ -3976,7 +4103,7 @@
               <a:buChar char="○"/>
               <a:defRPr/>
             </a:lvl5pPr>
-            <a:lvl6pPr indent="-317500" lvl="5" marL="2743200">
+            <a:lvl6pPr marL="2743200" lvl="5" indent="-317500">
               <a:spcBef>
                 <a:spcPts val="1600"/>
               </a:spcBef>
@@ -3987,7 +4114,7 @@
               <a:buChar char="■"/>
               <a:defRPr/>
             </a:lvl6pPr>
-            <a:lvl7pPr indent="-317500" lvl="6" marL="3200400">
+            <a:lvl7pPr marL="3200400" lvl="6" indent="-317500">
               <a:spcBef>
                 <a:spcPts val="1600"/>
               </a:spcBef>
@@ -3998,7 +4125,7 @@
               <a:buChar char="●"/>
               <a:defRPr/>
             </a:lvl7pPr>
-            <a:lvl8pPr indent="-317500" lvl="7" marL="3657600">
+            <a:lvl8pPr marL="3657600" lvl="7" indent="-317500">
               <a:spcBef>
                 <a:spcPts val="1600"/>
               </a:spcBef>
@@ -4009,7 +4136,7 @@
               <a:buChar char="○"/>
               <a:defRPr/>
             </a:lvl8pPr>
-            <a:lvl9pPr indent="-317500" lvl="8" marL="4114800">
+            <a:lvl9pPr marL="4114800" lvl="8" indent="-317500">
               <a:spcBef>
                 <a:spcPts val="1600"/>
               </a:spcBef>
@@ -4021,15 +4148,19 @@
               <a:defRPr/>
             </a:lvl9pPr>
           </a:lstStyle>
-          <a:p/>
+          <a:p>
+            <a:endParaRPr/>
+          </a:p>
         </p:txBody>
       </p:sp>
       <p:sp>
         <p:nvSpPr>
           <p:cNvPr id="20" name="Google Shape;20;p4"/>
-          <p:cNvSpPr txBox="1"/>
+          <p:cNvSpPr txBox="1">
+            <a:spLocks noGrp="1"/>
+          </p:cNvSpPr>
           <p:nvPr>
-            <p:ph idx="12" type="sldNum"/>
+            <p:ph type="sldNum" idx="12"/>
           </p:nvPr>
         </p:nvSpPr>
         <p:spPr>
@@ -4042,7 +4173,7 @@
           </a:prstGeom>
         </p:spPr>
         <p:txBody>
-          <a:bodyPr anchorCtr="0" anchor="ctr" bIns="91425" lIns="91425" spcFirstLastPara="1" rIns="91425" wrap="square" tIns="91425">
+          <a:bodyPr spcFirstLastPara="1" wrap="square" lIns="91425" tIns="91425" rIns="91425" bIns="91425" anchor="ctr" anchorCtr="0">
             <a:noAutofit/>
           </a:bodyPr>
           <a:lstStyle>
@@ -4084,7 +4215,7 @@
             </a:lvl9pPr>
           </a:lstStyle>
           <a:p>
-            <a:pPr indent="0" lvl="0" marL="0" rtl="0" algn="r">
+            <a:pPr marL="0" lvl="0" indent="0" algn="r" rtl="0">
               <a:spcBef>
                 <a:spcPts val="0"/>
               </a:spcBef>
@@ -4110,11 +4241,11 @@
 </file>
 
 <file path=ppt/slideLayouts/slideLayout4.xml><?xml version="1.0" encoding="utf-8"?>
-<p:sldLayout xmlns:a="http://schemas.openxmlformats.org/drawingml/2006/main" xmlns:r="http://schemas.openxmlformats.org/officeDocument/2006/relationships" xmlns:mc="http://schemas.openxmlformats.org/markup-compatibility/2006" xmlns:mv="urn:schemas-microsoft-com:mac:vml" xmlns:p="http://schemas.openxmlformats.org/presentationml/2006/main" xmlns:c="http://schemas.openxmlformats.org/drawingml/2006/chart" xmlns:dgm="http://schemas.openxmlformats.org/drawingml/2006/diagram" xmlns:o="urn:schemas-microsoft-com:office:office" xmlns:v="urn:schemas-microsoft-com:vml" xmlns:pvml="urn:schemas-microsoft-com:office:powerpoint" xmlns:com="http://schemas.openxmlformats.org/drawingml/2006/compatibility" xmlns:p14="http://schemas.microsoft.com/office/powerpoint/2010/main" xmlns:p15="http://schemas.microsoft.com/office/powerpoint/2012/main" matchingName="Title and two columns" type="twoColTx">
+<p:sldLayout xmlns:a="http://schemas.openxmlformats.org/drawingml/2006/main" xmlns:r="http://schemas.openxmlformats.org/officeDocument/2006/relationships" xmlns:p="http://schemas.openxmlformats.org/presentationml/2006/main" matchingName="Title and two columns" type="twoColTx">
   <p:cSld name="TITLE_AND_TWO_COLUMNS">
     <p:spTree>
       <p:nvGrpSpPr>
-        <p:cNvPr id="21" name="Shape 21"/>
+        <p:cNvPr id="1" name="Shape 21"/>
         <p:cNvGrpSpPr/>
         <p:nvPr/>
       </p:nvGrpSpPr>
@@ -4129,7 +4260,9 @@
       <p:sp>
         <p:nvSpPr>
           <p:cNvPr id="22" name="Google Shape;22;p5"/>
-          <p:cNvSpPr txBox="1"/>
+          <p:cNvSpPr txBox="1">
+            <a:spLocks noGrp="1"/>
+          </p:cNvSpPr>
           <p:nvPr>
             <p:ph type="title"/>
           </p:nvPr>
@@ -4144,7 +4277,7 @@
           </a:prstGeom>
         </p:spPr>
         <p:txBody>
-          <a:bodyPr anchorCtr="0" anchor="t" bIns="91425" lIns="91425" spcFirstLastPara="1" rIns="91425" wrap="square" tIns="91425">
+          <a:bodyPr spcFirstLastPara="1" wrap="square" lIns="91425" tIns="91425" rIns="91425" bIns="91425" anchor="t" anchorCtr="0">
             <a:noAutofit/>
           </a:bodyPr>
           <a:lstStyle>
@@ -4248,15 +4381,19 @@
               <a:defRPr/>
             </a:lvl9pPr>
           </a:lstStyle>
-          <a:p/>
+          <a:p>
+            <a:endParaRPr/>
+          </a:p>
         </p:txBody>
       </p:sp>
       <p:sp>
         <p:nvSpPr>
           <p:cNvPr id="23" name="Google Shape;23;p5"/>
-          <p:cNvSpPr txBox="1"/>
+          <p:cNvSpPr txBox="1">
+            <a:spLocks noGrp="1"/>
+          </p:cNvSpPr>
           <p:nvPr>
-            <p:ph idx="1" type="body"/>
+            <p:ph type="body" idx="1"/>
           </p:nvPr>
         </p:nvSpPr>
         <p:spPr>
@@ -4269,11 +4406,11 @@
           </a:prstGeom>
         </p:spPr>
         <p:txBody>
-          <a:bodyPr anchorCtr="0" anchor="t" bIns="91425" lIns="91425" spcFirstLastPara="1" rIns="91425" wrap="square" tIns="91425">
+          <a:bodyPr spcFirstLastPara="1" wrap="square" lIns="91425" tIns="91425" rIns="91425" bIns="91425" anchor="t" anchorCtr="0">
             <a:noAutofit/>
           </a:bodyPr>
           <a:lstStyle>
-            <a:lvl1pPr indent="-317500" lvl="0" marL="457200">
+            <a:lvl1pPr marL="457200" lvl="0" indent="-317500">
               <a:spcBef>
                 <a:spcPts val="0"/>
               </a:spcBef>
@@ -4284,7 +4421,7 @@
               <a:buChar char="●"/>
               <a:defRPr sz="1400"/>
             </a:lvl1pPr>
-            <a:lvl2pPr indent="-304800" lvl="1" marL="914400">
+            <a:lvl2pPr marL="914400" lvl="1" indent="-304800">
               <a:spcBef>
                 <a:spcPts val="1600"/>
               </a:spcBef>
@@ -4295,7 +4432,7 @@
               <a:buChar char="○"/>
               <a:defRPr sz="1200"/>
             </a:lvl2pPr>
-            <a:lvl3pPr indent="-304800" lvl="2" marL="1371600">
+            <a:lvl3pPr marL="1371600" lvl="2" indent="-304800">
               <a:spcBef>
                 <a:spcPts val="1600"/>
               </a:spcBef>
@@ -4306,7 +4443,7 @@
               <a:buChar char="■"/>
               <a:defRPr sz="1200"/>
             </a:lvl3pPr>
-            <a:lvl4pPr indent="-304800" lvl="3" marL="1828800">
+            <a:lvl4pPr marL="1828800" lvl="3" indent="-304800">
               <a:spcBef>
                 <a:spcPts val="1600"/>
               </a:spcBef>
@@ -4317,7 +4454,7 @@
               <a:buChar char="●"/>
               <a:defRPr sz="1200"/>
             </a:lvl4pPr>
-            <a:lvl5pPr indent="-304800" lvl="4" marL="2286000">
+            <a:lvl5pPr marL="2286000" lvl="4" indent="-304800">
               <a:spcBef>
                 <a:spcPts val="1600"/>
               </a:spcBef>
@@ -4328,7 +4465,7 @@
               <a:buChar char="○"/>
               <a:defRPr sz="1200"/>
             </a:lvl5pPr>
-            <a:lvl6pPr indent="-304800" lvl="5" marL="2743200">
+            <a:lvl6pPr marL="2743200" lvl="5" indent="-304800">
               <a:spcBef>
                 <a:spcPts val="1600"/>
               </a:spcBef>
@@ -4339,7 +4476,7 @@
               <a:buChar char="■"/>
               <a:defRPr sz="1200"/>
             </a:lvl6pPr>
-            <a:lvl7pPr indent="-304800" lvl="6" marL="3200400">
+            <a:lvl7pPr marL="3200400" lvl="6" indent="-304800">
               <a:spcBef>
                 <a:spcPts val="1600"/>
               </a:spcBef>
@@ -4350,7 +4487,7 @@
               <a:buChar char="●"/>
               <a:defRPr sz="1200"/>
             </a:lvl7pPr>
-            <a:lvl8pPr indent="-304800" lvl="7" marL="3657600">
+            <a:lvl8pPr marL="3657600" lvl="7" indent="-304800">
               <a:spcBef>
                 <a:spcPts val="1600"/>
               </a:spcBef>
@@ -4361,7 +4498,7 @@
               <a:buChar char="○"/>
               <a:defRPr sz="1200"/>
             </a:lvl8pPr>
-            <a:lvl9pPr indent="-304800" lvl="8" marL="4114800">
+            <a:lvl9pPr marL="4114800" lvl="8" indent="-304800">
               <a:spcBef>
                 <a:spcPts val="1600"/>
               </a:spcBef>
@@ -4373,15 +4510,19 @@
               <a:defRPr sz="1200"/>
             </a:lvl9pPr>
           </a:lstStyle>
-          <a:p/>
+          <a:p>
+            <a:endParaRPr/>
+          </a:p>
         </p:txBody>
       </p:sp>
       <p:sp>
         <p:nvSpPr>
           <p:cNvPr id="24" name="Google Shape;24;p5"/>
-          <p:cNvSpPr txBox="1"/>
+          <p:cNvSpPr txBox="1">
+            <a:spLocks noGrp="1"/>
+          </p:cNvSpPr>
           <p:nvPr>
-            <p:ph idx="2" type="body"/>
+            <p:ph type="body" idx="2"/>
           </p:nvPr>
         </p:nvSpPr>
         <p:spPr>
@@ -4394,11 +4535,11 @@
           </a:prstGeom>
         </p:spPr>
         <p:txBody>
-          <a:bodyPr anchorCtr="0" anchor="t" bIns="91425" lIns="91425" spcFirstLastPara="1" rIns="91425" wrap="square" tIns="91425">
+          <a:bodyPr spcFirstLastPara="1" wrap="square" lIns="91425" tIns="91425" rIns="91425" bIns="91425" anchor="t" anchorCtr="0">
             <a:noAutofit/>
           </a:bodyPr>
           <a:lstStyle>
-            <a:lvl1pPr indent="-317500" lvl="0" marL="457200">
+            <a:lvl1pPr marL="457200" lvl="0" indent="-317500">
               <a:spcBef>
                 <a:spcPts val="0"/>
               </a:spcBef>
@@ -4409,7 +4550,7 @@
               <a:buChar char="●"/>
               <a:defRPr sz="1400"/>
             </a:lvl1pPr>
-            <a:lvl2pPr indent="-304800" lvl="1" marL="914400">
+            <a:lvl2pPr marL="914400" lvl="1" indent="-304800">
               <a:spcBef>
                 <a:spcPts val="1600"/>
               </a:spcBef>
@@ -4420,7 +4561,7 @@
               <a:buChar char="○"/>
               <a:defRPr sz="1200"/>
             </a:lvl2pPr>
-            <a:lvl3pPr indent="-304800" lvl="2" marL="1371600">
+            <a:lvl3pPr marL="1371600" lvl="2" indent="-304800">
               <a:spcBef>
                 <a:spcPts val="1600"/>
               </a:spcBef>
@@ -4431,7 +4572,7 @@
               <a:buChar char="■"/>
               <a:defRPr sz="1200"/>
             </a:lvl3pPr>
-            <a:lvl4pPr indent="-304800" lvl="3" marL="1828800">
+            <a:lvl4pPr marL="1828800" lvl="3" indent="-304800">
               <a:spcBef>
                 <a:spcPts val="1600"/>
               </a:spcBef>
@@ -4442,7 +4583,7 @@
               <a:buChar char="●"/>
               <a:defRPr sz="1200"/>
             </a:lvl4pPr>
-            <a:lvl5pPr indent="-304800" lvl="4" marL="2286000">
+            <a:lvl5pPr marL="2286000" lvl="4" indent="-304800">
               <a:spcBef>
                 <a:spcPts val="1600"/>
               </a:spcBef>
@@ -4453,7 +4594,7 @@
               <a:buChar char="○"/>
               <a:defRPr sz="1200"/>
             </a:lvl5pPr>
-            <a:lvl6pPr indent="-304800" lvl="5" marL="2743200">
+            <a:lvl6pPr marL="2743200" lvl="5" indent="-304800">
               <a:spcBef>
                 <a:spcPts val="1600"/>
               </a:spcBef>
@@ -4464,7 +4605,7 @@
               <a:buChar char="■"/>
               <a:defRPr sz="1200"/>
             </a:lvl6pPr>
-            <a:lvl7pPr indent="-304800" lvl="6" marL="3200400">
+            <a:lvl7pPr marL="3200400" lvl="6" indent="-304800">
               <a:spcBef>
                 <a:spcPts val="1600"/>
               </a:spcBef>
@@ -4475,7 +4616,7 @@
               <a:buChar char="●"/>
               <a:defRPr sz="1200"/>
             </a:lvl7pPr>
-            <a:lvl8pPr indent="-304800" lvl="7" marL="3657600">
+            <a:lvl8pPr marL="3657600" lvl="7" indent="-304800">
               <a:spcBef>
                 <a:spcPts val="1600"/>
               </a:spcBef>
@@ -4486,7 +4627,7 @@
               <a:buChar char="○"/>
               <a:defRPr sz="1200"/>
             </a:lvl8pPr>
-            <a:lvl9pPr indent="-304800" lvl="8" marL="4114800">
+            <a:lvl9pPr marL="4114800" lvl="8" indent="-304800">
               <a:spcBef>
                 <a:spcPts val="1600"/>
               </a:spcBef>
@@ -4498,15 +4639,19 @@
               <a:defRPr sz="1200"/>
             </a:lvl9pPr>
           </a:lstStyle>
-          <a:p/>
+          <a:p>
+            <a:endParaRPr/>
+          </a:p>
         </p:txBody>
       </p:sp>
       <p:sp>
         <p:nvSpPr>
           <p:cNvPr id="25" name="Google Shape;25;p5"/>
-          <p:cNvSpPr txBox="1"/>
+          <p:cNvSpPr txBox="1">
+            <a:spLocks noGrp="1"/>
+          </p:cNvSpPr>
           <p:nvPr>
-            <p:ph idx="12" type="sldNum"/>
+            <p:ph type="sldNum" idx="12"/>
           </p:nvPr>
         </p:nvSpPr>
         <p:spPr>
@@ -4519,7 +4664,7 @@
           </a:prstGeom>
         </p:spPr>
         <p:txBody>
-          <a:bodyPr anchorCtr="0" anchor="ctr" bIns="91425" lIns="91425" spcFirstLastPara="1" rIns="91425" wrap="square" tIns="91425">
+          <a:bodyPr spcFirstLastPara="1" wrap="square" lIns="91425" tIns="91425" rIns="91425" bIns="91425" anchor="ctr" anchorCtr="0">
             <a:noAutofit/>
           </a:bodyPr>
           <a:lstStyle>
@@ -4561,7 +4706,7 @@
             </a:lvl9pPr>
           </a:lstStyle>
           <a:p>
-            <a:pPr indent="0" lvl="0" marL="0" rtl="0" algn="r">
+            <a:pPr marL="0" lvl="0" indent="0" algn="r" rtl="0">
               <a:spcBef>
                 <a:spcPts val="0"/>
               </a:spcBef>
@@ -4587,11 +4732,11 @@
 </file>
 
 <file path=ppt/slideLayouts/slideLayout5.xml><?xml version="1.0" encoding="utf-8"?>
-<p:sldLayout xmlns:a="http://schemas.openxmlformats.org/drawingml/2006/main" xmlns:r="http://schemas.openxmlformats.org/officeDocument/2006/relationships" xmlns:mc="http://schemas.openxmlformats.org/markup-compatibility/2006" xmlns:mv="urn:schemas-microsoft-com:mac:vml" xmlns:p="http://schemas.openxmlformats.org/presentationml/2006/main" xmlns:c="http://schemas.openxmlformats.org/drawingml/2006/chart" xmlns:dgm="http://schemas.openxmlformats.org/drawingml/2006/diagram" xmlns:o="urn:schemas-microsoft-com:office:office" xmlns:v="urn:schemas-microsoft-com:vml" xmlns:pvml="urn:schemas-microsoft-com:office:powerpoint" xmlns:com="http://schemas.openxmlformats.org/drawingml/2006/compatibility" xmlns:p14="http://schemas.microsoft.com/office/powerpoint/2010/main" xmlns:p15="http://schemas.microsoft.com/office/powerpoint/2012/main" matchingName="Title only" type="titleOnly">
+<p:sldLayout xmlns:a="http://schemas.openxmlformats.org/drawingml/2006/main" xmlns:r="http://schemas.openxmlformats.org/officeDocument/2006/relationships" xmlns:p="http://schemas.openxmlformats.org/presentationml/2006/main" matchingName="Title only" type="titleOnly">
   <p:cSld name="TITLE_ONLY">
     <p:spTree>
       <p:nvGrpSpPr>
-        <p:cNvPr id="26" name="Shape 26"/>
+        <p:cNvPr id="1" name="Shape 26"/>
         <p:cNvGrpSpPr/>
         <p:nvPr/>
       </p:nvGrpSpPr>
@@ -4606,7 +4751,9 @@
       <p:sp>
         <p:nvSpPr>
           <p:cNvPr id="27" name="Google Shape;27;p6"/>
-          <p:cNvSpPr txBox="1"/>
+          <p:cNvSpPr txBox="1">
+            <a:spLocks noGrp="1"/>
+          </p:cNvSpPr>
           <p:nvPr>
             <p:ph type="title"/>
           </p:nvPr>
@@ -4621,7 +4768,7 @@
           </a:prstGeom>
         </p:spPr>
         <p:txBody>
-          <a:bodyPr anchorCtr="0" anchor="t" bIns="91425" lIns="91425" spcFirstLastPara="1" rIns="91425" wrap="square" tIns="91425">
+          <a:bodyPr spcFirstLastPara="1" wrap="square" lIns="91425" tIns="91425" rIns="91425" bIns="91425" anchor="t" anchorCtr="0">
             <a:noAutofit/>
           </a:bodyPr>
           <a:lstStyle>
@@ -4725,15 +4872,19 @@
               <a:defRPr/>
             </a:lvl9pPr>
           </a:lstStyle>
-          <a:p/>
+          <a:p>
+            <a:endParaRPr/>
+          </a:p>
         </p:txBody>
       </p:sp>
       <p:sp>
         <p:nvSpPr>
           <p:cNvPr id="28" name="Google Shape;28;p6"/>
-          <p:cNvSpPr txBox="1"/>
+          <p:cNvSpPr txBox="1">
+            <a:spLocks noGrp="1"/>
+          </p:cNvSpPr>
           <p:nvPr>
-            <p:ph idx="12" type="sldNum"/>
+            <p:ph type="sldNum" idx="12"/>
           </p:nvPr>
         </p:nvSpPr>
         <p:spPr>
@@ -4746,7 +4897,7 @@
           </a:prstGeom>
         </p:spPr>
         <p:txBody>
-          <a:bodyPr anchorCtr="0" anchor="ctr" bIns="91425" lIns="91425" spcFirstLastPara="1" rIns="91425" wrap="square" tIns="91425">
+          <a:bodyPr spcFirstLastPara="1" wrap="square" lIns="91425" tIns="91425" rIns="91425" bIns="91425" anchor="ctr" anchorCtr="0">
             <a:noAutofit/>
           </a:bodyPr>
           <a:lstStyle>
@@ -4788,7 +4939,7 @@
             </a:lvl9pPr>
           </a:lstStyle>
           <a:p>
-            <a:pPr indent="0" lvl="0" marL="0" rtl="0" algn="r">
+            <a:pPr marL="0" lvl="0" indent="0" algn="r" rtl="0">
               <a:spcBef>
                 <a:spcPts val="0"/>
               </a:spcBef>
@@ -4814,11 +4965,11 @@
 </file>
 
 <file path=ppt/slideLayouts/slideLayout6.xml><?xml version="1.0" encoding="utf-8"?>
-<p:sldLayout xmlns:a="http://schemas.openxmlformats.org/drawingml/2006/main" xmlns:r="http://schemas.openxmlformats.org/officeDocument/2006/relationships" xmlns:mc="http://schemas.openxmlformats.org/markup-compatibility/2006" xmlns:mv="urn:schemas-microsoft-com:mac:vml" xmlns:p="http://schemas.openxmlformats.org/presentationml/2006/main" xmlns:c="http://schemas.openxmlformats.org/drawingml/2006/chart" xmlns:dgm="http://schemas.openxmlformats.org/drawingml/2006/diagram" xmlns:o="urn:schemas-microsoft-com:office:office" xmlns:v="urn:schemas-microsoft-com:vml" xmlns:pvml="urn:schemas-microsoft-com:office:powerpoint" xmlns:com="http://schemas.openxmlformats.org/drawingml/2006/compatibility" xmlns:p14="http://schemas.microsoft.com/office/powerpoint/2010/main" xmlns:p15="http://schemas.microsoft.com/office/powerpoint/2012/main" matchingName="One column text">
+<p:sldLayout xmlns:a="http://schemas.openxmlformats.org/drawingml/2006/main" xmlns:r="http://schemas.openxmlformats.org/officeDocument/2006/relationships" xmlns:p="http://schemas.openxmlformats.org/presentationml/2006/main" matchingName="One column text">
   <p:cSld name="ONE_COLUMN_TEXT">
     <p:spTree>
       <p:nvGrpSpPr>
-        <p:cNvPr id="29" name="Shape 29"/>
+        <p:cNvPr id="1" name="Shape 29"/>
         <p:cNvGrpSpPr/>
         <p:nvPr/>
       </p:nvGrpSpPr>
@@ -4833,7 +4984,9 @@
       <p:sp>
         <p:nvSpPr>
           <p:cNvPr id="30" name="Google Shape;30;p7"/>
-          <p:cNvSpPr txBox="1"/>
+          <p:cNvSpPr txBox="1">
+            <a:spLocks noGrp="1"/>
+          </p:cNvSpPr>
           <p:nvPr>
             <p:ph type="title"/>
           </p:nvPr>
@@ -4848,7 +5001,7 @@
           </a:prstGeom>
         </p:spPr>
         <p:txBody>
-          <a:bodyPr anchorCtr="0" anchor="b" bIns="91425" lIns="91425" spcFirstLastPara="1" rIns="91425" wrap="square" tIns="91425">
+          <a:bodyPr spcFirstLastPara="1" wrap="square" lIns="91425" tIns="91425" rIns="91425" bIns="91425" anchor="b" anchorCtr="0">
             <a:noAutofit/>
           </a:bodyPr>
           <a:lstStyle>
@@ -4952,15 +5105,19 @@
               <a:defRPr sz="2400"/>
             </a:lvl9pPr>
           </a:lstStyle>
-          <a:p/>
+          <a:p>
+            <a:endParaRPr/>
+          </a:p>
         </p:txBody>
       </p:sp>
       <p:sp>
         <p:nvSpPr>
           <p:cNvPr id="31" name="Google Shape;31;p7"/>
-          <p:cNvSpPr txBox="1"/>
+          <p:cNvSpPr txBox="1">
+            <a:spLocks noGrp="1"/>
+          </p:cNvSpPr>
           <p:nvPr>
-            <p:ph idx="1" type="body"/>
+            <p:ph type="body" idx="1"/>
           </p:nvPr>
         </p:nvSpPr>
         <p:spPr>
@@ -4973,11 +5130,11 @@
           </a:prstGeom>
         </p:spPr>
         <p:txBody>
-          <a:bodyPr anchorCtr="0" anchor="t" bIns="91425" lIns="91425" spcFirstLastPara="1" rIns="91425" wrap="square" tIns="91425">
+          <a:bodyPr spcFirstLastPara="1" wrap="square" lIns="91425" tIns="91425" rIns="91425" bIns="91425" anchor="t" anchorCtr="0">
             <a:noAutofit/>
           </a:bodyPr>
           <a:lstStyle>
-            <a:lvl1pPr indent="-304800" lvl="0" marL="457200">
+            <a:lvl1pPr marL="457200" lvl="0" indent="-304800">
               <a:spcBef>
                 <a:spcPts val="0"/>
               </a:spcBef>
@@ -4988,7 +5145,7 @@
               <a:buChar char="●"/>
               <a:defRPr sz="1200"/>
             </a:lvl1pPr>
-            <a:lvl2pPr indent="-304800" lvl="1" marL="914400">
+            <a:lvl2pPr marL="914400" lvl="1" indent="-304800">
               <a:spcBef>
                 <a:spcPts val="1600"/>
               </a:spcBef>
@@ -4999,7 +5156,7 @@
               <a:buChar char="○"/>
               <a:defRPr sz="1200"/>
             </a:lvl2pPr>
-            <a:lvl3pPr indent="-304800" lvl="2" marL="1371600">
+            <a:lvl3pPr marL="1371600" lvl="2" indent="-304800">
               <a:spcBef>
                 <a:spcPts val="1600"/>
               </a:spcBef>
@@ -5010,7 +5167,7 @@
               <a:buChar char="■"/>
               <a:defRPr sz="1200"/>
             </a:lvl3pPr>
-            <a:lvl4pPr indent="-304800" lvl="3" marL="1828800">
+            <a:lvl4pPr marL="1828800" lvl="3" indent="-304800">
               <a:spcBef>
                 <a:spcPts val="1600"/>
               </a:spcBef>
@@ -5021,7 +5178,7 @@
               <a:buChar char="●"/>
               <a:defRPr sz="1200"/>
             </a:lvl4pPr>
-            <a:lvl5pPr indent="-304800" lvl="4" marL="2286000">
+            <a:lvl5pPr marL="2286000" lvl="4" indent="-304800">
               <a:spcBef>
                 <a:spcPts val="1600"/>
               </a:spcBef>
@@ -5032,7 +5189,7 @@
               <a:buChar char="○"/>
               <a:defRPr sz="1200"/>
             </a:lvl5pPr>
-            <a:lvl6pPr indent="-304800" lvl="5" marL="2743200">
+            <a:lvl6pPr marL="2743200" lvl="5" indent="-304800">
               <a:spcBef>
                 <a:spcPts val="1600"/>
               </a:spcBef>
@@ -5043,7 +5200,7 @@
               <a:buChar char="■"/>
               <a:defRPr sz="1200"/>
             </a:lvl6pPr>
-            <a:lvl7pPr indent="-304800" lvl="6" marL="3200400">
+            <a:lvl7pPr marL="3200400" lvl="6" indent="-304800">
               <a:spcBef>
                 <a:spcPts val="1600"/>
               </a:spcBef>
@@ -5054,7 +5211,7 @@
               <a:buChar char="●"/>
               <a:defRPr sz="1200"/>
             </a:lvl7pPr>
-            <a:lvl8pPr indent="-304800" lvl="7" marL="3657600">
+            <a:lvl8pPr marL="3657600" lvl="7" indent="-304800">
               <a:spcBef>
                 <a:spcPts val="1600"/>
               </a:spcBef>
@@ -5065,7 +5222,7 @@
               <a:buChar char="○"/>
               <a:defRPr sz="1200"/>
             </a:lvl8pPr>
-            <a:lvl9pPr indent="-304800" lvl="8" marL="4114800">
+            <a:lvl9pPr marL="4114800" lvl="8" indent="-304800">
               <a:spcBef>
                 <a:spcPts val="1600"/>
               </a:spcBef>
@@ -5077,15 +5234,19 @@
               <a:defRPr sz="1200"/>
             </a:lvl9pPr>
           </a:lstStyle>
-          <a:p/>
+          <a:p>
+            <a:endParaRPr/>
+          </a:p>
         </p:txBody>
       </p:sp>
       <p:sp>
         <p:nvSpPr>
           <p:cNvPr id="32" name="Google Shape;32;p7"/>
-          <p:cNvSpPr txBox="1"/>
+          <p:cNvSpPr txBox="1">
+            <a:spLocks noGrp="1"/>
+          </p:cNvSpPr>
           <p:nvPr>
-            <p:ph idx="12" type="sldNum"/>
+            <p:ph type="sldNum" idx="12"/>
           </p:nvPr>
         </p:nvSpPr>
         <p:spPr>
@@ -5098,7 +5259,7 @@
           </a:prstGeom>
         </p:spPr>
         <p:txBody>
-          <a:bodyPr anchorCtr="0" anchor="ctr" bIns="91425" lIns="91425" spcFirstLastPara="1" rIns="91425" wrap="square" tIns="91425">
+          <a:bodyPr spcFirstLastPara="1" wrap="square" lIns="91425" tIns="91425" rIns="91425" bIns="91425" anchor="ctr" anchorCtr="0">
             <a:noAutofit/>
           </a:bodyPr>
           <a:lstStyle>
@@ -5140,7 +5301,7 @@
             </a:lvl9pPr>
           </a:lstStyle>
           <a:p>
-            <a:pPr indent="0" lvl="0" marL="0" rtl="0" algn="r">
+            <a:pPr marL="0" lvl="0" indent="0" algn="r" rtl="0">
               <a:spcBef>
                 <a:spcPts val="0"/>
               </a:spcBef>
@@ -5166,18 +5327,19 @@
 </file>
 
 <file path=ppt/slideLayouts/slideLayout7.xml><?xml version="1.0" encoding="utf-8"?>
-<p:sldLayout xmlns:a="http://schemas.openxmlformats.org/drawingml/2006/main" xmlns:r="http://schemas.openxmlformats.org/officeDocument/2006/relationships" xmlns:mc="http://schemas.openxmlformats.org/markup-compatibility/2006" xmlns:mv="urn:schemas-microsoft-com:mac:vml" xmlns:p="http://schemas.openxmlformats.org/presentationml/2006/main" xmlns:c="http://schemas.openxmlformats.org/drawingml/2006/chart" xmlns:dgm="http://schemas.openxmlformats.org/drawingml/2006/diagram" xmlns:o="urn:schemas-microsoft-com:office:office" xmlns:v="urn:schemas-microsoft-com:vml" xmlns:pvml="urn:schemas-microsoft-com:office:powerpoint" xmlns:com="http://schemas.openxmlformats.org/drawingml/2006/compatibility" xmlns:p14="http://schemas.microsoft.com/office/powerpoint/2010/main" xmlns:p15="http://schemas.microsoft.com/office/powerpoint/2012/main" matchingName="Main point">
+<p:sldLayout xmlns:a="http://schemas.openxmlformats.org/drawingml/2006/main" xmlns:r="http://schemas.openxmlformats.org/officeDocument/2006/relationships" xmlns:p="http://schemas.openxmlformats.org/presentationml/2006/main" matchingName="Main point">
   <p:cSld name="MAIN_POINT">
     <p:bg>
       <p:bgPr>
         <a:solidFill>
           <a:schemeClr val="accent3"/>
         </a:solidFill>
+        <a:effectLst/>
       </p:bgPr>
     </p:bg>
     <p:spTree>
       <p:nvGrpSpPr>
-        <p:cNvPr id="33" name="Shape 33"/>
+        <p:cNvPr id="1" name="Shape 33"/>
         <p:cNvGrpSpPr/>
         <p:nvPr/>
       </p:nvGrpSpPr>
@@ -5192,7 +5354,9 @@
       <p:sp>
         <p:nvSpPr>
           <p:cNvPr id="34" name="Google Shape;34;p8"/>
-          <p:cNvSpPr txBox="1"/>
+          <p:cNvSpPr txBox="1">
+            <a:spLocks noGrp="1"/>
+          </p:cNvSpPr>
           <p:nvPr>
             <p:ph type="title"/>
           </p:nvPr>
@@ -5207,7 +5371,7 @@
           </a:prstGeom>
         </p:spPr>
         <p:txBody>
-          <a:bodyPr anchorCtr="0" anchor="ctr" bIns="91425" lIns="91425" spcFirstLastPara="1" rIns="91425" wrap="square" tIns="91425">
+          <a:bodyPr spcFirstLastPara="1" wrap="square" lIns="91425" tIns="91425" rIns="91425" bIns="91425" anchor="ctr" anchorCtr="0">
             <a:noAutofit/>
           </a:bodyPr>
           <a:lstStyle>
@@ -5374,15 +5538,19 @@
               </a:defRPr>
             </a:lvl9pPr>
           </a:lstStyle>
-          <a:p/>
+          <a:p>
+            <a:endParaRPr/>
+          </a:p>
         </p:txBody>
       </p:sp>
       <p:sp>
         <p:nvSpPr>
           <p:cNvPr id="35" name="Google Shape;35;p8"/>
-          <p:cNvSpPr txBox="1"/>
+          <p:cNvSpPr txBox="1">
+            <a:spLocks noGrp="1"/>
+          </p:cNvSpPr>
           <p:nvPr>
-            <p:ph idx="12" type="sldNum"/>
+            <p:ph type="sldNum" idx="12"/>
           </p:nvPr>
         </p:nvSpPr>
         <p:spPr>
@@ -5395,7 +5563,7 @@
           </a:prstGeom>
         </p:spPr>
         <p:txBody>
-          <a:bodyPr anchorCtr="0" anchor="ctr" bIns="91425" lIns="91425" spcFirstLastPara="1" rIns="91425" wrap="square" tIns="91425">
+          <a:bodyPr spcFirstLastPara="1" wrap="square" lIns="91425" tIns="91425" rIns="91425" bIns="91425" anchor="ctr" anchorCtr="0">
             <a:noAutofit/>
           </a:bodyPr>
           <a:lstStyle>
@@ -5473,7 +5641,7 @@
             </a:lvl9pPr>
           </a:lstStyle>
           <a:p>
-            <a:pPr indent="0" lvl="0" marL="0" rtl="0" algn="r">
+            <a:pPr marL="0" lvl="0" indent="0" algn="r" rtl="0">
               <a:spcBef>
                 <a:spcPts val="0"/>
               </a:spcBef>
@@ -5499,11 +5667,11 @@
 </file>
 
 <file path=ppt/slideLayouts/slideLayout8.xml><?xml version="1.0" encoding="utf-8"?>
-<p:sldLayout xmlns:a="http://schemas.openxmlformats.org/drawingml/2006/main" xmlns:r="http://schemas.openxmlformats.org/officeDocument/2006/relationships" xmlns:mc="http://schemas.openxmlformats.org/markup-compatibility/2006" xmlns:mv="urn:schemas-microsoft-com:mac:vml" xmlns:p="http://schemas.openxmlformats.org/presentationml/2006/main" xmlns:c="http://schemas.openxmlformats.org/drawingml/2006/chart" xmlns:dgm="http://schemas.openxmlformats.org/drawingml/2006/diagram" xmlns:o="urn:schemas-microsoft-com:office:office" xmlns:v="urn:schemas-microsoft-com:vml" xmlns:pvml="urn:schemas-microsoft-com:office:powerpoint" xmlns:com="http://schemas.openxmlformats.org/drawingml/2006/compatibility" xmlns:p14="http://schemas.microsoft.com/office/powerpoint/2010/main" xmlns:p15="http://schemas.microsoft.com/office/powerpoint/2012/main" matchingName="Section title and description">
+<p:sldLayout xmlns:a="http://schemas.openxmlformats.org/drawingml/2006/main" xmlns:r="http://schemas.openxmlformats.org/officeDocument/2006/relationships" xmlns:p="http://schemas.openxmlformats.org/presentationml/2006/main" matchingName="Section title and description">
   <p:cSld name="SECTION_TITLE_AND_DESCRIPTION">
     <p:spTree>
       <p:nvGrpSpPr>
-        <p:cNvPr id="36" name="Shape 36"/>
+        <p:cNvPr id="1" name="Shape 36"/>
         <p:cNvGrpSpPr/>
         <p:nvPr/>
       </p:nvGrpSpPr>
@@ -5537,23 +5705,20 @@
           </a:ln>
         </p:spPr>
         <p:txBody>
-          <a:bodyPr anchorCtr="0" anchor="ctr" bIns="91425" lIns="91425" spcFirstLastPara="1" rIns="91425" wrap="square" tIns="91425">
+          <a:bodyPr spcFirstLastPara="1" wrap="square" lIns="91425" tIns="91425" rIns="91425" bIns="91425" anchor="ctr" anchorCtr="0">
             <a:noAutofit/>
           </a:bodyPr>
           <a:lstStyle/>
           <a:p>
-            <a:pPr indent="0" lvl="0" marL="0" rtl="0" algn="l">
-              <a:spcBef>
-                <a:spcPts val="0"/>
-              </a:spcBef>
-              <a:spcAft>
-                <a:spcPts val="0"/>
-              </a:spcAft>
-              <a:buNone/>
-            </a:pPr>
-            <a:r>
-              <a:t/>
-            </a:r>
+            <a:pPr marL="0" lvl="0" indent="0" algn="l" rtl="0">
+              <a:spcBef>
+                <a:spcPts val="0"/>
+              </a:spcBef>
+              <a:spcAft>
+                <a:spcPts val="0"/>
+              </a:spcAft>
+              <a:buNone/>
+            </a:pPr>
             <a:endParaRPr/>
           </a:p>
         </p:txBody>
@@ -5573,21 +5738,23 @@
             <a:avLst/>
           </a:prstGeom>
           <a:noFill/>
-          <a:ln cap="flat" cmpd="sng" w="19050">
+          <a:ln w="19050" cap="flat" cmpd="sng">
             <a:solidFill>
               <a:schemeClr val="lt1"/>
             </a:solidFill>
             <a:prstDash val="solid"/>
             <a:round/>
-            <a:headEnd len="sm" w="sm" type="none"/>
-            <a:tailEnd len="sm" w="sm" type="none"/>
+            <a:headEnd type="none" w="sm" len="sm"/>
+            <a:tailEnd type="none" w="sm" len="sm"/>
           </a:ln>
         </p:spPr>
       </p:cxnSp>
       <p:sp>
         <p:nvSpPr>
           <p:cNvPr id="39" name="Google Shape;39;p9"/>
-          <p:cNvSpPr txBox="1"/>
+          <p:cNvSpPr txBox="1">
+            <a:spLocks noGrp="1"/>
+          </p:cNvSpPr>
           <p:nvPr>
             <p:ph type="title"/>
           </p:nvPr>
@@ -5602,7 +5769,7 @@
           </a:prstGeom>
         </p:spPr>
         <p:txBody>
-          <a:bodyPr anchorCtr="0" anchor="b" bIns="91425" lIns="91425" spcFirstLastPara="1" rIns="91425" wrap="square" tIns="91425">
+          <a:bodyPr spcFirstLastPara="1" wrap="square" lIns="91425" tIns="91425" rIns="91425" bIns="91425" anchor="b" anchorCtr="0">
             <a:noAutofit/>
           </a:bodyPr>
           <a:lstStyle>
@@ -5706,15 +5873,19 @@
               <a:defRPr sz="3800"/>
             </a:lvl9pPr>
           </a:lstStyle>
-          <a:p/>
+          <a:p>
+            <a:endParaRPr/>
+          </a:p>
         </p:txBody>
       </p:sp>
       <p:sp>
         <p:nvSpPr>
           <p:cNvPr id="40" name="Google Shape;40;p9"/>
-          <p:cNvSpPr txBox="1"/>
+          <p:cNvSpPr txBox="1">
+            <a:spLocks noGrp="1"/>
+          </p:cNvSpPr>
           <p:nvPr>
-            <p:ph idx="1" type="subTitle"/>
+            <p:ph type="subTitle" idx="1"/>
           </p:nvPr>
         </p:nvSpPr>
         <p:spPr>
@@ -5727,7 +5898,7 @@
           </a:prstGeom>
         </p:spPr>
         <p:txBody>
-          <a:bodyPr anchorCtr="0" anchor="t" bIns="91425" lIns="91425" spcFirstLastPara="1" rIns="91425" wrap="square" tIns="91425">
+          <a:bodyPr spcFirstLastPara="1" wrap="square" lIns="91425" tIns="91425" rIns="91425" bIns="91425" anchor="t" anchorCtr="0">
             <a:noAutofit/>
           </a:bodyPr>
           <a:lstStyle>
@@ -5858,15 +6029,19 @@
               <a:defRPr sz="1800"/>
             </a:lvl9pPr>
           </a:lstStyle>
-          <a:p/>
+          <a:p>
+            <a:endParaRPr/>
+          </a:p>
         </p:txBody>
       </p:sp>
       <p:sp>
         <p:nvSpPr>
           <p:cNvPr id="41" name="Google Shape;41;p9"/>
-          <p:cNvSpPr txBox="1"/>
+          <p:cNvSpPr txBox="1">
+            <a:spLocks noGrp="1"/>
+          </p:cNvSpPr>
           <p:nvPr>
-            <p:ph idx="2" type="body"/>
+            <p:ph type="body" idx="2"/>
           </p:nvPr>
         </p:nvSpPr>
         <p:spPr>
@@ -5879,11 +6054,11 @@
           </a:prstGeom>
         </p:spPr>
         <p:txBody>
-          <a:bodyPr anchorCtr="0" anchor="ctr" bIns="91425" lIns="91425" spcFirstLastPara="1" rIns="91425" wrap="square" tIns="91425">
+          <a:bodyPr spcFirstLastPara="1" wrap="square" lIns="91425" tIns="91425" rIns="91425" bIns="91425" anchor="ctr" anchorCtr="0">
             <a:noAutofit/>
           </a:bodyPr>
           <a:lstStyle>
-            <a:lvl1pPr indent="-342900" lvl="0" marL="457200">
+            <a:lvl1pPr marL="457200" lvl="0" indent="-342900">
               <a:spcBef>
                 <a:spcPts val="0"/>
               </a:spcBef>
@@ -5901,7 +6076,7 @@
                 </a:solidFill>
               </a:defRPr>
             </a:lvl1pPr>
-            <a:lvl2pPr indent="-317500" lvl="1" marL="914400">
+            <a:lvl2pPr marL="914400" lvl="1" indent="-317500">
               <a:spcBef>
                 <a:spcPts val="1600"/>
               </a:spcBef>
@@ -5919,7 +6094,7 @@
                 </a:solidFill>
               </a:defRPr>
             </a:lvl2pPr>
-            <a:lvl3pPr indent="-317500" lvl="2" marL="1371600">
+            <a:lvl3pPr marL="1371600" lvl="2" indent="-317500">
               <a:spcBef>
                 <a:spcPts val="1600"/>
               </a:spcBef>
@@ -5937,7 +6112,7 @@
                 </a:solidFill>
               </a:defRPr>
             </a:lvl3pPr>
-            <a:lvl4pPr indent="-317500" lvl="3" marL="1828800">
+            <a:lvl4pPr marL="1828800" lvl="3" indent="-317500">
               <a:spcBef>
                 <a:spcPts val="1600"/>
               </a:spcBef>
@@ -5955,7 +6130,7 @@
                 </a:solidFill>
               </a:defRPr>
             </a:lvl4pPr>
-            <a:lvl5pPr indent="-317500" lvl="4" marL="2286000">
+            <a:lvl5pPr marL="2286000" lvl="4" indent="-317500">
               <a:spcBef>
                 <a:spcPts val="1600"/>
               </a:spcBef>
@@ -5973,7 +6148,7 @@
                 </a:solidFill>
               </a:defRPr>
             </a:lvl5pPr>
-            <a:lvl6pPr indent="-317500" lvl="5" marL="2743200">
+            <a:lvl6pPr marL="2743200" lvl="5" indent="-317500">
               <a:spcBef>
                 <a:spcPts val="1600"/>
               </a:spcBef>
@@ -5991,7 +6166,7 @@
                 </a:solidFill>
               </a:defRPr>
             </a:lvl6pPr>
-            <a:lvl7pPr indent="-317500" lvl="6" marL="3200400">
+            <a:lvl7pPr marL="3200400" lvl="6" indent="-317500">
               <a:spcBef>
                 <a:spcPts val="1600"/>
               </a:spcBef>
@@ -6009,7 +6184,7 @@
                 </a:solidFill>
               </a:defRPr>
             </a:lvl7pPr>
-            <a:lvl8pPr indent="-317500" lvl="7" marL="3657600">
+            <a:lvl8pPr marL="3657600" lvl="7" indent="-317500">
               <a:spcBef>
                 <a:spcPts val="1600"/>
               </a:spcBef>
@@ -6027,7 +6202,7 @@
                 </a:solidFill>
               </a:defRPr>
             </a:lvl8pPr>
-            <a:lvl9pPr indent="-317500" lvl="8" marL="4114800">
+            <a:lvl9pPr marL="4114800" lvl="8" indent="-317500">
               <a:spcBef>
                 <a:spcPts val="1600"/>
               </a:spcBef>
@@ -6046,15 +6221,19 @@
               </a:defRPr>
             </a:lvl9pPr>
           </a:lstStyle>
-          <a:p/>
+          <a:p>
+            <a:endParaRPr/>
+          </a:p>
         </p:txBody>
       </p:sp>
       <p:sp>
         <p:nvSpPr>
           <p:cNvPr id="42" name="Google Shape;42;p9"/>
-          <p:cNvSpPr txBox="1"/>
+          <p:cNvSpPr txBox="1">
+            <a:spLocks noGrp="1"/>
+          </p:cNvSpPr>
           <p:nvPr>
-            <p:ph idx="12" type="sldNum"/>
+            <p:ph type="sldNum" idx="12"/>
           </p:nvPr>
         </p:nvSpPr>
         <p:spPr>
@@ -6067,7 +6246,7 @@
           </a:prstGeom>
         </p:spPr>
         <p:txBody>
-          <a:bodyPr anchorCtr="0" anchor="ctr" bIns="91425" lIns="91425" spcFirstLastPara="1" rIns="91425" wrap="square" tIns="91425">
+          <a:bodyPr spcFirstLastPara="1" wrap="square" lIns="91425" tIns="91425" rIns="91425" bIns="91425" anchor="ctr" anchorCtr="0">
             <a:noAutofit/>
           </a:bodyPr>
           <a:lstStyle>
@@ -6145,7 +6324,7 @@
             </a:lvl9pPr>
           </a:lstStyle>
           <a:p>
-            <a:pPr indent="0" lvl="0" marL="0" rtl="0" algn="r">
+            <a:pPr marL="0" lvl="0" indent="0" algn="r" rtl="0">
               <a:spcBef>
                 <a:spcPts val="0"/>
               </a:spcBef>
@@ -6171,11 +6350,11 @@
 </file>
 
 <file path=ppt/slideLayouts/slideLayout9.xml><?xml version="1.0" encoding="utf-8"?>
-<p:sldLayout xmlns:a="http://schemas.openxmlformats.org/drawingml/2006/main" xmlns:r="http://schemas.openxmlformats.org/officeDocument/2006/relationships" xmlns:mc="http://schemas.openxmlformats.org/markup-compatibility/2006" xmlns:mv="urn:schemas-microsoft-com:mac:vml" xmlns:p="http://schemas.openxmlformats.org/presentationml/2006/main" xmlns:c="http://schemas.openxmlformats.org/drawingml/2006/chart" xmlns:dgm="http://schemas.openxmlformats.org/drawingml/2006/diagram" xmlns:o="urn:schemas-microsoft-com:office:office" xmlns:v="urn:schemas-microsoft-com:vml" xmlns:pvml="urn:schemas-microsoft-com:office:powerpoint" xmlns:com="http://schemas.openxmlformats.org/drawingml/2006/compatibility" xmlns:p14="http://schemas.microsoft.com/office/powerpoint/2010/main" xmlns:p15="http://schemas.microsoft.com/office/powerpoint/2012/main" matchingName="Caption">
+<p:sldLayout xmlns:a="http://schemas.openxmlformats.org/drawingml/2006/main" xmlns:r="http://schemas.openxmlformats.org/officeDocument/2006/relationships" xmlns:p="http://schemas.openxmlformats.org/presentationml/2006/main" matchingName="Caption">
   <p:cSld name="CAPTION_ONLY">
     <p:spTree>
       <p:nvGrpSpPr>
-        <p:cNvPr id="43" name="Shape 43"/>
+        <p:cNvPr id="1" name="Shape 43"/>
         <p:cNvGrpSpPr/>
         <p:nvPr/>
       </p:nvGrpSpPr>
@@ -6190,9 +6369,11 @@
       <p:sp>
         <p:nvSpPr>
           <p:cNvPr id="44" name="Google Shape;44;p10"/>
-          <p:cNvSpPr txBox="1"/>
+          <p:cNvSpPr txBox="1">
+            <a:spLocks noGrp="1"/>
+          </p:cNvSpPr>
           <p:nvPr>
-            <p:ph idx="1" type="body"/>
+            <p:ph type="body" idx="1"/>
           </p:nvPr>
         </p:nvSpPr>
         <p:spPr>
@@ -6205,11 +6386,11 @@
           </a:prstGeom>
         </p:spPr>
         <p:txBody>
-          <a:bodyPr anchorCtr="0" anchor="ctr" bIns="91425" lIns="91425" spcFirstLastPara="1" rIns="91425" wrap="square" tIns="91425">
+          <a:bodyPr spcFirstLastPara="1" wrap="square" lIns="91425" tIns="91425" rIns="91425" bIns="91425" anchor="ctr" anchorCtr="0">
             <a:noAutofit/>
           </a:bodyPr>
           <a:lstStyle>
-            <a:lvl1pPr indent="-228600" lvl="0" marL="457200">
+            <a:lvl1pPr marL="457200" lvl="0" indent="-228600">
               <a:lnSpc>
                 <a:spcPct val="100000"/>
               </a:lnSpc>
@@ -6236,15 +6417,19 @@
               </a:defRPr>
             </a:lvl1pPr>
           </a:lstStyle>
-          <a:p/>
+          <a:p>
+            <a:endParaRPr/>
+          </a:p>
         </p:txBody>
       </p:sp>
       <p:sp>
         <p:nvSpPr>
           <p:cNvPr id="45" name="Google Shape;45;p10"/>
-          <p:cNvSpPr txBox="1"/>
+          <p:cNvSpPr txBox="1">
+            <a:spLocks noGrp="1"/>
+          </p:cNvSpPr>
           <p:nvPr>
-            <p:ph idx="12" type="sldNum"/>
+            <p:ph type="sldNum" idx="12"/>
           </p:nvPr>
         </p:nvSpPr>
         <p:spPr>
@@ -6257,7 +6442,7 @@
           </a:prstGeom>
         </p:spPr>
         <p:txBody>
-          <a:bodyPr anchorCtr="0" anchor="ctr" bIns="91425" lIns="91425" spcFirstLastPara="1" rIns="91425" wrap="square" tIns="91425">
+          <a:bodyPr spcFirstLastPara="1" wrap="square" lIns="91425" tIns="91425" rIns="91425" bIns="91425" anchor="ctr" anchorCtr="0">
             <a:noAutofit/>
           </a:bodyPr>
           <a:lstStyle>
@@ -6299,7 +6484,7 @@
             </a:lvl9pPr>
           </a:lstStyle>
           <a:p>
-            <a:pPr indent="0" lvl="0" marL="0" rtl="0" algn="r">
+            <a:pPr marL="0" lvl="0" indent="0" algn="r" rtl="0">
               <a:spcBef>
                 <a:spcPts val="0"/>
               </a:spcBef>
@@ -6325,18 +6510,19 @@
 </file>
 
 <file path=ppt/slideMasters/slideMaster1.xml><?xml version="1.0" encoding="utf-8"?>
-<p:sldMaster xmlns:a="http://schemas.openxmlformats.org/drawingml/2006/main" xmlns:r="http://schemas.openxmlformats.org/officeDocument/2006/relationships" xmlns:mc="http://schemas.openxmlformats.org/markup-compatibility/2006" xmlns:mv="urn:schemas-microsoft-com:mac:vml" xmlns:p="http://schemas.openxmlformats.org/presentationml/2006/main" xmlns:c="http://schemas.openxmlformats.org/drawingml/2006/chart" xmlns:dgm="http://schemas.openxmlformats.org/drawingml/2006/diagram" xmlns:o="urn:schemas-microsoft-com:office:office" xmlns:v="urn:schemas-microsoft-com:vml" xmlns:pvml="urn:schemas-microsoft-com:office:powerpoint" xmlns:com="http://schemas.openxmlformats.org/drawingml/2006/compatibility" xmlns:p14="http://schemas.microsoft.com/office/powerpoint/2010/main" xmlns:p15="http://schemas.microsoft.com/office/powerpoint/2012/main">
+<p:sldMaster xmlns:a="http://schemas.openxmlformats.org/drawingml/2006/main" xmlns:r="http://schemas.openxmlformats.org/officeDocument/2006/relationships" xmlns:p="http://schemas.openxmlformats.org/presentationml/2006/main">
   <p:cSld name="gameday">
     <p:bg>
       <p:bgPr>
         <a:solidFill>
           <a:schemeClr val="lt1"/>
         </a:solidFill>
+        <a:effectLst/>
       </p:bgPr>
     </p:bg>
     <p:spTree>
       <p:nvGrpSpPr>
-        <p:cNvPr id="5" name="Shape 5"/>
+        <p:cNvPr id="1" name="Shape 5"/>
         <p:cNvGrpSpPr/>
         <p:nvPr/>
       </p:nvGrpSpPr>
@@ -6351,7 +6537,9 @@
       <p:sp>
         <p:nvSpPr>
           <p:cNvPr id="6" name="Google Shape;6;p1"/>
-          <p:cNvSpPr txBox="1"/>
+          <p:cNvSpPr txBox="1">
+            <a:spLocks noGrp="1"/>
+          </p:cNvSpPr>
           <p:nvPr>
             <p:ph type="title"/>
           </p:nvPr>
@@ -6370,7 +6558,7 @@
           </a:ln>
         </p:spPr>
         <p:txBody>
-          <a:bodyPr anchorCtr="0" anchor="t" bIns="91425" lIns="91425" spcFirstLastPara="1" rIns="91425" wrap="square" tIns="91425">
+          <a:bodyPr spcFirstLastPara="1" wrap="square" lIns="91425" tIns="91425" rIns="91425" bIns="91425" anchor="t" anchorCtr="0">
             <a:noAutofit/>
           </a:bodyPr>
           <a:lstStyle>
@@ -6582,15 +6770,19 @@
               </a:defRPr>
             </a:lvl9pPr>
           </a:lstStyle>
-          <a:p/>
+          <a:p>
+            <a:endParaRPr/>
+          </a:p>
         </p:txBody>
       </p:sp>
       <p:sp>
         <p:nvSpPr>
           <p:cNvPr id="7" name="Google Shape;7;p1"/>
-          <p:cNvSpPr txBox="1"/>
+          <p:cNvSpPr txBox="1">
+            <a:spLocks noGrp="1"/>
+          </p:cNvSpPr>
           <p:nvPr>
-            <p:ph idx="1" type="body"/>
+            <p:ph type="body" idx="1"/>
           </p:nvPr>
         </p:nvSpPr>
         <p:spPr>
@@ -6607,11 +6799,11 @@
           </a:ln>
         </p:spPr>
         <p:txBody>
-          <a:bodyPr anchorCtr="0" anchor="t" bIns="91425" lIns="91425" spcFirstLastPara="1" rIns="91425" wrap="square" tIns="91425">
+          <a:bodyPr spcFirstLastPara="1" wrap="square" lIns="91425" tIns="91425" rIns="91425" bIns="91425" anchor="t" anchorCtr="0">
             <a:noAutofit/>
           </a:bodyPr>
           <a:lstStyle>
-            <a:lvl1pPr indent="-342900" lvl="0" marL="457200">
+            <a:lvl1pPr marL="457200" lvl="0" indent="-342900">
               <a:lnSpc>
                 <a:spcPct val="115000"/>
               </a:lnSpc>
@@ -6637,7 +6829,7 @@
                 <a:sym typeface="Proxima Nova"/>
               </a:defRPr>
             </a:lvl1pPr>
-            <a:lvl2pPr indent="-317500" lvl="1" marL="914400">
+            <a:lvl2pPr marL="914400" lvl="1" indent="-317500">
               <a:lnSpc>
                 <a:spcPct val="115000"/>
               </a:lnSpc>
@@ -6663,7 +6855,7 @@
                 <a:sym typeface="Proxima Nova"/>
               </a:defRPr>
             </a:lvl2pPr>
-            <a:lvl3pPr indent="-317500" lvl="2" marL="1371600">
+            <a:lvl3pPr marL="1371600" lvl="2" indent="-317500">
               <a:lnSpc>
                 <a:spcPct val="115000"/>
               </a:lnSpc>
@@ -6689,7 +6881,7 @@
                 <a:sym typeface="Proxima Nova"/>
               </a:defRPr>
             </a:lvl3pPr>
-            <a:lvl4pPr indent="-317500" lvl="3" marL="1828800">
+            <a:lvl4pPr marL="1828800" lvl="3" indent="-317500">
               <a:lnSpc>
                 <a:spcPct val="115000"/>
               </a:lnSpc>
@@ -6715,7 +6907,7 @@
                 <a:sym typeface="Proxima Nova"/>
               </a:defRPr>
             </a:lvl4pPr>
-            <a:lvl5pPr indent="-317500" lvl="4" marL="2286000">
+            <a:lvl5pPr marL="2286000" lvl="4" indent="-317500">
               <a:lnSpc>
                 <a:spcPct val="115000"/>
               </a:lnSpc>
@@ -6741,7 +6933,7 @@
                 <a:sym typeface="Proxima Nova"/>
               </a:defRPr>
             </a:lvl5pPr>
-            <a:lvl6pPr indent="-317500" lvl="5" marL="2743200">
+            <a:lvl6pPr marL="2743200" lvl="5" indent="-317500">
               <a:lnSpc>
                 <a:spcPct val="115000"/>
               </a:lnSpc>
@@ -6767,7 +6959,7 @@
                 <a:sym typeface="Proxima Nova"/>
               </a:defRPr>
             </a:lvl6pPr>
-            <a:lvl7pPr indent="-317500" lvl="6" marL="3200400">
+            <a:lvl7pPr marL="3200400" lvl="6" indent="-317500">
               <a:lnSpc>
                 <a:spcPct val="115000"/>
               </a:lnSpc>
@@ -6793,7 +6985,7 @@
                 <a:sym typeface="Proxima Nova"/>
               </a:defRPr>
             </a:lvl7pPr>
-            <a:lvl8pPr indent="-317500" lvl="7" marL="3657600">
+            <a:lvl8pPr marL="3657600" lvl="7" indent="-317500">
               <a:lnSpc>
                 <a:spcPct val="115000"/>
               </a:lnSpc>
@@ -6819,7 +7011,7 @@
                 <a:sym typeface="Proxima Nova"/>
               </a:defRPr>
             </a:lvl8pPr>
-            <a:lvl9pPr indent="-317500" lvl="8" marL="4114800">
+            <a:lvl9pPr marL="4114800" lvl="8" indent="-317500">
               <a:lnSpc>
                 <a:spcPct val="115000"/>
               </a:lnSpc>
@@ -6846,15 +7038,19 @@
               </a:defRPr>
             </a:lvl9pPr>
           </a:lstStyle>
-          <a:p/>
+          <a:p>
+            <a:endParaRPr/>
+          </a:p>
         </p:txBody>
       </p:sp>
       <p:sp>
         <p:nvSpPr>
           <p:cNvPr id="8" name="Google Shape;8;p1"/>
-          <p:cNvSpPr txBox="1"/>
+          <p:cNvSpPr txBox="1">
+            <a:spLocks noGrp="1"/>
+          </p:cNvSpPr>
           <p:nvPr>
-            <p:ph idx="12" type="sldNum"/>
+            <p:ph type="sldNum" idx="12"/>
           </p:nvPr>
         </p:nvSpPr>
         <p:spPr>
@@ -6871,7 +7067,7 @@
           </a:ln>
         </p:spPr>
         <p:txBody>
-          <a:bodyPr anchorCtr="0" anchor="ctr" bIns="91425" lIns="91425" spcFirstLastPara="1" rIns="91425" wrap="square" tIns="91425">
+          <a:bodyPr spcFirstLastPara="1" wrap="square" lIns="91425" tIns="91425" rIns="91425" bIns="91425" anchor="ctr" anchorCtr="0">
             <a:noAutofit/>
           </a:bodyPr>
           <a:lstStyle>
@@ -6985,7 +7181,7 @@
             </a:lvl9pPr>
           </a:lstStyle>
           <a:p>
-            <a:pPr indent="0" lvl="0" marL="0" rtl="0" algn="r">
+            <a:pPr marL="0" lvl="0" indent="0" algn="r" rtl="0">
               <a:spcBef>
                 <a:spcPts val="0"/>
               </a:spcBef>
@@ -7004,7 +7200,7 @@
       </p:sp>
     </p:spTree>
   </p:cSld>
-  <p:clrMap accent1="accent1" accent2="accent2" accent3="accent3" accent4="accent4" accent5="accent5" accent6="accent6" bg1="lt1" bg2="dk2" tx1="dk1" tx2="lt2" folHlink="folHlink" hlink="hlink"/>
+  <p:clrMap bg1="lt1" tx1="dk1" bg2="dk2" tx2="lt2" accent1="accent1" accent2="accent2" accent3="accent3" accent4="accent4" accent5="accent5" accent6="accent6" hlink="hlink" folHlink="folHlink"/>
   <p:sldLayoutIdLst>
     <p:sldLayoutId id="2147483648" r:id="rId1"/>
     <p:sldLayoutId id="2147483649" r:id="rId2"/>
@@ -7018,10 +7214,10 @@
     <p:sldLayoutId id="2147483657" r:id="rId10"/>
     <p:sldLayoutId id="2147483658" r:id="rId11"/>
   </p:sldLayoutIdLst>
-  <p:hf dt="0" ftr="0" hdr="0" sldNum="0"/>
+  <p:hf sldNum="0" hdr="0" ftr="0" dt="0"/>
   <p:txStyles>
     <p:titleStyle>
-      <a:defPPr lvl="0" marR="0" rtl="0" algn="l">
+      <a:defPPr marR="0" lvl="0" algn="l" rtl="0">
         <a:lnSpc>
           <a:spcPct val="100000"/>
         </a:lnSpc>
@@ -7032,7 +7228,7 @@
           <a:spcPts val="0"/>
         </a:spcAft>
       </a:defPPr>
-      <a:lvl1pPr lvl="0" marR="0" rtl="0" algn="l">
+      <a:lvl1pPr marR="0" lvl="0" algn="l" rtl="0">
         <a:lnSpc>
           <a:spcPct val="100000"/>
         </a:lnSpc>
@@ -7046,7 +7242,7 @@
           <a:srgbClr val="000000"/>
         </a:buClr>
         <a:buFont typeface="Arial"/>
-        <a:defRPr b="0" i="0" sz="1400" u="none" cap="none" strike="noStrike">
+        <a:defRPr sz="1400" b="0" i="0" u="none" strike="noStrike" cap="none">
           <a:solidFill>
             <a:srgbClr val="000000"/>
           </a:solidFill>
@@ -7056,7 +7252,7 @@
           <a:sym typeface="Arial"/>
         </a:defRPr>
       </a:lvl1pPr>
-      <a:lvl2pPr lvl="1" marR="0" rtl="0" algn="l">
+      <a:lvl2pPr marR="0" lvl="1" algn="l" rtl="0">
         <a:lnSpc>
           <a:spcPct val="100000"/>
         </a:lnSpc>
@@ -7070,7 +7266,7 @@
           <a:srgbClr val="000000"/>
         </a:buClr>
         <a:buFont typeface="Arial"/>
-        <a:defRPr b="0" i="0" sz="1400" u="none" cap="none" strike="noStrike">
+        <a:defRPr sz="1400" b="0" i="0" u="none" strike="noStrike" cap="none">
           <a:solidFill>
             <a:srgbClr val="000000"/>
           </a:solidFill>
@@ -7080,7 +7276,7 @@
           <a:sym typeface="Arial"/>
         </a:defRPr>
       </a:lvl2pPr>
-      <a:lvl3pPr lvl="2" marR="0" rtl="0" algn="l">
+      <a:lvl3pPr marR="0" lvl="2" algn="l" rtl="0">
         <a:lnSpc>
           <a:spcPct val="100000"/>
         </a:lnSpc>
@@ -7094,7 +7290,7 @@
           <a:srgbClr val="000000"/>
         </a:buClr>
         <a:buFont typeface="Arial"/>
-        <a:defRPr b="0" i="0" sz="1400" u="none" cap="none" strike="noStrike">
+        <a:defRPr sz="1400" b="0" i="0" u="none" strike="noStrike" cap="none">
           <a:solidFill>
             <a:srgbClr val="000000"/>
           </a:solidFill>
@@ -7104,7 +7300,7 @@
           <a:sym typeface="Arial"/>
         </a:defRPr>
       </a:lvl3pPr>
-      <a:lvl4pPr lvl="3" marR="0" rtl="0" algn="l">
+      <a:lvl4pPr marR="0" lvl="3" algn="l" rtl="0">
         <a:lnSpc>
           <a:spcPct val="100000"/>
         </a:lnSpc>
@@ -7118,7 +7314,7 @@
           <a:srgbClr val="000000"/>
         </a:buClr>
         <a:buFont typeface="Arial"/>
-        <a:defRPr b="0" i="0" sz="1400" u="none" cap="none" strike="noStrike">
+        <a:defRPr sz="1400" b="0" i="0" u="none" strike="noStrike" cap="none">
           <a:solidFill>
             <a:srgbClr val="000000"/>
           </a:solidFill>
@@ -7128,7 +7324,7 @@
           <a:sym typeface="Arial"/>
         </a:defRPr>
       </a:lvl4pPr>
-      <a:lvl5pPr lvl="4" marR="0" rtl="0" algn="l">
+      <a:lvl5pPr marR="0" lvl="4" algn="l" rtl="0">
         <a:lnSpc>
           <a:spcPct val="100000"/>
         </a:lnSpc>
@@ -7142,7 +7338,7 @@
           <a:srgbClr val="000000"/>
         </a:buClr>
         <a:buFont typeface="Arial"/>
-        <a:defRPr b="0" i="0" sz="1400" u="none" cap="none" strike="noStrike">
+        <a:defRPr sz="1400" b="0" i="0" u="none" strike="noStrike" cap="none">
           <a:solidFill>
             <a:srgbClr val="000000"/>
           </a:solidFill>
@@ -7152,7 +7348,7 @@
           <a:sym typeface="Arial"/>
         </a:defRPr>
       </a:lvl5pPr>
-      <a:lvl6pPr lvl="5" marR="0" rtl="0" algn="l">
+      <a:lvl6pPr marR="0" lvl="5" algn="l" rtl="0">
         <a:lnSpc>
           <a:spcPct val="100000"/>
         </a:lnSpc>
@@ -7166,7 +7362,7 @@
           <a:srgbClr val="000000"/>
         </a:buClr>
         <a:buFont typeface="Arial"/>
-        <a:defRPr b="0" i="0" sz="1400" u="none" cap="none" strike="noStrike">
+        <a:defRPr sz="1400" b="0" i="0" u="none" strike="noStrike" cap="none">
           <a:solidFill>
             <a:srgbClr val="000000"/>
           </a:solidFill>
@@ -7176,7 +7372,7 @@
           <a:sym typeface="Arial"/>
         </a:defRPr>
       </a:lvl6pPr>
-      <a:lvl7pPr lvl="6" marR="0" rtl="0" algn="l">
+      <a:lvl7pPr marR="0" lvl="6" algn="l" rtl="0">
         <a:lnSpc>
           <a:spcPct val="100000"/>
         </a:lnSpc>
@@ -7190,7 +7386,7 @@
           <a:srgbClr val="000000"/>
         </a:buClr>
         <a:buFont typeface="Arial"/>
-        <a:defRPr b="0" i="0" sz="1400" u="none" cap="none" strike="noStrike">
+        <a:defRPr sz="1400" b="0" i="0" u="none" strike="noStrike" cap="none">
           <a:solidFill>
             <a:srgbClr val="000000"/>
           </a:solidFill>
@@ -7200,7 +7396,7 @@
           <a:sym typeface="Arial"/>
         </a:defRPr>
       </a:lvl7pPr>
-      <a:lvl8pPr lvl="7" marR="0" rtl="0" algn="l">
+      <a:lvl8pPr marR="0" lvl="7" algn="l" rtl="0">
         <a:lnSpc>
           <a:spcPct val="100000"/>
         </a:lnSpc>
@@ -7214,7 +7410,7 @@
           <a:srgbClr val="000000"/>
         </a:buClr>
         <a:buFont typeface="Arial"/>
-        <a:defRPr b="0" i="0" sz="1400" u="none" cap="none" strike="noStrike">
+        <a:defRPr sz="1400" b="0" i="0" u="none" strike="noStrike" cap="none">
           <a:solidFill>
             <a:srgbClr val="000000"/>
           </a:solidFill>
@@ -7224,7 +7420,7 @@
           <a:sym typeface="Arial"/>
         </a:defRPr>
       </a:lvl8pPr>
-      <a:lvl9pPr lvl="8" marR="0" rtl="0" algn="l">
+      <a:lvl9pPr marR="0" lvl="8" algn="l" rtl="0">
         <a:lnSpc>
           <a:spcPct val="100000"/>
         </a:lnSpc>
@@ -7238,7 +7434,7 @@
           <a:srgbClr val="000000"/>
         </a:buClr>
         <a:buFont typeface="Arial"/>
-        <a:defRPr b="0" i="0" sz="1400" u="none" cap="none" strike="noStrike">
+        <a:defRPr sz="1400" b="0" i="0" u="none" strike="noStrike" cap="none">
           <a:solidFill>
             <a:srgbClr val="000000"/>
           </a:solidFill>
@@ -7250,7 +7446,7 @@
       </a:lvl9pPr>
     </p:titleStyle>
     <p:bodyStyle>
-      <a:defPPr lvl="0" marR="0" rtl="0" algn="l">
+      <a:defPPr marR="0" lvl="0" algn="l" rtl="0">
         <a:lnSpc>
           <a:spcPct val="100000"/>
         </a:lnSpc>
@@ -7261,7 +7457,7 @@
           <a:spcPts val="0"/>
         </a:spcAft>
       </a:defPPr>
-      <a:lvl1pPr lvl="0" marR="0" rtl="0" algn="l">
+      <a:lvl1pPr marR="0" lvl="0" algn="l" rtl="0">
         <a:lnSpc>
           <a:spcPct val="100000"/>
         </a:lnSpc>
@@ -7275,7 +7471,7 @@
           <a:srgbClr val="000000"/>
         </a:buClr>
         <a:buFont typeface="Arial"/>
-        <a:defRPr b="0" i="0" sz="1400" u="none" cap="none" strike="noStrike">
+        <a:defRPr sz="1400" b="0" i="0" u="none" strike="noStrike" cap="none">
           <a:solidFill>
             <a:srgbClr val="000000"/>
           </a:solidFill>
@@ -7285,7 +7481,7 @@
           <a:sym typeface="Arial"/>
         </a:defRPr>
       </a:lvl1pPr>
-      <a:lvl2pPr lvl="1" marR="0" rtl="0" algn="l">
+      <a:lvl2pPr marR="0" lvl="1" algn="l" rtl="0">
         <a:lnSpc>
           <a:spcPct val="100000"/>
         </a:lnSpc>
@@ -7299,7 +7495,7 @@
           <a:srgbClr val="000000"/>
         </a:buClr>
         <a:buFont typeface="Arial"/>
-        <a:defRPr b="0" i="0" sz="1400" u="none" cap="none" strike="noStrike">
+        <a:defRPr sz="1400" b="0" i="0" u="none" strike="noStrike" cap="none">
           <a:solidFill>
             <a:srgbClr val="000000"/>
           </a:solidFill>
@@ -7309,7 +7505,7 @@
           <a:sym typeface="Arial"/>
         </a:defRPr>
       </a:lvl2pPr>
-      <a:lvl3pPr lvl="2" marR="0" rtl="0" algn="l">
+      <a:lvl3pPr marR="0" lvl="2" algn="l" rtl="0">
         <a:lnSpc>
           <a:spcPct val="100000"/>
         </a:lnSpc>
@@ -7323,7 +7519,7 @@
           <a:srgbClr val="000000"/>
         </a:buClr>
         <a:buFont typeface="Arial"/>
-        <a:defRPr b="0" i="0" sz="1400" u="none" cap="none" strike="noStrike">
+        <a:defRPr sz="1400" b="0" i="0" u="none" strike="noStrike" cap="none">
           <a:solidFill>
             <a:srgbClr val="000000"/>
           </a:solidFill>
@@ -7333,7 +7529,7 @@
           <a:sym typeface="Arial"/>
         </a:defRPr>
       </a:lvl3pPr>
-      <a:lvl4pPr lvl="3" marR="0" rtl="0" algn="l">
+      <a:lvl4pPr marR="0" lvl="3" algn="l" rtl="0">
         <a:lnSpc>
           <a:spcPct val="100000"/>
         </a:lnSpc>
@@ -7347,7 +7543,7 @@
           <a:srgbClr val="000000"/>
         </a:buClr>
         <a:buFont typeface="Arial"/>
-        <a:defRPr b="0" i="0" sz="1400" u="none" cap="none" strike="noStrike">
+        <a:defRPr sz="1400" b="0" i="0" u="none" strike="noStrike" cap="none">
           <a:solidFill>
             <a:srgbClr val="000000"/>
           </a:solidFill>
@@ -7357,7 +7553,7 @@
           <a:sym typeface="Arial"/>
         </a:defRPr>
       </a:lvl4pPr>
-      <a:lvl5pPr lvl="4" marR="0" rtl="0" algn="l">
+      <a:lvl5pPr marR="0" lvl="4" algn="l" rtl="0">
         <a:lnSpc>
           <a:spcPct val="100000"/>
         </a:lnSpc>
@@ -7371,7 +7567,7 @@
           <a:srgbClr val="000000"/>
         </a:buClr>
         <a:buFont typeface="Arial"/>
-        <a:defRPr b="0" i="0" sz="1400" u="none" cap="none" strike="noStrike">
+        <a:defRPr sz="1400" b="0" i="0" u="none" strike="noStrike" cap="none">
           <a:solidFill>
             <a:srgbClr val="000000"/>
           </a:solidFill>
@@ -7381,7 +7577,7 @@
           <a:sym typeface="Arial"/>
         </a:defRPr>
       </a:lvl5pPr>
-      <a:lvl6pPr lvl="5" marR="0" rtl="0" algn="l">
+      <a:lvl6pPr marR="0" lvl="5" algn="l" rtl="0">
         <a:lnSpc>
           <a:spcPct val="100000"/>
         </a:lnSpc>
@@ -7395,7 +7591,7 @@
           <a:srgbClr val="000000"/>
         </a:buClr>
         <a:buFont typeface="Arial"/>
-        <a:defRPr b="0" i="0" sz="1400" u="none" cap="none" strike="noStrike">
+        <a:defRPr sz="1400" b="0" i="0" u="none" strike="noStrike" cap="none">
           <a:solidFill>
             <a:srgbClr val="000000"/>
           </a:solidFill>
@@ -7405,7 +7601,7 @@
           <a:sym typeface="Arial"/>
         </a:defRPr>
       </a:lvl6pPr>
-      <a:lvl7pPr lvl="6" marR="0" rtl="0" algn="l">
+      <a:lvl7pPr marR="0" lvl="6" algn="l" rtl="0">
         <a:lnSpc>
           <a:spcPct val="100000"/>
         </a:lnSpc>
@@ -7419,7 +7615,7 @@
           <a:srgbClr val="000000"/>
         </a:buClr>
         <a:buFont typeface="Arial"/>
-        <a:defRPr b="0" i="0" sz="1400" u="none" cap="none" strike="noStrike">
+        <a:defRPr sz="1400" b="0" i="0" u="none" strike="noStrike" cap="none">
           <a:solidFill>
             <a:srgbClr val="000000"/>
           </a:solidFill>
@@ -7429,7 +7625,7 @@
           <a:sym typeface="Arial"/>
         </a:defRPr>
       </a:lvl7pPr>
-      <a:lvl8pPr lvl="7" marR="0" rtl="0" algn="l">
+      <a:lvl8pPr marR="0" lvl="7" algn="l" rtl="0">
         <a:lnSpc>
           <a:spcPct val="100000"/>
         </a:lnSpc>
@@ -7443,7 +7639,7 @@
           <a:srgbClr val="000000"/>
         </a:buClr>
         <a:buFont typeface="Arial"/>
-        <a:defRPr b="0" i="0" sz="1400" u="none" cap="none" strike="noStrike">
+        <a:defRPr sz="1400" b="0" i="0" u="none" strike="noStrike" cap="none">
           <a:solidFill>
             <a:srgbClr val="000000"/>
           </a:solidFill>
@@ -7453,7 +7649,7 @@
           <a:sym typeface="Arial"/>
         </a:defRPr>
       </a:lvl8pPr>
-      <a:lvl9pPr lvl="8" marR="0" rtl="0" algn="l">
+      <a:lvl9pPr marR="0" lvl="8" algn="l" rtl="0">
         <a:lnSpc>
           <a:spcPct val="100000"/>
         </a:lnSpc>
@@ -7467,7 +7663,7 @@
           <a:srgbClr val="000000"/>
         </a:buClr>
         <a:buFont typeface="Arial"/>
-        <a:defRPr b="0" i="0" sz="1400" u="none" cap="none" strike="noStrike">
+        <a:defRPr sz="1400" b="0" i="0" u="none" strike="noStrike" cap="none">
           <a:solidFill>
             <a:srgbClr val="000000"/>
           </a:solidFill>
@@ -7479,7 +7675,7 @@
       </a:lvl9pPr>
     </p:bodyStyle>
     <p:otherStyle>
-      <a:defPPr lvl="0" marR="0" rtl="0" algn="l">
+      <a:defPPr marR="0" lvl="0" algn="l" rtl="0">
         <a:lnSpc>
           <a:spcPct val="100000"/>
         </a:lnSpc>
@@ -7490,7 +7686,7 @@
           <a:spcPts val="0"/>
         </a:spcAft>
       </a:defPPr>
-      <a:lvl1pPr lvl="0" marR="0" rtl="0" algn="l">
+      <a:lvl1pPr marR="0" lvl="0" algn="l" rtl="0">
         <a:lnSpc>
           <a:spcPct val="100000"/>
         </a:lnSpc>
@@ -7504,7 +7700,7 @@
           <a:srgbClr val="000000"/>
         </a:buClr>
         <a:buFont typeface="Arial"/>
-        <a:defRPr b="0" i="0" sz="1400" u="none" cap="none" strike="noStrike">
+        <a:defRPr sz="1400" b="0" i="0" u="none" strike="noStrike" cap="none">
           <a:solidFill>
             <a:srgbClr val="000000"/>
           </a:solidFill>
@@ -7514,7 +7710,7 @@
           <a:sym typeface="Arial"/>
         </a:defRPr>
       </a:lvl1pPr>
-      <a:lvl2pPr lvl="1" marR="0" rtl="0" algn="l">
+      <a:lvl2pPr marR="0" lvl="1" algn="l" rtl="0">
         <a:lnSpc>
           <a:spcPct val="100000"/>
         </a:lnSpc>
@@ -7528,7 +7724,7 @@
           <a:srgbClr val="000000"/>
         </a:buClr>
         <a:buFont typeface="Arial"/>
-        <a:defRPr b="0" i="0" sz="1400" u="none" cap="none" strike="noStrike">
+        <a:defRPr sz="1400" b="0" i="0" u="none" strike="noStrike" cap="none">
           <a:solidFill>
             <a:srgbClr val="000000"/>
           </a:solidFill>
@@ -7538,7 +7734,7 @@
           <a:sym typeface="Arial"/>
         </a:defRPr>
       </a:lvl2pPr>
-      <a:lvl3pPr lvl="2" marR="0" rtl="0" algn="l">
+      <a:lvl3pPr marR="0" lvl="2" algn="l" rtl="0">
         <a:lnSpc>
           <a:spcPct val="100000"/>
         </a:lnSpc>
@@ -7552,7 +7748,7 @@
           <a:srgbClr val="000000"/>
         </a:buClr>
         <a:buFont typeface="Arial"/>
-        <a:defRPr b="0" i="0" sz="1400" u="none" cap="none" strike="noStrike">
+        <a:defRPr sz="1400" b="0" i="0" u="none" strike="noStrike" cap="none">
           <a:solidFill>
             <a:srgbClr val="000000"/>
           </a:solidFill>
@@ -7562,7 +7758,7 @@
           <a:sym typeface="Arial"/>
         </a:defRPr>
       </a:lvl3pPr>
-      <a:lvl4pPr lvl="3" marR="0" rtl="0" algn="l">
+      <a:lvl4pPr marR="0" lvl="3" algn="l" rtl="0">
         <a:lnSpc>
           <a:spcPct val="100000"/>
         </a:lnSpc>
@@ -7576,7 +7772,7 @@
           <a:srgbClr val="000000"/>
         </a:buClr>
         <a:buFont typeface="Arial"/>
-        <a:defRPr b="0" i="0" sz="1400" u="none" cap="none" strike="noStrike">
+        <a:defRPr sz="1400" b="0" i="0" u="none" strike="noStrike" cap="none">
           <a:solidFill>
             <a:srgbClr val="000000"/>
           </a:solidFill>
@@ -7586,7 +7782,7 @@
           <a:sym typeface="Arial"/>
         </a:defRPr>
       </a:lvl4pPr>
-      <a:lvl5pPr lvl="4" marR="0" rtl="0" algn="l">
+      <a:lvl5pPr marR="0" lvl="4" algn="l" rtl="0">
         <a:lnSpc>
           <a:spcPct val="100000"/>
         </a:lnSpc>
@@ -7600,7 +7796,7 @@
           <a:srgbClr val="000000"/>
         </a:buClr>
         <a:buFont typeface="Arial"/>
-        <a:defRPr b="0" i="0" sz="1400" u="none" cap="none" strike="noStrike">
+        <a:defRPr sz="1400" b="0" i="0" u="none" strike="noStrike" cap="none">
           <a:solidFill>
             <a:srgbClr val="000000"/>
           </a:solidFill>
@@ -7610,7 +7806,7 @@
           <a:sym typeface="Arial"/>
         </a:defRPr>
       </a:lvl5pPr>
-      <a:lvl6pPr lvl="5" marR="0" rtl="0" algn="l">
+      <a:lvl6pPr marR="0" lvl="5" algn="l" rtl="0">
         <a:lnSpc>
           <a:spcPct val="100000"/>
         </a:lnSpc>
@@ -7624,7 +7820,7 @@
           <a:srgbClr val="000000"/>
         </a:buClr>
         <a:buFont typeface="Arial"/>
-        <a:defRPr b="0" i="0" sz="1400" u="none" cap="none" strike="noStrike">
+        <a:defRPr sz="1400" b="0" i="0" u="none" strike="noStrike" cap="none">
           <a:solidFill>
             <a:srgbClr val="000000"/>
           </a:solidFill>
@@ -7634,7 +7830,7 @@
           <a:sym typeface="Arial"/>
         </a:defRPr>
       </a:lvl6pPr>
-      <a:lvl7pPr lvl="6" marR="0" rtl="0" algn="l">
+      <a:lvl7pPr marR="0" lvl="6" algn="l" rtl="0">
         <a:lnSpc>
           <a:spcPct val="100000"/>
         </a:lnSpc>
@@ -7648,7 +7844,7 @@
           <a:srgbClr val="000000"/>
         </a:buClr>
         <a:buFont typeface="Arial"/>
-        <a:defRPr b="0" i="0" sz="1400" u="none" cap="none" strike="noStrike">
+        <a:defRPr sz="1400" b="0" i="0" u="none" strike="noStrike" cap="none">
           <a:solidFill>
             <a:srgbClr val="000000"/>
           </a:solidFill>
@@ -7658,7 +7854,7 @@
           <a:sym typeface="Arial"/>
         </a:defRPr>
       </a:lvl7pPr>
-      <a:lvl8pPr lvl="7" marR="0" rtl="0" algn="l">
+      <a:lvl8pPr marR="0" lvl="7" algn="l" rtl="0">
         <a:lnSpc>
           <a:spcPct val="100000"/>
         </a:lnSpc>
@@ -7672,7 +7868,7 @@
           <a:srgbClr val="000000"/>
         </a:buClr>
         <a:buFont typeface="Arial"/>
-        <a:defRPr b="0" i="0" sz="1400" u="none" cap="none" strike="noStrike">
+        <a:defRPr sz="1400" b="0" i="0" u="none" strike="noStrike" cap="none">
           <a:solidFill>
             <a:srgbClr val="000000"/>
           </a:solidFill>
@@ -7682,7 +7878,7 @@
           <a:sym typeface="Arial"/>
         </a:defRPr>
       </a:lvl8pPr>
-      <a:lvl9pPr lvl="8" marR="0" rtl="0" algn="l">
+      <a:lvl9pPr marR="0" lvl="8" algn="l" rtl="0">
         <a:lnSpc>
           <a:spcPct val="100000"/>
         </a:lnSpc>
@@ -7696,7 +7892,7 @@
           <a:srgbClr val="000000"/>
         </a:buClr>
         <a:buFont typeface="Arial"/>
-        <a:defRPr b="0" i="0" sz="1400" u="none" cap="none" strike="noStrike">
+        <a:defRPr sz="1400" b="0" i="0" u="none" strike="noStrike" cap="none">
           <a:solidFill>
             <a:srgbClr val="000000"/>
           </a:solidFill>
@@ -7712,11 +7908,11 @@
 </file>
 
 <file path=ppt/slides/slide1.xml><?xml version="1.0" encoding="utf-8"?>
-<p:sld xmlns:a="http://schemas.openxmlformats.org/drawingml/2006/main" xmlns:r="http://schemas.openxmlformats.org/officeDocument/2006/relationships" xmlns:mc="http://schemas.openxmlformats.org/markup-compatibility/2006" xmlns:mv="urn:schemas-microsoft-com:mac:vml" xmlns:p="http://schemas.openxmlformats.org/presentationml/2006/main" xmlns:c="http://schemas.openxmlformats.org/drawingml/2006/chart" xmlns:dgm="http://schemas.openxmlformats.org/drawingml/2006/diagram" xmlns:o="urn:schemas-microsoft-com:office:office" xmlns:v="urn:schemas-microsoft-com:vml" xmlns:pvml="urn:schemas-microsoft-com:office:powerpoint" xmlns:com="http://schemas.openxmlformats.org/drawingml/2006/compatibility" xmlns:p14="http://schemas.microsoft.com/office/powerpoint/2010/main" xmlns:p15="http://schemas.microsoft.com/office/powerpoint/2012/main">
+<p:sld xmlns:a="http://schemas.openxmlformats.org/drawingml/2006/main" xmlns:r="http://schemas.openxmlformats.org/officeDocument/2006/relationships" xmlns:p="http://schemas.openxmlformats.org/presentationml/2006/main">
   <p:cSld>
     <p:spTree>
       <p:nvGrpSpPr>
-        <p:cNvPr id="55" name="Shape 55"/>
+        <p:cNvPr id="1" name="Shape 55"/>
         <p:cNvGrpSpPr/>
         <p:nvPr/>
       </p:nvGrpSpPr>
@@ -7731,7 +7927,9 @@
       <p:sp>
         <p:nvSpPr>
           <p:cNvPr id="56" name="Google Shape;56;p13"/>
-          <p:cNvSpPr txBox="1"/>
+          <p:cNvSpPr txBox="1">
+            <a:spLocks noGrp="1"/>
+          </p:cNvSpPr>
           <p:nvPr>
             <p:ph type="ctrTitle"/>
           </p:nvPr>
@@ -7746,12 +7944,12 @@
           </a:prstGeom>
         </p:spPr>
         <p:txBody>
-          <a:bodyPr anchorCtr="0" anchor="b" bIns="91425" lIns="91425" spcFirstLastPara="1" rIns="91425" wrap="square" tIns="91425">
+          <a:bodyPr spcFirstLastPara="1" wrap="square" lIns="91425" tIns="91425" rIns="91425" bIns="91425" anchor="b" anchorCtr="0">
             <a:noAutofit/>
           </a:bodyPr>
           <a:lstStyle/>
           <a:p>
-            <a:pPr indent="0" lvl="0" marL="0" rtl="0" algn="ctr">
+            <a:pPr marL="0" lvl="0" indent="0" algn="ctr" rtl="0">
               <a:spcBef>
                 <a:spcPts val="0"/>
               </a:spcBef>
@@ -7781,9 +7979,11 @@
       <p:sp>
         <p:nvSpPr>
           <p:cNvPr id="57" name="Google Shape;57;p13"/>
-          <p:cNvSpPr txBox="1"/>
+          <p:cNvSpPr txBox="1">
+            <a:spLocks noGrp="1"/>
+          </p:cNvSpPr>
           <p:nvPr>
-            <p:ph idx="1" type="subTitle"/>
+            <p:ph type="subTitle" idx="1"/>
           </p:nvPr>
         </p:nvSpPr>
         <p:spPr>
@@ -7796,12 +7996,12 @@
           </a:prstGeom>
         </p:spPr>
         <p:txBody>
-          <a:bodyPr anchorCtr="0" anchor="t" bIns="91425" lIns="91425" spcFirstLastPara="1" rIns="91425" wrap="square" tIns="91425">
+          <a:bodyPr spcFirstLastPara="1" wrap="square" lIns="91425" tIns="91425" rIns="91425" bIns="91425" anchor="t" anchorCtr="0">
             <a:noAutofit/>
           </a:bodyPr>
           <a:lstStyle/>
           <a:p>
-            <a:pPr indent="0" lvl="0" marL="0" rtl="0" algn="ctr">
+            <a:pPr marL="0" lvl="0" indent="0" algn="ctr" rtl="0">
               <a:spcBef>
                 <a:spcPts val="0"/>
               </a:spcBef>
@@ -7817,7 +8017,7 @@
             <a:endParaRPr/>
           </a:p>
           <a:p>
-            <a:pPr indent="0" lvl="0" marL="0" rtl="0" algn="ctr">
+            <a:pPr marL="0" lvl="0" indent="0" algn="ctr" rtl="0">
               <a:spcBef>
                 <a:spcPts val="0"/>
               </a:spcBef>
@@ -7833,18 +8033,15 @@
             <a:endParaRPr/>
           </a:p>
           <a:p>
-            <a:pPr indent="0" lvl="0" marL="0" rtl="0" algn="l">
-              <a:spcBef>
-                <a:spcPts val="0"/>
-              </a:spcBef>
-              <a:spcAft>
-                <a:spcPts val="0"/>
-              </a:spcAft>
-              <a:buNone/>
-            </a:pPr>
-            <a:r>
-              <a:t/>
-            </a:r>
+            <a:pPr marL="0" lvl="0" indent="0" algn="l" rtl="0">
+              <a:spcBef>
+                <a:spcPts val="0"/>
+              </a:spcBef>
+              <a:spcAft>
+                <a:spcPts val="0"/>
+              </a:spcAft>
+              <a:buNone/>
+            </a:pPr>
             <a:endParaRPr/>
           </a:p>
         </p:txBody>
@@ -7886,11 +8083,11 @@
 </file>
 
 <file path=ppt/slides/slide10.xml><?xml version="1.0" encoding="utf-8"?>
-<p:sld xmlns:a="http://schemas.openxmlformats.org/drawingml/2006/main" xmlns:r="http://schemas.openxmlformats.org/officeDocument/2006/relationships" xmlns:mc="http://schemas.openxmlformats.org/markup-compatibility/2006" xmlns:mv="urn:schemas-microsoft-com:mac:vml" xmlns:p="http://schemas.openxmlformats.org/presentationml/2006/main" xmlns:c="http://schemas.openxmlformats.org/drawingml/2006/chart" xmlns:dgm="http://schemas.openxmlformats.org/drawingml/2006/diagram" xmlns:o="urn:schemas-microsoft-com:office:office" xmlns:v="urn:schemas-microsoft-com:vml" xmlns:pvml="urn:schemas-microsoft-com:office:powerpoint" xmlns:com="http://schemas.openxmlformats.org/drawingml/2006/compatibility" xmlns:p14="http://schemas.microsoft.com/office/powerpoint/2010/main" xmlns:p15="http://schemas.microsoft.com/office/powerpoint/2012/main">
+<p:sld xmlns:a="http://schemas.openxmlformats.org/drawingml/2006/main" xmlns:r="http://schemas.openxmlformats.org/officeDocument/2006/relationships" xmlns:p="http://schemas.openxmlformats.org/presentationml/2006/main">
   <p:cSld>
     <p:spTree>
       <p:nvGrpSpPr>
-        <p:cNvPr id="125" name="Shape 125"/>
+        <p:cNvPr id="1" name="Shape 133"/>
         <p:cNvGrpSpPr/>
         <p:nvPr/>
       </p:nvGrpSpPr>
@@ -7904,8 +8101,10 @@
       </p:grpSpPr>
       <p:sp>
         <p:nvSpPr>
-          <p:cNvPr id="126" name="Google Shape;126;p22"/>
-          <p:cNvSpPr txBox="1"/>
+          <p:cNvPr id="134" name="Google Shape;134;p23"/>
+          <p:cNvSpPr txBox="1">
+            <a:spLocks noGrp="1"/>
+          </p:cNvSpPr>
           <p:nvPr>
             <p:ph type="title"/>
           </p:nvPr>
@@ -7920,361 +8119,12 @@
           </a:prstGeom>
         </p:spPr>
         <p:txBody>
-          <a:bodyPr anchorCtr="0" anchor="t" bIns="91425" lIns="91425" spcFirstLastPara="1" rIns="91425" wrap="square" tIns="91425">
+          <a:bodyPr spcFirstLastPara="1" wrap="square" lIns="91425" tIns="91425" rIns="91425" bIns="91425" anchor="t" anchorCtr="0">
             <a:noAutofit/>
           </a:bodyPr>
           <a:lstStyle/>
           <a:p>
-            <a:pPr indent="0" lvl="0" marL="0" rtl="0" algn="l">
-              <a:spcBef>
-                <a:spcPts val="0"/>
-              </a:spcBef>
-              <a:spcAft>
-                <a:spcPts val="0"/>
-              </a:spcAft>
-              <a:buNone/>
-            </a:pPr>
-            <a:r>
-              <a:rPr lang="en" sz="2500">
-                <a:latin typeface="Impact"/>
-                <a:ea typeface="Impact"/>
-                <a:cs typeface="Impact"/>
-                <a:sym typeface="Impact"/>
-              </a:rPr>
-              <a:t>Cleaning and Visualizing Categorical Variables - Tags</a:t>
-            </a:r>
-            <a:endParaRPr sz="2500">
-              <a:latin typeface="Impact"/>
-              <a:ea typeface="Impact"/>
-              <a:cs typeface="Impact"/>
-              <a:sym typeface="Impact"/>
-            </a:endParaRPr>
-          </a:p>
-          <a:p>
-            <a:pPr indent="0" lvl="0" marL="0" rtl="0" algn="l">
-              <a:spcBef>
-                <a:spcPts val="0"/>
-              </a:spcBef>
-              <a:spcAft>
-                <a:spcPts val="0"/>
-              </a:spcAft>
-              <a:buNone/>
-            </a:pPr>
-            <a:r>
-              <a:t/>
-            </a:r>
-            <a:endParaRPr>
-              <a:latin typeface="Impact"/>
-              <a:ea typeface="Impact"/>
-              <a:cs typeface="Impact"/>
-              <a:sym typeface="Impact"/>
-            </a:endParaRPr>
-          </a:p>
-          <a:p>
-            <a:pPr indent="0" lvl="0" marL="0" rtl="0" algn="l">
-              <a:spcBef>
-                <a:spcPts val="0"/>
-              </a:spcBef>
-              <a:spcAft>
-                <a:spcPts val="0"/>
-              </a:spcAft>
-              <a:buNone/>
-            </a:pPr>
-            <a:r>
-              <a:t/>
-            </a:r>
-            <a:endParaRPr>
-              <a:latin typeface="Impact"/>
-              <a:ea typeface="Impact"/>
-              <a:cs typeface="Impact"/>
-              <a:sym typeface="Impact"/>
-            </a:endParaRPr>
-          </a:p>
-          <a:p>
-            <a:pPr indent="0" lvl="0" marL="0" rtl="0" algn="l">
-              <a:spcBef>
-                <a:spcPts val="0"/>
-              </a:spcBef>
-              <a:spcAft>
-                <a:spcPts val="0"/>
-              </a:spcAft>
-              <a:buNone/>
-            </a:pPr>
-            <a:r>
-              <a:t/>
-            </a:r>
-            <a:endParaRPr>
-              <a:latin typeface="Impact"/>
-              <a:ea typeface="Impact"/>
-              <a:cs typeface="Impact"/>
-              <a:sym typeface="Impact"/>
-            </a:endParaRPr>
-          </a:p>
-        </p:txBody>
-      </p:sp>
-      <p:sp>
-        <p:nvSpPr>
-          <p:cNvPr id="127" name="Google Shape;127;p22"/>
-          <p:cNvSpPr txBox="1"/>
-          <p:nvPr>
-            <p:ph idx="1" type="body"/>
-          </p:nvPr>
-        </p:nvSpPr>
-        <p:spPr>
-          <a:xfrm>
-            <a:off x="311700" y="1152475"/>
-            <a:ext cx="3898800" cy="3416400"/>
-          </a:xfrm>
-          <a:prstGeom prst="rect">
-            <a:avLst/>
-          </a:prstGeom>
-        </p:spPr>
-        <p:txBody>
-          <a:bodyPr anchorCtr="0" anchor="t" bIns="91425" lIns="91425" spcFirstLastPara="1" rIns="91425" wrap="square" tIns="91425">
-            <a:noAutofit/>
-          </a:bodyPr>
-          <a:lstStyle/>
-          <a:p>
-            <a:pPr indent="-342900" lvl="0" marL="457200" rtl="0" algn="l">
-              <a:spcBef>
-                <a:spcPts val="0"/>
-              </a:spcBef>
-              <a:spcAft>
-                <a:spcPts val="0"/>
-              </a:spcAft>
-              <a:buSzPts val="1800"/>
-              <a:buChar char="●"/>
-            </a:pPr>
-            <a:r>
-              <a:rPr lang="en"/>
-              <a:t>There were 27 different values of Tags. </a:t>
-            </a:r>
-            <a:endParaRPr/>
-          </a:p>
-          <a:p>
-            <a:pPr indent="-342900" lvl="0" marL="457200" rtl="0" algn="l">
-              <a:spcBef>
-                <a:spcPts val="0"/>
-              </a:spcBef>
-              <a:spcAft>
-                <a:spcPts val="0"/>
-              </a:spcAft>
-              <a:buSzPts val="1800"/>
-              <a:buChar char="●"/>
-            </a:pPr>
-            <a:r>
-              <a:rPr lang="en"/>
-              <a:t>Bucketing them into following categories based upon the business knowledge</a:t>
-            </a:r>
-            <a:endParaRPr/>
-          </a:p>
-          <a:p>
-            <a:pPr indent="-317500" lvl="1" marL="914400" rtl="0" algn="l">
-              <a:spcBef>
-                <a:spcPts val="0"/>
-              </a:spcBef>
-              <a:spcAft>
-                <a:spcPts val="0"/>
-              </a:spcAft>
-              <a:buSzPts val="1400"/>
-              <a:buChar char="○"/>
-            </a:pPr>
-            <a:r>
-              <a:rPr lang="en" sz="1400"/>
-              <a:t>Interested</a:t>
-            </a:r>
-            <a:endParaRPr sz="1400"/>
-          </a:p>
-          <a:p>
-            <a:pPr indent="-317500" lvl="1" marL="914400" rtl="0" algn="l">
-              <a:spcBef>
-                <a:spcPts val="0"/>
-              </a:spcBef>
-              <a:spcAft>
-                <a:spcPts val="0"/>
-              </a:spcAft>
-              <a:buSzPts val="1400"/>
-              <a:buChar char="○"/>
-            </a:pPr>
-            <a:r>
-              <a:rPr lang="en" sz="1400"/>
-              <a:t>Busy</a:t>
-            </a:r>
-            <a:endParaRPr sz="1400"/>
-          </a:p>
-          <a:p>
-            <a:pPr indent="-317500" lvl="1" marL="914400" rtl="0" algn="l">
-              <a:spcBef>
-                <a:spcPts val="0"/>
-              </a:spcBef>
-              <a:spcAft>
-                <a:spcPts val="0"/>
-              </a:spcAft>
-              <a:buSzPts val="1400"/>
-              <a:buChar char="○"/>
-            </a:pPr>
-            <a:r>
-              <a:rPr lang="en" sz="1400"/>
-              <a:t>Probable</a:t>
-            </a:r>
-            <a:endParaRPr sz="1400"/>
-          </a:p>
-          <a:p>
-            <a:pPr indent="-317500" lvl="1" marL="914400" rtl="0" algn="l">
-              <a:spcBef>
-                <a:spcPts val="0"/>
-              </a:spcBef>
-              <a:spcAft>
-                <a:spcPts val="0"/>
-              </a:spcAft>
-              <a:buSzPts val="1400"/>
-              <a:buChar char="○"/>
-            </a:pPr>
-            <a:r>
-              <a:rPr lang="en" sz="1400"/>
-              <a:t>Lost</a:t>
-            </a:r>
-            <a:endParaRPr/>
-          </a:p>
-          <a:p>
-            <a:pPr indent="-342900" lvl="0" marL="457200" rtl="0" algn="l">
-              <a:spcBef>
-                <a:spcPts val="0"/>
-              </a:spcBef>
-              <a:spcAft>
-                <a:spcPts val="0"/>
-              </a:spcAft>
-              <a:buSzPts val="1800"/>
-              <a:buChar char="●"/>
-            </a:pPr>
-            <a:r>
-              <a:rPr lang="en"/>
-              <a:t>Interested and busy tags had the maximum conversion rate</a:t>
-            </a:r>
-            <a:endParaRPr/>
-          </a:p>
-          <a:p>
-            <a:pPr indent="0" lvl="0" marL="0" rtl="0" algn="l">
-              <a:spcBef>
-                <a:spcPts val="0"/>
-              </a:spcBef>
-              <a:spcAft>
-                <a:spcPts val="1600"/>
-              </a:spcAft>
-              <a:buNone/>
-            </a:pPr>
-            <a:r>
-              <a:t/>
-            </a:r>
-            <a:endParaRPr/>
-          </a:p>
-        </p:txBody>
-      </p:sp>
-      <p:pic>
-        <p:nvPicPr>
-          <p:cNvPr id="128" name="Google Shape;128;p22"/>
-          <p:cNvPicPr preferRelativeResize="0"/>
-          <p:nvPr/>
-        </p:nvPicPr>
-        <p:blipFill>
-          <a:blip r:embed="rId3">
-            <a:alphaModFix/>
-          </a:blip>
-          <a:stretch>
-            <a:fillRect/>
-          </a:stretch>
-        </p:blipFill>
-        <p:spPr>
-          <a:xfrm>
-            <a:off x="7511797" y="0"/>
-            <a:ext cx="1632195" cy="572700"/>
-          </a:xfrm>
-          <a:prstGeom prst="rect">
-            <a:avLst/>
-          </a:prstGeom>
-          <a:noFill/>
-          <a:ln>
-            <a:noFill/>
-          </a:ln>
-        </p:spPr>
-      </p:pic>
-      <p:pic>
-        <p:nvPicPr>
-          <p:cNvPr id="129" name="Google Shape;129;p22"/>
-          <p:cNvPicPr preferRelativeResize="0"/>
-          <p:nvPr/>
-        </p:nvPicPr>
-        <p:blipFill>
-          <a:blip r:embed="rId4">
-            <a:alphaModFix/>
-          </a:blip>
-          <a:stretch>
-            <a:fillRect/>
-          </a:stretch>
-        </p:blipFill>
-        <p:spPr>
-          <a:xfrm>
-            <a:off x="4944900" y="1312525"/>
-            <a:ext cx="3465638" cy="2691400"/>
-          </a:xfrm>
-          <a:prstGeom prst="rect">
-            <a:avLst/>
-          </a:prstGeom>
-          <a:noFill/>
-          <a:ln>
-            <a:noFill/>
-          </a:ln>
-        </p:spPr>
-      </p:pic>
-    </p:spTree>
-  </p:cSld>
-  <p:clrMapOvr>
-    <a:masterClrMapping/>
-  </p:clrMapOvr>
-</p:sld>
-</file>
-
-<file path=ppt/slides/slide11.xml><?xml version="1.0" encoding="utf-8"?>
-<p:sld xmlns:a="http://schemas.openxmlformats.org/drawingml/2006/main" xmlns:r="http://schemas.openxmlformats.org/officeDocument/2006/relationships" xmlns:mc="http://schemas.openxmlformats.org/markup-compatibility/2006" xmlns:mv="urn:schemas-microsoft-com:mac:vml" xmlns:p="http://schemas.openxmlformats.org/presentationml/2006/main" xmlns:c="http://schemas.openxmlformats.org/drawingml/2006/chart" xmlns:dgm="http://schemas.openxmlformats.org/drawingml/2006/diagram" xmlns:o="urn:schemas-microsoft-com:office:office" xmlns:v="urn:schemas-microsoft-com:vml" xmlns:pvml="urn:schemas-microsoft-com:office:powerpoint" xmlns:com="http://schemas.openxmlformats.org/drawingml/2006/compatibility" xmlns:p14="http://schemas.microsoft.com/office/powerpoint/2010/main" xmlns:p15="http://schemas.microsoft.com/office/powerpoint/2012/main">
-  <p:cSld>
-    <p:spTree>
-      <p:nvGrpSpPr>
-        <p:cNvPr id="133" name="Shape 133"/>
-        <p:cNvGrpSpPr/>
-        <p:nvPr/>
-      </p:nvGrpSpPr>
-      <p:grpSpPr>
-        <a:xfrm>
-          <a:off x="0" y="0"/>
-          <a:ext cx="0" cy="0"/>
-          <a:chOff x="0" y="0"/>
-          <a:chExt cx="0" cy="0"/>
-        </a:xfrm>
-      </p:grpSpPr>
-      <p:sp>
-        <p:nvSpPr>
-          <p:cNvPr id="134" name="Google Shape;134;p23"/>
-          <p:cNvSpPr txBox="1"/>
-          <p:nvPr>
-            <p:ph type="title"/>
-          </p:nvPr>
-        </p:nvSpPr>
-        <p:spPr>
-          <a:xfrm>
-            <a:off x="311700" y="445025"/>
-            <a:ext cx="8520600" cy="572700"/>
-          </a:xfrm>
-          <a:prstGeom prst="rect">
-            <a:avLst/>
-          </a:prstGeom>
-        </p:spPr>
-        <p:txBody>
-          <a:bodyPr anchorCtr="0" anchor="t" bIns="91425" lIns="91425" spcFirstLastPara="1" rIns="91425" wrap="square" tIns="91425">
-            <a:noAutofit/>
-          </a:bodyPr>
-          <a:lstStyle/>
-          <a:p>
-            <a:pPr indent="0" lvl="0" marL="0" rtl="0" algn="l">
+            <a:pPr marL="0" lvl="0" indent="0" algn="l" rtl="0">
               <a:spcBef>
                 <a:spcPts val="0"/>
               </a:spcBef>
@@ -8295,18 +8145,15 @@
             <a:endParaRPr/>
           </a:p>
           <a:p>
-            <a:pPr indent="0" lvl="0" marL="0" rtl="0" algn="l">
-              <a:spcBef>
-                <a:spcPts val="0"/>
-              </a:spcBef>
-              <a:spcAft>
-                <a:spcPts val="0"/>
-              </a:spcAft>
-              <a:buNone/>
-            </a:pPr>
-            <a:r>
-              <a:t/>
-            </a:r>
+            <a:pPr marL="0" lvl="0" indent="0" algn="l" rtl="0">
+              <a:spcBef>
+                <a:spcPts val="0"/>
+              </a:spcBef>
+              <a:spcAft>
+                <a:spcPts val="0"/>
+              </a:spcAft>
+              <a:buNone/>
+            </a:pPr>
             <a:endParaRPr/>
           </a:p>
         </p:txBody>
@@ -8314,9 +8161,11 @@
       <p:sp>
         <p:nvSpPr>
           <p:cNvPr id="135" name="Google Shape;135;p23"/>
-          <p:cNvSpPr txBox="1"/>
+          <p:cNvSpPr txBox="1">
+            <a:spLocks noGrp="1"/>
+          </p:cNvSpPr>
           <p:nvPr>
-            <p:ph idx="1" type="body"/>
+            <p:ph type="body" idx="1"/>
           </p:nvPr>
         </p:nvSpPr>
         <p:spPr>
@@ -8329,12 +8178,12 @@
           </a:prstGeom>
         </p:spPr>
         <p:txBody>
-          <a:bodyPr anchorCtr="0" anchor="t" bIns="91425" lIns="91425" spcFirstLastPara="1" rIns="91425" wrap="square" tIns="91425">
+          <a:bodyPr spcFirstLastPara="1" wrap="square" lIns="91425" tIns="91425" rIns="91425" bIns="91425" anchor="t" anchorCtr="0">
             <a:noAutofit/>
           </a:bodyPr>
           <a:lstStyle/>
           <a:p>
-            <a:pPr indent="0" lvl="0" marL="0" rtl="0" algn="l">
+            <a:pPr marL="0" lvl="0" indent="0" algn="l" rtl="0">
               <a:spcBef>
                 <a:spcPts val="0"/>
               </a:spcBef>
@@ -8350,7 +8199,7 @@
             <a:endParaRPr/>
           </a:p>
           <a:p>
-            <a:pPr indent="0" lvl="0" marL="0" rtl="0" algn="l">
+            <a:pPr marL="0" lvl="0" indent="0" algn="l" rtl="0">
               <a:spcBef>
                 <a:spcPts val="1600"/>
               </a:spcBef>
@@ -8366,7 +8215,7 @@
             <a:endParaRPr/>
           </a:p>
           <a:p>
-            <a:pPr indent="0" lvl="0" marL="0" rtl="0" algn="l">
+            <a:pPr marL="0" lvl="0" indent="0" algn="l" rtl="0">
               <a:spcBef>
                 <a:spcPts val="1600"/>
               </a:spcBef>
@@ -8382,7 +8231,7 @@
             <a:endParaRPr/>
           </a:p>
           <a:p>
-            <a:pPr indent="0" lvl="0" marL="0" rtl="0" algn="l">
+            <a:pPr marL="0" lvl="0" indent="0" algn="l" rtl="0">
               <a:spcBef>
                 <a:spcPts val="1600"/>
               </a:spcBef>
@@ -8398,7 +8247,7 @@
             <a:endParaRPr/>
           </a:p>
           <a:p>
-            <a:pPr indent="0" lvl="0" marL="0" rtl="0" algn="l">
+            <a:pPr marL="0" lvl="0" indent="0" algn="l" rtl="0">
               <a:spcBef>
                 <a:spcPts val="1600"/>
               </a:spcBef>
@@ -8408,13 +8257,13 @@
               <a:buNone/>
             </a:pPr>
             <a:r>
-              <a:rPr b="1" lang="en" u="sng"/>
+              <a:rPr lang="en" b="1" u="sng"/>
               <a:t>Outlier Treatment:</a:t>
             </a:r>
             <a:endParaRPr b="1" u="sng"/>
           </a:p>
           <a:p>
-            <a:pPr indent="0" lvl="0" marL="0" rtl="0" algn="l">
+            <a:pPr marL="0" lvl="0" indent="0" algn="l" rtl="0">
               <a:spcBef>
                 <a:spcPts val="1600"/>
               </a:spcBef>
@@ -8430,7 +8279,7 @@
             <a:endParaRPr/>
           </a:p>
           <a:p>
-            <a:pPr indent="0" lvl="0" marL="0" rtl="0" algn="l">
+            <a:pPr marL="0" lvl="0" indent="0" algn="l" rtl="0">
               <a:spcBef>
                 <a:spcPts val="1600"/>
               </a:spcBef>
@@ -8439,9 +8288,6 @@
               </a:spcAft>
               <a:buNone/>
             </a:pPr>
-            <a:r>
-              <a:t/>
-            </a:r>
             <a:endParaRPr/>
           </a:p>
         </p:txBody>
@@ -8482,12 +8328,12 @@
 </p:sld>
 </file>
 
-<file path=ppt/slides/slide12.xml><?xml version="1.0" encoding="utf-8"?>
-<p:sld xmlns:a="http://schemas.openxmlformats.org/drawingml/2006/main" xmlns:r="http://schemas.openxmlformats.org/officeDocument/2006/relationships" xmlns:mc="http://schemas.openxmlformats.org/markup-compatibility/2006" xmlns:mv="urn:schemas-microsoft-com:mac:vml" xmlns:p="http://schemas.openxmlformats.org/presentationml/2006/main" xmlns:c="http://schemas.openxmlformats.org/drawingml/2006/chart" xmlns:dgm="http://schemas.openxmlformats.org/drawingml/2006/diagram" xmlns:o="urn:schemas-microsoft-com:office:office" xmlns:v="urn:schemas-microsoft-com:vml" xmlns:pvml="urn:schemas-microsoft-com:office:powerpoint" xmlns:com="http://schemas.openxmlformats.org/drawingml/2006/compatibility" xmlns:p14="http://schemas.microsoft.com/office/powerpoint/2010/main" xmlns:p15="http://schemas.microsoft.com/office/powerpoint/2012/main">
+<file path=ppt/slides/slide11.xml><?xml version="1.0" encoding="utf-8"?>
+<p:sld xmlns:a="http://schemas.openxmlformats.org/drawingml/2006/main" xmlns:r="http://schemas.openxmlformats.org/officeDocument/2006/relationships" xmlns:p="http://schemas.openxmlformats.org/presentationml/2006/main">
   <p:cSld>
     <p:spTree>
       <p:nvGrpSpPr>
-        <p:cNvPr id="140" name="Shape 140"/>
+        <p:cNvPr id="1" name="Shape 140"/>
         <p:cNvGrpSpPr/>
         <p:nvPr/>
       </p:nvGrpSpPr>
@@ -8502,7 +8348,9 @@
       <p:sp>
         <p:nvSpPr>
           <p:cNvPr id="141" name="Google Shape;141;p24"/>
-          <p:cNvSpPr txBox="1"/>
+          <p:cNvSpPr txBox="1">
+            <a:spLocks noGrp="1"/>
+          </p:cNvSpPr>
           <p:nvPr>
             <p:ph type="title"/>
           </p:nvPr>
@@ -8517,12 +8365,12 @@
           </a:prstGeom>
         </p:spPr>
         <p:txBody>
-          <a:bodyPr anchorCtr="0" anchor="t" bIns="91425" lIns="91425" spcFirstLastPara="1" rIns="91425" wrap="square" tIns="91425">
+          <a:bodyPr spcFirstLastPara="1" wrap="square" lIns="91425" tIns="91425" rIns="91425" bIns="91425" anchor="t" anchorCtr="0">
             <a:noAutofit/>
           </a:bodyPr>
           <a:lstStyle/>
           <a:p>
-            <a:pPr indent="0" lvl="0" marL="0" rtl="0" algn="l">
+            <a:pPr marL="0" lvl="0" indent="0" algn="l" rtl="0">
               <a:spcBef>
                 <a:spcPts val="0"/>
               </a:spcBef>
@@ -8547,9 +8395,11 @@
       <p:sp>
         <p:nvSpPr>
           <p:cNvPr id="142" name="Google Shape;142;p24"/>
-          <p:cNvSpPr txBox="1"/>
+          <p:cNvSpPr txBox="1">
+            <a:spLocks noGrp="1"/>
+          </p:cNvSpPr>
           <p:nvPr>
-            <p:ph idx="1" type="body"/>
+            <p:ph type="body" idx="1"/>
           </p:nvPr>
         </p:nvSpPr>
         <p:spPr>
@@ -8562,12 +8412,12 @@
           </a:prstGeom>
         </p:spPr>
         <p:txBody>
-          <a:bodyPr anchorCtr="0" anchor="t" bIns="91425" lIns="91425" spcFirstLastPara="1" rIns="91425" wrap="square" tIns="91425">
+          <a:bodyPr spcFirstLastPara="1" wrap="square" lIns="91425" tIns="91425" rIns="91425" bIns="91425" anchor="t" anchorCtr="0">
             <a:noAutofit/>
           </a:bodyPr>
           <a:lstStyle/>
           <a:p>
-            <a:pPr indent="0" lvl="0" marL="0" rtl="0" algn="l">
+            <a:pPr marL="0" lvl="0" indent="0" algn="l" rtl="0">
               <a:spcBef>
                 <a:spcPts val="0"/>
               </a:spcBef>
@@ -8648,12 +8498,12 @@
 </p:sld>
 </file>
 
-<file path=ppt/slides/slide13.xml><?xml version="1.0" encoding="utf-8"?>
-<p:sld xmlns:a="http://schemas.openxmlformats.org/drawingml/2006/main" xmlns:r="http://schemas.openxmlformats.org/officeDocument/2006/relationships" xmlns:mc="http://schemas.openxmlformats.org/markup-compatibility/2006" xmlns:mv="urn:schemas-microsoft-com:mac:vml" xmlns:p="http://schemas.openxmlformats.org/presentationml/2006/main" xmlns:c="http://schemas.openxmlformats.org/drawingml/2006/chart" xmlns:dgm="http://schemas.openxmlformats.org/drawingml/2006/diagram" xmlns:o="urn:schemas-microsoft-com:office:office" xmlns:v="urn:schemas-microsoft-com:vml" xmlns:pvml="urn:schemas-microsoft-com:office:powerpoint" xmlns:com="http://schemas.openxmlformats.org/drawingml/2006/compatibility" xmlns:p14="http://schemas.microsoft.com/office/powerpoint/2010/main" xmlns:p15="http://schemas.microsoft.com/office/powerpoint/2012/main">
+<file path=ppt/slides/slide12.xml><?xml version="1.0" encoding="utf-8"?>
+<p:sld xmlns:a="http://schemas.openxmlformats.org/drawingml/2006/main" xmlns:r="http://schemas.openxmlformats.org/officeDocument/2006/relationships" xmlns:p="http://schemas.openxmlformats.org/presentationml/2006/main">
   <p:cSld>
     <p:spTree>
       <p:nvGrpSpPr>
-        <p:cNvPr id="148" name="Shape 148"/>
+        <p:cNvPr id="1" name="Shape 148"/>
         <p:cNvGrpSpPr/>
         <p:nvPr/>
       </p:nvGrpSpPr>
@@ -8668,7 +8518,9 @@
       <p:sp>
         <p:nvSpPr>
           <p:cNvPr id="149" name="Google Shape;149;p25"/>
-          <p:cNvSpPr txBox="1"/>
+          <p:cNvSpPr txBox="1">
+            <a:spLocks noGrp="1"/>
+          </p:cNvSpPr>
           <p:nvPr>
             <p:ph type="title"/>
           </p:nvPr>
@@ -8683,12 +8535,12 @@
           </a:prstGeom>
         </p:spPr>
         <p:txBody>
-          <a:bodyPr anchorCtr="0" anchor="t" bIns="91425" lIns="91425" spcFirstLastPara="1" rIns="91425" wrap="square" tIns="91425">
+          <a:bodyPr spcFirstLastPara="1" wrap="square" lIns="91425" tIns="91425" rIns="91425" bIns="91425" anchor="t" anchorCtr="0">
             <a:noAutofit/>
           </a:bodyPr>
           <a:lstStyle/>
           <a:p>
-            <a:pPr indent="0" lvl="0" marL="0" rtl="0" algn="l">
+            <a:pPr marL="0" lvl="0" indent="0" algn="l" rtl="0">
               <a:spcBef>
                 <a:spcPts val="0"/>
               </a:spcBef>
@@ -8718,9 +8570,11 @@
       <p:sp>
         <p:nvSpPr>
           <p:cNvPr id="150" name="Google Shape;150;p25"/>
-          <p:cNvSpPr txBox="1"/>
+          <p:cNvSpPr txBox="1">
+            <a:spLocks noGrp="1"/>
+          </p:cNvSpPr>
           <p:nvPr>
-            <p:ph idx="1" type="body"/>
+            <p:ph type="body" idx="1"/>
           </p:nvPr>
         </p:nvSpPr>
         <p:spPr>
@@ -8733,12 +8587,12 @@
           </a:prstGeom>
         </p:spPr>
         <p:txBody>
-          <a:bodyPr anchorCtr="0" anchor="t" bIns="91425" lIns="91425" spcFirstLastPara="1" rIns="91425" wrap="square" tIns="91425">
+          <a:bodyPr spcFirstLastPara="1" wrap="square" lIns="91425" tIns="91425" rIns="91425" bIns="91425" anchor="t" anchorCtr="0">
             <a:noAutofit/>
           </a:bodyPr>
           <a:lstStyle/>
           <a:p>
-            <a:pPr indent="-342900" lvl="0" marL="457200" rtl="0" algn="l">
+            <a:pPr marL="457200" lvl="0" indent="-342900" algn="l" rtl="0">
               <a:spcBef>
                 <a:spcPts val="0"/>
               </a:spcBef>
@@ -8749,7 +8603,7 @@
               <a:buChar char="●"/>
             </a:pPr>
             <a:r>
-              <a:rPr b="1" lang="en"/>
+              <a:rPr lang="en" b="1"/>
               <a:t>RFE</a:t>
             </a:r>
             <a:r>
@@ -8759,7 +8613,7 @@
             <a:endParaRPr/>
           </a:p>
           <a:p>
-            <a:pPr indent="-342900" lvl="0" marL="457200" rtl="0" algn="l">
+            <a:pPr marL="457200" lvl="0" indent="-342900" algn="l" rtl="0">
               <a:spcBef>
                 <a:spcPts val="0"/>
               </a:spcBef>
@@ -8776,7 +8630,7 @@
             <a:endParaRPr/>
           </a:p>
           <a:p>
-            <a:pPr indent="-342900" lvl="0" marL="457200" rtl="0" algn="l">
+            <a:pPr marL="457200" lvl="0" indent="-342900" algn="l" rtl="0">
               <a:spcBef>
                 <a:spcPts val="0"/>
               </a:spcBef>
@@ -8791,17 +8645,13 @@
               <a:t>Optimal cutoff was decided based on </a:t>
             </a:r>
             <a:r>
-              <a:rPr b="1" lang="en"/>
-              <a:t>trade off of accuracy,sensitivity and specificity</a:t>
-            </a:r>
-            <a:r>
-              <a:rPr b="1" lang="en"/>
-              <a:t>.</a:t>
+              <a:rPr lang="en" b="1"/>
+              <a:t>trade off of accuracy,sensitivity and specificity.</a:t>
             </a:r>
             <a:endParaRPr b="1"/>
           </a:p>
           <a:p>
-            <a:pPr indent="-342900" lvl="0" marL="457200" rtl="0" algn="l">
+            <a:pPr marL="457200" lvl="0" indent="-342900" algn="l" rtl="0">
               <a:spcBef>
                 <a:spcPts val="0"/>
               </a:spcBef>
@@ -8816,13 +8666,13 @@
               <a:t>The model predicted the probabilities which was further used to calculate the </a:t>
             </a:r>
             <a:r>
-              <a:rPr b="1" lang="en"/>
+              <a:rPr lang="en" b="1"/>
               <a:t>Lead Score</a:t>
             </a:r>
             <a:endParaRPr b="1"/>
           </a:p>
           <a:p>
-            <a:pPr indent="0" lvl="0" marL="0" rtl="0" algn="l">
+            <a:pPr marL="0" lvl="0" indent="0" algn="l" rtl="0">
               <a:spcBef>
                 <a:spcPts val="1600"/>
               </a:spcBef>
@@ -8831,9 +8681,6 @@
               </a:spcAft>
               <a:buNone/>
             </a:pPr>
-            <a:r>
-              <a:t/>
-            </a:r>
             <a:endParaRPr/>
           </a:p>
         </p:txBody>
@@ -8886,12 +8733,12 @@
           </a:ln>
         </p:spPr>
         <p:txBody>
-          <a:bodyPr anchorCtr="0" anchor="t" bIns="91425" lIns="91425" spcFirstLastPara="1" rIns="91425" wrap="square" tIns="91425">
+          <a:bodyPr spcFirstLastPara="1" wrap="square" lIns="91425" tIns="91425" rIns="91425" bIns="91425" anchor="t" anchorCtr="0">
             <a:noAutofit/>
           </a:bodyPr>
           <a:lstStyle/>
           <a:p>
-            <a:pPr indent="0" lvl="0" marL="0" rtl="0" algn="l">
+            <a:pPr marL="0" lvl="0" indent="0" algn="l" rtl="0">
               <a:spcBef>
                 <a:spcPts val="0"/>
               </a:spcBef>
@@ -8944,12 +8791,12 @@
 </p:sld>
 </file>
 
-<file path=ppt/slides/slide14.xml><?xml version="1.0" encoding="utf-8"?>
-<p:sld xmlns:a="http://schemas.openxmlformats.org/drawingml/2006/main" xmlns:r="http://schemas.openxmlformats.org/officeDocument/2006/relationships" xmlns:mc="http://schemas.openxmlformats.org/markup-compatibility/2006" xmlns:mv="urn:schemas-microsoft-com:mac:vml" xmlns:p="http://schemas.openxmlformats.org/presentationml/2006/main" xmlns:c="http://schemas.openxmlformats.org/drawingml/2006/chart" xmlns:dgm="http://schemas.openxmlformats.org/drawingml/2006/diagram" xmlns:o="urn:schemas-microsoft-com:office:office" xmlns:v="urn:schemas-microsoft-com:vml" xmlns:pvml="urn:schemas-microsoft-com:office:powerpoint" xmlns:com="http://schemas.openxmlformats.org/drawingml/2006/compatibility" xmlns:p14="http://schemas.microsoft.com/office/powerpoint/2010/main" xmlns:p15="http://schemas.microsoft.com/office/powerpoint/2012/main">
+<file path=ppt/slides/slide13.xml><?xml version="1.0" encoding="utf-8"?>
+<p:sld xmlns:a="http://schemas.openxmlformats.org/drawingml/2006/main" xmlns:r="http://schemas.openxmlformats.org/officeDocument/2006/relationships" xmlns:p="http://schemas.openxmlformats.org/presentationml/2006/main">
   <p:cSld>
     <p:spTree>
       <p:nvGrpSpPr>
-        <p:cNvPr id="157" name="Shape 157"/>
+        <p:cNvPr id="1" name="Shape 157"/>
         <p:cNvGrpSpPr/>
         <p:nvPr/>
       </p:nvGrpSpPr>
@@ -8964,7 +8811,9 @@
       <p:sp>
         <p:nvSpPr>
           <p:cNvPr id="158" name="Google Shape;158;p26"/>
-          <p:cNvSpPr txBox="1"/>
+          <p:cNvSpPr txBox="1">
+            <a:spLocks noGrp="1"/>
+          </p:cNvSpPr>
           <p:nvPr>
             <p:ph type="title"/>
           </p:nvPr>
@@ -8979,12 +8828,12 @@
           </a:prstGeom>
         </p:spPr>
         <p:txBody>
-          <a:bodyPr anchorCtr="0" anchor="t" bIns="91425" lIns="91425" spcFirstLastPara="1" rIns="91425" wrap="square" tIns="91425">
+          <a:bodyPr spcFirstLastPara="1" wrap="square" lIns="91425" tIns="91425" rIns="91425" bIns="91425" anchor="t" anchorCtr="0">
             <a:noAutofit/>
           </a:bodyPr>
           <a:lstStyle/>
           <a:p>
-            <a:pPr indent="0" lvl="0" marL="0" rtl="0" algn="l">
+            <a:pPr marL="0" lvl="0" indent="0" algn="l" rtl="0">
               <a:spcBef>
                 <a:spcPts val="0"/>
               </a:spcBef>
@@ -9014,9 +8863,11 @@
       <p:sp>
         <p:nvSpPr>
           <p:cNvPr id="159" name="Google Shape;159;p26"/>
-          <p:cNvSpPr txBox="1"/>
+          <p:cNvSpPr txBox="1">
+            <a:spLocks noGrp="1"/>
+          </p:cNvSpPr>
           <p:nvPr>
-            <p:ph idx="1" type="body"/>
+            <p:ph type="body" idx="1"/>
           </p:nvPr>
         </p:nvSpPr>
         <p:spPr>
@@ -9029,23 +8880,20 @@
           </a:prstGeom>
         </p:spPr>
         <p:txBody>
-          <a:bodyPr anchorCtr="0" anchor="t" bIns="91425" lIns="91425" spcFirstLastPara="1" rIns="91425" wrap="square" tIns="91425">
+          <a:bodyPr spcFirstLastPara="1" wrap="square" lIns="91425" tIns="91425" rIns="91425" bIns="91425" anchor="t" anchorCtr="0">
             <a:noAutofit/>
           </a:bodyPr>
           <a:lstStyle/>
           <a:p>
-            <a:pPr indent="0" lvl="0" marL="457200" rtl="0" algn="l">
-              <a:spcBef>
-                <a:spcPts val="0"/>
-              </a:spcBef>
-              <a:spcAft>
-                <a:spcPts val="0"/>
-              </a:spcAft>
-              <a:buNone/>
-            </a:pPr>
-            <a:r>
-              <a:t/>
-            </a:r>
+            <a:pPr marL="457200" lvl="0" indent="0" algn="l" rtl="0">
+              <a:spcBef>
+                <a:spcPts val="0"/>
+              </a:spcBef>
+              <a:spcAft>
+                <a:spcPts val="0"/>
+              </a:spcAft>
+              <a:buNone/>
+            </a:pPr>
             <a:endParaRPr sz="1050">
               <a:solidFill>
                 <a:srgbClr val="000000"/>
@@ -9060,7 +8908,7 @@
             </a:endParaRPr>
           </a:p>
           <a:p>
-            <a:pPr indent="-342900" lvl="0" marL="457200" rtl="0" algn="l">
+            <a:pPr marL="457200" lvl="0" indent="-342900" algn="l" rtl="0">
               <a:spcBef>
                 <a:spcPts val="0"/>
               </a:spcBef>
@@ -9077,7 +8925,7 @@
             <a:endParaRPr/>
           </a:p>
           <a:p>
-            <a:pPr indent="-342900" lvl="0" marL="457200" rtl="0" algn="l">
+            <a:pPr marL="457200" lvl="0" indent="-342900" algn="l" rtl="0">
               <a:spcBef>
                 <a:spcPts val="0"/>
               </a:spcBef>
@@ -9094,7 +8942,7 @@
             <a:endParaRPr/>
           </a:p>
           <a:p>
-            <a:pPr indent="-342900" lvl="0" marL="457200" rtl="0" algn="l">
+            <a:pPr marL="457200" lvl="0" indent="-342900" algn="l" rtl="0">
               <a:spcBef>
                 <a:spcPts val="0"/>
               </a:spcBef>
@@ -9111,7 +8959,7 @@
             <a:endParaRPr/>
           </a:p>
           <a:p>
-            <a:pPr indent="-342900" lvl="0" marL="457200" rtl="0" algn="l">
+            <a:pPr marL="457200" lvl="0" indent="-342900" algn="l" rtl="0">
               <a:lnSpc>
                 <a:spcPct val="100000"/>
               </a:lnSpc>
@@ -9131,7 +8979,7 @@
             <a:endParaRPr/>
           </a:p>
           <a:p>
-            <a:pPr indent="-342900" lvl="0" marL="457200" rtl="0" algn="l">
+            <a:pPr marL="457200" lvl="0" indent="-342900" algn="l" rtl="0">
               <a:lnSpc>
                 <a:spcPct val="100000"/>
               </a:lnSpc>
@@ -9151,7 +8999,7 @@
             <a:endParaRPr/>
           </a:p>
           <a:p>
-            <a:pPr indent="0" lvl="0" marL="457200" rtl="0" algn="l">
+            <a:pPr marL="457200" lvl="0" indent="0" algn="l" rtl="0">
               <a:lnSpc>
                 <a:spcPct val="100000"/>
               </a:lnSpc>
@@ -9163,13 +9011,10 @@
               </a:spcAft>
               <a:buNone/>
             </a:pPr>
-            <a:r>
-              <a:t/>
-            </a:r>
             <a:endParaRPr/>
           </a:p>
           <a:p>
-            <a:pPr indent="0" lvl="0" marL="0" rtl="0" algn="l">
+            <a:pPr marL="0" lvl="0" indent="0" algn="l" rtl="0">
               <a:spcBef>
                 <a:spcPts val="0"/>
               </a:spcBef>
@@ -9178,9 +9023,6 @@
               </a:spcAft>
               <a:buNone/>
             </a:pPr>
-            <a:r>
-              <a:t/>
-            </a:r>
             <a:endParaRPr/>
           </a:p>
         </p:txBody>
@@ -9249,12 +9091,12 @@
 </p:sld>
 </file>
 
-<file path=ppt/slides/slide15.xml><?xml version="1.0" encoding="utf-8"?>
-<p:sld xmlns:a="http://schemas.openxmlformats.org/drawingml/2006/main" xmlns:r="http://schemas.openxmlformats.org/officeDocument/2006/relationships" xmlns:mc="http://schemas.openxmlformats.org/markup-compatibility/2006" xmlns:mv="urn:schemas-microsoft-com:mac:vml" xmlns:p="http://schemas.openxmlformats.org/presentationml/2006/main" xmlns:c="http://schemas.openxmlformats.org/drawingml/2006/chart" xmlns:dgm="http://schemas.openxmlformats.org/drawingml/2006/diagram" xmlns:o="urn:schemas-microsoft-com:office:office" xmlns:v="urn:schemas-microsoft-com:vml" xmlns:pvml="urn:schemas-microsoft-com:office:powerpoint" xmlns:com="http://schemas.openxmlformats.org/drawingml/2006/compatibility" xmlns:p14="http://schemas.microsoft.com/office/powerpoint/2010/main" xmlns:p15="http://schemas.microsoft.com/office/powerpoint/2012/main">
+<file path=ppt/slides/slide14.xml><?xml version="1.0" encoding="utf-8"?>
+<p:sld xmlns:a="http://schemas.openxmlformats.org/drawingml/2006/main" xmlns:r="http://schemas.openxmlformats.org/officeDocument/2006/relationships" xmlns:p="http://schemas.openxmlformats.org/presentationml/2006/main">
   <p:cSld>
     <p:spTree>
       <p:nvGrpSpPr>
-        <p:cNvPr id="165" name="Shape 165"/>
+        <p:cNvPr id="1" name="Shape 165"/>
         <p:cNvGrpSpPr/>
         <p:nvPr/>
       </p:nvGrpSpPr>
@@ -9269,7 +9111,9 @@
       <p:sp>
         <p:nvSpPr>
           <p:cNvPr id="166" name="Google Shape;166;p27"/>
-          <p:cNvSpPr txBox="1"/>
+          <p:cNvSpPr txBox="1">
+            <a:spLocks noGrp="1"/>
+          </p:cNvSpPr>
           <p:nvPr>
             <p:ph type="title"/>
           </p:nvPr>
@@ -9284,12 +9128,12 @@
           </a:prstGeom>
         </p:spPr>
         <p:txBody>
-          <a:bodyPr anchorCtr="0" anchor="t" bIns="91425" lIns="91425" spcFirstLastPara="1" rIns="91425" wrap="square" tIns="91425">
+          <a:bodyPr spcFirstLastPara="1" wrap="square" lIns="91425" tIns="91425" rIns="91425" bIns="91425" anchor="t" anchorCtr="0">
             <a:noAutofit/>
           </a:bodyPr>
           <a:lstStyle/>
           <a:p>
-            <a:pPr indent="0" lvl="0" marL="0" rtl="0" algn="l">
+            <a:pPr marL="0" lvl="0" indent="0" algn="l" rtl="0">
               <a:spcBef>
                 <a:spcPts val="0"/>
               </a:spcBef>
@@ -9315,18 +9159,15 @@
             </a:endParaRPr>
           </a:p>
           <a:p>
-            <a:pPr indent="0" lvl="0" marL="0" rtl="0" algn="l">
-              <a:spcBef>
-                <a:spcPts val="0"/>
-              </a:spcBef>
-              <a:spcAft>
-                <a:spcPts val="0"/>
-              </a:spcAft>
-              <a:buNone/>
-            </a:pPr>
-            <a:r>
-              <a:t/>
-            </a:r>
+            <a:pPr marL="0" lvl="0" indent="0" algn="l" rtl="0">
+              <a:spcBef>
+                <a:spcPts val="0"/>
+              </a:spcBef>
+              <a:spcAft>
+                <a:spcPts val="0"/>
+              </a:spcAft>
+              <a:buNone/>
+            </a:pPr>
             <a:endParaRPr/>
           </a:p>
         </p:txBody>
@@ -9334,9 +9175,11 @@
       <p:sp>
         <p:nvSpPr>
           <p:cNvPr id="167" name="Google Shape;167;p27"/>
-          <p:cNvSpPr txBox="1"/>
+          <p:cNvSpPr txBox="1">
+            <a:spLocks noGrp="1"/>
+          </p:cNvSpPr>
           <p:nvPr>
-            <p:ph idx="1" type="body"/>
+            <p:ph type="body" idx="1"/>
           </p:nvPr>
         </p:nvSpPr>
         <p:spPr>
@@ -9349,12 +9192,12 @@
           </a:prstGeom>
         </p:spPr>
         <p:txBody>
-          <a:bodyPr anchorCtr="0" anchor="t" bIns="91425" lIns="91425" spcFirstLastPara="1" rIns="91425" wrap="square" tIns="91425">
+          <a:bodyPr spcFirstLastPara="1" wrap="square" lIns="91425" tIns="91425" rIns="91425" bIns="91425" anchor="t" anchorCtr="0">
             <a:noAutofit/>
           </a:bodyPr>
           <a:lstStyle/>
           <a:p>
-            <a:pPr indent="-342900" lvl="0" marL="457200" marR="0" rtl="0" algn="l">
+            <a:pPr marL="457200" marR="0" lvl="0" indent="-342900" algn="l" rtl="0">
               <a:lnSpc>
                 <a:spcPct val="115000"/>
               </a:lnSpc>
@@ -9374,7 +9217,7 @@
             <a:endParaRPr/>
           </a:p>
           <a:p>
-            <a:pPr indent="-342900" lvl="0" marL="457200" marR="0" rtl="0" algn="l">
+            <a:pPr marL="457200" marR="0" lvl="0" indent="-342900" algn="l" rtl="0">
               <a:lnSpc>
                 <a:spcPct val="115000"/>
               </a:lnSpc>
@@ -9394,7 +9237,7 @@
             <a:endParaRPr/>
           </a:p>
           <a:p>
-            <a:pPr indent="-342900" lvl="0" marL="457200" marR="0" rtl="0" algn="l">
+            <a:pPr marL="457200" marR="0" lvl="0" indent="-342900" algn="l" rtl="0">
               <a:lnSpc>
                 <a:spcPct val="115000"/>
               </a:lnSpc>
@@ -9414,7 +9257,7 @@
             <a:endParaRPr/>
           </a:p>
           <a:p>
-            <a:pPr indent="-342900" lvl="0" marL="457200" marR="0" rtl="0" algn="l">
+            <a:pPr marL="457200" marR="0" lvl="0" indent="-342900" algn="l" rtl="0">
               <a:lnSpc>
                 <a:spcPct val="115000"/>
               </a:lnSpc>
@@ -9471,12 +9314,12 @@
 </p:sld>
 </file>
 
-<file path=ppt/slides/slide16.xml><?xml version="1.0" encoding="utf-8"?>
-<p:sld xmlns:a="http://schemas.openxmlformats.org/drawingml/2006/main" xmlns:r="http://schemas.openxmlformats.org/officeDocument/2006/relationships" xmlns:mc="http://schemas.openxmlformats.org/markup-compatibility/2006" xmlns:mv="urn:schemas-microsoft-com:mac:vml" xmlns:p="http://schemas.openxmlformats.org/presentationml/2006/main" xmlns:c="http://schemas.openxmlformats.org/drawingml/2006/chart" xmlns:dgm="http://schemas.openxmlformats.org/drawingml/2006/diagram" xmlns:o="urn:schemas-microsoft-com:office:office" xmlns:v="urn:schemas-microsoft-com:vml" xmlns:pvml="urn:schemas-microsoft-com:office:powerpoint" xmlns:com="http://schemas.openxmlformats.org/drawingml/2006/compatibility" xmlns:p14="http://schemas.microsoft.com/office/powerpoint/2010/main" xmlns:p15="http://schemas.microsoft.com/office/powerpoint/2012/main">
+<file path=ppt/slides/slide15.xml><?xml version="1.0" encoding="utf-8"?>
+<p:sld xmlns:a="http://schemas.openxmlformats.org/drawingml/2006/main" xmlns:r="http://schemas.openxmlformats.org/officeDocument/2006/relationships" xmlns:p="http://schemas.openxmlformats.org/presentationml/2006/main">
   <p:cSld>
     <p:spTree>
       <p:nvGrpSpPr>
-        <p:cNvPr id="172" name="Shape 172"/>
+        <p:cNvPr id="1" name="Shape 172"/>
         <p:cNvGrpSpPr/>
         <p:nvPr/>
       </p:nvGrpSpPr>
@@ -9491,7 +9334,9 @@
       <p:sp>
         <p:nvSpPr>
           <p:cNvPr id="173" name="Google Shape;173;p28"/>
-          <p:cNvSpPr txBox="1"/>
+          <p:cNvSpPr txBox="1">
+            <a:spLocks noGrp="1"/>
+          </p:cNvSpPr>
           <p:nvPr>
             <p:ph type="title"/>
           </p:nvPr>
@@ -9506,12 +9351,12 @@
           </a:prstGeom>
         </p:spPr>
         <p:txBody>
-          <a:bodyPr anchorCtr="0" anchor="t" bIns="91425" lIns="91425" spcFirstLastPara="1" rIns="91425" wrap="square" tIns="91425">
+          <a:bodyPr spcFirstLastPara="1" wrap="square" lIns="91425" tIns="91425" rIns="91425" bIns="91425" anchor="t" anchorCtr="0">
             <a:noAutofit/>
           </a:bodyPr>
           <a:lstStyle/>
           <a:p>
-            <a:pPr indent="0" lvl="0" marL="0" rtl="0" algn="l">
+            <a:pPr marL="0" lvl="0" indent="0" algn="l" rtl="0">
               <a:spcBef>
                 <a:spcPts val="0"/>
               </a:spcBef>
@@ -9537,18 +9382,15 @@
             </a:endParaRPr>
           </a:p>
           <a:p>
-            <a:pPr indent="0" lvl="0" marL="0" rtl="0" algn="l">
-              <a:spcBef>
-                <a:spcPts val="0"/>
-              </a:spcBef>
-              <a:spcAft>
-                <a:spcPts val="0"/>
-              </a:spcAft>
-              <a:buNone/>
-            </a:pPr>
-            <a:r>
-              <a:t/>
-            </a:r>
+            <a:pPr marL="0" lvl="0" indent="0" algn="l" rtl="0">
+              <a:spcBef>
+                <a:spcPts val="0"/>
+              </a:spcBef>
+              <a:spcAft>
+                <a:spcPts val="0"/>
+              </a:spcAft>
+              <a:buNone/>
+            </a:pPr>
             <a:endParaRPr/>
           </a:p>
         </p:txBody>
@@ -9556,9 +9398,11 @@
       <p:sp>
         <p:nvSpPr>
           <p:cNvPr id="174" name="Google Shape;174;p28"/>
-          <p:cNvSpPr txBox="1"/>
+          <p:cNvSpPr txBox="1">
+            <a:spLocks noGrp="1"/>
+          </p:cNvSpPr>
           <p:nvPr>
-            <p:ph idx="1" type="body"/>
+            <p:ph type="body" idx="1"/>
           </p:nvPr>
         </p:nvSpPr>
         <p:spPr>
@@ -9571,229 +9415,21 @@
           </a:prstGeom>
         </p:spPr>
         <p:txBody>
-          <a:bodyPr anchorCtr="0" anchor="t" bIns="91425" lIns="91425" spcFirstLastPara="1" rIns="91425" wrap="square" tIns="91425">
+          <a:bodyPr spcFirstLastPara="1" wrap="square" lIns="91425" tIns="91425" rIns="91425" bIns="91425" anchor="t" anchorCtr="0">
             <a:noAutofit/>
           </a:bodyPr>
           <a:lstStyle/>
           <a:p>
-            <a:pPr indent="0" lvl="0" marL="2286000" rtl="0" algn="l">
-              <a:spcBef>
-                <a:spcPts val="0"/>
-              </a:spcBef>
-              <a:spcAft>
-                <a:spcPts val="0"/>
-              </a:spcAft>
-              <a:buNone/>
-            </a:pPr>
-            <a:r>
-              <a:rPr b="1" lang="en" sz="1400"/>
-              <a:t>Features                               Coeff</a:t>
-            </a:r>
-            <a:endParaRPr b="1" sz="1400"/>
-          </a:p>
-          <a:p>
-            <a:pPr indent="-317500" lvl="0" marL="1371600" rtl="0" algn="l">
-              <a:spcBef>
-                <a:spcPts val="1600"/>
-              </a:spcBef>
-              <a:spcAft>
-                <a:spcPts val="0"/>
-              </a:spcAft>
-              <a:buSzPts val="1400"/>
-              <a:buChar char="●"/>
-            </a:pPr>
-            <a:r>
-              <a:rPr lang="en" sz="1400"/>
-              <a:t>Occupation_Working Professional		2.9662</a:t>
-            </a:r>
-            <a:endParaRPr sz="1400"/>
-          </a:p>
-          <a:p>
-            <a:pPr indent="-317500" lvl="0" marL="1371600" rtl="0" algn="l">
-              <a:spcBef>
-                <a:spcPts val="0"/>
-              </a:spcBef>
-              <a:spcAft>
-                <a:spcPts val="0"/>
-              </a:spcAft>
-              <a:buSzPts val="1400"/>
-              <a:buChar char="●"/>
-            </a:pPr>
-            <a:r>
-              <a:rPr lang="en" sz="1400"/>
-              <a:t>Lead Source_Reference			2.8502</a:t>
-            </a:r>
-            <a:endParaRPr sz="1400"/>
-          </a:p>
-          <a:p>
-            <a:pPr indent="-317500" lvl="0" marL="1371600" rtl="0" algn="l">
-              <a:spcBef>
-                <a:spcPts val="0"/>
-              </a:spcBef>
-              <a:spcAft>
-                <a:spcPts val="0"/>
-              </a:spcAft>
-              <a:buSzPts val="1400"/>
-              <a:buChar char="●"/>
-            </a:pPr>
-            <a:r>
-              <a:rPr lang="en" sz="1400"/>
-              <a:t>Last Activity_SMS Sent				1.6785</a:t>
-            </a:r>
-            <a:endParaRPr sz="1400"/>
-          </a:p>
-          <a:p>
-            <a:pPr indent="-317500" lvl="0" marL="1371600" rtl="0" algn="l">
-              <a:spcBef>
-                <a:spcPts val="0"/>
-              </a:spcBef>
-              <a:spcAft>
-                <a:spcPts val="0"/>
-              </a:spcAft>
-              <a:buSzPts val="1400"/>
-              <a:buChar char="●"/>
-            </a:pPr>
-            <a:r>
-              <a:rPr lang="en" sz="1400"/>
-              <a:t>Website Time					0.9859</a:t>
-            </a:r>
-            <a:endParaRPr sz="1400"/>
-          </a:p>
-          <a:p>
-            <a:pPr indent="-317500" lvl="0" marL="1371600" rtl="0" algn="l">
-              <a:spcBef>
-                <a:spcPts val="0"/>
-              </a:spcBef>
-              <a:spcAft>
-                <a:spcPts val="0"/>
-              </a:spcAft>
-              <a:buSzPts val="1400"/>
-              <a:buChar char="●"/>
-            </a:pPr>
-            <a:r>
-              <a:rPr lang="en" sz="1400"/>
-              <a:t>Last Activity_Email Opened			0.6105</a:t>
-            </a:r>
-            <a:endParaRPr sz="1400"/>
-          </a:p>
-          <a:p>
-            <a:pPr indent="-317500" lvl="0" marL="1371600" rtl="0" algn="l">
-              <a:spcBef>
-                <a:spcPts val="0"/>
-              </a:spcBef>
-              <a:spcAft>
-                <a:spcPts val="0"/>
-              </a:spcAft>
-              <a:buSzPts val="1400"/>
-              <a:buChar char="●"/>
-            </a:pPr>
-            <a:r>
-              <a:rPr lang="en" sz="1400"/>
-              <a:t>Lead Source_Olark Chat			0.2311</a:t>
-            </a:r>
-            <a:endParaRPr sz="1400"/>
-          </a:p>
-          <a:p>
-            <a:pPr indent="-317500" lvl="0" marL="1371600" rtl="0" algn="l">
-              <a:spcBef>
-                <a:spcPts val="0"/>
-              </a:spcBef>
-              <a:spcAft>
-                <a:spcPts val="0"/>
-              </a:spcAft>
-              <a:buSzPts val="1400"/>
-              <a:buChar char="●"/>
-            </a:pPr>
-            <a:r>
-              <a:rPr lang="en" sz="1400"/>
-              <a:t>TotalVisits						0.0683</a:t>
-            </a:r>
-            <a:endParaRPr sz="1400"/>
-          </a:p>
-          <a:p>
-            <a:pPr indent="-317500" lvl="0" marL="1371600" rtl="0" algn="l">
-              <a:spcBef>
-                <a:spcPts val="0"/>
-              </a:spcBef>
-              <a:spcAft>
-                <a:spcPts val="0"/>
-              </a:spcAft>
-              <a:buSzPts val="1400"/>
-              <a:buChar char="●"/>
-            </a:pPr>
-            <a:r>
-              <a:rPr lang="en" sz="1400"/>
-              <a:t>Lead Source_Direct Traffic			-0.2514</a:t>
-            </a:r>
-            <a:endParaRPr sz="1400"/>
-          </a:p>
-          <a:p>
-            <a:pPr indent="-317500" lvl="0" marL="1371600" rtl="0" algn="l">
-              <a:spcBef>
-                <a:spcPts val="0"/>
-              </a:spcBef>
-              <a:spcAft>
-                <a:spcPts val="0"/>
-              </a:spcAft>
-              <a:buSzPts val="1400"/>
-              <a:buChar char="●"/>
-            </a:pPr>
-            <a:r>
-              <a:rPr lang="en" sz="1400"/>
-              <a:t>Country_India					-0.2983</a:t>
-            </a:r>
-            <a:endParaRPr sz="1400"/>
-          </a:p>
-          <a:p>
-            <a:pPr indent="-317500" lvl="0" marL="1371600" rtl="0" algn="l">
-              <a:spcBef>
-                <a:spcPts val="0"/>
-              </a:spcBef>
-              <a:spcAft>
-                <a:spcPts val="0"/>
-              </a:spcAft>
-              <a:buSzPts val="1400"/>
-              <a:buChar char="●"/>
-            </a:pPr>
-            <a:r>
-              <a:rPr lang="en" sz="1400"/>
-              <a:t>Lead Origin_Landing Page Submission	-0.5406</a:t>
-            </a:r>
-            <a:endParaRPr sz="1400"/>
-          </a:p>
-          <a:p>
-            <a:pPr indent="-317500" lvl="0" marL="1371600" rtl="0" algn="l">
-              <a:spcBef>
-                <a:spcPts val="0"/>
-              </a:spcBef>
-              <a:spcAft>
-                <a:spcPts val="0"/>
-              </a:spcAft>
-              <a:buSzPts val="1400"/>
-              <a:buChar char="●"/>
-            </a:pPr>
-            <a:r>
-              <a:rPr lang="en" sz="1400"/>
-              <a:t>Last Activity_Converted to Lead		-0.8215</a:t>
-            </a:r>
-            <a:endParaRPr sz="1400"/>
-          </a:p>
-          <a:p>
-            <a:pPr indent="-317500" lvl="0" marL="1371600" rtl="0" algn="l">
-              <a:spcBef>
-                <a:spcPts val="0"/>
-              </a:spcBef>
-              <a:spcAft>
-                <a:spcPts val="0"/>
-              </a:spcAft>
-              <a:buSzPts val="1400"/>
-              <a:buChar char="●"/>
-            </a:pPr>
-            <a:r>
-              <a:rPr lang="en" sz="1400"/>
-              <a:t>Last Activity_Olark Chat Conversation	-0.9478</a:t>
-            </a:r>
-            <a:endParaRPr sz="1400"/>
+            <a:pPr marL="2286000" lvl="0" indent="0" algn="l" rtl="0">
+              <a:spcBef>
+                <a:spcPts val="0"/>
+              </a:spcBef>
+              <a:spcAft>
+                <a:spcPts val="0"/>
+              </a:spcAft>
+              <a:buNone/>
+            </a:pPr>
+            <a:endParaRPr sz="1400" dirty="0"/>
           </a:p>
         </p:txBody>
       </p:sp>
@@ -9825,6 +9461,30 @@
           </a:ln>
         </p:spPr>
       </p:pic>
+      <p:pic>
+        <p:nvPicPr>
+          <p:cNvPr id="4" name="Picture 3"/>
+          <p:cNvPicPr>
+            <a:picLocks noChangeAspect="1"/>
+          </p:cNvPicPr>
+          <p:nvPr/>
+        </p:nvPicPr>
+        <p:blipFill>
+          <a:blip r:embed="rId4"/>
+          <a:stretch>
+            <a:fillRect/>
+          </a:stretch>
+        </p:blipFill>
+        <p:spPr>
+          <a:xfrm>
+            <a:off x="1792840" y="1271913"/>
+            <a:ext cx="5558319" cy="3177523"/>
+          </a:xfrm>
+          <a:prstGeom prst="rect">
+            <a:avLst/>
+          </a:prstGeom>
+        </p:spPr>
+      </p:pic>
     </p:spTree>
   </p:cSld>
   <p:clrMapOvr>
@@ -9833,12 +9493,12 @@
 </p:sld>
 </file>
 
-<file path=ppt/slides/slide17.xml><?xml version="1.0" encoding="utf-8"?>
-<p:sld xmlns:a="http://schemas.openxmlformats.org/drawingml/2006/main" xmlns:r="http://schemas.openxmlformats.org/officeDocument/2006/relationships" xmlns:mc="http://schemas.openxmlformats.org/markup-compatibility/2006" xmlns:mv="urn:schemas-microsoft-com:mac:vml" xmlns:p="http://schemas.openxmlformats.org/presentationml/2006/main" xmlns:c="http://schemas.openxmlformats.org/drawingml/2006/chart" xmlns:dgm="http://schemas.openxmlformats.org/drawingml/2006/diagram" xmlns:o="urn:schemas-microsoft-com:office:office" xmlns:v="urn:schemas-microsoft-com:vml" xmlns:pvml="urn:schemas-microsoft-com:office:powerpoint" xmlns:com="http://schemas.openxmlformats.org/drawingml/2006/compatibility" xmlns:p14="http://schemas.microsoft.com/office/powerpoint/2010/main" xmlns:p15="http://schemas.microsoft.com/office/powerpoint/2012/main">
+<file path=ppt/slides/slide16.xml><?xml version="1.0" encoding="utf-8"?>
+<p:sld xmlns:a="http://schemas.openxmlformats.org/drawingml/2006/main" xmlns:r="http://schemas.openxmlformats.org/officeDocument/2006/relationships" xmlns:p="http://schemas.openxmlformats.org/presentationml/2006/main">
   <p:cSld>
     <p:spTree>
       <p:nvGrpSpPr>
-        <p:cNvPr id="179" name="Shape 179"/>
+        <p:cNvPr id="1" name="Shape 179"/>
         <p:cNvGrpSpPr/>
         <p:nvPr/>
       </p:nvGrpSpPr>
@@ -9853,7 +9513,9 @@
       <p:sp>
         <p:nvSpPr>
           <p:cNvPr id="180" name="Google Shape;180;p29"/>
-          <p:cNvSpPr txBox="1"/>
+          <p:cNvSpPr txBox="1">
+            <a:spLocks noGrp="1"/>
+          </p:cNvSpPr>
           <p:nvPr>
             <p:ph type="title"/>
           </p:nvPr>
@@ -9868,12 +9530,12 @@
           </a:prstGeom>
         </p:spPr>
         <p:txBody>
-          <a:bodyPr anchorCtr="0" anchor="t" bIns="91425" lIns="91425" spcFirstLastPara="1" rIns="91425" wrap="square" tIns="91425">
+          <a:bodyPr spcFirstLastPara="1" wrap="square" lIns="91425" tIns="91425" rIns="91425" bIns="91425" anchor="t" anchorCtr="0">
             <a:noAutofit/>
           </a:bodyPr>
           <a:lstStyle/>
           <a:p>
-            <a:pPr indent="0" lvl="0" marL="0" rtl="0" algn="l">
+            <a:pPr marL="0" lvl="0" indent="0" algn="l" rtl="0">
               <a:spcBef>
                 <a:spcPts val="0"/>
               </a:spcBef>
@@ -9899,18 +9561,15 @@
             </a:endParaRPr>
           </a:p>
           <a:p>
-            <a:pPr indent="0" lvl="0" marL="0" rtl="0" algn="l">
-              <a:spcBef>
-                <a:spcPts val="0"/>
-              </a:spcBef>
-              <a:spcAft>
-                <a:spcPts val="0"/>
-              </a:spcAft>
-              <a:buNone/>
-            </a:pPr>
-            <a:r>
-              <a:t/>
-            </a:r>
+            <a:pPr marL="0" lvl="0" indent="0" algn="l" rtl="0">
+              <a:spcBef>
+                <a:spcPts val="0"/>
+              </a:spcBef>
+              <a:spcAft>
+                <a:spcPts val="0"/>
+              </a:spcAft>
+              <a:buNone/>
+            </a:pPr>
             <a:endParaRPr/>
           </a:p>
         </p:txBody>
@@ -9918,9 +9577,11 @@
       <p:sp>
         <p:nvSpPr>
           <p:cNvPr id="181" name="Google Shape;181;p29"/>
-          <p:cNvSpPr txBox="1"/>
+          <p:cNvSpPr txBox="1">
+            <a:spLocks noGrp="1"/>
+          </p:cNvSpPr>
           <p:nvPr>
-            <p:ph idx="1" type="body"/>
+            <p:ph type="body" idx="1"/>
           </p:nvPr>
         </p:nvSpPr>
         <p:spPr>
@@ -9933,12 +9594,12 @@
           </a:prstGeom>
         </p:spPr>
         <p:txBody>
-          <a:bodyPr anchorCtr="0" anchor="t" bIns="91425" lIns="91425" spcFirstLastPara="1" rIns="91425" wrap="square" tIns="91425">
+          <a:bodyPr spcFirstLastPara="1" wrap="square" lIns="91425" tIns="91425" rIns="91425" bIns="91425" anchor="t" anchorCtr="0">
             <a:noAutofit/>
           </a:bodyPr>
           <a:lstStyle/>
           <a:p>
-            <a:pPr indent="0" lvl="0" marL="0" rtl="0" algn="ctr">
+            <a:pPr marL="0" lvl="0" indent="0" algn="ctr" rtl="0">
               <a:spcBef>
                 <a:spcPts val="1100"/>
               </a:spcBef>
@@ -9947,9 +9608,6 @@
               </a:spcAft>
               <a:buNone/>
             </a:pPr>
-            <a:r>
-              <a:t/>
-            </a:r>
             <a:endParaRPr sz="1050">
               <a:solidFill>
                 <a:srgbClr val="000000"/>
@@ -9964,22 +9622,19 @@
             </a:endParaRPr>
           </a:p>
           <a:p>
-            <a:pPr indent="0" lvl="0" marL="0" rtl="0" algn="l">
-              <a:spcBef>
-                <a:spcPts val="0"/>
-              </a:spcBef>
-              <a:spcAft>
-                <a:spcPts val="0"/>
-              </a:spcAft>
-              <a:buNone/>
-            </a:pPr>
-            <a:r>
-              <a:t/>
-            </a:r>
+            <a:pPr marL="0" lvl="0" indent="0" algn="l" rtl="0">
+              <a:spcBef>
+                <a:spcPts val="0"/>
+              </a:spcBef>
+              <a:spcAft>
+                <a:spcPts val="0"/>
+              </a:spcAft>
+              <a:buNone/>
+            </a:pPr>
             <a:endParaRPr/>
           </a:p>
           <a:p>
-            <a:pPr indent="0" lvl="0" marL="0" rtl="0" algn="l">
+            <a:pPr marL="0" lvl="0" indent="0" algn="l" rtl="0">
               <a:spcBef>
                 <a:spcPts val="1600"/>
               </a:spcBef>
@@ -9988,9 +9643,6 @@
               </a:spcAft>
               <a:buNone/>
             </a:pPr>
-            <a:r>
-              <a:t/>
-            </a:r>
             <a:endParaRPr/>
           </a:p>
         </p:txBody>
@@ -10015,12 +9667,12 @@
           </a:ln>
         </p:spPr>
         <p:txBody>
-          <a:bodyPr anchorCtr="0" anchor="t" bIns="91425" lIns="91425" spcFirstLastPara="1" rIns="91425" wrap="square" tIns="91425">
+          <a:bodyPr spcFirstLastPara="1" wrap="square" lIns="91425" tIns="91425" rIns="91425" bIns="91425" anchor="t" anchorCtr="0">
             <a:noAutofit/>
           </a:bodyPr>
           <a:lstStyle/>
           <a:p>
-            <a:pPr indent="0" lvl="0" marL="0" rtl="0" algn="l">
+            <a:pPr marL="0" lvl="0" indent="0" algn="l" rtl="0">
               <a:lnSpc>
                 <a:spcPct val="115000"/>
               </a:lnSpc>
@@ -10055,7 +9707,7 @@
             </a:endParaRPr>
           </a:p>
           <a:p>
-            <a:pPr indent="0" lvl="0" marL="0" rtl="0" algn="l">
+            <a:pPr marL="0" lvl="0" indent="0" algn="l" rtl="0">
               <a:spcBef>
                 <a:spcPts val="1600"/>
               </a:spcBef>
@@ -10074,39 +9726,24 @@
                 <a:cs typeface="Proxima Nova"/>
                 <a:sym typeface="Proxima Nova"/>
               </a:rPr>
-              <a:t>T</a:t>
-            </a:r>
-            <a:r>
-              <a:rPr lang="en" sz="1800">
-                <a:solidFill>
-                  <a:schemeClr val="dk2"/>
-                </a:solidFill>
-                <a:latin typeface="Proxima Nova"/>
-                <a:ea typeface="Proxima Nova"/>
-                <a:cs typeface="Proxima Nova"/>
-                <a:sym typeface="Proxima Nova"/>
-              </a:rPr>
-              <a:t>op 3 dummies that contributes most towards increasing the probability are:</a:t>
+              <a:t>Top 3 dummies that contributes most towards increasing the probability are:</a:t>
             </a:r>
             <a:endParaRPr/>
           </a:p>
           <a:p>
-            <a:pPr indent="0" lvl="0" marL="0" rtl="0" algn="l">
-              <a:spcBef>
-                <a:spcPts val="0"/>
-              </a:spcBef>
-              <a:spcAft>
-                <a:spcPts val="0"/>
-              </a:spcAft>
-              <a:buNone/>
-            </a:pPr>
-            <a:r>
-              <a:t/>
-            </a:r>
+            <a:pPr marL="0" lvl="0" indent="0" algn="l" rtl="0">
+              <a:spcBef>
+                <a:spcPts val="0"/>
+              </a:spcBef>
+              <a:spcAft>
+                <a:spcPts val="0"/>
+              </a:spcAft>
+              <a:buNone/>
+            </a:pPr>
             <a:endParaRPr sz="1200"/>
           </a:p>
           <a:p>
-            <a:pPr indent="-304800" lvl="0" marL="457200" rtl="0" algn="l">
+            <a:pPr marL="457200" lvl="0" indent="-304800" algn="l" rtl="0">
               <a:spcBef>
                 <a:spcPts val="0"/>
               </a:spcBef>
@@ -10121,7 +9758,7 @@
               <a:buChar char="-"/>
             </a:pPr>
             <a:r>
-              <a:rPr b="1" lang="en" sz="1200">
+              <a:rPr lang="en" sz="1200" b="1">
                 <a:solidFill>
                   <a:schemeClr val="dk2"/>
                 </a:solidFill>
@@ -10155,7 +9792,7 @@
             </a:endParaRPr>
           </a:p>
           <a:p>
-            <a:pPr indent="-304800" lvl="0" marL="457200" rtl="0" algn="l">
+            <a:pPr marL="457200" lvl="0" indent="-304800" algn="l" rtl="0">
               <a:spcBef>
                 <a:spcPts val="0"/>
               </a:spcBef>
@@ -10170,7 +9807,7 @@
               <a:buChar char="-"/>
             </a:pPr>
             <a:r>
-              <a:rPr b="1" lang="en" sz="1200">
+              <a:rPr lang="en" sz="1200" b="1">
                 <a:solidFill>
                   <a:schemeClr val="dk2"/>
                 </a:solidFill>
@@ -10204,7 +9841,7 @@
             </a:endParaRPr>
           </a:p>
           <a:p>
-            <a:pPr indent="-304800" lvl="0" marL="457200" rtl="0" algn="l">
+            <a:pPr marL="457200" lvl="0" indent="-304800" algn="l" rtl="0">
               <a:spcBef>
                 <a:spcPts val="0"/>
               </a:spcBef>
@@ -10219,7 +9856,7 @@
               <a:buChar char="-"/>
             </a:pPr>
             <a:r>
-              <a:rPr b="1" lang="en" sz="1200">
+              <a:rPr lang="en" sz="1200" b="1">
                 <a:solidFill>
                   <a:schemeClr val="dk2"/>
                 </a:solidFill>
@@ -10253,18 +9890,15 @@
             </a:endParaRPr>
           </a:p>
           <a:p>
-            <a:pPr indent="0" lvl="0" marL="0" rtl="0" algn="l">
-              <a:spcBef>
-                <a:spcPts val="0"/>
-              </a:spcBef>
-              <a:spcAft>
-                <a:spcPts val="0"/>
-              </a:spcAft>
-              <a:buNone/>
-            </a:pPr>
-            <a:r>
-              <a:t/>
-            </a:r>
+            <a:pPr marL="0" lvl="0" indent="0" algn="l" rtl="0">
+              <a:spcBef>
+                <a:spcPts val="0"/>
+              </a:spcBef>
+              <a:spcAft>
+                <a:spcPts val="0"/>
+              </a:spcAft>
+              <a:buNone/>
+            </a:pPr>
             <a:endParaRPr sz="1200">
               <a:solidFill>
                 <a:schemeClr val="dk2"/>
@@ -10276,18 +9910,15 @@
             </a:endParaRPr>
           </a:p>
           <a:p>
-            <a:pPr indent="0" lvl="0" marL="0" rtl="0" algn="l">
-              <a:spcBef>
-                <a:spcPts val="0"/>
-              </a:spcBef>
-              <a:spcAft>
-                <a:spcPts val="0"/>
-              </a:spcAft>
-              <a:buNone/>
-            </a:pPr>
-            <a:r>
-              <a:t/>
-            </a:r>
+            <a:pPr marL="0" lvl="0" indent="0" algn="l" rtl="0">
+              <a:spcBef>
+                <a:spcPts val="0"/>
+              </a:spcBef>
+              <a:spcAft>
+                <a:spcPts val="0"/>
+              </a:spcAft>
+              <a:buNone/>
+            </a:pPr>
             <a:endParaRPr sz="1200">
               <a:solidFill>
                 <a:schemeClr val="dk2"/>
@@ -10299,7 +9930,7 @@
             </a:endParaRPr>
           </a:p>
           <a:p>
-            <a:pPr indent="0" lvl="0" marL="0" rtl="0" algn="l">
+            <a:pPr marL="0" lvl="0" indent="0" algn="l" rtl="0">
               <a:spcBef>
                 <a:spcPts val="0"/>
               </a:spcBef>
@@ -10331,18 +9962,15 @@
             </a:endParaRPr>
           </a:p>
           <a:p>
-            <a:pPr indent="0" lvl="0" marL="0" rtl="0" algn="l">
-              <a:spcBef>
-                <a:spcPts val="0"/>
-              </a:spcBef>
-              <a:spcAft>
-                <a:spcPts val="0"/>
-              </a:spcAft>
-              <a:buNone/>
-            </a:pPr>
-            <a:r>
-              <a:t/>
-            </a:r>
+            <a:pPr marL="0" lvl="0" indent="0" algn="l" rtl="0">
+              <a:spcBef>
+                <a:spcPts val="0"/>
+              </a:spcBef>
+              <a:spcAft>
+                <a:spcPts val="0"/>
+              </a:spcAft>
+              <a:buNone/>
+            </a:pPr>
             <a:endParaRPr>
               <a:solidFill>
                 <a:schemeClr val="dk2"/>
@@ -10354,7 +9982,7 @@
             </a:endParaRPr>
           </a:p>
           <a:p>
-            <a:pPr indent="-304800" lvl="0" marL="457200" rtl="0" algn="l">
+            <a:pPr marL="457200" lvl="0" indent="-304800" algn="l" rtl="0">
               <a:spcBef>
                 <a:spcPts val="0"/>
               </a:spcBef>
@@ -10381,7 +10009,7 @@
               <a:t>If all the leads who are a </a:t>
             </a:r>
             <a:r>
-              <a:rPr b="1" lang="en" sz="1200">
+              <a:rPr lang="en" sz="1200" b="1">
                 <a:solidFill>
                   <a:schemeClr val="dk2"/>
                 </a:solidFill>
@@ -10415,7 +10043,7 @@
             </a:endParaRPr>
           </a:p>
           <a:p>
-            <a:pPr indent="-304800" lvl="0" marL="457200" rtl="0" algn="l">
+            <a:pPr marL="457200" lvl="0" indent="-304800" algn="l" rtl="0">
               <a:spcBef>
                 <a:spcPts val="0"/>
               </a:spcBef>
@@ -10442,7 +10070,7 @@
               <a:t>Leads who come by </a:t>
             </a:r>
             <a:r>
-              <a:rPr b="1" lang="en" sz="1200">
+              <a:rPr lang="en" sz="1200" b="1">
                 <a:solidFill>
                   <a:schemeClr val="dk2"/>
                 </a:solidFill>
@@ -10476,19 +10104,16 @@
             </a:endParaRPr>
           </a:p>
           <a:p>
-            <a:pPr indent="0" lvl="0" marL="0" rtl="0" algn="l">
-              <a:spcBef>
-                <a:spcPts val="0"/>
-              </a:spcBef>
-              <a:spcAft>
-                <a:spcPts val="0"/>
-              </a:spcAft>
-              <a:buNone/>
-            </a:pPr>
-            <a:r>
-              <a:t/>
-            </a:r>
-            <a:endParaRPr b="1" sz="1200">
+            <a:pPr marL="0" lvl="0" indent="0" algn="l" rtl="0">
+              <a:spcBef>
+                <a:spcPts val="0"/>
+              </a:spcBef>
+              <a:spcAft>
+                <a:spcPts val="0"/>
+              </a:spcAft>
+              <a:buNone/>
+            </a:pPr>
+            <a:endParaRPr sz="1200" b="1">
               <a:solidFill>
                 <a:schemeClr val="dk2"/>
               </a:solidFill>
@@ -10499,19 +10124,16 @@
             </a:endParaRPr>
           </a:p>
           <a:p>
-            <a:pPr indent="0" lvl="0" marL="0" rtl="0" algn="l">
-              <a:spcBef>
-                <a:spcPts val="0"/>
-              </a:spcBef>
-              <a:spcAft>
-                <a:spcPts val="0"/>
-              </a:spcAft>
-              <a:buNone/>
-            </a:pPr>
-            <a:r>
-              <a:t/>
-            </a:r>
-            <a:endParaRPr b="1" sz="1200">
+            <a:pPr marL="0" lvl="0" indent="0" algn="l" rtl="0">
+              <a:spcBef>
+                <a:spcPts val="0"/>
+              </a:spcBef>
+              <a:spcAft>
+                <a:spcPts val="0"/>
+              </a:spcAft>
+              <a:buNone/>
+            </a:pPr>
+            <a:endParaRPr sz="1200" b="1">
               <a:solidFill>
                 <a:schemeClr val="dk2"/>
               </a:solidFill>
@@ -10522,19 +10144,16 @@
             </a:endParaRPr>
           </a:p>
           <a:p>
-            <a:pPr indent="0" lvl="0" marL="0" rtl="0" algn="l">
-              <a:spcBef>
-                <a:spcPts val="0"/>
-              </a:spcBef>
-              <a:spcAft>
-                <a:spcPts val="0"/>
-              </a:spcAft>
-              <a:buNone/>
-            </a:pPr>
-            <a:r>
-              <a:t/>
-            </a:r>
-            <a:endParaRPr b="1" sz="1200">
+            <a:pPr marL="0" lvl="0" indent="0" algn="l" rtl="0">
+              <a:spcBef>
+                <a:spcPts val="0"/>
+              </a:spcBef>
+              <a:spcAft>
+                <a:spcPts val="0"/>
+              </a:spcAft>
+              <a:buNone/>
+            </a:pPr>
+            <a:endParaRPr sz="1200" b="1">
               <a:solidFill>
                 <a:schemeClr val="dk2"/>
               </a:solidFill>
@@ -10582,12 +10201,12 @@
 </p:sld>
 </file>
 
-<file path=ppt/slides/slide18.xml><?xml version="1.0" encoding="utf-8"?>
-<p:sld xmlns:a="http://schemas.openxmlformats.org/drawingml/2006/main" xmlns:r="http://schemas.openxmlformats.org/officeDocument/2006/relationships" xmlns:mc="http://schemas.openxmlformats.org/markup-compatibility/2006" xmlns:mv="urn:schemas-microsoft-com:mac:vml" xmlns:p="http://schemas.openxmlformats.org/presentationml/2006/main" xmlns:c="http://schemas.openxmlformats.org/drawingml/2006/chart" xmlns:dgm="http://schemas.openxmlformats.org/drawingml/2006/diagram" xmlns:o="urn:schemas-microsoft-com:office:office" xmlns:v="urn:schemas-microsoft-com:vml" xmlns:pvml="urn:schemas-microsoft-com:office:powerpoint" xmlns:com="http://schemas.openxmlformats.org/drawingml/2006/compatibility" xmlns:p14="http://schemas.microsoft.com/office/powerpoint/2010/main" xmlns:p15="http://schemas.microsoft.com/office/powerpoint/2012/main">
+<file path=ppt/slides/slide17.xml><?xml version="1.0" encoding="utf-8"?>
+<p:sld xmlns:a="http://schemas.openxmlformats.org/drawingml/2006/main" xmlns:r="http://schemas.openxmlformats.org/officeDocument/2006/relationships" xmlns:p="http://schemas.openxmlformats.org/presentationml/2006/main">
   <p:cSld>
     <p:spTree>
       <p:nvGrpSpPr>
-        <p:cNvPr id="187" name="Shape 187"/>
+        <p:cNvPr id="1" name="Shape 187"/>
         <p:cNvGrpSpPr/>
         <p:nvPr/>
       </p:nvGrpSpPr>
@@ -10602,7 +10221,9 @@
       <p:sp>
         <p:nvSpPr>
           <p:cNvPr id="188" name="Google Shape;188;p30"/>
-          <p:cNvSpPr txBox="1"/>
+          <p:cNvSpPr txBox="1">
+            <a:spLocks noGrp="1"/>
+          </p:cNvSpPr>
           <p:nvPr>
             <p:ph type="title"/>
           </p:nvPr>
@@ -10617,12 +10238,12 @@
           </a:prstGeom>
         </p:spPr>
         <p:txBody>
-          <a:bodyPr anchorCtr="0" anchor="t" bIns="91425" lIns="91425" spcFirstLastPara="1" rIns="91425" wrap="square" tIns="91425">
+          <a:bodyPr spcFirstLastPara="1" wrap="square" lIns="91425" tIns="91425" rIns="91425" bIns="91425" anchor="t" anchorCtr="0">
             <a:noAutofit/>
           </a:bodyPr>
           <a:lstStyle/>
           <a:p>
-            <a:pPr indent="0" lvl="0" marL="0" rtl="0" algn="l">
+            <a:pPr marL="0" lvl="0" indent="0" algn="l" rtl="0">
               <a:spcBef>
                 <a:spcPts val="0"/>
               </a:spcBef>
@@ -10648,18 +10269,15 @@
             </a:endParaRPr>
           </a:p>
           <a:p>
-            <a:pPr indent="0" lvl="0" marL="0" rtl="0" algn="l">
-              <a:spcBef>
-                <a:spcPts val="0"/>
-              </a:spcBef>
-              <a:spcAft>
-                <a:spcPts val="0"/>
-              </a:spcAft>
-              <a:buNone/>
-            </a:pPr>
-            <a:r>
-              <a:t/>
-            </a:r>
+            <a:pPr marL="0" lvl="0" indent="0" algn="l" rtl="0">
+              <a:spcBef>
+                <a:spcPts val="0"/>
+              </a:spcBef>
+              <a:spcAft>
+                <a:spcPts val="0"/>
+              </a:spcAft>
+              <a:buNone/>
+            </a:pPr>
             <a:endParaRPr/>
           </a:p>
         </p:txBody>
@@ -10667,9 +10285,11 @@
       <p:sp>
         <p:nvSpPr>
           <p:cNvPr id="189" name="Google Shape;189;p30"/>
-          <p:cNvSpPr txBox="1"/>
+          <p:cNvSpPr txBox="1">
+            <a:spLocks noGrp="1"/>
+          </p:cNvSpPr>
           <p:nvPr>
-            <p:ph idx="1" type="body"/>
+            <p:ph type="body" idx="1"/>
           </p:nvPr>
         </p:nvSpPr>
         <p:spPr>
@@ -10682,12 +10302,12 @@
           </a:prstGeom>
         </p:spPr>
         <p:txBody>
-          <a:bodyPr anchorCtr="0" anchor="t" bIns="91425" lIns="91425" spcFirstLastPara="1" rIns="91425" wrap="square" tIns="91425">
+          <a:bodyPr spcFirstLastPara="1" wrap="square" lIns="91425" tIns="91425" rIns="91425" bIns="91425" anchor="t" anchorCtr="0">
             <a:noAutofit/>
           </a:bodyPr>
           <a:lstStyle/>
           <a:p>
-            <a:pPr indent="0" lvl="0" marL="0" rtl="0" algn="l">
+            <a:pPr marL="0" lvl="0" indent="0" algn="l" rtl="0">
               <a:lnSpc>
                 <a:spcPct val="100000"/>
               </a:lnSpc>
@@ -10700,13 +10320,13 @@
               <a:buNone/>
             </a:pPr>
             <a:r>
-              <a:rPr lang="en"/>
+              <a:rPr lang="en" dirty="0"/>
               <a:t>Top variables that need to be worked on by the team are </a:t>
             </a:r>
-            <a:endParaRPr/>
-          </a:p>
-          <a:p>
-            <a:pPr indent="0" lvl="0" marL="0" rtl="0" algn="l">
+            <a:endParaRPr dirty="0"/>
+          </a:p>
+          <a:p>
+            <a:pPr marL="0" lvl="0" indent="0" algn="l" rtl="0">
               <a:lnSpc>
                 <a:spcPct val="100000"/>
               </a:lnSpc>
@@ -10718,13 +10338,10 @@
               </a:spcAft>
               <a:buNone/>
             </a:pPr>
-            <a:r>
-              <a:t/>
-            </a:r>
-            <a:endParaRPr/>
-          </a:p>
-          <a:p>
-            <a:pPr indent="-304800" lvl="0" marL="457200" rtl="0" algn="l">
+            <a:endParaRPr dirty="0"/>
+          </a:p>
+          <a:p>
+            <a:pPr marL="457200" lvl="0" indent="-304800" algn="l" rtl="0">
               <a:lnSpc>
                 <a:spcPct val="100000"/>
               </a:lnSpc>
@@ -10738,17 +10355,17 @@
               <a:buChar char="-"/>
             </a:pPr>
             <a:r>
-              <a:rPr b="1" lang="en" sz="1200"/>
+              <a:rPr lang="en" sz="1200" b="1" dirty="0"/>
               <a:t>Last Activity_Olark Chat Conversation</a:t>
             </a:r>
             <a:r>
-              <a:rPr lang="en" sz="1200"/>
+              <a:rPr lang="en" sz="1200" dirty="0"/>
               <a:t>(currently 8% conversion rate)</a:t>
             </a:r>
-            <a:endParaRPr sz="1200"/>
-          </a:p>
-          <a:p>
-            <a:pPr indent="-304800" lvl="0" marL="457200" rtl="0" algn="l">
+            <a:endParaRPr sz="1200" dirty="0"/>
+          </a:p>
+          <a:p>
+            <a:pPr marL="457200" lvl="0" indent="-304800" algn="l" rtl="0">
               <a:lnSpc>
                 <a:spcPct val="100000"/>
               </a:lnSpc>
@@ -10762,17 +10379,17 @@
               <a:buChar char="-"/>
             </a:pPr>
             <a:r>
-              <a:rPr b="1" lang="en" sz="1200"/>
+              <a:rPr lang="en" sz="1200" b="1" dirty="0"/>
               <a:t>Last Activity_Converted to Lead(</a:t>
             </a:r>
             <a:r>
-              <a:rPr lang="en" sz="1200"/>
+              <a:rPr lang="en" sz="1200" dirty="0"/>
               <a:t>currently 12% conversion rate)</a:t>
             </a:r>
-            <a:endParaRPr sz="1200"/>
-          </a:p>
-          <a:p>
-            <a:pPr indent="-304800" lvl="0" marL="457200" rtl="0" algn="l">
+            <a:endParaRPr sz="1200" dirty="0"/>
+          </a:p>
+          <a:p>
+            <a:pPr marL="457200" lvl="0" indent="-304800" algn="l" rtl="0">
               <a:lnSpc>
                 <a:spcPct val="100000"/>
               </a:lnSpc>
@@ -10786,17 +10403,17 @@
               <a:buChar char="-"/>
             </a:pPr>
             <a:r>
-              <a:rPr b="1" lang="en" sz="1200"/>
+              <a:rPr lang="en" sz="1200" b="1" dirty="0"/>
               <a:t>Lead Origin_Landing Page Submission</a:t>
             </a:r>
             <a:r>
-              <a:rPr lang="en" sz="1200"/>
+              <a:rPr lang="en" sz="1200" dirty="0"/>
               <a:t> (currently 36% conversion rate)</a:t>
             </a:r>
-            <a:endParaRPr sz="1200"/>
-          </a:p>
-          <a:p>
-            <a:pPr indent="0" lvl="0" marL="0" rtl="0" algn="l">
+            <a:endParaRPr sz="1200" dirty="0"/>
+          </a:p>
+          <a:p>
+            <a:pPr marL="0" lvl="0" indent="0" algn="l" rtl="0">
               <a:lnSpc>
                 <a:spcPct val="100000"/>
               </a:lnSpc>
@@ -10808,13 +10425,10 @@
               </a:spcAft>
               <a:buNone/>
             </a:pPr>
-            <a:r>
-              <a:t/>
-            </a:r>
-            <a:endParaRPr sz="1200"/>
-          </a:p>
-          <a:p>
-            <a:pPr indent="0" lvl="0" marL="0" rtl="0" algn="l">
+            <a:endParaRPr sz="1200" dirty="0"/>
+          </a:p>
+          <a:p>
+            <a:pPr marL="0" lvl="0" indent="0" algn="l" rtl="0">
               <a:lnSpc>
                 <a:spcPct val="100000"/>
               </a:lnSpc>
@@ -10826,13 +10440,10 @@
               </a:spcAft>
               <a:buNone/>
             </a:pPr>
-            <a:r>
-              <a:t/>
-            </a:r>
-            <a:endParaRPr sz="1400"/>
-          </a:p>
-          <a:p>
-            <a:pPr indent="0" lvl="0" marL="0" rtl="0" algn="l">
+            <a:endParaRPr sz="1400" dirty="0"/>
+          </a:p>
+          <a:p>
+            <a:pPr marL="0" lvl="0" indent="0" algn="l" rtl="0">
               <a:lnSpc>
                 <a:spcPct val="100000"/>
               </a:lnSpc>
@@ -10845,13 +10456,13 @@
               <a:buNone/>
             </a:pPr>
             <a:r>
-              <a:rPr lang="en" sz="1400"/>
+              <a:rPr lang="en" sz="1400" dirty="0"/>
               <a:t>If company gets are chance to work on some new things, teams should working on the following:</a:t>
             </a:r>
-            <a:endParaRPr sz="1400"/>
-          </a:p>
-          <a:p>
-            <a:pPr indent="0" lvl="0" marL="0" rtl="0" algn="l">
+            <a:endParaRPr sz="1400" dirty="0"/>
+          </a:p>
+          <a:p>
+            <a:pPr marL="0" lvl="0" indent="0" algn="l" rtl="0">
               <a:lnSpc>
                 <a:spcPct val="100000"/>
               </a:lnSpc>
@@ -10863,13 +10474,10 @@
               </a:spcAft>
               <a:buNone/>
             </a:pPr>
-            <a:r>
-              <a:t/>
-            </a:r>
-            <a:endParaRPr sz="1400"/>
-          </a:p>
-          <a:p>
-            <a:pPr indent="-304800" lvl="0" marL="457200" rtl="0" algn="l">
+            <a:endParaRPr sz="1400" dirty="0"/>
+          </a:p>
+          <a:p>
+            <a:pPr marL="457200" lvl="0" indent="-304800" algn="l" rtl="0">
               <a:spcBef>
                 <a:spcPts val="0"/>
               </a:spcBef>
@@ -10884,17 +10492,25 @@
               <a:buChar char="-"/>
             </a:pPr>
             <a:r>
-              <a:rPr b="1" lang="en" sz="1200"/>
-              <a:t>Olark Chat Conversion</a:t>
+              <a:rPr lang="en" sz="1200" b="1" dirty="0"/>
+              <a:t>Olark Chat </a:t>
             </a:r>
             <a:r>
-              <a:rPr lang="en" sz="1200"/>
-              <a:t> comprises only 10% of the leads and out of which only 8% are converted. Chat Conversation is a good tool to know more about candidates and market the products. Therefore, team should work more on getting candidates from Olark chat and should improve the marketing skills on this platform. </a:t>
+              <a:rPr lang="en" sz="1200" b="1" dirty="0" smtClean="0"/>
+              <a:t>Conversation</a:t>
             </a:r>
-            <a:endParaRPr sz="1200"/>
-          </a:p>
-          <a:p>
-            <a:pPr indent="-304800" lvl="0" marL="457200" rtl="0" algn="l">
+            <a:r>
+              <a:rPr lang="en" sz="1200" dirty="0" smtClean="0"/>
+              <a:t> </a:t>
+            </a:r>
+            <a:r>
+              <a:rPr lang="en" sz="1200" dirty="0"/>
+              <a:t>comprises only 10% of the leads and out of which only 8% are converted. Chat Conversation is a good tool to know more about candidates and market the products. Therefore, team should work more on getting candidates from Olark chat and should improve the marketing skills on this platform. </a:t>
+            </a:r>
+            <a:endParaRPr sz="1200" dirty="0"/>
+          </a:p>
+          <a:p>
+            <a:pPr marL="457200" lvl="0" indent="-304800" algn="l" rtl="0">
               <a:spcBef>
                 <a:spcPts val="0"/>
               </a:spcBef>
@@ -10909,17 +10525,17 @@
               <a:buChar char="-"/>
             </a:pPr>
             <a:r>
-              <a:rPr b="1" lang="en" sz="1200"/>
+              <a:rPr lang="en" sz="1200" b="1" dirty="0"/>
               <a:t> Converted to lead </a:t>
             </a:r>
             <a:r>
-              <a:rPr lang="en" sz="1200"/>
+              <a:rPr lang="en" sz="1200" dirty="0"/>
               <a:t>in Last Activity comprises only 4% of the leads and out of which only 12% are converted. Converted to lead seems to be the first step when a particular person is treated as a lead. Teams should work on reaching to these customers at the earliest through other mediums like email, SMS or chat. </a:t>
             </a:r>
-            <a:endParaRPr sz="1200"/>
-          </a:p>
-          <a:p>
-            <a:pPr indent="-317500" lvl="0" marL="457200" rtl="0" algn="l">
+            <a:endParaRPr sz="1200" dirty="0"/>
+          </a:p>
+          <a:p>
+            <a:pPr marL="457200" lvl="0" indent="-317500" algn="l" rtl="0">
               <a:lnSpc>
                 <a:spcPct val="100000"/>
               </a:lnSpc>
@@ -10936,13 +10552,10 @@
               <a:buFont typeface="Arial"/>
               <a:buChar char="-"/>
             </a:pPr>
-            <a:r>
-              <a:t/>
-            </a:r>
-            <a:endParaRPr sz="1400"/>
-          </a:p>
-          <a:p>
-            <a:pPr indent="0" lvl="0" marL="0" rtl="0" algn="l">
+            <a:endParaRPr sz="1400" dirty="0"/>
+          </a:p>
+          <a:p>
+            <a:pPr marL="0" lvl="0" indent="0" algn="l" rtl="0">
               <a:lnSpc>
                 <a:spcPct val="100000"/>
               </a:lnSpc>
@@ -10954,13 +10567,10 @@
               </a:spcAft>
               <a:buNone/>
             </a:pPr>
-            <a:r>
-              <a:t/>
-            </a:r>
-            <a:endParaRPr b="1" sz="1200"/>
-          </a:p>
-          <a:p>
-            <a:pPr indent="0" lvl="0" marL="0" rtl="0" algn="l">
+            <a:endParaRPr sz="1200" b="1" dirty="0"/>
+          </a:p>
+          <a:p>
+            <a:pPr marL="0" lvl="0" indent="0" algn="l" rtl="0">
               <a:lnSpc>
                 <a:spcPct val="100000"/>
               </a:lnSpc>
@@ -10972,10 +10582,7 @@
               </a:spcAft>
               <a:buNone/>
             </a:pPr>
-            <a:r>
-              <a:t/>
-            </a:r>
-            <a:endParaRPr sz="1200"/>
+            <a:endParaRPr sz="1200" dirty="0"/>
           </a:p>
         </p:txBody>
       </p:sp>
@@ -10988,11 +10595,11 @@
 </file>
 
 <file path=ppt/slides/slide2.xml><?xml version="1.0" encoding="utf-8"?>
-<p:sld xmlns:a="http://schemas.openxmlformats.org/drawingml/2006/main" xmlns:r="http://schemas.openxmlformats.org/officeDocument/2006/relationships" xmlns:mc="http://schemas.openxmlformats.org/markup-compatibility/2006" xmlns:mv="urn:schemas-microsoft-com:mac:vml" xmlns:p="http://schemas.openxmlformats.org/presentationml/2006/main" xmlns:c="http://schemas.openxmlformats.org/drawingml/2006/chart" xmlns:dgm="http://schemas.openxmlformats.org/drawingml/2006/diagram" xmlns:o="urn:schemas-microsoft-com:office:office" xmlns:v="urn:schemas-microsoft-com:vml" xmlns:pvml="urn:schemas-microsoft-com:office:powerpoint" xmlns:com="http://schemas.openxmlformats.org/drawingml/2006/compatibility" xmlns:p14="http://schemas.microsoft.com/office/powerpoint/2010/main" xmlns:p15="http://schemas.microsoft.com/office/powerpoint/2012/main">
+<p:sld xmlns:a="http://schemas.openxmlformats.org/drawingml/2006/main" xmlns:r="http://schemas.openxmlformats.org/officeDocument/2006/relationships" xmlns:p="http://schemas.openxmlformats.org/presentationml/2006/main">
   <p:cSld>
     <p:spTree>
       <p:nvGrpSpPr>
-        <p:cNvPr id="62" name="Shape 62"/>
+        <p:cNvPr id="1" name="Shape 62"/>
         <p:cNvGrpSpPr/>
         <p:nvPr/>
       </p:nvGrpSpPr>
@@ -11007,7 +10614,9 @@
       <p:sp>
         <p:nvSpPr>
           <p:cNvPr id="63" name="Google Shape;63;p14"/>
-          <p:cNvSpPr txBox="1"/>
+          <p:cNvSpPr txBox="1">
+            <a:spLocks noGrp="1"/>
+          </p:cNvSpPr>
           <p:nvPr>
             <p:ph type="title"/>
           </p:nvPr>
@@ -11022,12 +10631,12 @@
           </a:prstGeom>
         </p:spPr>
         <p:txBody>
-          <a:bodyPr anchorCtr="0" anchor="t" bIns="91425" lIns="91425" spcFirstLastPara="1" rIns="91425" wrap="square" tIns="91425">
+          <a:bodyPr spcFirstLastPara="1" wrap="square" lIns="91425" tIns="91425" rIns="91425" bIns="91425" anchor="t" anchorCtr="0">
             <a:noAutofit/>
           </a:bodyPr>
           <a:lstStyle/>
           <a:p>
-            <a:pPr indent="0" lvl="0" marL="0" rtl="0" algn="l">
+            <a:pPr marL="0" lvl="0" indent="0" algn="l" rtl="0">
               <a:spcBef>
                 <a:spcPts val="0"/>
               </a:spcBef>
@@ -11057,9 +10666,11 @@
       <p:sp>
         <p:nvSpPr>
           <p:cNvPr id="64" name="Google Shape;64;p14"/>
-          <p:cNvSpPr txBox="1"/>
+          <p:cNvSpPr txBox="1">
+            <a:spLocks noGrp="1"/>
+          </p:cNvSpPr>
           <p:nvPr>
-            <p:ph idx="1" type="body"/>
+            <p:ph type="body" idx="1"/>
           </p:nvPr>
         </p:nvSpPr>
         <p:spPr>
@@ -11072,12 +10683,12 @@
           </a:prstGeom>
         </p:spPr>
         <p:txBody>
-          <a:bodyPr anchorCtr="0" anchor="t" bIns="91425" lIns="91425" spcFirstLastPara="1" rIns="91425" wrap="square" tIns="91425">
+          <a:bodyPr spcFirstLastPara="1" wrap="square" lIns="91425" tIns="91425" rIns="91425" bIns="91425" anchor="t" anchorCtr="0">
             <a:noAutofit/>
           </a:bodyPr>
           <a:lstStyle/>
           <a:p>
-            <a:pPr indent="-342900" lvl="0" marL="457200" rtl="0" algn="l">
+            <a:pPr marL="457200" lvl="0" indent="-342900" algn="l" rtl="0">
               <a:spcBef>
                 <a:spcPts val="0"/>
               </a:spcBef>
@@ -11094,7 +10705,7 @@
             <a:endParaRPr/>
           </a:p>
           <a:p>
-            <a:pPr indent="-342900" lvl="0" marL="457200" rtl="0" algn="l">
+            <a:pPr marL="457200" lvl="0" indent="-342900" algn="l" rtl="0">
               <a:spcBef>
                 <a:spcPts val="0"/>
               </a:spcBef>
@@ -11111,7 +10722,7 @@
             <a:endParaRPr/>
           </a:p>
           <a:p>
-            <a:pPr indent="-342900" lvl="0" marL="457200" rtl="0" algn="l">
+            <a:pPr marL="457200" lvl="0" indent="-342900" algn="l" rtl="0">
               <a:spcBef>
                 <a:spcPts val="0"/>
               </a:spcBef>
@@ -11128,7 +10739,7 @@
             <a:endParaRPr/>
           </a:p>
           <a:p>
-            <a:pPr indent="0" lvl="0" marL="0" rtl="0" algn="l">
+            <a:pPr marL="0" lvl="0" indent="0" algn="l" rtl="0">
               <a:spcBef>
                 <a:spcPts val="1600"/>
               </a:spcBef>
@@ -11137,9 +10748,6 @@
               </a:spcAft>
               <a:buNone/>
             </a:pPr>
-            <a:r>
-              <a:t/>
-            </a:r>
             <a:endParaRPr/>
           </a:p>
         </p:txBody>
@@ -11180,32 +10788,32 @@
   <p:timing>
     <p:tnLst>
       <p:par>
-        <p:cTn dur="indefinite" nodeType="tmRoot" restart="never">
+        <p:cTn id="1" dur="indefinite" restart="never" nodeType="tmRoot">
           <p:childTnLst>
             <p:seq concurrent="1" nextAc="seek">
-              <p:cTn dur="indefinite" id="2" nodeType="mainSeq">
+              <p:cTn id="2" dur="indefinite" nodeType="mainSeq">
                 <p:childTnLst>
                   <p:par>
-                    <p:cTn fill="hold">
+                    <p:cTn id="3" fill="hold">
                       <p:stCondLst>
                         <p:cond delay="indefinite"/>
                       </p:stCondLst>
                       <p:childTnLst>
                         <p:par>
-                          <p:cTn fill="hold">
+                          <p:cTn id="4" fill="hold">
                             <p:stCondLst>
                               <p:cond delay="0"/>
                             </p:stCondLst>
                             <p:childTnLst>
                               <p:par>
-                                <p:cTn fill="hold" nodeType="clickEffect" presetClass="entr" presetID="10" presetSubtype="0">
+                                <p:cTn id="5" presetID="10" presetClass="entr" presetSubtype="0" fill="hold" nodeType="clickEffect">
                                   <p:stCondLst>
                                     <p:cond delay="0"/>
                                   </p:stCondLst>
                                   <p:childTnLst>
                                     <p:set>
                                       <p:cBhvr>
-                                        <p:cTn dur="1" fill="hold">
+                                        <p:cTn id="6" dur="1" fill="hold">
                                           <p:stCondLst>
                                             <p:cond delay="0"/>
                                           </p:stCondLst>
@@ -11221,9 +10829,9 @@
                                         <p:strVal val="visible"/>
                                       </p:to>
                                     </p:set>
-                                    <p:animEffect filter="fade" transition="in">
+                                    <p:animEffect transition="in" filter="fade">
                                       <p:cBhvr>
-                                        <p:cTn dur="1000"/>
+                                        <p:cTn id="7" dur="1000"/>
                                         <p:tgtEl>
                                           <p:spTgt spid="64"/>
                                         </p:tgtEl>
@@ -11241,14 +10849,14 @@
                 </p:childTnLst>
               </p:cTn>
               <p:prevCondLst>
-                <p:cond evt="onPrev">
+                <p:cond evt="onPrev" delay="0">
                   <p:tgtEl>
                     <p:sldTgt/>
                   </p:tgtEl>
                 </p:cond>
               </p:prevCondLst>
               <p:nextCondLst>
-                <p:cond evt="onNext">
+                <p:cond evt="onNext" delay="0">
                   <p:tgtEl>
                     <p:sldTgt/>
                   </p:tgtEl>
@@ -11264,11 +10872,11 @@
 </file>
 
 <file path=ppt/slides/slide3.xml><?xml version="1.0" encoding="utf-8"?>
-<p:sld xmlns:a="http://schemas.openxmlformats.org/drawingml/2006/main" xmlns:r="http://schemas.openxmlformats.org/officeDocument/2006/relationships" xmlns:mc="http://schemas.openxmlformats.org/markup-compatibility/2006" xmlns:mv="urn:schemas-microsoft-com:mac:vml" xmlns:p="http://schemas.openxmlformats.org/presentationml/2006/main" xmlns:c="http://schemas.openxmlformats.org/drawingml/2006/chart" xmlns:dgm="http://schemas.openxmlformats.org/drawingml/2006/diagram" xmlns:o="urn:schemas-microsoft-com:office:office" xmlns:v="urn:schemas-microsoft-com:vml" xmlns:pvml="urn:schemas-microsoft-com:office:powerpoint" xmlns:com="http://schemas.openxmlformats.org/drawingml/2006/compatibility" xmlns:p14="http://schemas.microsoft.com/office/powerpoint/2010/main" xmlns:p15="http://schemas.microsoft.com/office/powerpoint/2012/main">
+<p:sld xmlns:a="http://schemas.openxmlformats.org/drawingml/2006/main" xmlns:r="http://schemas.openxmlformats.org/officeDocument/2006/relationships" xmlns:p="http://schemas.openxmlformats.org/presentationml/2006/main">
   <p:cSld>
     <p:spTree>
       <p:nvGrpSpPr>
-        <p:cNvPr id="69" name="Shape 69"/>
+        <p:cNvPr id="1" name="Shape 69"/>
         <p:cNvGrpSpPr/>
         <p:nvPr/>
       </p:nvGrpSpPr>
@@ -11283,7 +10891,9 @@
       <p:sp>
         <p:nvSpPr>
           <p:cNvPr id="70" name="Google Shape;70;p15"/>
-          <p:cNvSpPr txBox="1"/>
+          <p:cNvSpPr txBox="1">
+            <a:spLocks noGrp="1"/>
+          </p:cNvSpPr>
           <p:nvPr>
             <p:ph type="title"/>
           </p:nvPr>
@@ -11298,12 +10908,12 @@
           </a:prstGeom>
         </p:spPr>
         <p:txBody>
-          <a:bodyPr anchorCtr="0" anchor="t" bIns="91425" lIns="91425" spcFirstLastPara="1" rIns="91425" wrap="square" tIns="91425">
+          <a:bodyPr spcFirstLastPara="1" wrap="square" lIns="91425" tIns="91425" rIns="91425" bIns="91425" anchor="t" anchorCtr="0">
             <a:noAutofit/>
           </a:bodyPr>
           <a:lstStyle/>
           <a:p>
-            <a:pPr indent="0" lvl="0" marL="0" rtl="0" algn="l">
+            <a:pPr marL="0" lvl="0" indent="0" algn="l" rtl="0">
               <a:spcBef>
                 <a:spcPts val="0"/>
               </a:spcBef>
@@ -11333,9 +10943,11 @@
       <p:sp>
         <p:nvSpPr>
           <p:cNvPr id="71" name="Google Shape;71;p15"/>
-          <p:cNvSpPr txBox="1"/>
+          <p:cNvSpPr txBox="1">
+            <a:spLocks noGrp="1"/>
+          </p:cNvSpPr>
           <p:nvPr>
-            <p:ph idx="1" type="body"/>
+            <p:ph type="body" idx="1"/>
           </p:nvPr>
         </p:nvSpPr>
         <p:spPr>
@@ -11348,12 +10960,12 @@
           </a:prstGeom>
         </p:spPr>
         <p:txBody>
-          <a:bodyPr anchorCtr="0" anchor="t" bIns="91425" lIns="91425" spcFirstLastPara="1" rIns="91425" wrap="square" tIns="91425">
+          <a:bodyPr spcFirstLastPara="1" wrap="square" lIns="91425" tIns="91425" rIns="91425" bIns="91425" anchor="t" anchorCtr="0">
             <a:noAutofit/>
           </a:bodyPr>
           <a:lstStyle/>
           <a:p>
-            <a:pPr indent="-342900" lvl="0" marL="457200" marR="50800" rtl="0" algn="l">
+            <a:pPr marL="457200" marR="50800" lvl="0" indent="-342900" algn="l" rtl="0">
               <a:spcBef>
                 <a:spcPts val="0"/>
               </a:spcBef>
@@ -11370,7 +10982,7 @@
             <a:endParaRPr/>
           </a:p>
           <a:p>
-            <a:pPr indent="-342900" lvl="0" marL="457200" marR="50800" rtl="0" algn="l">
+            <a:pPr marL="457200" marR="50800" lvl="0" indent="-342900" algn="l" rtl="0">
               <a:spcBef>
                 <a:spcPts val="0"/>
               </a:spcBef>
@@ -11387,7 +10999,7 @@
             <a:endParaRPr/>
           </a:p>
           <a:p>
-            <a:pPr indent="-317500" lvl="1" marL="914400" marR="50800" rtl="0" algn="l">
+            <a:pPr marL="914400" marR="50800" lvl="1" indent="-317500" algn="l" rtl="0">
               <a:spcBef>
                 <a:spcPts val="0"/>
               </a:spcBef>
@@ -11404,7 +11016,7 @@
             <a:endParaRPr/>
           </a:p>
           <a:p>
-            <a:pPr indent="-317500" lvl="1" marL="914400" marR="50800" rtl="0" algn="l">
+            <a:pPr marL="914400" marR="50800" lvl="1" indent="-317500" algn="l" rtl="0">
               <a:spcBef>
                 <a:spcPts val="0"/>
               </a:spcBef>
@@ -11421,7 +11033,7 @@
             <a:endParaRPr/>
           </a:p>
           <a:p>
-            <a:pPr indent="-317500" lvl="1" marL="914400" marR="50800" rtl="0" algn="l">
+            <a:pPr marL="914400" marR="50800" lvl="1" indent="-317500" algn="l" rtl="0">
               <a:spcBef>
                 <a:spcPts val="0"/>
               </a:spcBef>
@@ -11438,7 +11050,7 @@
             <a:endParaRPr/>
           </a:p>
           <a:p>
-            <a:pPr indent="-317500" lvl="1" marL="914400" marR="50800" rtl="0" algn="l">
+            <a:pPr marL="914400" marR="50800" lvl="1" indent="-317500" algn="l" rtl="0">
               <a:spcBef>
                 <a:spcPts val="0"/>
               </a:spcBef>
@@ -11455,7 +11067,7 @@
             <a:endParaRPr/>
           </a:p>
           <a:p>
-            <a:pPr indent="-317500" lvl="1" marL="914400" marR="50800" rtl="0" algn="l">
+            <a:pPr marL="914400" marR="50800" lvl="1" indent="-317500" algn="l" rtl="0">
               <a:spcBef>
                 <a:spcPts val="0"/>
               </a:spcBef>
@@ -11472,7 +11084,7 @@
             <a:endParaRPr/>
           </a:p>
           <a:p>
-            <a:pPr indent="-342900" lvl="0" marL="457200" marR="50800" rtl="0" algn="l">
+            <a:pPr marL="457200" marR="50800" lvl="0" indent="-342900" algn="l" rtl="0">
               <a:spcBef>
                 <a:spcPts val="0"/>
               </a:spcBef>
@@ -11489,7 +11101,7 @@
             <a:endParaRPr/>
           </a:p>
           <a:p>
-            <a:pPr indent="-317500" lvl="1" marL="914400" marR="50800" rtl="0" algn="l">
+            <a:pPr marL="914400" marR="50800" lvl="1" indent="-317500" algn="l" rtl="0">
               <a:spcBef>
                 <a:spcPts val="0"/>
               </a:spcBef>
@@ -11506,7 +11118,7 @@
             <a:endParaRPr/>
           </a:p>
           <a:p>
-            <a:pPr indent="-317500" lvl="1" marL="914400" marR="50800" rtl="0" algn="l">
+            <a:pPr marL="914400" marR="50800" lvl="1" indent="-317500" algn="l" rtl="0">
               <a:spcBef>
                 <a:spcPts val="0"/>
               </a:spcBef>
@@ -11523,7 +11135,7 @@
             <a:endParaRPr/>
           </a:p>
           <a:p>
-            <a:pPr indent="-317500" lvl="1" marL="914400" marR="50800" rtl="0" algn="l">
+            <a:pPr marL="914400" marR="50800" lvl="1" indent="-317500" algn="l" rtl="0">
               <a:spcBef>
                 <a:spcPts val="0"/>
               </a:spcBef>
@@ -11540,7 +11152,7 @@
             <a:endParaRPr/>
           </a:p>
           <a:p>
-            <a:pPr indent="-317500" lvl="1" marL="914400" marR="50800" rtl="0" algn="l">
+            <a:pPr marL="914400" marR="50800" lvl="1" indent="-317500" algn="l" rtl="0">
               <a:spcBef>
                 <a:spcPts val="0"/>
               </a:spcBef>
@@ -11557,37 +11169,31 @@
             <a:endParaRPr/>
           </a:p>
           <a:p>
-            <a:pPr indent="0" lvl="0" marL="0" marR="50800" rtl="0" algn="l">
-              <a:spcBef>
-                <a:spcPts val="0"/>
-              </a:spcBef>
-              <a:spcAft>
-                <a:spcPts val="0"/>
-              </a:spcAft>
-              <a:buNone/>
-            </a:pPr>
-            <a:r>
-              <a:t/>
-            </a:r>
+            <a:pPr marL="0" marR="50800" lvl="0" indent="0" algn="l" rtl="0">
+              <a:spcBef>
+                <a:spcPts val="0"/>
+              </a:spcBef>
+              <a:spcAft>
+                <a:spcPts val="0"/>
+              </a:spcAft>
+              <a:buNone/>
+            </a:pPr>
             <a:endParaRPr/>
           </a:p>
           <a:p>
-            <a:pPr indent="0" lvl="0" marL="0" rtl="0" algn="l">
-              <a:spcBef>
-                <a:spcPts val="0"/>
-              </a:spcBef>
-              <a:spcAft>
-                <a:spcPts val="0"/>
-              </a:spcAft>
-              <a:buNone/>
-            </a:pPr>
-            <a:r>
-              <a:t/>
-            </a:r>
+            <a:pPr marL="0" lvl="0" indent="0" algn="l" rtl="0">
+              <a:spcBef>
+                <a:spcPts val="0"/>
+              </a:spcBef>
+              <a:spcAft>
+                <a:spcPts val="0"/>
+              </a:spcAft>
+              <a:buNone/>
+            </a:pPr>
             <a:endParaRPr/>
           </a:p>
           <a:p>
-            <a:pPr indent="0" lvl="0" marL="0" rtl="0" algn="l">
+            <a:pPr marL="0" lvl="0" indent="0" algn="l" rtl="0">
               <a:spcBef>
                 <a:spcPts val="0"/>
               </a:spcBef>
@@ -11596,9 +11202,6 @@
               </a:spcAft>
               <a:buNone/>
             </a:pPr>
-            <a:r>
-              <a:t/>
-            </a:r>
             <a:endParaRPr/>
           </a:p>
         </p:txBody>
@@ -11640,11 +11243,11 @@
 </file>
 
 <file path=ppt/slides/slide4.xml><?xml version="1.0" encoding="utf-8"?>
-<p:sld xmlns:a="http://schemas.openxmlformats.org/drawingml/2006/main" xmlns:r="http://schemas.openxmlformats.org/officeDocument/2006/relationships" xmlns:mc="http://schemas.openxmlformats.org/markup-compatibility/2006" xmlns:mv="urn:schemas-microsoft-com:mac:vml" xmlns:p="http://schemas.openxmlformats.org/presentationml/2006/main" xmlns:c="http://schemas.openxmlformats.org/drawingml/2006/chart" xmlns:dgm="http://schemas.openxmlformats.org/drawingml/2006/diagram" xmlns:o="urn:schemas-microsoft-com:office:office" xmlns:v="urn:schemas-microsoft-com:vml" xmlns:pvml="urn:schemas-microsoft-com:office:powerpoint" xmlns:com="http://schemas.openxmlformats.org/drawingml/2006/compatibility" xmlns:p14="http://schemas.microsoft.com/office/powerpoint/2010/main" xmlns:p15="http://schemas.microsoft.com/office/powerpoint/2012/main">
+<p:sld xmlns:a="http://schemas.openxmlformats.org/drawingml/2006/main" xmlns:r="http://schemas.openxmlformats.org/officeDocument/2006/relationships" xmlns:p="http://schemas.openxmlformats.org/presentationml/2006/main">
   <p:cSld>
     <p:spTree>
       <p:nvGrpSpPr>
-        <p:cNvPr id="76" name="Shape 76"/>
+        <p:cNvPr id="1" name="Shape 76"/>
         <p:cNvGrpSpPr/>
         <p:nvPr/>
       </p:nvGrpSpPr>
@@ -11659,7 +11262,9 @@
       <p:sp>
         <p:nvSpPr>
           <p:cNvPr id="77" name="Google Shape;77;p16"/>
-          <p:cNvSpPr txBox="1"/>
+          <p:cNvSpPr txBox="1">
+            <a:spLocks noGrp="1"/>
+          </p:cNvSpPr>
           <p:nvPr>
             <p:ph type="title"/>
           </p:nvPr>
@@ -11674,12 +11279,12 @@
           </a:prstGeom>
         </p:spPr>
         <p:txBody>
-          <a:bodyPr anchorCtr="0" anchor="t" bIns="91425" lIns="91425" spcFirstLastPara="1" rIns="91425" wrap="square" tIns="91425">
+          <a:bodyPr spcFirstLastPara="1" wrap="square" lIns="91425" tIns="91425" rIns="91425" bIns="91425" anchor="t" anchorCtr="0">
             <a:noAutofit/>
           </a:bodyPr>
           <a:lstStyle/>
           <a:p>
-            <a:pPr indent="0" lvl="0" marL="0" rtl="0" algn="l">
+            <a:pPr marL="0" lvl="0" indent="0" algn="l" rtl="0">
               <a:spcBef>
                 <a:spcPts val="0"/>
               </a:spcBef>
@@ -11705,18 +11310,15 @@
             </a:endParaRPr>
           </a:p>
           <a:p>
-            <a:pPr indent="0" lvl="0" marL="0" rtl="0" algn="l">
-              <a:spcBef>
-                <a:spcPts val="0"/>
-              </a:spcBef>
-              <a:spcAft>
-                <a:spcPts val="0"/>
-              </a:spcAft>
-              <a:buNone/>
-            </a:pPr>
-            <a:r>
-              <a:t/>
-            </a:r>
+            <a:pPr marL="0" lvl="0" indent="0" algn="l" rtl="0">
+              <a:spcBef>
+                <a:spcPts val="0"/>
+              </a:spcBef>
+              <a:spcAft>
+                <a:spcPts val="0"/>
+              </a:spcAft>
+              <a:buNone/>
+            </a:pPr>
             <a:endParaRPr/>
           </a:p>
         </p:txBody>
@@ -11724,9 +11326,11 @@
       <p:sp>
         <p:nvSpPr>
           <p:cNvPr id="78" name="Google Shape;78;p16"/>
-          <p:cNvSpPr txBox="1"/>
+          <p:cNvSpPr txBox="1">
+            <a:spLocks noGrp="1"/>
+          </p:cNvSpPr>
           <p:nvPr>
-            <p:ph idx="1" type="body"/>
+            <p:ph type="body" idx="1"/>
           </p:nvPr>
         </p:nvSpPr>
         <p:spPr>
@@ -11739,12 +11343,12 @@
           </a:prstGeom>
         </p:spPr>
         <p:txBody>
-          <a:bodyPr anchorCtr="0" anchor="t" bIns="91425" lIns="91425" spcFirstLastPara="1" rIns="91425" wrap="square" tIns="91425">
+          <a:bodyPr spcFirstLastPara="1" wrap="square" lIns="91425" tIns="91425" rIns="91425" bIns="91425" anchor="t" anchorCtr="0">
             <a:noAutofit/>
           </a:bodyPr>
           <a:lstStyle/>
           <a:p>
-            <a:pPr indent="-342900" lvl="0" marL="457200" marR="50800" rtl="0" algn="l">
+            <a:pPr marL="457200" marR="50800" lvl="0" indent="-342900" algn="l" rtl="0">
               <a:spcBef>
                 <a:spcPts val="0"/>
               </a:spcBef>
@@ -11761,7 +11365,7 @@
             <a:endParaRPr/>
           </a:p>
           <a:p>
-            <a:pPr indent="-317500" lvl="1" marL="914400" marR="50800" rtl="0" algn="l">
+            <a:pPr marL="914400" marR="50800" lvl="1" indent="-317500" algn="l" rtl="0">
               <a:spcBef>
                 <a:spcPts val="0"/>
               </a:spcBef>
@@ -11778,7 +11382,7 @@
             <a:endParaRPr/>
           </a:p>
           <a:p>
-            <a:pPr indent="-317500" lvl="1" marL="914400" marR="50800" rtl="0" algn="l">
+            <a:pPr marL="914400" marR="50800" lvl="1" indent="-317500" algn="l" rtl="0">
               <a:spcBef>
                 <a:spcPts val="0"/>
               </a:spcBef>
@@ -11795,7 +11399,7 @@
             <a:endParaRPr/>
           </a:p>
           <a:p>
-            <a:pPr indent="-317500" lvl="1" marL="914400" marR="50800" rtl="0" algn="l">
+            <a:pPr marL="914400" marR="50800" lvl="1" indent="-317500" algn="l" rtl="0">
               <a:spcBef>
                 <a:spcPts val="0"/>
               </a:spcBef>
@@ -11812,7 +11416,7 @@
             <a:endParaRPr/>
           </a:p>
           <a:p>
-            <a:pPr indent="-342900" lvl="0" marL="457200" marR="50800" rtl="0" algn="l">
+            <a:pPr marL="457200" marR="50800" lvl="0" indent="-342900" algn="l" rtl="0">
               <a:spcBef>
                 <a:spcPts val="0"/>
               </a:spcBef>
@@ -11829,7 +11433,7 @@
             <a:endParaRPr/>
           </a:p>
           <a:p>
-            <a:pPr indent="0" lvl="0" marL="0" rtl="0" algn="l">
+            <a:pPr marL="0" lvl="0" indent="0" algn="l" rtl="0">
               <a:spcBef>
                 <a:spcPts val="0"/>
               </a:spcBef>
@@ -11838,9 +11442,6 @@
               </a:spcAft>
               <a:buNone/>
             </a:pPr>
-            <a:r>
-              <a:t/>
-            </a:r>
             <a:endParaRPr/>
           </a:p>
         </p:txBody>
@@ -11882,11 +11483,11 @@
 </file>
 
 <file path=ppt/slides/slide5.xml><?xml version="1.0" encoding="utf-8"?>
-<p:sld xmlns:a="http://schemas.openxmlformats.org/drawingml/2006/main" xmlns:r="http://schemas.openxmlformats.org/officeDocument/2006/relationships" xmlns:mc="http://schemas.openxmlformats.org/markup-compatibility/2006" xmlns:mv="urn:schemas-microsoft-com:mac:vml" xmlns:p="http://schemas.openxmlformats.org/presentationml/2006/main" xmlns:c="http://schemas.openxmlformats.org/drawingml/2006/chart" xmlns:dgm="http://schemas.openxmlformats.org/drawingml/2006/diagram" xmlns:o="urn:schemas-microsoft-com:office:office" xmlns:v="urn:schemas-microsoft-com:vml" xmlns:pvml="urn:schemas-microsoft-com:office:powerpoint" xmlns:com="http://schemas.openxmlformats.org/drawingml/2006/compatibility" xmlns:p14="http://schemas.microsoft.com/office/powerpoint/2010/main" xmlns:p15="http://schemas.microsoft.com/office/powerpoint/2012/main">
+<p:sld xmlns:a="http://schemas.openxmlformats.org/drawingml/2006/main" xmlns:r="http://schemas.openxmlformats.org/officeDocument/2006/relationships" xmlns:p="http://schemas.openxmlformats.org/presentationml/2006/main">
   <p:cSld>
     <p:spTree>
       <p:nvGrpSpPr>
-        <p:cNvPr id="83" name="Shape 83"/>
+        <p:cNvPr id="1" name="Shape 83"/>
         <p:cNvGrpSpPr/>
         <p:nvPr/>
       </p:nvGrpSpPr>
@@ -11901,7 +11502,9 @@
       <p:sp>
         <p:nvSpPr>
           <p:cNvPr id="84" name="Google Shape;84;p17"/>
-          <p:cNvSpPr txBox="1"/>
+          <p:cNvSpPr txBox="1">
+            <a:spLocks noGrp="1"/>
+          </p:cNvSpPr>
           <p:nvPr>
             <p:ph type="title"/>
           </p:nvPr>
@@ -11916,12 +11519,12 @@
           </a:prstGeom>
         </p:spPr>
         <p:txBody>
-          <a:bodyPr anchorCtr="0" anchor="t" bIns="91425" lIns="91425" spcFirstLastPara="1" rIns="91425" wrap="square" tIns="91425">
+          <a:bodyPr spcFirstLastPara="1" wrap="square" lIns="91425" tIns="91425" rIns="91425" bIns="91425" anchor="t" anchorCtr="0">
             <a:noAutofit/>
           </a:bodyPr>
           <a:lstStyle/>
           <a:p>
-            <a:pPr indent="0" lvl="0" marL="0" rtl="0" algn="l">
+            <a:pPr marL="0" lvl="0" indent="0" algn="l" rtl="0">
               <a:spcBef>
                 <a:spcPts val="0"/>
               </a:spcBef>
@@ -11937,16 +11540,7 @@
                 <a:cs typeface="Impact"/>
                 <a:sym typeface="Impact"/>
               </a:rPr>
-              <a:t>Cleaning and Visualizing</a:t>
-            </a:r>
-            <a:r>
-              <a:rPr lang="en">
-                <a:latin typeface="Impact"/>
-                <a:ea typeface="Impact"/>
-                <a:cs typeface="Impact"/>
-                <a:sym typeface="Impact"/>
-              </a:rPr>
-              <a:t> Categorical Variables</a:t>
+              <a:t>Cleaning and Visualizing Categorical Variables</a:t>
             </a:r>
             <a:endParaRPr sz="1800" u="sng">
               <a:solidFill>
@@ -11959,18 +11553,15 @@
             </a:endParaRPr>
           </a:p>
           <a:p>
-            <a:pPr indent="0" lvl="0" marL="0" rtl="0" algn="l">
-              <a:spcBef>
-                <a:spcPts val="0"/>
-              </a:spcBef>
-              <a:spcAft>
-                <a:spcPts val="0"/>
-              </a:spcAft>
-              <a:buNone/>
-            </a:pPr>
-            <a:r>
-              <a:t/>
-            </a:r>
+            <a:pPr marL="0" lvl="0" indent="0" algn="l" rtl="0">
+              <a:spcBef>
+                <a:spcPts val="0"/>
+              </a:spcBef>
+              <a:spcAft>
+                <a:spcPts val="0"/>
+              </a:spcAft>
+              <a:buNone/>
+            </a:pPr>
             <a:endParaRPr>
               <a:latin typeface="Impact"/>
               <a:ea typeface="Impact"/>
@@ -11983,9 +11574,11 @@
       <p:sp>
         <p:nvSpPr>
           <p:cNvPr id="85" name="Google Shape;85;p17"/>
-          <p:cNvSpPr txBox="1"/>
+          <p:cNvSpPr txBox="1">
+            <a:spLocks noGrp="1"/>
+          </p:cNvSpPr>
           <p:nvPr>
-            <p:ph idx="1" type="body"/>
+            <p:ph type="body" idx="1"/>
           </p:nvPr>
         </p:nvSpPr>
         <p:spPr>
@@ -11998,12 +11591,12 @@
           </a:prstGeom>
         </p:spPr>
         <p:txBody>
-          <a:bodyPr anchorCtr="0" anchor="t" bIns="91425" lIns="91425" spcFirstLastPara="1" rIns="91425" wrap="square" tIns="91425">
+          <a:bodyPr spcFirstLastPara="1" wrap="square" lIns="91425" tIns="91425" rIns="91425" bIns="91425" anchor="t" anchorCtr="0">
             <a:noAutofit/>
           </a:bodyPr>
           <a:lstStyle/>
           <a:p>
-            <a:pPr indent="-336550" lvl="0" marL="457200" rtl="0" algn="l">
+            <a:pPr marL="457200" lvl="0" indent="-336550" algn="l" rtl="0">
               <a:spcBef>
                 <a:spcPts val="0"/>
               </a:spcBef>
@@ -12020,7 +11613,7 @@
             <a:endParaRPr sz="1700"/>
           </a:p>
           <a:p>
-            <a:pPr indent="-336550" lvl="0" marL="457200" rtl="0" algn="l">
+            <a:pPr marL="457200" lvl="0" indent="-336550" algn="l" rtl="0">
               <a:spcBef>
                 <a:spcPts val="0"/>
               </a:spcBef>
@@ -12037,7 +11630,7 @@
             <a:endParaRPr sz="1700"/>
           </a:p>
           <a:p>
-            <a:pPr indent="0" lvl="0" marL="0" rtl="0" algn="l">
+            <a:pPr marL="0" lvl="0" indent="0" algn="l" rtl="0">
               <a:spcBef>
                 <a:spcPts val="1600"/>
               </a:spcBef>
@@ -12046,13 +11639,10 @@
               </a:spcAft>
               <a:buNone/>
             </a:pPr>
-            <a:r>
-              <a:t/>
-            </a:r>
             <a:endParaRPr/>
           </a:p>
           <a:p>
-            <a:pPr indent="0" lvl="0" marL="0" rtl="0" algn="l">
+            <a:pPr marL="0" lvl="0" indent="0" algn="l" rtl="0">
               <a:spcBef>
                 <a:spcPts val="1600"/>
               </a:spcBef>
@@ -12061,9 +11651,6 @@
               </a:spcAft>
               <a:buNone/>
             </a:pPr>
-            <a:r>
-              <a:t/>
-            </a:r>
             <a:endParaRPr/>
           </a:p>
         </p:txBody>
@@ -12133,11 +11720,11 @@
 </file>
 
 <file path=ppt/slides/slide6.xml><?xml version="1.0" encoding="utf-8"?>
-<p:sld xmlns:a="http://schemas.openxmlformats.org/drawingml/2006/main" xmlns:r="http://schemas.openxmlformats.org/officeDocument/2006/relationships" xmlns:mc="http://schemas.openxmlformats.org/markup-compatibility/2006" xmlns:mv="urn:schemas-microsoft-com:mac:vml" xmlns:p="http://schemas.openxmlformats.org/presentationml/2006/main" xmlns:c="http://schemas.openxmlformats.org/drawingml/2006/chart" xmlns:dgm="http://schemas.openxmlformats.org/drawingml/2006/diagram" xmlns:o="urn:schemas-microsoft-com:office:office" xmlns:v="urn:schemas-microsoft-com:vml" xmlns:pvml="urn:schemas-microsoft-com:office:powerpoint" xmlns:com="http://schemas.openxmlformats.org/drawingml/2006/compatibility" xmlns:p14="http://schemas.microsoft.com/office/powerpoint/2010/main" xmlns:p15="http://schemas.microsoft.com/office/powerpoint/2012/main">
+<p:sld xmlns:a="http://schemas.openxmlformats.org/drawingml/2006/main" xmlns:r="http://schemas.openxmlformats.org/officeDocument/2006/relationships" xmlns:p="http://schemas.openxmlformats.org/presentationml/2006/main">
   <p:cSld>
     <p:spTree>
       <p:nvGrpSpPr>
-        <p:cNvPr id="91" name="Shape 91"/>
+        <p:cNvPr id="1" name="Shape 91"/>
         <p:cNvGrpSpPr/>
         <p:nvPr/>
       </p:nvGrpSpPr>
@@ -12152,7 +11739,9 @@
       <p:sp>
         <p:nvSpPr>
           <p:cNvPr id="92" name="Google Shape;92;p18"/>
-          <p:cNvSpPr txBox="1"/>
+          <p:cNvSpPr txBox="1">
+            <a:spLocks noGrp="1"/>
+          </p:cNvSpPr>
           <p:nvPr>
             <p:ph type="title"/>
           </p:nvPr>
@@ -12167,12 +11756,12 @@
           </a:prstGeom>
         </p:spPr>
         <p:txBody>
-          <a:bodyPr anchorCtr="0" anchor="t" bIns="91425" lIns="91425" spcFirstLastPara="1" rIns="91425" wrap="square" tIns="91425">
+          <a:bodyPr spcFirstLastPara="1" wrap="square" lIns="91425" tIns="91425" rIns="91425" bIns="91425" anchor="t" anchorCtr="0">
             <a:noAutofit/>
           </a:bodyPr>
           <a:lstStyle/>
           <a:p>
-            <a:pPr indent="0" lvl="0" marL="0" rtl="0" algn="l">
+            <a:pPr marL="0" lvl="0" indent="0" algn="l" rtl="0">
               <a:spcBef>
                 <a:spcPts val="0"/>
               </a:spcBef>
@@ -12202,9 +11791,11 @@
       <p:sp>
         <p:nvSpPr>
           <p:cNvPr id="93" name="Google Shape;93;p18"/>
-          <p:cNvSpPr txBox="1"/>
+          <p:cNvSpPr txBox="1">
+            <a:spLocks noGrp="1"/>
+          </p:cNvSpPr>
           <p:nvPr>
-            <p:ph idx="1" type="body"/>
+            <p:ph type="body" idx="1"/>
           </p:nvPr>
         </p:nvSpPr>
         <p:spPr>
@@ -12217,12 +11808,12 @@
           </a:prstGeom>
         </p:spPr>
         <p:txBody>
-          <a:bodyPr anchorCtr="0" anchor="t" bIns="91425" lIns="91425" spcFirstLastPara="1" rIns="91425" wrap="square" tIns="91425">
+          <a:bodyPr spcFirstLastPara="1" wrap="square" lIns="91425" tIns="91425" rIns="91425" bIns="91425" anchor="t" anchorCtr="0">
             <a:noAutofit/>
           </a:bodyPr>
           <a:lstStyle/>
           <a:p>
-            <a:pPr indent="-342900" lvl="0" marL="457200" rtl="0" algn="l">
+            <a:pPr marL="457200" lvl="0" indent="-342900" algn="l" rtl="0">
               <a:spcBef>
                 <a:spcPts val="0"/>
               </a:spcBef>
@@ -12233,7 +11824,7 @@
               <a:buChar char="●"/>
             </a:pPr>
             <a:r>
-              <a:rPr b="1" lang="en"/>
+              <a:rPr lang="en" b="1"/>
               <a:t>Welingak Website</a:t>
             </a:r>
             <a:r>
@@ -12241,13 +11832,13 @@
               <a:t> has the maximum conversion rate followed by</a:t>
             </a:r>
             <a:r>
-              <a:rPr b="1" lang="en"/>
+              <a:rPr lang="en" b="1"/>
               <a:t> Reference</a:t>
             </a:r>
             <a:endParaRPr b="1"/>
           </a:p>
           <a:p>
-            <a:pPr indent="-342900" lvl="0" marL="457200" rtl="0" algn="l">
+            <a:pPr marL="457200" lvl="0" indent="-342900" algn="l" rtl="0">
               <a:spcBef>
                 <a:spcPts val="0"/>
               </a:spcBef>
@@ -12262,7 +11853,7 @@
               <a:t> </a:t>
             </a:r>
             <a:r>
-              <a:rPr b="1" lang="en"/>
+              <a:rPr lang="en" b="1"/>
               <a:t>Google</a:t>
             </a:r>
             <a:r>
@@ -12270,7 +11861,7 @@
               <a:t> and</a:t>
             </a:r>
             <a:r>
-              <a:rPr b="1" lang="en"/>
+              <a:rPr lang="en" b="1"/>
               <a:t> Direct Traffic</a:t>
             </a:r>
             <a:r>
@@ -12280,7 +11871,7 @@
             <a:endParaRPr/>
           </a:p>
           <a:p>
-            <a:pPr indent="-342900" lvl="0" marL="457200" rtl="0" algn="l">
+            <a:pPr marL="457200" lvl="0" indent="-342900" algn="l" rtl="0">
               <a:spcBef>
                 <a:spcPts val="0"/>
               </a:spcBef>
@@ -12363,11 +11954,11 @@
 </file>
 
 <file path=ppt/slides/slide7.xml><?xml version="1.0" encoding="utf-8"?>
-<p:sld xmlns:a="http://schemas.openxmlformats.org/drawingml/2006/main" xmlns:r="http://schemas.openxmlformats.org/officeDocument/2006/relationships" xmlns:mc="http://schemas.openxmlformats.org/markup-compatibility/2006" xmlns:mv="urn:schemas-microsoft-com:mac:vml" xmlns:p="http://schemas.openxmlformats.org/presentationml/2006/main" xmlns:c="http://schemas.openxmlformats.org/drawingml/2006/chart" xmlns:dgm="http://schemas.openxmlformats.org/drawingml/2006/diagram" xmlns:o="urn:schemas-microsoft-com:office:office" xmlns:v="urn:schemas-microsoft-com:vml" xmlns:pvml="urn:schemas-microsoft-com:office:powerpoint" xmlns:com="http://schemas.openxmlformats.org/drawingml/2006/compatibility" xmlns:p14="http://schemas.microsoft.com/office/powerpoint/2010/main" xmlns:p15="http://schemas.microsoft.com/office/powerpoint/2012/main">
+<p:sld xmlns:a="http://schemas.openxmlformats.org/drawingml/2006/main" xmlns:r="http://schemas.openxmlformats.org/officeDocument/2006/relationships" xmlns:p="http://schemas.openxmlformats.org/presentationml/2006/main">
   <p:cSld>
     <p:spTree>
       <p:nvGrpSpPr>
-        <p:cNvPr id="99" name="Shape 99"/>
+        <p:cNvPr id="1" name="Shape 99"/>
         <p:cNvGrpSpPr/>
         <p:nvPr/>
       </p:nvGrpSpPr>
@@ -12382,7 +11973,9 @@
       <p:sp>
         <p:nvSpPr>
           <p:cNvPr id="100" name="Google Shape;100;p19"/>
-          <p:cNvSpPr txBox="1"/>
+          <p:cNvSpPr txBox="1">
+            <a:spLocks noGrp="1"/>
+          </p:cNvSpPr>
           <p:nvPr>
             <p:ph type="title"/>
           </p:nvPr>
@@ -12397,12 +11990,12 @@
           </a:prstGeom>
         </p:spPr>
         <p:txBody>
-          <a:bodyPr anchorCtr="0" anchor="t" bIns="91425" lIns="91425" spcFirstLastPara="1" rIns="91425" wrap="square" tIns="91425">
+          <a:bodyPr spcFirstLastPara="1" wrap="square" lIns="91425" tIns="91425" rIns="91425" bIns="91425" anchor="t" anchorCtr="0">
             <a:noAutofit/>
           </a:bodyPr>
           <a:lstStyle/>
           <a:p>
-            <a:pPr indent="0" lvl="0" marL="0" rtl="0" algn="l">
+            <a:pPr marL="0" lvl="0" indent="0" algn="l" rtl="0">
               <a:spcBef>
                 <a:spcPts val="0"/>
               </a:spcBef>
@@ -12428,18 +12021,15 @@
             </a:endParaRPr>
           </a:p>
           <a:p>
-            <a:pPr indent="0" lvl="0" marL="0" rtl="0" algn="l">
-              <a:spcBef>
-                <a:spcPts val="0"/>
-              </a:spcBef>
-              <a:spcAft>
-                <a:spcPts val="0"/>
-              </a:spcAft>
-              <a:buNone/>
-            </a:pPr>
-            <a:r>
-              <a:t/>
-            </a:r>
+            <a:pPr marL="0" lvl="0" indent="0" algn="l" rtl="0">
+              <a:spcBef>
+                <a:spcPts val="0"/>
+              </a:spcBef>
+              <a:spcAft>
+                <a:spcPts val="0"/>
+              </a:spcAft>
+              <a:buNone/>
+            </a:pPr>
             <a:endParaRPr>
               <a:latin typeface="Impact"/>
               <a:ea typeface="Impact"/>
@@ -12452,9 +12042,11 @@
       <p:sp>
         <p:nvSpPr>
           <p:cNvPr id="101" name="Google Shape;101;p19"/>
-          <p:cNvSpPr txBox="1"/>
+          <p:cNvSpPr txBox="1">
+            <a:spLocks noGrp="1"/>
+          </p:cNvSpPr>
           <p:nvPr>
-            <p:ph idx="1" type="body"/>
+            <p:ph type="body" idx="1"/>
           </p:nvPr>
         </p:nvSpPr>
         <p:spPr>
@@ -12467,12 +12059,12 @@
           </a:prstGeom>
         </p:spPr>
         <p:txBody>
-          <a:bodyPr anchorCtr="0" anchor="t" bIns="91425" lIns="91425" spcFirstLastPara="1" rIns="91425" wrap="square" tIns="91425">
+          <a:bodyPr spcFirstLastPara="1" wrap="square" lIns="91425" tIns="91425" rIns="91425" bIns="91425" anchor="t" anchorCtr="0">
             <a:noAutofit/>
           </a:bodyPr>
           <a:lstStyle/>
           <a:p>
-            <a:pPr indent="-342900" lvl="0" marL="457200" rtl="0" algn="l">
+            <a:pPr marL="457200" lvl="0" indent="-342900" algn="l" rtl="0">
               <a:spcBef>
                 <a:spcPts val="0"/>
               </a:spcBef>
@@ -12483,7 +12075,7 @@
               <a:buChar char="●"/>
             </a:pPr>
             <a:r>
-              <a:rPr b="1" lang="en"/>
+              <a:rPr lang="en" b="1"/>
               <a:t>SMS Sent</a:t>
             </a:r>
             <a:r>
@@ -12491,7 +12083,7 @@
               <a:t> has the maximum conversion rate followed by</a:t>
             </a:r>
             <a:r>
-              <a:rPr b="1" lang="en"/>
+              <a:rPr lang="en" b="1"/>
               <a:t> Email Opened. </a:t>
             </a:r>
             <a:r>
@@ -12501,7 +12093,7 @@
             <a:endParaRPr/>
           </a:p>
           <a:p>
-            <a:pPr indent="-342900" lvl="0" marL="457200" rtl="0" algn="l">
+            <a:pPr marL="457200" lvl="0" indent="-342900" algn="l" rtl="0">
               <a:spcBef>
                 <a:spcPts val="0"/>
               </a:spcBef>
@@ -12512,7 +12104,7 @@
               <a:buChar char="●"/>
             </a:pPr>
             <a:r>
-              <a:rPr b="1" lang="en"/>
+              <a:rPr lang="en" b="1"/>
               <a:t>Olark Chat Conversion</a:t>
             </a:r>
             <a:r>
@@ -12522,7 +12114,7 @@
             <a:endParaRPr/>
           </a:p>
           <a:p>
-            <a:pPr indent="-342900" lvl="0" marL="457200" marR="0" rtl="0" algn="l">
+            <a:pPr marL="457200" marR="0" lvl="0" indent="-342900" algn="l" rtl="0">
               <a:lnSpc>
                 <a:spcPct val="115000"/>
               </a:lnSpc>
@@ -12636,11 +12228,11 @@
 </file>
 
 <file path=ppt/slides/slide8.xml><?xml version="1.0" encoding="utf-8"?>
-<p:sld xmlns:a="http://schemas.openxmlformats.org/drawingml/2006/main" xmlns:r="http://schemas.openxmlformats.org/officeDocument/2006/relationships" xmlns:mc="http://schemas.openxmlformats.org/markup-compatibility/2006" xmlns:mv="urn:schemas-microsoft-com:mac:vml" xmlns:p="http://schemas.openxmlformats.org/presentationml/2006/main" xmlns:c="http://schemas.openxmlformats.org/drawingml/2006/chart" xmlns:dgm="http://schemas.openxmlformats.org/drawingml/2006/diagram" xmlns:o="urn:schemas-microsoft-com:office:office" xmlns:v="urn:schemas-microsoft-com:vml" xmlns:pvml="urn:schemas-microsoft-com:office:powerpoint" xmlns:com="http://schemas.openxmlformats.org/drawingml/2006/compatibility" xmlns:p14="http://schemas.microsoft.com/office/powerpoint/2010/main" xmlns:p15="http://schemas.microsoft.com/office/powerpoint/2012/main">
+<p:sld xmlns:a="http://schemas.openxmlformats.org/drawingml/2006/main" xmlns:r="http://schemas.openxmlformats.org/officeDocument/2006/relationships" xmlns:p="http://schemas.openxmlformats.org/presentationml/2006/main">
   <p:cSld>
     <p:spTree>
       <p:nvGrpSpPr>
-        <p:cNvPr id="108" name="Shape 108"/>
+        <p:cNvPr id="1" name="Shape 108"/>
         <p:cNvGrpSpPr/>
         <p:nvPr/>
       </p:nvGrpSpPr>
@@ -12655,7 +12247,9 @@
       <p:sp>
         <p:nvSpPr>
           <p:cNvPr id="109" name="Google Shape;109;p20"/>
-          <p:cNvSpPr txBox="1"/>
+          <p:cNvSpPr txBox="1">
+            <a:spLocks noGrp="1"/>
+          </p:cNvSpPr>
           <p:nvPr>
             <p:ph type="title"/>
           </p:nvPr>
@@ -12670,12 +12264,12 @@
           </a:prstGeom>
         </p:spPr>
         <p:txBody>
-          <a:bodyPr anchorCtr="0" anchor="t" bIns="91425" lIns="91425" spcFirstLastPara="1" rIns="91425" wrap="square" tIns="91425">
+          <a:bodyPr spcFirstLastPara="1" wrap="square" lIns="91425" tIns="91425" rIns="91425" bIns="91425" anchor="t" anchorCtr="0">
             <a:noAutofit/>
           </a:bodyPr>
           <a:lstStyle/>
           <a:p>
-            <a:pPr indent="0" lvl="0" marL="0" rtl="0" algn="l">
+            <a:pPr marL="0" lvl="0" indent="0" algn="l" rtl="0">
               <a:spcBef>
                 <a:spcPts val="0"/>
               </a:spcBef>
@@ -12701,18 +12295,15 @@
             </a:endParaRPr>
           </a:p>
           <a:p>
-            <a:pPr indent="0" lvl="0" marL="0" rtl="0" algn="l">
-              <a:spcBef>
-                <a:spcPts val="0"/>
-              </a:spcBef>
-              <a:spcAft>
-                <a:spcPts val="0"/>
-              </a:spcAft>
-              <a:buNone/>
-            </a:pPr>
-            <a:r>
-              <a:t/>
-            </a:r>
+            <a:pPr marL="0" lvl="0" indent="0" algn="l" rtl="0">
+              <a:spcBef>
+                <a:spcPts val="0"/>
+              </a:spcBef>
+              <a:spcAft>
+                <a:spcPts val="0"/>
+              </a:spcAft>
+              <a:buNone/>
+            </a:pPr>
             <a:endParaRPr>
               <a:latin typeface="Impact"/>
               <a:ea typeface="Impact"/>
@@ -12781,9 +12372,11 @@
       <p:sp>
         <p:nvSpPr>
           <p:cNvPr id="112" name="Google Shape;112;p20"/>
-          <p:cNvSpPr txBox="1"/>
+          <p:cNvSpPr txBox="1">
+            <a:spLocks noGrp="1"/>
+          </p:cNvSpPr>
           <p:nvPr>
-            <p:ph idx="1" type="body"/>
+            <p:ph type="body" idx="1"/>
           </p:nvPr>
         </p:nvSpPr>
         <p:spPr>
@@ -12796,12 +12389,12 @@
           </a:prstGeom>
         </p:spPr>
         <p:txBody>
-          <a:bodyPr anchorCtr="0" anchor="t" bIns="91425" lIns="91425" spcFirstLastPara="1" rIns="91425" wrap="square" tIns="91425">
+          <a:bodyPr spcFirstLastPara="1" wrap="square" lIns="91425" tIns="91425" rIns="91425" bIns="91425" anchor="t" anchorCtr="0">
             <a:noAutofit/>
           </a:bodyPr>
           <a:lstStyle/>
           <a:p>
-            <a:pPr indent="-342900" lvl="0" marL="457200" rtl="0" algn="l">
+            <a:pPr marL="457200" lvl="0" indent="-342900" algn="l" rtl="0">
               <a:spcBef>
                 <a:spcPts val="0"/>
               </a:spcBef>
@@ -12812,13 +12405,21 @@
               <a:buChar char="●"/>
             </a:pPr>
             <a:r>
-              <a:rPr lang="en"/>
-              <a:t>As the missing was large, replaced these value with others</a:t>
+              <a:rPr lang="en" dirty="0"/>
+              <a:t>As the </a:t>
             </a:r>
-            <a:endParaRPr/>
-          </a:p>
-          <a:p>
-            <a:pPr indent="-342900" lvl="0" marL="457200" rtl="0" algn="l">
+            <a:r>
+              <a:rPr lang="en" dirty="0" smtClean="0"/>
+              <a:t>missing data </a:t>
+            </a:r>
+            <a:r>
+              <a:rPr lang="en" dirty="0"/>
+              <a:t>was large, replaced these value with others</a:t>
+            </a:r>
+            <a:endParaRPr dirty="0"/>
+          </a:p>
+          <a:p>
+            <a:pPr marL="457200" lvl="0" indent="-342900" algn="l" rtl="0">
               <a:spcBef>
                 <a:spcPts val="0"/>
               </a:spcBef>
@@ -12829,10 +12430,10 @@
               <a:buChar char="●"/>
             </a:pPr>
             <a:r>
-              <a:rPr lang="en"/>
+              <a:rPr lang="en" dirty="0"/>
               <a:t>Leads with Finance Management as Specialization are maximum and has a good conversion rate.</a:t>
             </a:r>
-            <a:endParaRPr/>
+            <a:endParaRPr dirty="0"/>
           </a:p>
         </p:txBody>
       </p:sp>
@@ -12873,11 +12474,11 @@
 </file>
 
 <file path=ppt/slides/slide9.xml><?xml version="1.0" encoding="utf-8"?>
-<p:sld xmlns:a="http://schemas.openxmlformats.org/drawingml/2006/main" xmlns:r="http://schemas.openxmlformats.org/officeDocument/2006/relationships" xmlns:mc="http://schemas.openxmlformats.org/markup-compatibility/2006" xmlns:mv="urn:schemas-microsoft-com:mac:vml" xmlns:p="http://schemas.openxmlformats.org/presentationml/2006/main" xmlns:c="http://schemas.openxmlformats.org/drawingml/2006/chart" xmlns:dgm="http://schemas.openxmlformats.org/drawingml/2006/diagram" xmlns:o="urn:schemas-microsoft-com:office:office" xmlns:v="urn:schemas-microsoft-com:vml" xmlns:pvml="urn:schemas-microsoft-com:office:powerpoint" xmlns:com="http://schemas.openxmlformats.org/drawingml/2006/compatibility" xmlns:p14="http://schemas.microsoft.com/office/powerpoint/2010/main" xmlns:p15="http://schemas.microsoft.com/office/powerpoint/2012/main">
+<p:sld xmlns:a="http://schemas.openxmlformats.org/drawingml/2006/main" xmlns:r="http://schemas.openxmlformats.org/officeDocument/2006/relationships" xmlns:p="http://schemas.openxmlformats.org/presentationml/2006/main">
   <p:cSld>
     <p:spTree>
       <p:nvGrpSpPr>
-        <p:cNvPr id="117" name="Shape 117"/>
+        <p:cNvPr id="1" name="Shape 117"/>
         <p:cNvGrpSpPr/>
         <p:nvPr/>
       </p:nvGrpSpPr>
@@ -12892,7 +12493,9 @@
       <p:sp>
         <p:nvSpPr>
           <p:cNvPr id="118" name="Google Shape;118;p21"/>
-          <p:cNvSpPr txBox="1"/>
+          <p:cNvSpPr txBox="1">
+            <a:spLocks noGrp="1"/>
+          </p:cNvSpPr>
           <p:nvPr>
             <p:ph type="title"/>
           </p:nvPr>
@@ -12907,12 +12510,12 @@
           </a:prstGeom>
         </p:spPr>
         <p:txBody>
-          <a:bodyPr anchorCtr="0" anchor="t" bIns="91425" lIns="91425" spcFirstLastPara="1" rIns="91425" wrap="square" tIns="91425">
+          <a:bodyPr spcFirstLastPara="1" wrap="square" lIns="91425" tIns="91425" rIns="91425" bIns="91425" anchor="t" anchorCtr="0">
             <a:noAutofit/>
           </a:bodyPr>
           <a:lstStyle/>
           <a:p>
-            <a:pPr indent="0" lvl="0" marL="0" rtl="0" algn="l">
+            <a:pPr marL="0" lvl="0" indent="0" algn="l" rtl="0">
               <a:spcBef>
                 <a:spcPts val="0"/>
               </a:spcBef>
@@ -12938,18 +12541,15 @@
             </a:endParaRPr>
           </a:p>
           <a:p>
-            <a:pPr indent="0" lvl="0" marL="0" rtl="0" algn="l">
-              <a:spcBef>
-                <a:spcPts val="0"/>
-              </a:spcBef>
-              <a:spcAft>
-                <a:spcPts val="0"/>
-              </a:spcAft>
-              <a:buNone/>
-            </a:pPr>
-            <a:r>
-              <a:t/>
-            </a:r>
+            <a:pPr marL="0" lvl="0" indent="0" algn="l" rtl="0">
+              <a:spcBef>
+                <a:spcPts val="0"/>
+              </a:spcBef>
+              <a:spcAft>
+                <a:spcPts val="0"/>
+              </a:spcAft>
+              <a:buNone/>
+            </a:pPr>
             <a:endParaRPr>
               <a:latin typeface="Impact"/>
               <a:ea typeface="Impact"/>
@@ -12958,18 +12558,15 @@
             </a:endParaRPr>
           </a:p>
           <a:p>
-            <a:pPr indent="0" lvl="0" marL="0" rtl="0" algn="l">
-              <a:spcBef>
-                <a:spcPts val="0"/>
-              </a:spcBef>
-              <a:spcAft>
-                <a:spcPts val="0"/>
-              </a:spcAft>
-              <a:buNone/>
-            </a:pPr>
-            <a:r>
-              <a:t/>
-            </a:r>
+            <a:pPr marL="0" lvl="0" indent="0" algn="l" rtl="0">
+              <a:spcBef>
+                <a:spcPts val="0"/>
+              </a:spcBef>
+              <a:spcAft>
+                <a:spcPts val="0"/>
+              </a:spcAft>
+              <a:buNone/>
+            </a:pPr>
             <a:endParaRPr>
               <a:latin typeface="Impact"/>
               <a:ea typeface="Impact"/>
@@ -13027,12 +12624,12 @@
           </a:ln>
         </p:spPr>
         <p:txBody>
-          <a:bodyPr anchorCtr="0" anchor="t" bIns="91425" lIns="91425" spcFirstLastPara="1" rIns="91425" wrap="square" tIns="91425">
+          <a:bodyPr spcFirstLastPara="1" wrap="square" lIns="91425" tIns="91425" rIns="91425" bIns="91425" anchor="t" anchorCtr="0">
             <a:noAutofit/>
           </a:bodyPr>
           <a:lstStyle/>
           <a:p>
-            <a:pPr indent="-342900" lvl="0" marL="457200" marR="0" rtl="0" algn="l">
+            <a:pPr marL="457200" marR="0" lvl="0" indent="-342900" algn="l" rtl="0">
               <a:lnSpc>
                 <a:spcPct val="115000"/>
               </a:lnSpc>
@@ -13062,7 +12659,7 @@
               <a:t>60% of leads are </a:t>
             </a:r>
             <a:r>
-              <a:rPr b="1" lang="en" sz="1800">
+              <a:rPr lang="en" sz="1800" b="1">
                 <a:solidFill>
                   <a:schemeClr val="dk2"/>
                 </a:solidFill>
@@ -13086,7 +12683,7 @@
               <a:t> and they have good conversion rate of </a:t>
             </a:r>
             <a:r>
-              <a:rPr b="1" lang="en" sz="1800">
+              <a:rPr lang="en" sz="1800" b="1">
                 <a:solidFill>
                   <a:schemeClr val="dk2"/>
                 </a:solidFill>
@@ -13097,7 +12694,7 @@
               </a:rPr>
               <a:t>43%</a:t>
             </a:r>
-            <a:endParaRPr b="1" sz="1800">
+            <a:endParaRPr sz="1800" b="1">
               <a:solidFill>
                 <a:schemeClr val="dk2"/>
               </a:solidFill>
@@ -13108,7 +12705,7 @@
             </a:endParaRPr>
           </a:p>
           <a:p>
-            <a:pPr indent="-342900" lvl="0" marL="457200" marR="0" rtl="0" algn="l">
+            <a:pPr marL="457200" marR="0" lvl="0" indent="-342900" algn="l" rtl="0">
               <a:lnSpc>
                 <a:spcPct val="115000"/>
               </a:lnSpc>
@@ -13138,7 +12735,7 @@
               <a:t>Though number of </a:t>
             </a:r>
             <a:r>
-              <a:rPr b="1" lang="en" sz="1800">
+              <a:rPr lang="en" sz="1800" b="1">
                 <a:solidFill>
                   <a:schemeClr val="dk2"/>
                 </a:solidFill>
@@ -13172,7 +12769,7 @@
             </a:endParaRPr>
           </a:p>
           <a:p>
-            <a:pPr indent="-342900" lvl="0" marL="457200" marR="0" rtl="0" algn="l">
+            <a:pPr marL="457200" marR="0" lvl="0" indent="-342900" algn="l" rtl="0">
               <a:lnSpc>
                 <a:spcPct val="115000"/>
               </a:lnSpc>
@@ -13212,7 +12809,7 @@
             </a:endParaRPr>
           </a:p>
           <a:p>
-            <a:pPr indent="-342900" lvl="0" marL="457200" marR="0" rtl="0" algn="l">
+            <a:pPr marL="457200" marR="0" lvl="0" indent="-342900" algn="l" rtl="0">
               <a:lnSpc>
                 <a:spcPct val="115000"/>
               </a:lnSpc>
@@ -13282,7 +12879,288 @@
 </file>
 
 <file path=ppt/theme/theme1.xml><?xml version="1.0" encoding="utf-8"?>
-<a:theme xmlns:a="http://schemas.openxmlformats.org/drawingml/2006/main" xmlns:r="http://schemas.openxmlformats.org/officeDocument/2006/relationships">
+<a:theme xmlns:a="http://schemas.openxmlformats.org/drawingml/2006/main" name="Gameday">
+  <a:themeElements>
+    <a:clrScheme name="Gameday">
+      <a:dk1>
+        <a:srgbClr val="4285F4"/>
+      </a:dk1>
+      <a:lt1>
+        <a:srgbClr val="FFFFFF"/>
+      </a:lt1>
+      <a:dk2>
+        <a:srgbClr val="666666"/>
+      </a:dk2>
+      <a:lt2>
+        <a:srgbClr val="D9D9D9"/>
+      </a:lt2>
+      <a:accent1>
+        <a:srgbClr val="455A64"/>
+      </a:accent1>
+      <a:accent2>
+        <a:srgbClr val="607D8B"/>
+      </a:accent2>
+      <a:accent3>
+        <a:srgbClr val="FF5722"/>
+      </a:accent3>
+      <a:accent4>
+        <a:srgbClr val="D84315"/>
+      </a:accent4>
+      <a:accent5>
+        <a:srgbClr val="1C3AA9"/>
+      </a:accent5>
+      <a:accent6>
+        <a:srgbClr val="FFAB40"/>
+      </a:accent6>
+      <a:hlink>
+        <a:srgbClr val="1C3AA9"/>
+      </a:hlink>
+      <a:folHlink>
+        <a:srgbClr val="1C3AA9"/>
+      </a:folHlink>
+    </a:clrScheme>
+    <a:fontScheme name="Office">
+      <a:majorFont>
+        <a:latin typeface="Arial"/>
+        <a:ea typeface=""/>
+        <a:cs typeface=""/>
+        <a:font script="Jpan" typeface="ＭＳ Ｐゴシック"/>
+        <a:font script="Hang" typeface="맑은 고딕"/>
+        <a:font script="Hans" typeface="宋体"/>
+        <a:font script="Hant" typeface="新細明體"/>
+        <a:font script="Arab" typeface="Times New Roman"/>
+        <a:font script="Hebr" typeface="Times New Roman"/>
+        <a:font script="Thai" typeface="Angsana New"/>
+        <a:font script="Ethi" typeface="Nyala"/>
+        <a:font script="Beng" typeface="Vrinda"/>
+        <a:font script="Gujr" typeface="Shruti"/>
+        <a:font script="Khmr" typeface="MoolBoran"/>
+        <a:font script="Knda" typeface="Tunga"/>
+        <a:font script="Guru" typeface="Raavi"/>
+        <a:font script="Cans" typeface="Euphemia"/>
+        <a:font script="Cher" typeface="Plantagenet Cherokee"/>
+        <a:font script="Yiii" typeface="Microsoft Yi Baiti"/>
+        <a:font script="Tibt" typeface="Microsoft Himalaya"/>
+        <a:font script="Thaa" typeface="MV Boli"/>
+        <a:font script="Deva" typeface="Mangal"/>
+        <a:font script="Telu" typeface="Gautami"/>
+        <a:font script="Taml" typeface="Latha"/>
+        <a:font script="Syrc" typeface="Estrangelo Edessa"/>
+        <a:font script="Orya" typeface="Kalinga"/>
+        <a:font script="Mlym" typeface="Kartika"/>
+        <a:font script="Laoo" typeface="DokChampa"/>
+        <a:font script="Sinh" typeface="Iskoola Pota"/>
+        <a:font script="Mong" typeface="Mongolian Baiti"/>
+        <a:font script="Viet" typeface="Times New Roman"/>
+        <a:font script="Uigh" typeface="Microsoft Uighur"/>
+        <a:font script="Geor" typeface="Sylfaen"/>
+      </a:majorFont>
+      <a:minorFont>
+        <a:latin typeface="Arial"/>
+        <a:ea typeface=""/>
+        <a:cs typeface=""/>
+        <a:font script="Jpan" typeface="ＭＳ Ｐゴシック"/>
+        <a:font script="Hang" typeface="맑은 고딕"/>
+        <a:font script="Hans" typeface="宋体"/>
+        <a:font script="Hant" typeface="新細明體"/>
+        <a:font script="Arab" typeface="Arial"/>
+        <a:font script="Hebr" typeface="Arial"/>
+        <a:font script="Thai" typeface="Cordia New"/>
+        <a:font script="Ethi" typeface="Nyala"/>
+        <a:font script="Beng" typeface="Vrinda"/>
+        <a:font script="Gujr" typeface="Shruti"/>
+        <a:font script="Khmr" typeface="DaunPenh"/>
+        <a:font script="Knda" typeface="Tunga"/>
+        <a:font script="Guru" typeface="Raavi"/>
+        <a:font script="Cans" typeface="Euphemia"/>
+        <a:font script="Cher" typeface="Plantagenet Cherokee"/>
+        <a:font script="Yiii" typeface="Microsoft Yi Baiti"/>
+        <a:font script="Tibt" typeface="Microsoft Himalaya"/>
+        <a:font script="Thaa" typeface="MV Boli"/>
+        <a:font script="Deva" typeface="Mangal"/>
+        <a:font script="Telu" typeface="Gautami"/>
+        <a:font script="Taml" typeface="Latha"/>
+        <a:font script="Syrc" typeface="Estrangelo Edessa"/>
+        <a:font script="Orya" typeface="Kalinga"/>
+        <a:font script="Mlym" typeface="Kartika"/>
+        <a:font script="Laoo" typeface="DokChampa"/>
+        <a:font script="Sinh" typeface="Iskoola Pota"/>
+        <a:font script="Mong" typeface="Mongolian Baiti"/>
+        <a:font script="Viet" typeface="Arial"/>
+        <a:font script="Uigh" typeface="Microsoft Uighur"/>
+        <a:font script="Geor" typeface="Sylfaen"/>
+      </a:minorFont>
+    </a:fontScheme>
+    <a:fmtScheme name="Office">
+      <a:fillStyleLst>
+        <a:solidFill>
+          <a:schemeClr val="phClr"/>
+        </a:solidFill>
+        <a:gradFill rotWithShape="1">
+          <a:gsLst>
+            <a:gs pos="0">
+              <a:schemeClr val="phClr">
+                <a:tint val="50000"/>
+                <a:satMod val="300000"/>
+              </a:schemeClr>
+            </a:gs>
+            <a:gs pos="35000">
+              <a:schemeClr val="phClr">
+                <a:tint val="37000"/>
+                <a:satMod val="300000"/>
+              </a:schemeClr>
+            </a:gs>
+            <a:gs pos="100000">
+              <a:schemeClr val="phClr">
+                <a:tint val="15000"/>
+                <a:satMod val="350000"/>
+              </a:schemeClr>
+            </a:gs>
+          </a:gsLst>
+          <a:lin ang="16200000" scaled="1"/>
+        </a:gradFill>
+        <a:gradFill rotWithShape="1">
+          <a:gsLst>
+            <a:gs pos="0">
+              <a:schemeClr val="phClr">
+                <a:tint val="100000"/>
+                <a:shade val="100000"/>
+                <a:satMod val="130000"/>
+              </a:schemeClr>
+            </a:gs>
+            <a:gs pos="100000">
+              <a:schemeClr val="phClr">
+                <a:tint val="50000"/>
+                <a:shade val="100000"/>
+                <a:satMod val="350000"/>
+              </a:schemeClr>
+            </a:gs>
+          </a:gsLst>
+          <a:lin ang="16200000" scaled="0"/>
+        </a:gradFill>
+      </a:fillStyleLst>
+      <a:lnStyleLst>
+        <a:ln w="9525" cap="flat" cmpd="sng" algn="ctr">
+          <a:solidFill>
+            <a:schemeClr val="phClr">
+              <a:shade val="95000"/>
+              <a:satMod val="105000"/>
+            </a:schemeClr>
+          </a:solidFill>
+          <a:prstDash val="solid"/>
+        </a:ln>
+        <a:ln w="25400" cap="flat" cmpd="sng" algn="ctr">
+          <a:solidFill>
+            <a:schemeClr val="phClr"/>
+          </a:solidFill>
+          <a:prstDash val="solid"/>
+        </a:ln>
+        <a:ln w="38100" cap="flat" cmpd="sng" algn="ctr">
+          <a:solidFill>
+            <a:schemeClr val="phClr"/>
+          </a:solidFill>
+          <a:prstDash val="solid"/>
+        </a:ln>
+      </a:lnStyleLst>
+      <a:effectStyleLst>
+        <a:effectStyle>
+          <a:effectLst>
+            <a:outerShdw blurRad="40000" dist="20000" dir="5400000" rotWithShape="0">
+              <a:srgbClr val="000000">
+                <a:alpha val="38000"/>
+              </a:srgbClr>
+            </a:outerShdw>
+          </a:effectLst>
+        </a:effectStyle>
+        <a:effectStyle>
+          <a:effectLst>
+            <a:outerShdw blurRad="40000" dist="23000" dir="5400000" rotWithShape="0">
+              <a:srgbClr val="000000">
+                <a:alpha val="35000"/>
+              </a:srgbClr>
+            </a:outerShdw>
+          </a:effectLst>
+        </a:effectStyle>
+        <a:effectStyle>
+          <a:effectLst>
+            <a:outerShdw blurRad="40000" dist="23000" dir="5400000" rotWithShape="0">
+              <a:srgbClr val="000000">
+                <a:alpha val="35000"/>
+              </a:srgbClr>
+            </a:outerShdw>
+          </a:effectLst>
+          <a:scene3d>
+            <a:camera prst="orthographicFront">
+              <a:rot lat="0" lon="0" rev="0"/>
+            </a:camera>
+            <a:lightRig rig="threePt" dir="t">
+              <a:rot lat="0" lon="0" rev="1200000"/>
+            </a:lightRig>
+          </a:scene3d>
+          <a:sp3d>
+            <a:bevelT w="63500" h="25400"/>
+          </a:sp3d>
+        </a:effectStyle>
+      </a:effectStyleLst>
+      <a:bgFillStyleLst>
+        <a:solidFill>
+          <a:schemeClr val="phClr"/>
+        </a:solidFill>
+        <a:gradFill rotWithShape="1">
+          <a:gsLst>
+            <a:gs pos="0">
+              <a:schemeClr val="phClr">
+                <a:tint val="40000"/>
+                <a:satMod val="350000"/>
+              </a:schemeClr>
+            </a:gs>
+            <a:gs pos="40000">
+              <a:schemeClr val="phClr">
+                <a:tint val="45000"/>
+                <a:shade val="99000"/>
+                <a:satMod val="350000"/>
+              </a:schemeClr>
+            </a:gs>
+            <a:gs pos="100000">
+              <a:schemeClr val="phClr">
+                <a:shade val="20000"/>
+                <a:satMod val="255000"/>
+              </a:schemeClr>
+            </a:gs>
+          </a:gsLst>
+          <a:path path="circle">
+            <a:fillToRect l="50000" t="-80000" r="50000" b="180000"/>
+          </a:path>
+        </a:gradFill>
+        <a:gradFill rotWithShape="1">
+          <a:gsLst>
+            <a:gs pos="0">
+              <a:schemeClr val="phClr">
+                <a:tint val="80000"/>
+                <a:satMod val="300000"/>
+              </a:schemeClr>
+            </a:gs>
+            <a:gs pos="100000">
+              <a:schemeClr val="phClr">
+                <a:shade val="30000"/>
+                <a:satMod val="200000"/>
+              </a:schemeClr>
+            </a:gs>
+          </a:gsLst>
+          <a:path path="circle">
+            <a:fillToRect l="50000" t="50000" r="50000" b="50000"/>
+          </a:path>
+        </a:gradFill>
+      </a:bgFillStyleLst>
+    </a:fmtScheme>
+  </a:themeElements>
+  <a:objectDefaults/>
+  <a:extraClrSchemeLst/>
+</a:theme>
+</file>
+
+<file path=ppt/theme/theme2.xml><?xml version="1.0" encoding="utf-8"?>
+<a:theme xmlns:a="http://schemas.openxmlformats.org/drawingml/2006/main">
   <a:themeElements>
     <a:clrScheme name="Default">
       <a:dk1>
@@ -13557,284 +13435,7 @@
       </a:bgFillStyleLst>
     </a:fmtScheme>
   </a:themeElements>
-</a:theme>
-</file>
-
-<file path=ppt/theme/theme2.xml><?xml version="1.0" encoding="utf-8"?>
-<a:theme xmlns:a="http://schemas.openxmlformats.org/drawingml/2006/main" xmlns:r="http://schemas.openxmlformats.org/officeDocument/2006/relationships" name="Gameday">
-  <a:themeElements>
-    <a:clrScheme name="Gameday">
-      <a:dk1>
-        <a:srgbClr val="4285F4"/>
-      </a:dk1>
-      <a:lt1>
-        <a:srgbClr val="FFFFFF"/>
-      </a:lt1>
-      <a:dk2>
-        <a:srgbClr val="666666"/>
-      </a:dk2>
-      <a:lt2>
-        <a:srgbClr val="D9D9D9"/>
-      </a:lt2>
-      <a:accent1>
-        <a:srgbClr val="455A64"/>
-      </a:accent1>
-      <a:accent2>
-        <a:srgbClr val="607D8B"/>
-      </a:accent2>
-      <a:accent3>
-        <a:srgbClr val="FF5722"/>
-      </a:accent3>
-      <a:accent4>
-        <a:srgbClr val="D84315"/>
-      </a:accent4>
-      <a:accent5>
-        <a:srgbClr val="1C3AA9"/>
-      </a:accent5>
-      <a:accent6>
-        <a:srgbClr val="FFAB40"/>
-      </a:accent6>
-      <a:hlink>
-        <a:srgbClr val="1C3AA9"/>
-      </a:hlink>
-      <a:folHlink>
-        <a:srgbClr val="1C3AA9"/>
-      </a:folHlink>
-    </a:clrScheme>
-    <a:fontScheme name="Office">
-      <a:majorFont>
-        <a:latin typeface="Arial"/>
-        <a:ea typeface=""/>
-        <a:cs typeface=""/>
-        <a:font script="Jpan" typeface="ＭＳ Ｐゴシック"/>
-        <a:font script="Hang" typeface="맑은 고딕"/>
-        <a:font script="Hans" typeface="宋体"/>
-        <a:font script="Hant" typeface="新細明體"/>
-        <a:font script="Arab" typeface="Times New Roman"/>
-        <a:font script="Hebr" typeface="Times New Roman"/>
-        <a:font script="Thai" typeface="Angsana New"/>
-        <a:font script="Ethi" typeface="Nyala"/>
-        <a:font script="Beng" typeface="Vrinda"/>
-        <a:font script="Gujr" typeface="Shruti"/>
-        <a:font script="Khmr" typeface="MoolBoran"/>
-        <a:font script="Knda" typeface="Tunga"/>
-        <a:font script="Guru" typeface="Raavi"/>
-        <a:font script="Cans" typeface="Euphemia"/>
-        <a:font script="Cher" typeface="Plantagenet Cherokee"/>
-        <a:font script="Yiii" typeface="Microsoft Yi Baiti"/>
-        <a:font script="Tibt" typeface="Microsoft Himalaya"/>
-        <a:font script="Thaa" typeface="MV Boli"/>
-        <a:font script="Deva" typeface="Mangal"/>
-        <a:font script="Telu" typeface="Gautami"/>
-        <a:font script="Taml" typeface="Latha"/>
-        <a:font script="Syrc" typeface="Estrangelo Edessa"/>
-        <a:font script="Orya" typeface="Kalinga"/>
-        <a:font script="Mlym" typeface="Kartika"/>
-        <a:font script="Laoo" typeface="DokChampa"/>
-        <a:font script="Sinh" typeface="Iskoola Pota"/>
-        <a:font script="Mong" typeface="Mongolian Baiti"/>
-        <a:font script="Viet" typeface="Times New Roman"/>
-        <a:font script="Uigh" typeface="Microsoft Uighur"/>
-        <a:font script="Geor" typeface="Sylfaen"/>
-      </a:majorFont>
-      <a:minorFont>
-        <a:latin typeface="Arial"/>
-        <a:ea typeface=""/>
-        <a:cs typeface=""/>
-        <a:font script="Jpan" typeface="ＭＳ Ｐゴシック"/>
-        <a:font script="Hang" typeface="맑은 고딕"/>
-        <a:font script="Hans" typeface="宋体"/>
-        <a:font script="Hant" typeface="新細明體"/>
-        <a:font script="Arab" typeface="Arial"/>
-        <a:font script="Hebr" typeface="Arial"/>
-        <a:font script="Thai" typeface="Cordia New"/>
-        <a:font script="Ethi" typeface="Nyala"/>
-        <a:font script="Beng" typeface="Vrinda"/>
-        <a:font script="Gujr" typeface="Shruti"/>
-        <a:font script="Khmr" typeface="DaunPenh"/>
-        <a:font script="Knda" typeface="Tunga"/>
-        <a:font script="Guru" typeface="Raavi"/>
-        <a:font script="Cans" typeface="Euphemia"/>
-        <a:font script="Cher" typeface="Plantagenet Cherokee"/>
-        <a:font script="Yiii" typeface="Microsoft Yi Baiti"/>
-        <a:font script="Tibt" typeface="Microsoft Himalaya"/>
-        <a:font script="Thaa" typeface="MV Boli"/>
-        <a:font script="Deva" typeface="Mangal"/>
-        <a:font script="Telu" typeface="Gautami"/>
-        <a:font script="Taml" typeface="Latha"/>
-        <a:font script="Syrc" typeface="Estrangelo Edessa"/>
-        <a:font script="Orya" typeface="Kalinga"/>
-        <a:font script="Mlym" typeface="Kartika"/>
-        <a:font script="Laoo" typeface="DokChampa"/>
-        <a:font script="Sinh" typeface="Iskoola Pota"/>
-        <a:font script="Mong" typeface="Mongolian Baiti"/>
-        <a:font script="Viet" typeface="Arial"/>
-        <a:font script="Uigh" typeface="Microsoft Uighur"/>
-        <a:font script="Geor" typeface="Sylfaen"/>
-      </a:minorFont>
-    </a:fontScheme>
-    <a:fmtScheme name="Office">
-      <a:fillStyleLst>
-        <a:solidFill>
-          <a:schemeClr val="phClr"/>
-        </a:solidFill>
-        <a:gradFill rotWithShape="1">
-          <a:gsLst>
-            <a:gs pos="0">
-              <a:schemeClr val="phClr">
-                <a:tint val="50000"/>
-                <a:satMod val="300000"/>
-              </a:schemeClr>
-            </a:gs>
-            <a:gs pos="35000">
-              <a:schemeClr val="phClr">
-                <a:tint val="37000"/>
-                <a:satMod val="300000"/>
-              </a:schemeClr>
-            </a:gs>
-            <a:gs pos="100000">
-              <a:schemeClr val="phClr">
-                <a:tint val="15000"/>
-                <a:satMod val="350000"/>
-              </a:schemeClr>
-            </a:gs>
-          </a:gsLst>
-          <a:lin ang="16200000" scaled="1"/>
-        </a:gradFill>
-        <a:gradFill rotWithShape="1">
-          <a:gsLst>
-            <a:gs pos="0">
-              <a:schemeClr val="phClr">
-                <a:tint val="100000"/>
-                <a:shade val="100000"/>
-                <a:satMod val="130000"/>
-              </a:schemeClr>
-            </a:gs>
-            <a:gs pos="100000">
-              <a:schemeClr val="phClr">
-                <a:tint val="50000"/>
-                <a:shade val="100000"/>
-                <a:satMod val="350000"/>
-              </a:schemeClr>
-            </a:gs>
-          </a:gsLst>
-          <a:lin ang="16200000" scaled="0"/>
-        </a:gradFill>
-      </a:fillStyleLst>
-      <a:lnStyleLst>
-        <a:ln w="9525" cap="flat" cmpd="sng" algn="ctr">
-          <a:solidFill>
-            <a:schemeClr val="phClr">
-              <a:shade val="95000"/>
-              <a:satMod val="105000"/>
-            </a:schemeClr>
-          </a:solidFill>
-          <a:prstDash val="solid"/>
-        </a:ln>
-        <a:ln w="25400" cap="flat" cmpd="sng" algn="ctr">
-          <a:solidFill>
-            <a:schemeClr val="phClr"/>
-          </a:solidFill>
-          <a:prstDash val="solid"/>
-        </a:ln>
-        <a:ln w="38100" cap="flat" cmpd="sng" algn="ctr">
-          <a:solidFill>
-            <a:schemeClr val="phClr"/>
-          </a:solidFill>
-          <a:prstDash val="solid"/>
-        </a:ln>
-      </a:lnStyleLst>
-      <a:effectStyleLst>
-        <a:effectStyle>
-          <a:effectLst>
-            <a:outerShdw blurRad="40000" dist="20000" dir="5400000" rotWithShape="0">
-              <a:srgbClr val="000000">
-                <a:alpha val="38000"/>
-              </a:srgbClr>
-            </a:outerShdw>
-          </a:effectLst>
-        </a:effectStyle>
-        <a:effectStyle>
-          <a:effectLst>
-            <a:outerShdw blurRad="40000" dist="23000" dir="5400000" rotWithShape="0">
-              <a:srgbClr val="000000">
-                <a:alpha val="35000"/>
-              </a:srgbClr>
-            </a:outerShdw>
-          </a:effectLst>
-        </a:effectStyle>
-        <a:effectStyle>
-          <a:effectLst>
-            <a:outerShdw blurRad="40000" dist="23000" dir="5400000" rotWithShape="0">
-              <a:srgbClr val="000000">
-                <a:alpha val="35000"/>
-              </a:srgbClr>
-            </a:outerShdw>
-          </a:effectLst>
-          <a:scene3d>
-            <a:camera prst="orthographicFront">
-              <a:rot lat="0" lon="0" rev="0"/>
-            </a:camera>
-            <a:lightRig rig="threePt" dir="t">
-              <a:rot lat="0" lon="0" rev="1200000"/>
-            </a:lightRig>
-          </a:scene3d>
-          <a:sp3d>
-            <a:bevelT w="63500" h="25400"/>
-          </a:sp3d>
-        </a:effectStyle>
-      </a:effectStyleLst>
-      <a:bgFillStyleLst>
-        <a:solidFill>
-          <a:schemeClr val="phClr"/>
-        </a:solidFill>
-        <a:gradFill rotWithShape="1">
-          <a:gsLst>
-            <a:gs pos="0">
-              <a:schemeClr val="phClr">
-                <a:tint val="40000"/>
-                <a:satMod val="350000"/>
-              </a:schemeClr>
-            </a:gs>
-            <a:gs pos="40000">
-              <a:schemeClr val="phClr">
-                <a:tint val="45000"/>
-                <a:shade val="99000"/>
-                <a:satMod val="350000"/>
-              </a:schemeClr>
-            </a:gs>
-            <a:gs pos="100000">
-              <a:schemeClr val="phClr">
-                <a:shade val="20000"/>
-                <a:satMod val="255000"/>
-              </a:schemeClr>
-            </a:gs>
-          </a:gsLst>
-          <a:path path="circle">
-            <a:fillToRect l="50000" t="-80000" r="50000" b="180000"/>
-          </a:path>
-        </a:gradFill>
-        <a:gradFill rotWithShape="1">
-          <a:gsLst>
-            <a:gs pos="0">
-              <a:schemeClr val="phClr">
-                <a:tint val="80000"/>
-                <a:satMod val="300000"/>
-              </a:schemeClr>
-            </a:gs>
-            <a:gs pos="100000">
-              <a:schemeClr val="phClr">
-                <a:shade val="30000"/>
-                <a:satMod val="200000"/>
-              </a:schemeClr>
-            </a:gs>
-          </a:gsLst>
-          <a:path path="circle">
-            <a:fillToRect l="50000" t="50000" r="50000" b="50000"/>
-          </a:path>
-        </a:gradFill>
-      </a:bgFillStyleLst>
-    </a:fmtScheme>
-  </a:themeElements>
+  <a:objectDefaults/>
+  <a:extraClrSchemeLst/>
 </a:theme>
 </file>